--- a/20220411_KPS_송영호.pptx
+++ b/20220411_KPS_송영호.pptx
@@ -10,30 +10,32 @@
     <p:sldMasterId id="2147483772" r:id="rId6"/>
   </p:sldMasterIdLst>
   <p:notesMasterIdLst>
-    <p:notesMasterId r:id="rId25"/>
+    <p:notesMasterId r:id="rId27"/>
   </p:notesMasterIdLst>
   <p:handoutMasterIdLst>
-    <p:handoutMasterId r:id="rId26"/>
+    <p:handoutMasterId r:id="rId28"/>
   </p:handoutMasterIdLst>
   <p:sldIdLst>
     <p:sldId id="269" r:id="rId7"/>
     <p:sldId id="523" r:id="rId8"/>
-    <p:sldId id="525" r:id="rId9"/>
-    <p:sldId id="522" r:id="rId10"/>
-    <p:sldId id="526" r:id="rId11"/>
-    <p:sldId id="527" r:id="rId12"/>
-    <p:sldId id="529" r:id="rId13"/>
-    <p:sldId id="528" r:id="rId14"/>
-    <p:sldId id="531" r:id="rId15"/>
-    <p:sldId id="533" r:id="rId16"/>
-    <p:sldId id="534" r:id="rId17"/>
-    <p:sldId id="535" r:id="rId18"/>
-    <p:sldId id="536" r:id="rId19"/>
-    <p:sldId id="537" r:id="rId20"/>
-    <p:sldId id="538" r:id="rId21"/>
-    <p:sldId id="539" r:id="rId22"/>
-    <p:sldId id="540" r:id="rId23"/>
-    <p:sldId id="541" r:id="rId24"/>
+    <p:sldId id="542" r:id="rId9"/>
+    <p:sldId id="525" r:id="rId10"/>
+    <p:sldId id="522" r:id="rId11"/>
+    <p:sldId id="526" r:id="rId12"/>
+    <p:sldId id="527" r:id="rId13"/>
+    <p:sldId id="529" r:id="rId14"/>
+    <p:sldId id="528" r:id="rId15"/>
+    <p:sldId id="531" r:id="rId16"/>
+    <p:sldId id="533" r:id="rId17"/>
+    <p:sldId id="534" r:id="rId18"/>
+    <p:sldId id="535" r:id="rId19"/>
+    <p:sldId id="536" r:id="rId20"/>
+    <p:sldId id="537" r:id="rId21"/>
+    <p:sldId id="538" r:id="rId22"/>
+    <p:sldId id="543" r:id="rId23"/>
+    <p:sldId id="540" r:id="rId24"/>
+    <p:sldId id="541" r:id="rId25"/>
+    <p:sldId id="544" r:id="rId26"/>
   </p:sldIdLst>
   <p:sldSz cx="9906000" cy="6858000" type="A4"/>
   <p:notesSz cx="6735763" cy="9866313"/>
@@ -139,6 +141,7 @@
           <p14:sldIdLst>
             <p14:sldId id="269"/>
             <p14:sldId id="523"/>
+            <p14:sldId id="542"/>
             <p14:sldId id="525"/>
             <p14:sldId id="522"/>
             <p14:sldId id="526"/>
@@ -152,9 +155,10 @@
             <p14:sldId id="536"/>
             <p14:sldId id="537"/>
             <p14:sldId id="538"/>
-            <p14:sldId id="539"/>
+            <p14:sldId id="543"/>
             <p14:sldId id="540"/>
             <p14:sldId id="541"/>
+            <p14:sldId id="544"/>
           </p14:sldIdLst>
         </p14:section>
       </p14:sectionLst>
@@ -322,7 +326,7 @@
           <a:p>
             <a:fld id="{46F42610-14FF-4B40-B4B6-786DE4FB8FEA}" type="datetime1">
               <a:rPr lang="ko-KR" altLang="en-US" smtClean="0"/>
-              <a:t>2022-04-10</a:t>
+              <a:t>2022-04-11</a:t>
             </a:fld>
             <a:endParaRPr lang="ko-KR" altLang="en-US"/>
           </a:p>
@@ -488,7 +492,7 @@
           <a:p>
             <a:fld id="{513A899E-F476-4791-9F16-0B14047B11F2}" type="datetime1">
               <a:rPr lang="ko-KR" altLang="en-US" smtClean="0"/>
-              <a:t>2022-04-10</a:t>
+              <a:t>2022-04-11</a:t>
             </a:fld>
             <a:endParaRPr lang="ko-KR" altLang="en-US"/>
           </a:p>
@@ -954,7 +958,7 @@
           <a:p>
             <a:fld id="{D5BB7A41-6D90-4371-844A-87EC379C3D06}" type="datetimeFigureOut">
               <a:rPr lang="ko-KR" altLang="en-US" smtClean="0"/>
-              <a:t>2022-04-10</a:t>
+              <a:t>2022-04-11</a:t>
             </a:fld>
             <a:endParaRPr lang="ko-KR" altLang="en-US"/>
           </a:p>
@@ -1302,7 +1306,7 @@
             <a:fld id="{1D8BD707-D9CF-40AE-B4C6-C98DA3205C09}" type="datetimeFigureOut">
               <a:rPr lang="en-US" smtClean="0"/>
               <a:pPr defTabSz="914400" latinLnBrk="0"/>
-              <a:t>4/10/2022</a:t>
+              <a:t>4/11/2022</a:t>
             </a:fld>
             <a:endParaRPr lang="en-US"/>
           </a:p>
@@ -1512,7 +1516,7 @@
             <a:fld id="{1D8BD707-D9CF-40AE-B4C6-C98DA3205C09}" type="datetimeFigureOut">
               <a:rPr lang="en-US" smtClean="0"/>
               <a:pPr defTabSz="914400" latinLnBrk="0"/>
-              <a:t>4/10/2022</a:t>
+              <a:t>4/11/2022</a:t>
             </a:fld>
             <a:endParaRPr lang="en-US"/>
           </a:p>
@@ -1770,7 +1774,7 @@
             <a:fld id="{1D8BD707-D9CF-40AE-B4C6-C98DA3205C09}" type="datetimeFigureOut">
               <a:rPr lang="en-US" smtClean="0"/>
               <a:pPr defTabSz="914400" latinLnBrk="0"/>
-              <a:t>4/10/2022</a:t>
+              <a:t>4/11/2022</a:t>
             </a:fld>
             <a:endParaRPr lang="en-US"/>
           </a:p>
@@ -2098,7 +2102,7 @@
             <a:fld id="{1D8BD707-D9CF-40AE-B4C6-C98DA3205C09}" type="datetimeFigureOut">
               <a:rPr lang="en-US" smtClean="0"/>
               <a:pPr defTabSz="914400" latinLnBrk="0"/>
-              <a:t>4/10/2022</a:t>
+              <a:t>4/11/2022</a:t>
             </a:fld>
             <a:endParaRPr lang="en-US"/>
           </a:p>
@@ -2574,7 +2578,7 @@
             <a:fld id="{1D8BD707-D9CF-40AE-B4C6-C98DA3205C09}" type="datetimeFigureOut">
               <a:rPr lang="en-US" smtClean="0"/>
               <a:pPr defTabSz="914400" latinLnBrk="0"/>
-              <a:t>4/10/2022</a:t>
+              <a:t>4/11/2022</a:t>
             </a:fld>
             <a:endParaRPr lang="en-US"/>
           </a:p>
@@ -2732,7 +2736,7 @@
             <a:fld id="{1D8BD707-D9CF-40AE-B4C6-C98DA3205C09}" type="datetimeFigureOut">
               <a:rPr lang="en-US" smtClean="0"/>
               <a:pPr defTabSz="914400" latinLnBrk="0"/>
-              <a:t>4/10/2022</a:t>
+              <a:t>4/11/2022</a:t>
             </a:fld>
             <a:endParaRPr lang="en-US"/>
           </a:p>
@@ -2832,7 +2836,7 @@
             <a:fld id="{1D8BD707-D9CF-40AE-B4C6-C98DA3205C09}" type="datetimeFigureOut">
               <a:rPr lang="en-US" smtClean="0"/>
               <a:pPr defTabSz="914400" latinLnBrk="0"/>
-              <a:t>4/10/2022</a:t>
+              <a:t>4/11/2022</a:t>
             </a:fld>
             <a:endParaRPr lang="en-US"/>
           </a:p>
@@ -2990,7 +2994,7 @@
           <a:p>
             <a:fld id="{D5BB7A41-6D90-4371-844A-87EC379C3D06}" type="datetimeFigureOut">
               <a:rPr lang="ko-KR" altLang="en-US" smtClean="0"/>
-              <a:t>2022-04-10</a:t>
+              <a:t>2022-04-11</a:t>
             </a:fld>
             <a:endParaRPr lang="ko-KR" altLang="en-US"/>
           </a:p>
@@ -3271,7 +3275,7 @@
             <a:fld id="{1D8BD707-D9CF-40AE-B4C6-C98DA3205C09}" type="datetimeFigureOut">
               <a:rPr lang="en-US" smtClean="0"/>
               <a:pPr defTabSz="914400" latinLnBrk="0"/>
-              <a:t>4/10/2022</a:t>
+              <a:t>4/11/2022</a:t>
             </a:fld>
             <a:endParaRPr lang="en-US"/>
           </a:p>
@@ -3586,7 +3590,7 @@
             <a:fld id="{1D8BD707-D9CF-40AE-B4C6-C98DA3205C09}" type="datetimeFigureOut">
               <a:rPr lang="en-US" smtClean="0"/>
               <a:pPr defTabSz="914400" latinLnBrk="0"/>
-              <a:t>4/10/2022</a:t>
+              <a:t>4/11/2022</a:t>
             </a:fld>
             <a:endParaRPr lang="en-US"/>
           </a:p>
@@ -3761,7 +3765,7 @@
             <a:fld id="{1D8BD707-D9CF-40AE-B4C6-C98DA3205C09}" type="datetimeFigureOut">
               <a:rPr lang="en-US" smtClean="0"/>
               <a:pPr defTabSz="914400" latinLnBrk="0"/>
-              <a:t>4/10/2022</a:t>
+              <a:t>4/11/2022</a:t>
             </a:fld>
             <a:endParaRPr lang="en-US"/>
           </a:p>
@@ -3946,7 +3950,7 @@
             <a:fld id="{1D8BD707-D9CF-40AE-B4C6-C98DA3205C09}" type="datetimeFigureOut">
               <a:rPr lang="en-US" smtClean="0"/>
               <a:pPr defTabSz="914400" latinLnBrk="0"/>
-              <a:t>4/10/2022</a:t>
+              <a:t>4/11/2022</a:t>
             </a:fld>
             <a:endParaRPr lang="en-US"/>
           </a:p>
@@ -4200,7 +4204,7 @@
             <a:fld id="{1D8BD707-D9CF-40AE-B4C6-C98DA3205C09}" type="datetimeFigureOut">
               <a:rPr lang="en-US" smtClean="0"/>
               <a:pPr defTabSz="914400" latinLnBrk="0"/>
-              <a:t>4/10/2022</a:t>
+              <a:t>4/11/2022</a:t>
             </a:fld>
             <a:endParaRPr lang="en-US"/>
           </a:p>
@@ -4410,7 +4414,7 @@
             <a:fld id="{1D8BD707-D9CF-40AE-B4C6-C98DA3205C09}" type="datetimeFigureOut">
               <a:rPr lang="en-US" smtClean="0"/>
               <a:pPr defTabSz="914400" latinLnBrk="0"/>
-              <a:t>4/10/2022</a:t>
+              <a:t>4/11/2022</a:t>
             </a:fld>
             <a:endParaRPr lang="en-US"/>
           </a:p>
@@ -4668,7 +4672,7 @@
             <a:fld id="{1D8BD707-D9CF-40AE-B4C6-C98DA3205C09}" type="datetimeFigureOut">
               <a:rPr lang="en-US" smtClean="0"/>
               <a:pPr defTabSz="914400" latinLnBrk="0"/>
-              <a:t>4/10/2022</a:t>
+              <a:t>4/11/2022</a:t>
             </a:fld>
             <a:endParaRPr lang="en-US"/>
           </a:p>
@@ -4996,7 +5000,7 @@
             <a:fld id="{1D8BD707-D9CF-40AE-B4C6-C98DA3205C09}" type="datetimeFigureOut">
               <a:rPr lang="en-US" smtClean="0"/>
               <a:pPr defTabSz="914400" latinLnBrk="0"/>
-              <a:t>4/10/2022</a:t>
+              <a:t>4/11/2022</a:t>
             </a:fld>
             <a:endParaRPr lang="en-US"/>
           </a:p>
@@ -5472,7 +5476,7 @@
             <a:fld id="{1D8BD707-D9CF-40AE-B4C6-C98DA3205C09}" type="datetimeFigureOut">
               <a:rPr lang="en-US" smtClean="0"/>
               <a:pPr defTabSz="914400" latinLnBrk="0"/>
-              <a:t>4/10/2022</a:t>
+              <a:t>4/11/2022</a:t>
             </a:fld>
             <a:endParaRPr lang="en-US"/>
           </a:p>
@@ -5630,7 +5634,7 @@
             <a:fld id="{1D8BD707-D9CF-40AE-B4C6-C98DA3205C09}" type="datetimeFigureOut">
               <a:rPr lang="en-US" smtClean="0"/>
               <a:pPr defTabSz="914400" latinLnBrk="0"/>
-              <a:t>4/10/2022</a:t>
+              <a:t>4/11/2022</a:t>
             </a:fld>
             <a:endParaRPr lang="en-US"/>
           </a:p>
@@ -5883,7 +5887,7 @@
           <a:p>
             <a:fld id="{D5BB7A41-6D90-4371-844A-87EC379C3D06}" type="datetimeFigureOut">
               <a:rPr lang="ko-KR" altLang="en-US" smtClean="0"/>
-              <a:t>2022-04-10</a:t>
+              <a:t>2022-04-11</a:t>
             </a:fld>
             <a:endParaRPr lang="ko-KR" altLang="en-US"/>
           </a:p>
@@ -5980,7 +5984,7 @@
             <a:fld id="{1D8BD707-D9CF-40AE-B4C6-C98DA3205C09}" type="datetimeFigureOut">
               <a:rPr lang="en-US" smtClean="0"/>
               <a:pPr defTabSz="914400" latinLnBrk="0"/>
-              <a:t>4/10/2022</a:t>
+              <a:t>4/11/2022</a:t>
             </a:fld>
             <a:endParaRPr lang="en-US"/>
           </a:p>
@@ -6264,7 +6268,7 @@
             <a:fld id="{1D8BD707-D9CF-40AE-B4C6-C98DA3205C09}" type="datetimeFigureOut">
               <a:rPr lang="en-US" smtClean="0"/>
               <a:pPr defTabSz="914400" latinLnBrk="0"/>
-              <a:t>4/10/2022</a:t>
+              <a:t>4/11/2022</a:t>
             </a:fld>
             <a:endParaRPr lang="en-US"/>
           </a:p>
@@ -6579,7 +6583,7 @@
             <a:fld id="{1D8BD707-D9CF-40AE-B4C6-C98DA3205C09}" type="datetimeFigureOut">
               <a:rPr lang="en-US" smtClean="0"/>
               <a:pPr defTabSz="914400" latinLnBrk="0"/>
-              <a:t>4/10/2022</a:t>
+              <a:t>4/11/2022</a:t>
             </a:fld>
             <a:endParaRPr lang="en-US"/>
           </a:p>
@@ -6754,7 +6758,7 @@
             <a:fld id="{1D8BD707-D9CF-40AE-B4C6-C98DA3205C09}" type="datetimeFigureOut">
               <a:rPr lang="en-US" smtClean="0"/>
               <a:pPr defTabSz="914400" latinLnBrk="0"/>
-              <a:t>4/10/2022</a:t>
+              <a:t>4/11/2022</a:t>
             </a:fld>
             <a:endParaRPr lang="en-US"/>
           </a:p>
@@ -6939,7 +6943,7 @@
             <a:fld id="{1D8BD707-D9CF-40AE-B4C6-C98DA3205C09}" type="datetimeFigureOut">
               <a:rPr lang="en-US" smtClean="0"/>
               <a:pPr defTabSz="914400" latinLnBrk="0"/>
-              <a:t>4/10/2022</a:t>
+              <a:t>4/11/2022</a:t>
             </a:fld>
             <a:endParaRPr lang="en-US"/>
           </a:p>
@@ -7193,7 +7197,7 @@
             <a:fld id="{1D8BD707-D9CF-40AE-B4C6-C98DA3205C09}" type="datetimeFigureOut">
               <a:rPr lang="en-US" smtClean="0"/>
               <a:pPr defTabSz="914400" latinLnBrk="0"/>
-              <a:t>4/10/2022</a:t>
+              <a:t>4/11/2022</a:t>
             </a:fld>
             <a:endParaRPr lang="en-US"/>
           </a:p>
@@ -7403,7 +7407,7 @@
             <a:fld id="{1D8BD707-D9CF-40AE-B4C6-C98DA3205C09}" type="datetimeFigureOut">
               <a:rPr lang="en-US" smtClean="0"/>
               <a:pPr defTabSz="914400" latinLnBrk="0"/>
-              <a:t>4/10/2022</a:t>
+              <a:t>4/11/2022</a:t>
             </a:fld>
             <a:endParaRPr lang="en-US"/>
           </a:p>
@@ -7661,7 +7665,7 @@
             <a:fld id="{1D8BD707-D9CF-40AE-B4C6-C98DA3205C09}" type="datetimeFigureOut">
               <a:rPr lang="en-US" smtClean="0"/>
               <a:pPr defTabSz="914400" latinLnBrk="0"/>
-              <a:t>4/10/2022</a:t>
+              <a:t>4/11/2022</a:t>
             </a:fld>
             <a:endParaRPr lang="en-US"/>
           </a:p>
@@ -7989,7 +7993,7 @@
             <a:fld id="{1D8BD707-D9CF-40AE-B4C6-C98DA3205C09}" type="datetimeFigureOut">
               <a:rPr lang="en-US" smtClean="0"/>
               <a:pPr defTabSz="914400" latinLnBrk="0"/>
-              <a:t>4/10/2022</a:t>
+              <a:t>4/11/2022</a:t>
             </a:fld>
             <a:endParaRPr lang="en-US"/>
           </a:p>
@@ -8465,7 +8469,7 @@
             <a:fld id="{1D8BD707-D9CF-40AE-B4C6-C98DA3205C09}" type="datetimeFigureOut">
               <a:rPr lang="en-US" smtClean="0"/>
               <a:pPr defTabSz="914400" latinLnBrk="0"/>
-              <a:t>4/10/2022</a:t>
+              <a:t>4/11/2022</a:t>
             </a:fld>
             <a:endParaRPr lang="en-US"/>
           </a:p>
@@ -8749,7 +8753,7 @@
           <a:p>
             <a:fld id="{D5BB7A41-6D90-4371-844A-87EC379C3D06}" type="datetimeFigureOut">
               <a:rPr lang="ko-KR" altLang="en-US" smtClean="0"/>
-              <a:t>2022-04-10</a:t>
+              <a:t>2022-04-11</a:t>
             </a:fld>
             <a:endParaRPr lang="ko-KR" altLang="en-US"/>
           </a:p>
@@ -8869,7 +8873,7 @@
             <a:fld id="{1D8BD707-D9CF-40AE-B4C6-C98DA3205C09}" type="datetimeFigureOut">
               <a:rPr lang="en-US" smtClean="0"/>
               <a:pPr defTabSz="914400" latinLnBrk="0"/>
-              <a:t>4/10/2022</a:t>
+              <a:t>4/11/2022</a:t>
             </a:fld>
             <a:endParaRPr lang="en-US"/>
           </a:p>
@@ -8969,7 +8973,7 @@
             <a:fld id="{1D8BD707-D9CF-40AE-B4C6-C98DA3205C09}" type="datetimeFigureOut">
               <a:rPr lang="en-US" smtClean="0"/>
               <a:pPr defTabSz="914400" latinLnBrk="0"/>
-              <a:t>4/10/2022</a:t>
+              <a:t>4/11/2022</a:t>
             </a:fld>
             <a:endParaRPr lang="en-US"/>
           </a:p>
@@ -9253,7 +9257,7 @@
             <a:fld id="{1D8BD707-D9CF-40AE-B4C6-C98DA3205C09}" type="datetimeFigureOut">
               <a:rPr lang="en-US" smtClean="0"/>
               <a:pPr defTabSz="914400" latinLnBrk="0"/>
-              <a:t>4/10/2022</a:t>
+              <a:t>4/11/2022</a:t>
             </a:fld>
             <a:endParaRPr lang="en-US"/>
           </a:p>
@@ -9568,7 +9572,7 @@
             <a:fld id="{1D8BD707-D9CF-40AE-B4C6-C98DA3205C09}" type="datetimeFigureOut">
               <a:rPr lang="en-US" smtClean="0"/>
               <a:pPr defTabSz="914400" latinLnBrk="0"/>
-              <a:t>4/10/2022</a:t>
+              <a:t>4/11/2022</a:t>
             </a:fld>
             <a:endParaRPr lang="en-US"/>
           </a:p>
@@ -9743,7 +9747,7 @@
             <a:fld id="{1D8BD707-D9CF-40AE-B4C6-C98DA3205C09}" type="datetimeFigureOut">
               <a:rPr lang="en-US" smtClean="0"/>
               <a:pPr defTabSz="914400" latinLnBrk="0"/>
-              <a:t>4/10/2022</a:t>
+              <a:t>4/11/2022</a:t>
             </a:fld>
             <a:endParaRPr lang="en-US"/>
           </a:p>
@@ -9928,7 +9932,7 @@
             <a:fld id="{1D8BD707-D9CF-40AE-B4C6-C98DA3205C09}" type="datetimeFigureOut">
               <a:rPr lang="en-US" smtClean="0"/>
               <a:pPr defTabSz="914400" latinLnBrk="0"/>
-              <a:t>4/10/2022</a:t>
+              <a:t>4/11/2022</a:t>
             </a:fld>
             <a:endParaRPr lang="en-US"/>
           </a:p>
@@ -10182,7 +10186,7 @@
             <a:fld id="{1D8BD707-D9CF-40AE-B4C6-C98DA3205C09}" type="datetimeFigureOut">
               <a:rPr lang="en-US" smtClean="0"/>
               <a:pPr defTabSz="914400" latinLnBrk="0"/>
-              <a:t>4/10/2022</a:t>
+              <a:t>4/11/2022</a:t>
             </a:fld>
             <a:endParaRPr lang="en-US"/>
           </a:p>
@@ -10392,7 +10396,7 @@
             <a:fld id="{1D8BD707-D9CF-40AE-B4C6-C98DA3205C09}" type="datetimeFigureOut">
               <a:rPr lang="en-US" smtClean="0"/>
               <a:pPr defTabSz="914400" latinLnBrk="0"/>
-              <a:t>4/10/2022</a:t>
+              <a:t>4/11/2022</a:t>
             </a:fld>
             <a:endParaRPr lang="en-US"/>
           </a:p>
@@ -10650,7 +10654,7 @@
             <a:fld id="{1D8BD707-D9CF-40AE-B4C6-C98DA3205C09}" type="datetimeFigureOut">
               <a:rPr lang="en-US" smtClean="0"/>
               <a:pPr defTabSz="914400" latinLnBrk="0"/>
-              <a:t>4/10/2022</a:t>
+              <a:t>4/11/2022</a:t>
             </a:fld>
             <a:endParaRPr lang="en-US"/>
           </a:p>
@@ -10978,7 +10982,7 @@
             <a:fld id="{1D8BD707-D9CF-40AE-B4C6-C98DA3205C09}" type="datetimeFigureOut">
               <a:rPr lang="en-US" smtClean="0"/>
               <a:pPr defTabSz="914400" latinLnBrk="0"/>
-              <a:t>4/10/2022</a:t>
+              <a:t>4/11/2022</a:t>
             </a:fld>
             <a:endParaRPr lang="en-US"/>
           </a:p>
@@ -11363,7 +11367,7 @@
           <a:p>
             <a:fld id="{D5BB7A41-6D90-4371-844A-87EC379C3D06}" type="datetimeFigureOut">
               <a:rPr lang="ko-KR" altLang="en-US" smtClean="0"/>
-              <a:t>2022-04-10</a:t>
+              <a:t>2022-04-11</a:t>
             </a:fld>
             <a:endParaRPr lang="ko-KR" altLang="en-US"/>
           </a:p>
@@ -11836,7 +11840,7 @@
             <a:fld id="{1D8BD707-D9CF-40AE-B4C6-C98DA3205C09}" type="datetimeFigureOut">
               <a:rPr lang="en-US" smtClean="0"/>
               <a:pPr defTabSz="914400" latinLnBrk="0"/>
-              <a:t>4/10/2022</a:t>
+              <a:t>4/11/2022</a:t>
             </a:fld>
             <a:endParaRPr lang="en-US"/>
           </a:p>
@@ -11994,7 +11998,7 @@
             <a:fld id="{1D8BD707-D9CF-40AE-B4C6-C98DA3205C09}" type="datetimeFigureOut">
               <a:rPr lang="en-US" smtClean="0"/>
               <a:pPr defTabSz="914400" latinLnBrk="0"/>
-              <a:t>4/10/2022</a:t>
+              <a:t>4/11/2022</a:t>
             </a:fld>
             <a:endParaRPr lang="en-US"/>
           </a:p>
@@ -12094,7 +12098,7 @@
             <a:fld id="{1D8BD707-D9CF-40AE-B4C6-C98DA3205C09}" type="datetimeFigureOut">
               <a:rPr lang="en-US" smtClean="0"/>
               <a:pPr defTabSz="914400" latinLnBrk="0"/>
-              <a:t>4/10/2022</a:t>
+              <a:t>4/11/2022</a:t>
             </a:fld>
             <a:endParaRPr lang="en-US"/>
           </a:p>
@@ -12378,7 +12382,7 @@
             <a:fld id="{1D8BD707-D9CF-40AE-B4C6-C98DA3205C09}" type="datetimeFigureOut">
               <a:rPr lang="en-US" smtClean="0"/>
               <a:pPr defTabSz="914400" latinLnBrk="0"/>
-              <a:t>4/10/2022</a:t>
+              <a:t>4/11/2022</a:t>
             </a:fld>
             <a:endParaRPr lang="en-US"/>
           </a:p>
@@ -12693,7 +12697,7 @@
             <a:fld id="{1D8BD707-D9CF-40AE-B4C6-C98DA3205C09}" type="datetimeFigureOut">
               <a:rPr lang="en-US" smtClean="0"/>
               <a:pPr defTabSz="914400" latinLnBrk="0"/>
-              <a:t>4/10/2022</a:t>
+              <a:t>4/11/2022</a:t>
             </a:fld>
             <a:endParaRPr lang="en-US"/>
           </a:p>
@@ -12868,7 +12872,7 @@
             <a:fld id="{1D8BD707-D9CF-40AE-B4C6-C98DA3205C09}" type="datetimeFigureOut">
               <a:rPr lang="en-US" smtClean="0"/>
               <a:pPr defTabSz="914400" latinLnBrk="0"/>
-              <a:t>4/10/2022</a:t>
+              <a:t>4/11/2022</a:t>
             </a:fld>
             <a:endParaRPr lang="en-US"/>
           </a:p>
@@ -13053,7 +13057,7 @@
             <a:fld id="{1D8BD707-D9CF-40AE-B4C6-C98DA3205C09}" type="datetimeFigureOut">
               <a:rPr lang="en-US" smtClean="0"/>
               <a:pPr defTabSz="914400" latinLnBrk="0"/>
-              <a:t>4/10/2022</a:t>
+              <a:t>4/11/2022</a:t>
             </a:fld>
             <a:endParaRPr lang="en-US"/>
           </a:p>
@@ -13307,7 +13311,7 @@
             <a:fld id="{1D8BD707-D9CF-40AE-B4C6-C98DA3205C09}" type="datetimeFigureOut">
               <a:rPr lang="en-US" smtClean="0"/>
               <a:pPr defTabSz="914400" latinLnBrk="0"/>
-              <a:t>4/10/2022</a:t>
+              <a:t>4/11/2022</a:t>
             </a:fld>
             <a:endParaRPr lang="en-US"/>
           </a:p>
@@ -13517,7 +13521,7 @@
             <a:fld id="{1D8BD707-D9CF-40AE-B4C6-C98DA3205C09}" type="datetimeFigureOut">
               <a:rPr lang="en-US" smtClean="0"/>
               <a:pPr defTabSz="914400" latinLnBrk="0"/>
-              <a:t>4/10/2022</a:t>
+              <a:t>4/11/2022</a:t>
             </a:fld>
             <a:endParaRPr lang="en-US"/>
           </a:p>
@@ -13775,7 +13779,7 @@
             <a:fld id="{1D8BD707-D9CF-40AE-B4C6-C98DA3205C09}" type="datetimeFigureOut">
               <a:rPr lang="en-US" smtClean="0"/>
               <a:pPr defTabSz="914400" latinLnBrk="0"/>
-              <a:t>4/10/2022</a:t>
+              <a:t>4/11/2022</a:t>
             </a:fld>
             <a:endParaRPr lang="en-US"/>
           </a:p>
@@ -13939,7 +13943,7 @@
           <a:p>
             <a:fld id="{D5BB7A41-6D90-4371-844A-87EC379C3D06}" type="datetimeFigureOut">
               <a:rPr lang="ko-KR" altLang="en-US" smtClean="0"/>
-              <a:t>2022-04-10</a:t>
+              <a:t>2022-04-11</a:t>
             </a:fld>
             <a:endParaRPr lang="ko-KR" altLang="en-US"/>
           </a:p>
@@ -14229,7 +14233,7 @@
             <a:fld id="{1D8BD707-D9CF-40AE-B4C6-C98DA3205C09}" type="datetimeFigureOut">
               <a:rPr lang="en-US" smtClean="0"/>
               <a:pPr defTabSz="914400" latinLnBrk="0"/>
-              <a:t>4/10/2022</a:t>
+              <a:t>4/11/2022</a:t>
             </a:fld>
             <a:endParaRPr lang="en-US"/>
           </a:p>
@@ -14705,7 +14709,7 @@
             <a:fld id="{1D8BD707-D9CF-40AE-B4C6-C98DA3205C09}" type="datetimeFigureOut">
               <a:rPr lang="en-US" smtClean="0"/>
               <a:pPr defTabSz="914400" latinLnBrk="0"/>
-              <a:t>4/10/2022</a:t>
+              <a:t>4/11/2022</a:t>
             </a:fld>
             <a:endParaRPr lang="en-US"/>
           </a:p>
@@ -14863,7 +14867,7 @@
             <a:fld id="{1D8BD707-D9CF-40AE-B4C6-C98DA3205C09}" type="datetimeFigureOut">
               <a:rPr lang="en-US" smtClean="0"/>
               <a:pPr defTabSz="914400" latinLnBrk="0"/>
-              <a:t>4/10/2022</a:t>
+              <a:t>4/11/2022</a:t>
             </a:fld>
             <a:endParaRPr lang="en-US"/>
           </a:p>
@@ -14963,7 +14967,7 @@
             <a:fld id="{1D8BD707-D9CF-40AE-B4C6-C98DA3205C09}" type="datetimeFigureOut">
               <a:rPr lang="en-US" smtClean="0"/>
               <a:pPr defTabSz="914400" latinLnBrk="0"/>
-              <a:t>4/10/2022</a:t>
+              <a:t>4/11/2022</a:t>
             </a:fld>
             <a:endParaRPr lang="en-US"/>
           </a:p>
@@ -15247,7 +15251,7 @@
             <a:fld id="{1D8BD707-D9CF-40AE-B4C6-C98DA3205C09}" type="datetimeFigureOut">
               <a:rPr lang="en-US" smtClean="0"/>
               <a:pPr defTabSz="914400" latinLnBrk="0"/>
-              <a:t>4/10/2022</a:t>
+              <a:t>4/11/2022</a:t>
             </a:fld>
             <a:endParaRPr lang="en-US"/>
           </a:p>
@@ -15562,7 +15566,7 @@
             <a:fld id="{1D8BD707-D9CF-40AE-B4C6-C98DA3205C09}" type="datetimeFigureOut">
               <a:rPr lang="en-US" smtClean="0"/>
               <a:pPr defTabSz="914400" latinLnBrk="0"/>
-              <a:t>4/10/2022</a:t>
+              <a:t>4/11/2022</a:t>
             </a:fld>
             <a:endParaRPr lang="en-US"/>
           </a:p>
@@ -15737,7 +15741,7 @@
             <a:fld id="{1D8BD707-D9CF-40AE-B4C6-C98DA3205C09}" type="datetimeFigureOut">
               <a:rPr lang="en-US" smtClean="0"/>
               <a:pPr defTabSz="914400" latinLnBrk="0"/>
-              <a:t>4/10/2022</a:t>
+              <a:t>4/11/2022</a:t>
             </a:fld>
             <a:endParaRPr lang="en-US"/>
           </a:p>
@@ -15922,7 +15926,7 @@
             <a:fld id="{1D8BD707-D9CF-40AE-B4C6-C98DA3205C09}" type="datetimeFigureOut">
               <a:rPr lang="en-US" smtClean="0"/>
               <a:pPr defTabSz="914400" latinLnBrk="0"/>
-              <a:t>4/10/2022</a:t>
+              <a:t>4/11/2022</a:t>
             </a:fld>
             <a:endParaRPr lang="en-US"/>
           </a:p>
@@ -16020,7 +16024,7 @@
           <a:p>
             <a:fld id="{D5BB7A41-6D90-4371-844A-87EC379C3D06}" type="datetimeFigureOut">
               <a:rPr lang="ko-KR" altLang="en-US" smtClean="0"/>
-              <a:t>2022-04-10</a:t>
+              <a:t>2022-04-11</a:t>
             </a:fld>
             <a:endParaRPr lang="ko-KR" altLang="en-US"/>
           </a:p>
@@ -16306,7 +16310,7 @@
           <a:p>
             <a:fld id="{D5BB7A41-6D90-4371-844A-87EC379C3D06}" type="datetimeFigureOut">
               <a:rPr lang="ko-KR" altLang="en-US" smtClean="0"/>
-              <a:t>2022-04-10</a:t>
+              <a:t>2022-04-11</a:t>
             </a:fld>
             <a:endParaRPr lang="ko-KR" altLang="en-US"/>
           </a:p>
@@ -16454,7 +16458,7 @@
           <a:p>
             <a:fld id="{D5BB7A41-6D90-4371-844A-87EC379C3D06}" type="datetimeFigureOut">
               <a:rPr lang="ko-KR" altLang="en-US" smtClean="0"/>
-              <a:t>2022-04-10</a:t>
+              <a:t>2022-04-11</a:t>
             </a:fld>
             <a:endParaRPr lang="ko-KR" altLang="en-US"/>
           </a:p>
@@ -17289,7 +17293,7 @@
             <a:fld id="{1D8BD707-D9CF-40AE-B4C6-C98DA3205C09}" type="datetimeFigureOut">
               <a:rPr lang="en-US" smtClean="0"/>
               <a:pPr defTabSz="914400" latinLnBrk="0"/>
-              <a:t>4/10/2022</a:t>
+              <a:t>4/11/2022</a:t>
             </a:fld>
             <a:endParaRPr lang="en-US"/>
           </a:p>
@@ -17979,7 +17983,7 @@
             <a:fld id="{1D8BD707-D9CF-40AE-B4C6-C98DA3205C09}" type="datetimeFigureOut">
               <a:rPr lang="en-US" smtClean="0"/>
               <a:pPr defTabSz="914400" latinLnBrk="0"/>
-              <a:t>4/10/2022</a:t>
+              <a:t>4/11/2022</a:t>
             </a:fld>
             <a:endParaRPr lang="en-US"/>
           </a:p>
@@ -18669,7 +18673,7 @@
             <a:fld id="{1D8BD707-D9CF-40AE-B4C6-C98DA3205C09}" type="datetimeFigureOut">
               <a:rPr lang="en-US" smtClean="0"/>
               <a:pPr defTabSz="914400" latinLnBrk="0"/>
-              <a:t>4/10/2022</a:t>
+              <a:t>4/11/2022</a:t>
             </a:fld>
             <a:endParaRPr lang="en-US"/>
           </a:p>
@@ -19359,7 +19363,7 @@
             <a:fld id="{1D8BD707-D9CF-40AE-B4C6-C98DA3205C09}" type="datetimeFigureOut">
               <a:rPr lang="en-US" smtClean="0"/>
               <a:pPr defTabSz="914400" latinLnBrk="0"/>
-              <a:t>4/10/2022</a:t>
+              <a:t>4/11/2022</a:t>
             </a:fld>
             <a:endParaRPr lang="en-US"/>
           </a:p>
@@ -20049,7 +20053,7 @@
             <a:fld id="{1D8BD707-D9CF-40AE-B4C6-C98DA3205C09}" type="datetimeFigureOut">
               <a:rPr lang="en-US" smtClean="0"/>
               <a:pPr defTabSz="914400" latinLnBrk="0"/>
-              <a:t>4/10/2022</a:t>
+              <a:t>4/11/2022</a:t>
             </a:fld>
             <a:endParaRPr lang="en-US"/>
           </a:p>
@@ -20733,11 +20737,7 @@
             <a:pPr lvl="1"/>
             <a:r>
               <a:rPr lang="en-US" altLang="ko-KR" sz="2800" dirty="0" smtClean="0"/>
-              <a:t>Young-Ho Song (RISP, IBS</a:t>
-            </a:r>
-            <a:r>
-              <a:rPr lang="en-US" altLang="ko-KR" sz="2800" dirty="0" smtClean="0"/>
-              <a:t>)</a:t>
+              <a:t>Young-Ho Song (RISP, IBS)</a:t>
             </a:r>
           </a:p>
           <a:p>
@@ -20746,7 +20746,6 @@
               <a:rPr lang="en-US" altLang="ko-KR" sz="2800" dirty="0" smtClean="0"/>
               <a:t>NLEFT collaboration</a:t>
             </a:r>
-            <a:endParaRPr lang="en-US" altLang="ko-KR" sz="2800" dirty="0" smtClean="0"/>
           </a:p>
         </p:txBody>
       </p:sp>
@@ -20800,6 +20799,329 @@
 </file>
 
 <file path=ppt/slides/slide10.xml><?xml version="1.0" encoding="utf-8"?>
+<p:sld xmlns:a="http://schemas.openxmlformats.org/drawingml/2006/main" xmlns:r="http://schemas.openxmlformats.org/officeDocument/2006/relationships" xmlns:p="http://schemas.openxmlformats.org/presentationml/2006/main">
+  <p:cSld>
+    <p:spTree>
+      <p:nvGrpSpPr>
+        <p:cNvPr id="1" name=""/>
+        <p:cNvGrpSpPr/>
+        <p:nvPr/>
+      </p:nvGrpSpPr>
+      <p:grpSpPr>
+        <a:xfrm>
+          <a:off x="0" y="0"/>
+          <a:ext cx="0" cy="0"/>
+          <a:chOff x="0" y="0"/>
+          <a:chExt cx="0" cy="0"/>
+        </a:xfrm>
+      </p:grpSpPr>
+      <p:sp>
+        <p:nvSpPr>
+          <p:cNvPr id="2" name="제목 1"/>
+          <p:cNvSpPr>
+            <a:spLocks noGrp="1"/>
+          </p:cNvSpPr>
+          <p:nvPr>
+            <p:ph type="title"/>
+          </p:nvPr>
+        </p:nvSpPr>
+        <p:spPr/>
+        <p:txBody>
+          <a:bodyPr/>
+          <a:lstStyle/>
+          <a:p>
+            <a:r>
+              <a:rPr lang="en-US" altLang="ko-KR" dirty="0" smtClean="0"/>
+              <a:t>Wave Function Matching Hamiltonian</a:t>
+            </a:r>
+            <a:endParaRPr lang="ko-KR" altLang="en-US" dirty="0"/>
+          </a:p>
+        </p:txBody>
+      </p:sp>
+      <p:sp>
+        <p:nvSpPr>
+          <p:cNvPr id="3" name="TextBox 2"/>
+          <p:cNvSpPr txBox="1"/>
+          <p:nvPr/>
+        </p:nvSpPr>
+        <p:spPr>
+          <a:xfrm>
+            <a:off x="874207" y="1868993"/>
+            <a:ext cx="8139164" cy="2122889"/>
+          </a:xfrm>
+          <a:prstGeom prst="rect">
+            <a:avLst/>
+          </a:prstGeom>
+          <a:noFill/>
+        </p:spPr>
+        <p:txBody>
+          <a:bodyPr wrap="square" rtlCol="0">
+            <a:spAutoFit/>
+          </a:bodyPr>
+          <a:lstStyle/>
+          <a:p>
+            <a:pPr marL="342900" indent="-342900">
+              <a:buFont typeface="Arial" panose="020B0604020202020204" pitchFamily="34" charset="0"/>
+              <a:buChar char="•"/>
+            </a:pPr>
+            <a:r>
+              <a:rPr lang="en-US" altLang="ko-KR" dirty="0" smtClean="0"/>
+              <a:t>Wave function matching by Unitary transformation</a:t>
+            </a:r>
+          </a:p>
+          <a:p>
+            <a:pPr marL="821819" lvl="1" indent="-342900">
+              <a:buFont typeface="Arial" panose="020B0604020202020204" pitchFamily="34" charset="0"/>
+              <a:buChar char="•"/>
+            </a:pPr>
+            <a:r>
+              <a:rPr lang="en-US" altLang="ko-KR" dirty="0" smtClean="0"/>
+              <a:t>Original Hamiltonian has a strong repulsion at short distance</a:t>
+            </a:r>
+          </a:p>
+          <a:p>
+            <a:pPr marL="821819" lvl="1" indent="-342900">
+              <a:buFont typeface="Arial" panose="020B0604020202020204" pitchFamily="34" charset="0"/>
+              <a:buChar char="•"/>
+            </a:pPr>
+            <a:r>
+              <a:rPr lang="en-US" altLang="ko-KR" dirty="0" smtClean="0">
+                <a:sym typeface="Wingdings" panose="05000000000000000000" pitchFamily="2" charset="2"/>
+              </a:rPr>
+              <a:t> origin of the difficulty of non-perturbative calculation. </a:t>
+            </a:r>
+            <a:endParaRPr lang="en-US" altLang="ko-KR" dirty="0" smtClean="0"/>
+          </a:p>
+          <a:p>
+            <a:pPr marL="821819" lvl="1" indent="-342900">
+              <a:buFont typeface="Arial" panose="020B0604020202020204" pitchFamily="34" charset="0"/>
+              <a:buChar char="•"/>
+            </a:pPr>
+            <a:r>
+              <a:rPr lang="en-US" altLang="ko-KR" dirty="0" smtClean="0"/>
+              <a:t>new “soft” Hamiltonian </a:t>
+            </a:r>
+          </a:p>
+          <a:p>
+            <a:pPr marL="1300738" lvl="2" indent="-342900">
+              <a:buFont typeface="Arial" panose="020B0604020202020204" pitchFamily="34" charset="0"/>
+              <a:buChar char="•"/>
+            </a:pPr>
+            <a:r>
+              <a:rPr lang="en-US" altLang="ko-KR" dirty="0" smtClean="0"/>
+              <a:t>such that the eigenstate wave function becomes </a:t>
+            </a:r>
+          </a:p>
+          <a:p>
+            <a:pPr marL="1300738" lvl="2" indent="-342900">
+              <a:buFont typeface="Arial" panose="020B0604020202020204" pitchFamily="34" charset="0"/>
+              <a:buChar char="•"/>
+            </a:pPr>
+            <a:r>
+              <a:rPr lang="en-US" altLang="ko-KR" dirty="0"/>
+              <a:t>S</a:t>
+            </a:r>
+            <a:r>
+              <a:rPr lang="en-US" altLang="ko-KR" dirty="0" smtClean="0"/>
+              <a:t>ame as “original” w.f. at long distance</a:t>
+            </a:r>
+            <a:endParaRPr lang="en-US" altLang="ko-KR" dirty="0" smtClean="0">
+              <a:sym typeface="Wingdings" panose="05000000000000000000" pitchFamily="2" charset="2"/>
+            </a:endParaRPr>
+          </a:p>
+          <a:p>
+            <a:pPr marL="1300738" lvl="2" indent="-342900">
+              <a:buFont typeface="Arial" panose="020B0604020202020204" pitchFamily="34" charset="0"/>
+              <a:buChar char="•"/>
+            </a:pPr>
+            <a:r>
+              <a:rPr lang="en-US" altLang="ko-KR" dirty="0" smtClean="0">
+                <a:sym typeface="Wingdings" panose="05000000000000000000" pitchFamily="2" charset="2"/>
+              </a:rPr>
+              <a:t>Same as “soft” w.f. at short distance</a:t>
+            </a:r>
+          </a:p>
+        </p:txBody>
+      </p:sp>
+      <p:pic>
+        <p:nvPicPr>
+          <p:cNvPr id="4" name="그림 3"/>
+          <p:cNvPicPr>
+            <a:picLocks noChangeAspect="1"/>
+          </p:cNvPicPr>
+          <p:nvPr/>
+        </p:nvPicPr>
+        <p:blipFill>
+          <a:blip r:embed="rId2"/>
+          <a:stretch>
+            <a:fillRect/>
+          </a:stretch>
+        </p:blipFill>
+        <p:spPr>
+          <a:xfrm>
+            <a:off x="883494" y="4101983"/>
+            <a:ext cx="5687219" cy="724001"/>
+          </a:xfrm>
+          <a:prstGeom prst="rect">
+            <a:avLst/>
+          </a:prstGeom>
+        </p:spPr>
+      </p:pic>
+      <p:sp>
+        <p:nvSpPr>
+          <p:cNvPr id="6" name="TextBox 5"/>
+          <p:cNvSpPr txBox="1"/>
+          <p:nvPr/>
+        </p:nvSpPr>
+        <p:spPr>
+          <a:xfrm>
+            <a:off x="814249" y="4936085"/>
+            <a:ext cx="8229266" cy="1252651"/>
+          </a:xfrm>
+          <a:prstGeom prst="rect">
+            <a:avLst/>
+          </a:prstGeom>
+          <a:noFill/>
+        </p:spPr>
+        <p:txBody>
+          <a:bodyPr wrap="square" rtlCol="0">
+            <a:spAutoFit/>
+          </a:bodyPr>
+          <a:lstStyle/>
+          <a:p>
+            <a:pPr marL="342900" indent="-342900">
+              <a:buFont typeface="Arial" panose="020B0604020202020204" pitchFamily="34" charset="0"/>
+              <a:buChar char="•"/>
+            </a:pPr>
+            <a:r>
+              <a:rPr lang="en-US" altLang="ko-KR" dirty="0" smtClean="0"/>
+              <a:t>“Soft” Hamiltonian is not the same as original Hamiltonian</a:t>
+            </a:r>
+          </a:p>
+          <a:p>
+            <a:pPr marL="821819" lvl="1" indent="-342900">
+              <a:buFont typeface="Arial" panose="020B0604020202020204" pitchFamily="34" charset="0"/>
+              <a:buChar char="•"/>
+            </a:pPr>
+            <a:r>
+              <a:rPr lang="en-US" altLang="ko-KR" dirty="0" smtClean="0">
+                <a:sym typeface="Wingdings" panose="05000000000000000000" pitchFamily="2" charset="2"/>
+              </a:rPr>
+              <a:t>Naturally need correction term </a:t>
+            </a:r>
+          </a:p>
+          <a:p>
+            <a:pPr marL="821819" lvl="1" indent="-342900">
+              <a:buFont typeface="Arial" panose="020B0604020202020204" pitchFamily="34" charset="0"/>
+              <a:buChar char="•"/>
+            </a:pPr>
+            <a:r>
+              <a:rPr lang="en-US" altLang="ko-KR" dirty="0" err="1" smtClean="0">
+                <a:sym typeface="Wingdings" panose="05000000000000000000" pitchFamily="2" charset="2"/>
+              </a:rPr>
+              <a:t>H_orig</a:t>
+            </a:r>
+            <a:r>
+              <a:rPr lang="en-US" altLang="ko-KR" dirty="0" smtClean="0">
+                <a:sym typeface="Wingdings" panose="05000000000000000000" pitchFamily="2" charset="2"/>
+              </a:rPr>
+              <a:t> = </a:t>
+            </a:r>
+            <a:r>
+              <a:rPr lang="en-US" altLang="ko-KR" dirty="0" err="1" smtClean="0">
+                <a:sym typeface="Wingdings" panose="05000000000000000000" pitchFamily="2" charset="2"/>
+              </a:rPr>
+              <a:t>H_soft</a:t>
+            </a:r>
+            <a:r>
+              <a:rPr lang="en-US" altLang="ko-KR" dirty="0" smtClean="0">
+                <a:sym typeface="Wingdings" panose="05000000000000000000" pitchFamily="2" charset="2"/>
+              </a:rPr>
+              <a:t> + (</a:t>
+            </a:r>
+            <a:r>
+              <a:rPr lang="en-US" altLang="ko-KR" dirty="0" err="1" smtClean="0">
+                <a:sym typeface="Wingdings" panose="05000000000000000000" pitchFamily="2" charset="2"/>
+              </a:rPr>
+              <a:t>H_orig</a:t>
+            </a:r>
+            <a:r>
+              <a:rPr lang="en-US" altLang="ko-KR" dirty="0" smtClean="0">
+                <a:sym typeface="Wingdings" panose="05000000000000000000" pitchFamily="2" charset="2"/>
+              </a:rPr>
+              <a:t> - </a:t>
+            </a:r>
+            <a:r>
+              <a:rPr lang="en-US" altLang="ko-KR" dirty="0" err="1" smtClean="0">
+                <a:sym typeface="Wingdings" panose="05000000000000000000" pitchFamily="2" charset="2"/>
+              </a:rPr>
+              <a:t>H_soft</a:t>
+            </a:r>
+            <a:r>
+              <a:rPr lang="en-US" altLang="ko-KR" dirty="0" smtClean="0">
+                <a:sym typeface="Wingdings" panose="05000000000000000000" pitchFamily="2" charset="2"/>
+              </a:rPr>
+              <a:t>)</a:t>
+            </a:r>
+          </a:p>
+          <a:p>
+            <a:pPr marL="821819" lvl="1" indent="-342900">
+              <a:buFont typeface="Arial" panose="020B0604020202020204" pitchFamily="34" charset="0"/>
+              <a:buChar char="•"/>
+            </a:pPr>
+            <a:r>
+              <a:rPr lang="en-US" altLang="ko-KR" dirty="0" err="1" smtClean="0">
+                <a:sym typeface="Wingdings" panose="05000000000000000000" pitchFamily="2" charset="2"/>
+              </a:rPr>
+              <a:t>H_soft</a:t>
+            </a:r>
+            <a:r>
+              <a:rPr lang="en-US" altLang="ko-KR" dirty="0" smtClean="0">
+                <a:sym typeface="Wingdings" panose="05000000000000000000" pitchFamily="2" charset="2"/>
+              </a:rPr>
+              <a:t> has better property for non-perturbative calculation</a:t>
+            </a:r>
+          </a:p>
+        </p:txBody>
+      </p:sp>
+      <p:pic>
+        <p:nvPicPr>
+          <p:cNvPr id="8" name="그림 7"/>
+          <p:cNvPicPr>
+            <a:picLocks noChangeAspect="1"/>
+          </p:cNvPicPr>
+          <p:nvPr/>
+        </p:nvPicPr>
+        <p:blipFill>
+          <a:blip r:embed="rId3"/>
+          <a:stretch>
+            <a:fillRect/>
+          </a:stretch>
+        </p:blipFill>
+        <p:spPr>
+          <a:xfrm>
+            <a:off x="6752188" y="4045405"/>
+            <a:ext cx="2953162" cy="676369"/>
+          </a:xfrm>
+          <a:prstGeom prst="rect">
+            <a:avLst/>
+          </a:prstGeom>
+        </p:spPr>
+      </p:pic>
+    </p:spTree>
+    <p:extLst>
+      <p:ext uri="{BB962C8B-B14F-4D97-AF65-F5344CB8AC3E}">
+        <p14:creationId xmlns:p14="http://schemas.microsoft.com/office/powerpoint/2010/main" val="3525440149"/>
+      </p:ext>
+    </p:extLst>
+  </p:cSld>
+  <p:clrMapOvr>
+    <a:masterClrMapping/>
+  </p:clrMapOvr>
+</p:sld>
+</file>
+
+<file path=ppt/slides/slide11.xml><?xml version="1.0" encoding="utf-8"?>
 <p:sld xmlns:a="http://schemas.openxmlformats.org/drawingml/2006/main" xmlns:r="http://schemas.openxmlformats.org/officeDocument/2006/relationships" xmlns:p="http://schemas.openxmlformats.org/presentationml/2006/main">
   <p:cSld>
     <p:spTree>
@@ -20972,7 +21294,7 @@
 </p:sld>
 </file>
 
-<file path=ppt/slides/slide11.xml><?xml version="1.0" encoding="utf-8"?>
+<file path=ppt/slides/slide12.xml><?xml version="1.0" encoding="utf-8"?>
 <p:sld xmlns:a="http://schemas.openxmlformats.org/drawingml/2006/main" xmlns:r="http://schemas.openxmlformats.org/officeDocument/2006/relationships" xmlns:p="http://schemas.openxmlformats.org/presentationml/2006/main">
   <p:cSld>
     <p:spTree>
@@ -21097,7 +21419,7 @@
 </p:sld>
 </file>
 
-<file path=ppt/slides/slide12.xml><?xml version="1.0" encoding="utf-8"?>
+<file path=ppt/slides/slide13.xml><?xml version="1.0" encoding="utf-8"?>
 <p:sld xmlns:a="http://schemas.openxmlformats.org/drawingml/2006/main" xmlns:r="http://schemas.openxmlformats.org/officeDocument/2006/relationships" xmlns:p="http://schemas.openxmlformats.org/presentationml/2006/main">
   <p:cSld>
     <p:spTree>
@@ -21170,7 +21492,7 @@
 </p:sld>
 </file>
 
-<file path=ppt/slides/slide13.xml><?xml version="1.0" encoding="utf-8"?>
+<file path=ppt/slides/slide14.xml><?xml version="1.0" encoding="utf-8"?>
 <p:sld xmlns:a="http://schemas.openxmlformats.org/drawingml/2006/main" xmlns:r="http://schemas.openxmlformats.org/officeDocument/2006/relationships" xmlns:p="http://schemas.openxmlformats.org/presentationml/2006/main">
   <p:cSld>
     <p:spTree>
@@ -21298,7 +21620,7 @@
 </p:sld>
 </file>
 
-<file path=ppt/slides/slide14.xml><?xml version="1.0" encoding="utf-8"?>
+<file path=ppt/slides/slide15.xml><?xml version="1.0" encoding="utf-8"?>
 <p:sld xmlns:a="http://schemas.openxmlformats.org/drawingml/2006/main" xmlns:r="http://schemas.openxmlformats.org/officeDocument/2006/relationships" xmlns:p="http://schemas.openxmlformats.org/presentationml/2006/main">
   <p:cSld>
     <p:spTree>
@@ -21450,7 +21772,7 @@
 </p:sld>
 </file>
 
-<file path=ppt/slides/slide15.xml><?xml version="1.0" encoding="utf-8"?>
+<file path=ppt/slides/slide16.xml><?xml version="1.0" encoding="utf-8"?>
 <p:sld xmlns:a="http://schemas.openxmlformats.org/drawingml/2006/main" xmlns:r="http://schemas.openxmlformats.org/officeDocument/2006/relationships" xmlns:p="http://schemas.openxmlformats.org/presentationml/2006/main">
   <p:cSld>
     <p:spTree>
@@ -21602,7 +21924,7 @@
 </p:sld>
 </file>
 
-<file path=ppt/slides/slide16.xml><?xml version="1.0" encoding="utf-8"?>
+<file path=ppt/slides/slide17.xml><?xml version="1.0" encoding="utf-8"?>
 <p:sld xmlns:a="http://schemas.openxmlformats.org/drawingml/2006/main" xmlns:r="http://schemas.openxmlformats.org/officeDocument/2006/relationships" xmlns:p="http://schemas.openxmlformats.org/presentationml/2006/main">
   <p:cSld>
     <p:spTree>
@@ -21634,7 +21956,11 @@
           <a:bodyPr/>
           <a:lstStyle/>
           <a:p>
-            <a:endParaRPr lang="ko-KR" altLang="en-US"/>
+            <a:r>
+              <a:rPr lang="en-US" altLang="ko-KR" dirty="0" smtClean="0"/>
+              <a:t>Oxygen isotopes in NLEFT</a:t>
+            </a:r>
+            <a:endParaRPr lang="ko-KR" altLang="en-US" dirty="0"/>
           </a:p>
         </p:txBody>
       </p:sp>
@@ -21647,21 +21973,15 @@
           <p:nvPr/>
         </p:nvPicPr>
         <p:blipFill>
-          <a:blip r:embed="rId2">
-            <a:extLst>
-              <a:ext uri="{28A0092B-C50C-407E-A947-70E740481C1C}">
-                <a14:useLocalDpi xmlns:a14="http://schemas.microsoft.com/office/drawing/2010/main" val="0"/>
-              </a:ext>
-            </a:extLst>
-          </a:blip>
+          <a:blip r:embed="rId2"/>
           <a:stretch>
             <a:fillRect/>
           </a:stretch>
         </p:blipFill>
         <p:spPr>
           <a:xfrm>
-            <a:off x="185119" y="533400"/>
-            <a:ext cx="9535761" cy="4866455"/>
+            <a:off x="885257" y="1672697"/>
+            <a:ext cx="8135485" cy="4296375"/>
           </a:xfrm>
           <a:prstGeom prst="rect">
             <a:avLst/>
@@ -21671,7 +21991,7 @@
     </p:spTree>
     <p:extLst>
       <p:ext uri="{BB962C8B-B14F-4D97-AF65-F5344CB8AC3E}">
-        <p14:creationId xmlns:p14="http://schemas.microsoft.com/office/powerpoint/2010/main" val="4042176091"/>
+        <p14:creationId xmlns:p14="http://schemas.microsoft.com/office/powerpoint/2010/main" val="973332602"/>
       </p:ext>
     </p:extLst>
   </p:cSld>
@@ -21681,7 +22001,7 @@
 </p:sld>
 </file>
 
-<file path=ppt/slides/slide17.xml><?xml version="1.0" encoding="utf-8"?>
+<file path=ppt/slides/slide18.xml><?xml version="1.0" encoding="utf-8"?>
 <p:sld xmlns:a="http://schemas.openxmlformats.org/drawingml/2006/main" xmlns:r="http://schemas.openxmlformats.org/officeDocument/2006/relationships" xmlns:p="http://schemas.openxmlformats.org/presentationml/2006/main">
   <p:cSld>
     <p:spTree>
@@ -21815,7 +22135,7 @@
 </p:sld>
 </file>
 
-<file path=ppt/slides/slide18.xml><?xml version="1.0" encoding="utf-8"?>
+<file path=ppt/slides/slide19.xml><?xml version="1.0" encoding="utf-8"?>
 <p:sld xmlns:a="http://schemas.openxmlformats.org/drawingml/2006/main" xmlns:r="http://schemas.openxmlformats.org/officeDocument/2006/relationships" xmlns:p="http://schemas.openxmlformats.org/presentationml/2006/main">
   <p:cSld>
     <p:spTree>
@@ -22144,7 +22464,243 @@
 </p:sld>
 </file>
 
+<file path=ppt/slides/slide20.xml><?xml version="1.0" encoding="utf-8"?>
+<p:sld xmlns:a="http://schemas.openxmlformats.org/drawingml/2006/main" xmlns:r="http://schemas.openxmlformats.org/officeDocument/2006/relationships" xmlns:p="http://schemas.openxmlformats.org/presentationml/2006/main">
+  <p:cSld>
+    <p:spTree>
+      <p:nvGrpSpPr>
+        <p:cNvPr id="1" name=""/>
+        <p:cNvGrpSpPr/>
+        <p:nvPr/>
+      </p:nvGrpSpPr>
+      <p:grpSpPr>
+        <a:xfrm>
+          <a:off x="0" y="0"/>
+          <a:ext cx="0" cy="0"/>
+          <a:chOff x="0" y="0"/>
+          <a:chExt cx="0" cy="0"/>
+        </a:xfrm>
+      </p:grpSpPr>
+      <p:sp>
+        <p:nvSpPr>
+          <p:cNvPr id="2" name="제목 1"/>
+          <p:cNvSpPr>
+            <a:spLocks noGrp="1"/>
+          </p:cNvSpPr>
+          <p:nvPr>
+            <p:ph type="title"/>
+          </p:nvPr>
+        </p:nvSpPr>
+        <p:spPr/>
+        <p:txBody>
+          <a:bodyPr/>
+          <a:lstStyle/>
+          <a:p>
+            <a:r>
+              <a:rPr lang="en-US" altLang="ko-KR" dirty="0" smtClean="0"/>
+              <a:t>Summary</a:t>
+            </a:r>
+            <a:endParaRPr lang="ko-KR" altLang="en-US" dirty="0"/>
+          </a:p>
+        </p:txBody>
+      </p:sp>
+      <p:sp>
+        <p:nvSpPr>
+          <p:cNvPr id="3" name="TextBox 2"/>
+          <p:cNvSpPr txBox="1"/>
+          <p:nvPr/>
+        </p:nvSpPr>
+        <p:spPr>
+          <a:xfrm>
+            <a:off x="668338" y="1699491"/>
+            <a:ext cx="8532812" cy="2703048"/>
+          </a:xfrm>
+          <a:prstGeom prst="rect">
+            <a:avLst/>
+          </a:prstGeom>
+          <a:noFill/>
+        </p:spPr>
+        <p:txBody>
+          <a:bodyPr wrap="square" rtlCol="0">
+            <a:spAutoFit/>
+          </a:bodyPr>
+          <a:lstStyle/>
+          <a:p>
+            <a:pPr marL="342900" indent="-342900">
+              <a:buFont typeface="Arial" panose="020B0604020202020204" pitchFamily="34" charset="0"/>
+              <a:buChar char="•"/>
+            </a:pPr>
+            <a:r>
+              <a:rPr lang="en-US" altLang="ko-KR" dirty="0" smtClean="0"/>
+              <a:t>Wave function matching method</a:t>
+            </a:r>
+          </a:p>
+          <a:p>
+            <a:pPr marL="821819" lvl="1" indent="-342900">
+              <a:buFont typeface="Arial" panose="020B0604020202020204" pitchFamily="34" charset="0"/>
+              <a:buChar char="•"/>
+            </a:pPr>
+            <a:r>
+              <a:rPr lang="en-US" altLang="ko-KR" dirty="0" smtClean="0"/>
+              <a:t>New method to improve the N3LO calculation of NLEFT</a:t>
+            </a:r>
+          </a:p>
+          <a:p>
+            <a:pPr marL="821819" lvl="1" indent="-342900">
+              <a:buFont typeface="Arial" panose="020B0604020202020204" pitchFamily="34" charset="0"/>
+              <a:buChar char="•"/>
+            </a:pPr>
+            <a:r>
+              <a:rPr lang="en-US" altLang="ko-KR" dirty="0" smtClean="0"/>
+              <a:t>Preliminary study shows promising results for wide range of observables</a:t>
+            </a:r>
+          </a:p>
+          <a:p>
+            <a:pPr marL="821819" lvl="1" indent="-342900">
+              <a:buFont typeface="Arial" panose="020B0604020202020204" pitchFamily="34" charset="0"/>
+              <a:buChar char="•"/>
+            </a:pPr>
+            <a:r>
+              <a:rPr lang="en-US" altLang="ko-KR" dirty="0" smtClean="0"/>
+              <a:t>NN scattering</a:t>
+            </a:r>
+          </a:p>
+          <a:p>
+            <a:pPr marL="821819" lvl="1" indent="-342900">
+              <a:buFont typeface="Arial" panose="020B0604020202020204" pitchFamily="34" charset="0"/>
+              <a:buChar char="•"/>
+            </a:pPr>
+            <a:r>
+              <a:rPr lang="en-US" altLang="ko-KR" dirty="0" smtClean="0"/>
+              <a:t>Binding energy 3H-40Ca</a:t>
+            </a:r>
+          </a:p>
+          <a:p>
+            <a:pPr marL="821819" lvl="1" indent="-342900">
+              <a:buFont typeface="Arial" panose="020B0604020202020204" pitchFamily="34" charset="0"/>
+              <a:buChar char="•"/>
+            </a:pPr>
+            <a:r>
+              <a:rPr lang="en-US" altLang="ko-KR" dirty="0" smtClean="0"/>
+              <a:t>Symmetric Nuclear matter</a:t>
+            </a:r>
+          </a:p>
+          <a:p>
+            <a:pPr marL="821819" lvl="1" indent="-342900">
+              <a:buFont typeface="Arial" panose="020B0604020202020204" pitchFamily="34" charset="0"/>
+              <a:buChar char="•"/>
+            </a:pPr>
+            <a:r>
+              <a:rPr lang="en-US" altLang="ko-KR" dirty="0" smtClean="0"/>
+              <a:t>Neutron matter</a:t>
+            </a:r>
+          </a:p>
+          <a:p>
+            <a:pPr marL="821819" lvl="1" indent="-342900">
+              <a:buFont typeface="Arial" panose="020B0604020202020204" pitchFamily="34" charset="0"/>
+              <a:buChar char="•"/>
+            </a:pPr>
+            <a:r>
+              <a:rPr lang="en-US" altLang="ko-KR" dirty="0" smtClean="0"/>
+              <a:t>Dripline of Oxygen isotope.</a:t>
+            </a:r>
+            <a:endParaRPr lang="ko-KR" altLang="en-US" dirty="0"/>
+          </a:p>
+        </p:txBody>
+      </p:sp>
+    </p:spTree>
+    <p:extLst>
+      <p:ext uri="{BB962C8B-B14F-4D97-AF65-F5344CB8AC3E}">
+        <p14:creationId xmlns:p14="http://schemas.microsoft.com/office/powerpoint/2010/main" val="855818657"/>
+      </p:ext>
+    </p:extLst>
+  </p:cSld>
+  <p:clrMapOvr>
+    <a:masterClrMapping/>
+  </p:clrMapOvr>
+</p:sld>
+</file>
+
 <file path=ppt/slides/slide3.xml><?xml version="1.0" encoding="utf-8"?>
+<p:sld xmlns:a="http://schemas.openxmlformats.org/drawingml/2006/main" xmlns:r="http://schemas.openxmlformats.org/officeDocument/2006/relationships" xmlns:p="http://schemas.openxmlformats.org/presentationml/2006/main">
+  <p:cSld>
+    <p:spTree>
+      <p:nvGrpSpPr>
+        <p:cNvPr id="1" name=""/>
+        <p:cNvGrpSpPr/>
+        <p:nvPr/>
+      </p:nvGrpSpPr>
+      <p:grpSpPr>
+        <a:xfrm>
+          <a:off x="0" y="0"/>
+          <a:ext cx="0" cy="0"/>
+          <a:chOff x="0" y="0"/>
+          <a:chExt cx="0" cy="0"/>
+        </a:xfrm>
+      </p:grpSpPr>
+      <p:sp>
+        <p:nvSpPr>
+          <p:cNvPr id="2" name="제목 1"/>
+          <p:cNvSpPr>
+            <a:spLocks noGrp="1"/>
+          </p:cNvSpPr>
+          <p:nvPr>
+            <p:ph type="title"/>
+          </p:nvPr>
+        </p:nvSpPr>
+        <p:spPr/>
+        <p:txBody>
+          <a:bodyPr/>
+          <a:lstStyle/>
+          <a:p>
+            <a:endParaRPr lang="ko-KR" altLang="en-US"/>
+          </a:p>
+        </p:txBody>
+      </p:sp>
+      <p:pic>
+        <p:nvPicPr>
+          <p:cNvPr id="3" name="그림 2"/>
+          <p:cNvPicPr>
+            <a:picLocks noChangeAspect="1"/>
+          </p:cNvPicPr>
+          <p:nvPr/>
+        </p:nvPicPr>
+        <p:blipFill>
+          <a:blip r:embed="rId2">
+            <a:extLst>
+              <a:ext uri="{28A0092B-C50C-407E-A947-70E740481C1C}">
+                <a14:useLocalDpi xmlns:a14="http://schemas.microsoft.com/office/drawing/2010/main" val="0"/>
+              </a:ext>
+            </a:extLst>
+          </a:blip>
+          <a:stretch>
+            <a:fillRect/>
+          </a:stretch>
+        </p:blipFill>
+        <p:spPr>
+          <a:xfrm>
+            <a:off x="185119" y="533400"/>
+            <a:ext cx="9535761" cy="4866455"/>
+          </a:xfrm>
+          <a:prstGeom prst="rect">
+            <a:avLst/>
+          </a:prstGeom>
+        </p:spPr>
+      </p:pic>
+    </p:spTree>
+    <p:extLst>
+      <p:ext uri="{BB962C8B-B14F-4D97-AF65-F5344CB8AC3E}">
+        <p14:creationId xmlns:p14="http://schemas.microsoft.com/office/powerpoint/2010/main" val="80581307"/>
+      </p:ext>
+    </p:extLst>
+  </p:cSld>
+  <p:clrMapOvr>
+    <a:masterClrMapping/>
+  </p:clrMapOvr>
+</p:sld>
+</file>
+
+<file path=ppt/slides/slide4.xml><?xml version="1.0" encoding="utf-8"?>
 <p:sld xmlns:a="http://schemas.openxmlformats.org/drawingml/2006/main" xmlns:r="http://schemas.openxmlformats.org/officeDocument/2006/relationships" xmlns:p="http://schemas.openxmlformats.org/presentationml/2006/main">
   <p:cSld>
     <p:spTree>
@@ -22389,7 +22945,7 @@
 </p:sld>
 </file>
 
-<file path=ppt/slides/slide4.xml><?xml version="1.0" encoding="utf-8"?>
+<file path=ppt/slides/slide5.xml><?xml version="1.0" encoding="utf-8"?>
 <p:sld xmlns:a="http://schemas.openxmlformats.org/drawingml/2006/main" xmlns:r="http://schemas.openxmlformats.org/officeDocument/2006/relationships" xmlns:p="http://schemas.openxmlformats.org/presentationml/2006/main">
   <p:cSld>
     <p:spTree>
@@ -22520,7 +23076,7 @@
 </p:sld>
 </file>
 
-<file path=ppt/slides/slide5.xml><?xml version="1.0" encoding="utf-8"?>
+<file path=ppt/slides/slide6.xml><?xml version="1.0" encoding="utf-8"?>
 <p:sld xmlns:a="http://schemas.openxmlformats.org/drawingml/2006/main" xmlns:r="http://schemas.openxmlformats.org/officeDocument/2006/relationships" xmlns:p="http://schemas.openxmlformats.org/presentationml/2006/main">
   <p:cSld>
     <p:spTree>
@@ -22690,7 +23246,7 @@
 </p:sld>
 </file>
 
-<file path=ppt/slides/slide6.xml><?xml version="1.0" encoding="utf-8"?>
+<file path=ppt/slides/slide7.xml><?xml version="1.0" encoding="utf-8"?>
 <p:sld xmlns:a="http://schemas.openxmlformats.org/drawingml/2006/main" xmlns:r="http://schemas.openxmlformats.org/officeDocument/2006/relationships" xmlns:p="http://schemas.openxmlformats.org/presentationml/2006/main">
   <p:cSld>
     <p:spTree>
@@ -22823,7 +23379,7 @@
 </p:sld>
 </file>
 
-<file path=ppt/slides/slide7.xml><?xml version="1.0" encoding="utf-8"?>
+<file path=ppt/slides/slide8.xml><?xml version="1.0" encoding="utf-8"?>
 <p:sld xmlns:a="http://schemas.openxmlformats.org/drawingml/2006/main" xmlns:r="http://schemas.openxmlformats.org/officeDocument/2006/relationships" xmlns:p="http://schemas.openxmlformats.org/presentationml/2006/main">
   <p:cSld>
     <p:spTree>
@@ -23028,179 +23584,6 @@
 </p:sld>
 </file>
 
-<file path=ppt/slides/slide8.xml><?xml version="1.0" encoding="utf-8"?>
-<p:sld xmlns:a="http://schemas.openxmlformats.org/drawingml/2006/main" xmlns:r="http://schemas.openxmlformats.org/officeDocument/2006/relationships" xmlns:p="http://schemas.openxmlformats.org/presentationml/2006/main">
-  <p:cSld>
-    <p:spTree>
-      <p:nvGrpSpPr>
-        <p:cNvPr id="1" name=""/>
-        <p:cNvGrpSpPr/>
-        <p:nvPr/>
-      </p:nvGrpSpPr>
-      <p:grpSpPr>
-        <a:xfrm>
-          <a:off x="0" y="0"/>
-          <a:ext cx="0" cy="0"/>
-          <a:chOff x="0" y="0"/>
-          <a:chExt cx="0" cy="0"/>
-        </a:xfrm>
-      </p:grpSpPr>
-      <p:sp>
-        <p:nvSpPr>
-          <p:cNvPr id="2" name="제목 1"/>
-          <p:cNvSpPr>
-            <a:spLocks noGrp="1"/>
-          </p:cNvSpPr>
-          <p:nvPr>
-            <p:ph type="title"/>
-          </p:nvPr>
-        </p:nvSpPr>
-        <p:spPr/>
-        <p:txBody>
-          <a:bodyPr/>
-          <a:lstStyle/>
-          <a:p>
-            <a:r>
-              <a:rPr lang="en-US" altLang="ko-KR" dirty="0" smtClean="0"/>
-              <a:t>Difficulty with full chiral interaction</a:t>
-            </a:r>
-            <a:endParaRPr lang="ko-KR" altLang="en-US" dirty="0"/>
-          </a:p>
-        </p:txBody>
-      </p:sp>
-      <p:sp>
-        <p:nvSpPr>
-          <p:cNvPr id="3" name="TextBox 2"/>
-          <p:cNvSpPr txBox="1"/>
-          <p:nvPr/>
-        </p:nvSpPr>
-        <p:spPr>
-          <a:xfrm>
-            <a:off x="874207" y="1868993"/>
-            <a:ext cx="8139164" cy="2993127"/>
-          </a:xfrm>
-          <a:prstGeom prst="rect">
-            <a:avLst/>
-          </a:prstGeom>
-          <a:noFill/>
-        </p:spPr>
-        <p:txBody>
-          <a:bodyPr wrap="square" rtlCol="0">
-            <a:spAutoFit/>
-          </a:bodyPr>
-          <a:lstStyle/>
-          <a:p>
-            <a:pPr marL="342900" indent="-342900">
-              <a:buFont typeface="Arial" panose="020B0604020202020204" pitchFamily="34" charset="0"/>
-              <a:buChar char="•"/>
-            </a:pPr>
-            <a:r>
-              <a:rPr lang="en-US" altLang="ko-KR" dirty="0" smtClean="0"/>
-              <a:t>Sign problem</a:t>
-            </a:r>
-          </a:p>
-          <a:p>
-            <a:pPr marL="821819" lvl="1" indent="-342900">
-              <a:buFont typeface="Arial" panose="020B0604020202020204" pitchFamily="34" charset="0"/>
-              <a:buChar char="•"/>
-            </a:pPr>
-            <a:r>
-              <a:rPr lang="en-US" altLang="ko-KR" dirty="0" smtClean="0"/>
-              <a:t>NLEFT suffers sign problems at large Euclidean time limit</a:t>
-            </a:r>
-          </a:p>
-          <a:p>
-            <a:pPr marL="821819" lvl="1" indent="-342900">
-              <a:buFont typeface="Arial" panose="020B0604020202020204" pitchFamily="34" charset="0"/>
-              <a:buChar char="•"/>
-            </a:pPr>
-            <a:r>
-              <a:rPr lang="en-US" altLang="ko-KR" dirty="0" smtClean="0"/>
-              <a:t>SU(4) symmetric interaction does not have sign problem</a:t>
-            </a:r>
-          </a:p>
-          <a:p>
-            <a:pPr marL="821819" lvl="1" indent="-342900">
-              <a:buFont typeface="Arial" panose="020B0604020202020204" pitchFamily="34" charset="0"/>
-              <a:buChar char="•"/>
-            </a:pPr>
-            <a:r>
-              <a:rPr lang="en-US" altLang="ko-KR" dirty="0" smtClean="0"/>
-              <a:t>One pion exchange and higher order chiral interaction</a:t>
-            </a:r>
-          </a:p>
-          <a:p>
-            <a:pPr marL="821819" lvl="1" indent="-342900">
-              <a:buFont typeface="Arial" panose="020B0604020202020204" pitchFamily="34" charset="0"/>
-              <a:buChar char="•"/>
-            </a:pPr>
-            <a:r>
-              <a:rPr lang="en-US" altLang="ko-KR" dirty="0" smtClean="0"/>
-              <a:t>Asymmetric nuclei</a:t>
-            </a:r>
-          </a:p>
-          <a:p>
-            <a:pPr marL="821819" lvl="1" indent="-342900">
-              <a:buFont typeface="Arial" panose="020B0604020202020204" pitchFamily="34" charset="0"/>
-              <a:buChar char="•"/>
-            </a:pPr>
-            <a:r>
-              <a:rPr lang="en-US" altLang="ko-KR" dirty="0" smtClean="0"/>
-              <a:t>Needs a remedy to extend to neutron rich isotopes.</a:t>
-            </a:r>
-          </a:p>
-          <a:p>
-            <a:pPr marL="821819" lvl="1" indent="-342900">
-              <a:buFont typeface="Arial" panose="020B0604020202020204" pitchFamily="34" charset="0"/>
-              <a:buChar char="•"/>
-            </a:pPr>
-            <a:endParaRPr lang="en-US" altLang="ko-KR" dirty="0"/>
-          </a:p>
-          <a:p>
-            <a:pPr marL="342900" indent="-342900">
-              <a:buFont typeface="Arial" panose="020B0604020202020204" pitchFamily="34" charset="0"/>
-              <a:buChar char="•"/>
-            </a:pPr>
-            <a:r>
-              <a:rPr lang="en-US" altLang="ko-KR" dirty="0" smtClean="0"/>
-              <a:t>A new approach to reduce the sign problem.</a:t>
-            </a:r>
-          </a:p>
-          <a:p>
-            <a:pPr marL="342900" indent="-342900">
-              <a:buFont typeface="Arial" panose="020B0604020202020204" pitchFamily="34" charset="0"/>
-              <a:buChar char="•"/>
-            </a:pPr>
-            <a:r>
-              <a:rPr lang="en-US" altLang="ko-KR" dirty="0" smtClean="0">
-                <a:sym typeface="Wingdings" panose="05000000000000000000" pitchFamily="2" charset="2"/>
-              </a:rPr>
-              <a:t> Wave function matching Hamiltonian.</a:t>
-            </a:r>
-            <a:endParaRPr lang="en-US" altLang="ko-KR" dirty="0"/>
-          </a:p>
-          <a:p>
-            <a:pPr marL="342900" indent="-342900">
-              <a:buFont typeface="Arial" panose="020B0604020202020204" pitchFamily="34" charset="0"/>
-              <a:buChar char="•"/>
-            </a:pPr>
-            <a:endParaRPr lang="ko-KR" altLang="en-US" dirty="0"/>
-          </a:p>
-        </p:txBody>
-      </p:sp>
-    </p:spTree>
-    <p:extLst>
-      <p:ext uri="{BB962C8B-B14F-4D97-AF65-F5344CB8AC3E}">
-        <p14:creationId xmlns:p14="http://schemas.microsoft.com/office/powerpoint/2010/main" val="2151944090"/>
-      </p:ext>
-    </p:extLst>
-  </p:cSld>
-  <p:clrMapOvr>
-    <a:masterClrMapping/>
-  </p:clrMapOvr>
-</p:sld>
-</file>
-
 <file path=ppt/slides/slide9.xml><?xml version="1.0" encoding="utf-8"?>
 <p:sld xmlns:a="http://schemas.openxmlformats.org/drawingml/2006/main" xmlns:r="http://schemas.openxmlformats.org/officeDocument/2006/relationships" xmlns:p="http://schemas.openxmlformats.org/presentationml/2006/main">
   <p:cSld>
@@ -23235,7 +23618,7 @@
           <a:p>
             <a:r>
               <a:rPr lang="en-US" altLang="ko-KR" dirty="0" smtClean="0"/>
-              <a:t>Wave Function Matching Hamiltonian</a:t>
+              <a:t>Difficulty with full chiral interaction</a:t>
             </a:r>
             <a:endParaRPr lang="ko-KR" altLang="en-US" dirty="0"/>
           </a:p>
@@ -23250,7 +23633,7 @@
         <p:spPr>
           <a:xfrm>
             <a:off x="874207" y="1868993"/>
-            <a:ext cx="8139164" cy="2122889"/>
+            <a:ext cx="8139164" cy="2993127"/>
           </a:xfrm>
           <a:prstGeom prst="rect">
             <a:avLst/>
@@ -23269,7 +23652,7 @@
             </a:pPr>
             <a:r>
               <a:rPr lang="en-US" altLang="ko-KR" dirty="0" smtClean="0"/>
-              <a:t>Wave function matching by Unitary transformation</a:t>
+              <a:t>Sign problem</a:t>
             </a:r>
           </a:p>
           <a:p>
@@ -23279,7 +23662,7 @@
             </a:pPr>
             <a:r>
               <a:rPr lang="en-US" altLang="ko-KR" dirty="0" smtClean="0"/>
-              <a:t>Original Hamiltonian has a strong repulsion at short distance</a:t>
+              <a:t>NLEFT suffers sign problems at large Euclidean time limit</a:t>
             </a:r>
           </a:p>
           <a:p>
@@ -23288,12 +23671,9 @@
               <a:buChar char="•"/>
             </a:pPr>
             <a:r>
-              <a:rPr lang="en-US" altLang="ko-KR" dirty="0" smtClean="0">
-                <a:sym typeface="Wingdings" panose="05000000000000000000" pitchFamily="2" charset="2"/>
-              </a:rPr>
-              <a:t> origin of the difficulty of non-perturbative calculation. </a:t>
-            </a:r>
-            <a:endParaRPr lang="en-US" altLang="ko-KR" dirty="0" smtClean="0"/>
+              <a:rPr lang="en-US" altLang="ko-KR" dirty="0" smtClean="0"/>
+              <a:t>SU(4) symmetric interaction does not have sign problem</a:t>
+            </a:r>
           </a:p>
           <a:p>
             <a:pPr marL="821819" lvl="1" indent="-342900">
@@ -23302,95 +23682,36 @@
             </a:pPr>
             <a:r>
               <a:rPr lang="en-US" altLang="ko-KR" dirty="0" smtClean="0"/>
-              <a:t>new “soft” Hamiltonian </a:t>
-            </a:r>
-          </a:p>
-          <a:p>
-            <a:pPr marL="1300738" lvl="2" indent="-342900">
+              <a:t>One pion exchange and higher order chiral interaction</a:t>
+            </a:r>
+          </a:p>
+          <a:p>
+            <a:pPr marL="821819" lvl="1" indent="-342900">
               <a:buFont typeface="Arial" panose="020B0604020202020204" pitchFamily="34" charset="0"/>
               <a:buChar char="•"/>
             </a:pPr>
             <a:r>
               <a:rPr lang="en-US" altLang="ko-KR" dirty="0" smtClean="0"/>
-              <a:t>such that the eigenstate wave function becomes </a:t>
-            </a:r>
-          </a:p>
-          <a:p>
-            <a:pPr marL="1300738" lvl="2" indent="-342900">
+              <a:t>Asymmetric nuclei</a:t>
+            </a:r>
+          </a:p>
+          <a:p>
+            <a:pPr marL="821819" lvl="1" indent="-342900">
               <a:buFont typeface="Arial" panose="020B0604020202020204" pitchFamily="34" charset="0"/>
               <a:buChar char="•"/>
             </a:pPr>
             <a:r>
-              <a:rPr lang="en-US" altLang="ko-KR" dirty="0"/>
-              <a:t>S</a:t>
-            </a:r>
-            <a:r>
               <a:rPr lang="en-US" altLang="ko-KR" dirty="0" smtClean="0"/>
-              <a:t>ame as “original” w.f. at long distance</a:t>
-            </a:r>
-            <a:endParaRPr lang="en-US" altLang="ko-KR" dirty="0" smtClean="0">
-              <a:sym typeface="Wingdings" panose="05000000000000000000" pitchFamily="2" charset="2"/>
-            </a:endParaRPr>
-          </a:p>
-          <a:p>
-            <a:pPr marL="1300738" lvl="2" indent="-342900">
+              <a:t>Needs a remedy to extend to neutron rich isotopes.</a:t>
+            </a:r>
+          </a:p>
+          <a:p>
+            <a:pPr marL="821819" lvl="1" indent="-342900">
               <a:buFont typeface="Arial" panose="020B0604020202020204" pitchFamily="34" charset="0"/>
               <a:buChar char="•"/>
             </a:pPr>
-            <a:r>
-              <a:rPr lang="en-US" altLang="ko-KR" dirty="0" smtClean="0">
-                <a:sym typeface="Wingdings" panose="05000000000000000000" pitchFamily="2" charset="2"/>
-              </a:rPr>
-              <a:t>Same as “soft” w.f. at short distance</a:t>
-            </a:r>
-          </a:p>
-        </p:txBody>
-      </p:sp>
-      <p:pic>
-        <p:nvPicPr>
-          <p:cNvPr id="4" name="그림 3"/>
-          <p:cNvPicPr>
-            <a:picLocks noChangeAspect="1"/>
-          </p:cNvPicPr>
-          <p:nvPr/>
-        </p:nvPicPr>
-        <p:blipFill>
-          <a:blip r:embed="rId2"/>
-          <a:stretch>
-            <a:fillRect/>
-          </a:stretch>
-        </p:blipFill>
-        <p:spPr>
-          <a:xfrm>
-            <a:off x="883494" y="4101983"/>
-            <a:ext cx="5687219" cy="724001"/>
-          </a:xfrm>
-          <a:prstGeom prst="rect">
-            <a:avLst/>
-          </a:prstGeom>
-        </p:spPr>
-      </p:pic>
-      <p:sp>
-        <p:nvSpPr>
-          <p:cNvPr id="6" name="TextBox 5"/>
-          <p:cNvSpPr txBox="1"/>
-          <p:nvPr/>
-        </p:nvSpPr>
-        <p:spPr>
-          <a:xfrm>
-            <a:off x="814249" y="4936085"/>
-            <a:ext cx="8229266" cy="1252651"/>
-          </a:xfrm>
-          <a:prstGeom prst="rect">
-            <a:avLst/>
-          </a:prstGeom>
-          <a:noFill/>
-        </p:spPr>
-        <p:txBody>
-          <a:bodyPr wrap="square" rtlCol="0">
-            <a:spAutoFit/>
-          </a:bodyPr>
-          <a:lstStyle/>
+            <a:endParaRPr lang="en-US" altLang="ko-KR" dirty="0"/>
+          </a:p>
           <a:p>
             <a:pPr marL="342900" indent="-342900">
               <a:buFont typeface="Arial" panose="020B0604020202020204" pitchFamily="34" charset="0"/>
@@ -23398,11 +23719,11 @@
             </a:pPr>
             <a:r>
               <a:rPr lang="en-US" altLang="ko-KR" dirty="0" smtClean="0"/>
-              <a:t>“Soft” Hamiltonian is not the same as original Hamiltonian</a:t>
-            </a:r>
-          </a:p>
-          <a:p>
-            <a:pPr marL="821819" lvl="1" indent="-342900">
+              <a:t>A new approach to reduce the sign problem.</a:t>
+            </a:r>
+          </a:p>
+          <a:p>
+            <a:pPr marL="342900" indent="-342900">
               <a:buFont typeface="Arial" panose="020B0604020202020204" pitchFamily="34" charset="0"/>
               <a:buChar char="•"/>
             </a:pPr>
@@ -23410,111 +23731,23 @@
               <a:rPr lang="en-US" altLang="ko-KR" dirty="0" smtClean="0">
                 <a:sym typeface="Wingdings" panose="05000000000000000000" pitchFamily="2" charset="2"/>
               </a:rPr>
-              <a:t>Naturally need correction term </a:t>
-            </a:r>
-          </a:p>
-          <a:p>
-            <a:pPr marL="821819" lvl="1" indent="-342900">
+              <a:t> Wave function matching Hamiltonian.</a:t>
+            </a:r>
+            <a:endParaRPr lang="en-US" altLang="ko-KR" dirty="0"/>
+          </a:p>
+          <a:p>
+            <a:pPr marL="342900" indent="-342900">
               <a:buFont typeface="Arial" panose="020B0604020202020204" pitchFamily="34" charset="0"/>
               <a:buChar char="•"/>
             </a:pPr>
-            <a:r>
-              <a:rPr lang="en-US" altLang="ko-KR" dirty="0" err="1" smtClean="0">
-                <a:sym typeface="Wingdings" panose="05000000000000000000" pitchFamily="2" charset="2"/>
-              </a:rPr>
-              <a:t>H_orig</a:t>
-            </a:r>
-            <a:r>
-              <a:rPr lang="en-US" altLang="ko-KR" dirty="0" smtClean="0">
-                <a:sym typeface="Wingdings" panose="05000000000000000000" pitchFamily="2" charset="2"/>
-              </a:rPr>
-              <a:t> = </a:t>
-            </a:r>
-            <a:r>
-              <a:rPr lang="en-US" altLang="ko-KR" dirty="0" err="1" smtClean="0">
-                <a:sym typeface="Wingdings" panose="05000000000000000000" pitchFamily="2" charset="2"/>
-              </a:rPr>
-              <a:t>H_soft</a:t>
-            </a:r>
-            <a:r>
-              <a:rPr lang="en-US" altLang="ko-KR" dirty="0" smtClean="0">
-                <a:sym typeface="Wingdings" panose="05000000000000000000" pitchFamily="2" charset="2"/>
-              </a:rPr>
-              <a:t> + (</a:t>
-            </a:r>
-            <a:r>
-              <a:rPr lang="en-US" altLang="ko-KR" dirty="0" err="1" smtClean="0">
-                <a:sym typeface="Wingdings" panose="05000000000000000000" pitchFamily="2" charset="2"/>
-              </a:rPr>
-              <a:t>H_orig</a:t>
-            </a:r>
-            <a:r>
-              <a:rPr lang="en-US" altLang="ko-KR" dirty="0" smtClean="0">
-                <a:sym typeface="Wingdings" panose="05000000000000000000" pitchFamily="2" charset="2"/>
-              </a:rPr>
-              <a:t> - </a:t>
-            </a:r>
-            <a:r>
-              <a:rPr lang="en-US" altLang="ko-KR" dirty="0" err="1" smtClean="0">
-                <a:sym typeface="Wingdings" panose="05000000000000000000" pitchFamily="2" charset="2"/>
-              </a:rPr>
-              <a:t>H_soft</a:t>
-            </a:r>
-            <a:r>
-              <a:rPr lang="en-US" altLang="ko-KR" dirty="0" smtClean="0">
-                <a:sym typeface="Wingdings" panose="05000000000000000000" pitchFamily="2" charset="2"/>
-              </a:rPr>
-              <a:t>)</a:t>
-            </a:r>
-          </a:p>
-          <a:p>
-            <a:pPr marL="821819" lvl="1" indent="-342900">
-              <a:buFont typeface="Arial" panose="020B0604020202020204" pitchFamily="34" charset="0"/>
-              <a:buChar char="•"/>
-            </a:pPr>
-            <a:r>
-              <a:rPr lang="en-US" altLang="ko-KR" dirty="0" err="1" smtClean="0">
-                <a:sym typeface="Wingdings" panose="05000000000000000000" pitchFamily="2" charset="2"/>
-              </a:rPr>
-              <a:t>H_soft</a:t>
-            </a:r>
-            <a:r>
-              <a:rPr lang="en-US" altLang="ko-KR" dirty="0" smtClean="0">
-                <a:sym typeface="Wingdings" panose="05000000000000000000" pitchFamily="2" charset="2"/>
-              </a:rPr>
-              <a:t> has better property for non-perturbative calculation</a:t>
-            </a:r>
-          </a:p>
-        </p:txBody>
-      </p:sp>
-      <p:pic>
-        <p:nvPicPr>
-          <p:cNvPr id="8" name="그림 7"/>
-          <p:cNvPicPr>
-            <a:picLocks noChangeAspect="1"/>
-          </p:cNvPicPr>
-          <p:nvPr/>
-        </p:nvPicPr>
-        <p:blipFill>
-          <a:blip r:embed="rId3"/>
-          <a:stretch>
-            <a:fillRect/>
-          </a:stretch>
-        </p:blipFill>
-        <p:spPr>
-          <a:xfrm>
-            <a:off x="6752188" y="4045405"/>
-            <a:ext cx="2953162" cy="676369"/>
-          </a:xfrm>
-          <a:prstGeom prst="rect">
-            <a:avLst/>
-          </a:prstGeom>
-        </p:spPr>
-      </p:pic>
+            <a:endParaRPr lang="ko-KR" altLang="en-US" dirty="0"/>
+          </a:p>
+        </p:txBody>
+      </p:sp>
     </p:spTree>
     <p:extLst>
       <p:ext uri="{BB962C8B-B14F-4D97-AF65-F5344CB8AC3E}">
-        <p14:creationId xmlns:p14="http://schemas.microsoft.com/office/powerpoint/2010/main" val="3525440149"/>
+        <p14:creationId xmlns:p14="http://schemas.microsoft.com/office/powerpoint/2010/main" val="2151944090"/>
       </p:ext>
     </p:extLst>
   </p:cSld>

--- a/20220411_KPS_송영호.pptx
+++ b/20220411_KPS_송영호.pptx
@@ -10,32 +10,33 @@
     <p:sldMasterId id="2147483772" r:id="rId6"/>
   </p:sldMasterIdLst>
   <p:notesMasterIdLst>
-    <p:notesMasterId r:id="rId27"/>
+    <p:notesMasterId r:id="rId28"/>
   </p:notesMasterIdLst>
   <p:handoutMasterIdLst>
-    <p:handoutMasterId r:id="rId28"/>
+    <p:handoutMasterId r:id="rId29"/>
   </p:handoutMasterIdLst>
   <p:sldIdLst>
     <p:sldId id="269" r:id="rId7"/>
     <p:sldId id="523" r:id="rId8"/>
     <p:sldId id="542" r:id="rId9"/>
     <p:sldId id="525" r:id="rId10"/>
-    <p:sldId id="522" r:id="rId11"/>
-    <p:sldId id="526" r:id="rId12"/>
+    <p:sldId id="526" r:id="rId11"/>
+    <p:sldId id="522" r:id="rId12"/>
     <p:sldId id="527" r:id="rId13"/>
     <p:sldId id="529" r:id="rId14"/>
-    <p:sldId id="528" r:id="rId15"/>
-    <p:sldId id="531" r:id="rId16"/>
-    <p:sldId id="533" r:id="rId17"/>
-    <p:sldId id="534" r:id="rId18"/>
-    <p:sldId id="535" r:id="rId19"/>
-    <p:sldId id="536" r:id="rId20"/>
-    <p:sldId id="537" r:id="rId21"/>
-    <p:sldId id="538" r:id="rId22"/>
-    <p:sldId id="543" r:id="rId23"/>
-    <p:sldId id="540" r:id="rId24"/>
-    <p:sldId id="541" r:id="rId25"/>
-    <p:sldId id="544" r:id="rId26"/>
+    <p:sldId id="545" r:id="rId15"/>
+    <p:sldId id="546" r:id="rId16"/>
+    <p:sldId id="528" r:id="rId17"/>
+    <p:sldId id="531" r:id="rId18"/>
+    <p:sldId id="534" r:id="rId19"/>
+    <p:sldId id="535" r:id="rId20"/>
+    <p:sldId id="536" r:id="rId21"/>
+    <p:sldId id="537" r:id="rId22"/>
+    <p:sldId id="538" r:id="rId23"/>
+    <p:sldId id="543" r:id="rId24"/>
+    <p:sldId id="540" r:id="rId25"/>
+    <p:sldId id="541" r:id="rId26"/>
+    <p:sldId id="544" r:id="rId27"/>
   </p:sldIdLst>
   <p:sldSz cx="9906000" cy="6858000" type="A4"/>
   <p:notesSz cx="6735763" cy="9866313"/>
@@ -143,13 +144,14 @@
             <p14:sldId id="523"/>
             <p14:sldId id="542"/>
             <p14:sldId id="525"/>
+            <p14:sldId id="526"/>
             <p14:sldId id="522"/>
-            <p14:sldId id="526"/>
             <p14:sldId id="527"/>
             <p14:sldId id="529"/>
+            <p14:sldId id="545"/>
+            <p14:sldId id="546"/>
             <p14:sldId id="528"/>
             <p14:sldId id="531"/>
-            <p14:sldId id="533"/>
             <p14:sldId id="534"/>
             <p14:sldId id="535"/>
             <p14:sldId id="536"/>
@@ -220,7 +222,7 @@
             <a:srgbClr val="A4A3A4"/>
           </p15:clr>
         </p15:guide>
-        <p15:guide id="26" orient="horz" pos="2137" userDrawn="1">
+        <p15:guide id="26" orient="horz" pos="2115" userDrawn="1">
           <p15:clr>
             <a:srgbClr val="A4A3A4"/>
           </p15:clr>
@@ -326,7 +328,7 @@
           <a:p>
             <a:fld id="{46F42610-14FF-4B40-B4B6-786DE4FB8FEA}" type="datetime1">
               <a:rPr lang="ko-KR" altLang="en-US" smtClean="0"/>
-              <a:t>2022-04-11</a:t>
+              <a:t>2022-04-21</a:t>
             </a:fld>
             <a:endParaRPr lang="ko-KR" altLang="en-US"/>
           </a:p>
@@ -492,7 +494,7 @@
           <a:p>
             <a:fld id="{513A899E-F476-4791-9F16-0B14047B11F2}" type="datetime1">
               <a:rPr lang="ko-KR" altLang="en-US" smtClean="0"/>
-              <a:t>2022-04-11</a:t>
+              <a:t>2022-04-21</a:t>
             </a:fld>
             <a:endParaRPr lang="ko-KR" altLang="en-US"/>
           </a:p>
@@ -958,7 +960,7 @@
           <a:p>
             <a:fld id="{D5BB7A41-6D90-4371-844A-87EC379C3D06}" type="datetimeFigureOut">
               <a:rPr lang="ko-KR" altLang="en-US" smtClean="0"/>
-              <a:t>2022-04-11</a:t>
+              <a:t>2022-04-21</a:t>
             </a:fld>
             <a:endParaRPr lang="ko-KR" altLang="en-US"/>
           </a:p>
@@ -1306,7 +1308,7 @@
             <a:fld id="{1D8BD707-D9CF-40AE-B4C6-C98DA3205C09}" type="datetimeFigureOut">
               <a:rPr lang="en-US" smtClean="0"/>
               <a:pPr defTabSz="914400" latinLnBrk="0"/>
-              <a:t>4/11/2022</a:t>
+              <a:t>4/21/2022</a:t>
             </a:fld>
             <a:endParaRPr lang="en-US"/>
           </a:p>
@@ -1516,7 +1518,7 @@
             <a:fld id="{1D8BD707-D9CF-40AE-B4C6-C98DA3205C09}" type="datetimeFigureOut">
               <a:rPr lang="en-US" smtClean="0"/>
               <a:pPr defTabSz="914400" latinLnBrk="0"/>
-              <a:t>4/11/2022</a:t>
+              <a:t>4/21/2022</a:t>
             </a:fld>
             <a:endParaRPr lang="en-US"/>
           </a:p>
@@ -1774,7 +1776,7 @@
             <a:fld id="{1D8BD707-D9CF-40AE-B4C6-C98DA3205C09}" type="datetimeFigureOut">
               <a:rPr lang="en-US" smtClean="0"/>
               <a:pPr defTabSz="914400" latinLnBrk="0"/>
-              <a:t>4/11/2022</a:t>
+              <a:t>4/21/2022</a:t>
             </a:fld>
             <a:endParaRPr lang="en-US"/>
           </a:p>
@@ -2102,7 +2104,7 @@
             <a:fld id="{1D8BD707-D9CF-40AE-B4C6-C98DA3205C09}" type="datetimeFigureOut">
               <a:rPr lang="en-US" smtClean="0"/>
               <a:pPr defTabSz="914400" latinLnBrk="0"/>
-              <a:t>4/11/2022</a:t>
+              <a:t>4/21/2022</a:t>
             </a:fld>
             <a:endParaRPr lang="en-US"/>
           </a:p>
@@ -2578,7 +2580,7 @@
             <a:fld id="{1D8BD707-D9CF-40AE-B4C6-C98DA3205C09}" type="datetimeFigureOut">
               <a:rPr lang="en-US" smtClean="0"/>
               <a:pPr defTabSz="914400" latinLnBrk="0"/>
-              <a:t>4/11/2022</a:t>
+              <a:t>4/21/2022</a:t>
             </a:fld>
             <a:endParaRPr lang="en-US"/>
           </a:p>
@@ -2736,7 +2738,7 @@
             <a:fld id="{1D8BD707-D9CF-40AE-B4C6-C98DA3205C09}" type="datetimeFigureOut">
               <a:rPr lang="en-US" smtClean="0"/>
               <a:pPr defTabSz="914400" latinLnBrk="0"/>
-              <a:t>4/11/2022</a:t>
+              <a:t>4/21/2022</a:t>
             </a:fld>
             <a:endParaRPr lang="en-US"/>
           </a:p>
@@ -2836,7 +2838,7 @@
             <a:fld id="{1D8BD707-D9CF-40AE-B4C6-C98DA3205C09}" type="datetimeFigureOut">
               <a:rPr lang="en-US" smtClean="0"/>
               <a:pPr defTabSz="914400" latinLnBrk="0"/>
-              <a:t>4/11/2022</a:t>
+              <a:t>4/21/2022</a:t>
             </a:fld>
             <a:endParaRPr lang="en-US"/>
           </a:p>
@@ -2994,7 +2996,7 @@
           <a:p>
             <a:fld id="{D5BB7A41-6D90-4371-844A-87EC379C3D06}" type="datetimeFigureOut">
               <a:rPr lang="ko-KR" altLang="en-US" smtClean="0"/>
-              <a:t>2022-04-11</a:t>
+              <a:t>2022-04-21</a:t>
             </a:fld>
             <a:endParaRPr lang="ko-KR" altLang="en-US"/>
           </a:p>
@@ -3275,7 +3277,7 @@
             <a:fld id="{1D8BD707-D9CF-40AE-B4C6-C98DA3205C09}" type="datetimeFigureOut">
               <a:rPr lang="en-US" smtClean="0"/>
               <a:pPr defTabSz="914400" latinLnBrk="0"/>
-              <a:t>4/11/2022</a:t>
+              <a:t>4/21/2022</a:t>
             </a:fld>
             <a:endParaRPr lang="en-US"/>
           </a:p>
@@ -3590,7 +3592,7 @@
             <a:fld id="{1D8BD707-D9CF-40AE-B4C6-C98DA3205C09}" type="datetimeFigureOut">
               <a:rPr lang="en-US" smtClean="0"/>
               <a:pPr defTabSz="914400" latinLnBrk="0"/>
-              <a:t>4/11/2022</a:t>
+              <a:t>4/21/2022</a:t>
             </a:fld>
             <a:endParaRPr lang="en-US"/>
           </a:p>
@@ -3765,7 +3767,7 @@
             <a:fld id="{1D8BD707-D9CF-40AE-B4C6-C98DA3205C09}" type="datetimeFigureOut">
               <a:rPr lang="en-US" smtClean="0"/>
               <a:pPr defTabSz="914400" latinLnBrk="0"/>
-              <a:t>4/11/2022</a:t>
+              <a:t>4/21/2022</a:t>
             </a:fld>
             <a:endParaRPr lang="en-US"/>
           </a:p>
@@ -3950,7 +3952,7 @@
             <a:fld id="{1D8BD707-D9CF-40AE-B4C6-C98DA3205C09}" type="datetimeFigureOut">
               <a:rPr lang="en-US" smtClean="0"/>
               <a:pPr defTabSz="914400" latinLnBrk="0"/>
-              <a:t>4/11/2022</a:t>
+              <a:t>4/21/2022</a:t>
             </a:fld>
             <a:endParaRPr lang="en-US"/>
           </a:p>
@@ -4204,7 +4206,7 @@
             <a:fld id="{1D8BD707-D9CF-40AE-B4C6-C98DA3205C09}" type="datetimeFigureOut">
               <a:rPr lang="en-US" smtClean="0"/>
               <a:pPr defTabSz="914400" latinLnBrk="0"/>
-              <a:t>4/11/2022</a:t>
+              <a:t>4/21/2022</a:t>
             </a:fld>
             <a:endParaRPr lang="en-US"/>
           </a:p>
@@ -4414,7 +4416,7 @@
             <a:fld id="{1D8BD707-D9CF-40AE-B4C6-C98DA3205C09}" type="datetimeFigureOut">
               <a:rPr lang="en-US" smtClean="0"/>
               <a:pPr defTabSz="914400" latinLnBrk="0"/>
-              <a:t>4/11/2022</a:t>
+              <a:t>4/21/2022</a:t>
             </a:fld>
             <a:endParaRPr lang="en-US"/>
           </a:p>
@@ -4672,7 +4674,7 @@
             <a:fld id="{1D8BD707-D9CF-40AE-B4C6-C98DA3205C09}" type="datetimeFigureOut">
               <a:rPr lang="en-US" smtClean="0"/>
               <a:pPr defTabSz="914400" latinLnBrk="0"/>
-              <a:t>4/11/2022</a:t>
+              <a:t>4/21/2022</a:t>
             </a:fld>
             <a:endParaRPr lang="en-US"/>
           </a:p>
@@ -5000,7 +5002,7 @@
             <a:fld id="{1D8BD707-D9CF-40AE-B4C6-C98DA3205C09}" type="datetimeFigureOut">
               <a:rPr lang="en-US" smtClean="0"/>
               <a:pPr defTabSz="914400" latinLnBrk="0"/>
-              <a:t>4/11/2022</a:t>
+              <a:t>4/21/2022</a:t>
             </a:fld>
             <a:endParaRPr lang="en-US"/>
           </a:p>
@@ -5476,7 +5478,7 @@
             <a:fld id="{1D8BD707-D9CF-40AE-B4C6-C98DA3205C09}" type="datetimeFigureOut">
               <a:rPr lang="en-US" smtClean="0"/>
               <a:pPr defTabSz="914400" latinLnBrk="0"/>
-              <a:t>4/11/2022</a:t>
+              <a:t>4/21/2022</a:t>
             </a:fld>
             <a:endParaRPr lang="en-US"/>
           </a:p>
@@ -5634,7 +5636,7 @@
             <a:fld id="{1D8BD707-D9CF-40AE-B4C6-C98DA3205C09}" type="datetimeFigureOut">
               <a:rPr lang="en-US" smtClean="0"/>
               <a:pPr defTabSz="914400" latinLnBrk="0"/>
-              <a:t>4/11/2022</a:t>
+              <a:t>4/21/2022</a:t>
             </a:fld>
             <a:endParaRPr lang="en-US"/>
           </a:p>
@@ -5887,7 +5889,7 @@
           <a:p>
             <a:fld id="{D5BB7A41-6D90-4371-844A-87EC379C3D06}" type="datetimeFigureOut">
               <a:rPr lang="ko-KR" altLang="en-US" smtClean="0"/>
-              <a:t>2022-04-11</a:t>
+              <a:t>2022-04-21</a:t>
             </a:fld>
             <a:endParaRPr lang="ko-KR" altLang="en-US"/>
           </a:p>
@@ -5984,7 +5986,7 @@
             <a:fld id="{1D8BD707-D9CF-40AE-B4C6-C98DA3205C09}" type="datetimeFigureOut">
               <a:rPr lang="en-US" smtClean="0"/>
               <a:pPr defTabSz="914400" latinLnBrk="0"/>
-              <a:t>4/11/2022</a:t>
+              <a:t>4/21/2022</a:t>
             </a:fld>
             <a:endParaRPr lang="en-US"/>
           </a:p>
@@ -6268,7 +6270,7 @@
             <a:fld id="{1D8BD707-D9CF-40AE-B4C6-C98DA3205C09}" type="datetimeFigureOut">
               <a:rPr lang="en-US" smtClean="0"/>
               <a:pPr defTabSz="914400" latinLnBrk="0"/>
-              <a:t>4/11/2022</a:t>
+              <a:t>4/21/2022</a:t>
             </a:fld>
             <a:endParaRPr lang="en-US"/>
           </a:p>
@@ -6583,7 +6585,7 @@
             <a:fld id="{1D8BD707-D9CF-40AE-B4C6-C98DA3205C09}" type="datetimeFigureOut">
               <a:rPr lang="en-US" smtClean="0"/>
               <a:pPr defTabSz="914400" latinLnBrk="0"/>
-              <a:t>4/11/2022</a:t>
+              <a:t>4/21/2022</a:t>
             </a:fld>
             <a:endParaRPr lang="en-US"/>
           </a:p>
@@ -6758,7 +6760,7 @@
             <a:fld id="{1D8BD707-D9CF-40AE-B4C6-C98DA3205C09}" type="datetimeFigureOut">
               <a:rPr lang="en-US" smtClean="0"/>
               <a:pPr defTabSz="914400" latinLnBrk="0"/>
-              <a:t>4/11/2022</a:t>
+              <a:t>4/21/2022</a:t>
             </a:fld>
             <a:endParaRPr lang="en-US"/>
           </a:p>
@@ -6943,7 +6945,7 @@
             <a:fld id="{1D8BD707-D9CF-40AE-B4C6-C98DA3205C09}" type="datetimeFigureOut">
               <a:rPr lang="en-US" smtClean="0"/>
               <a:pPr defTabSz="914400" latinLnBrk="0"/>
-              <a:t>4/11/2022</a:t>
+              <a:t>4/21/2022</a:t>
             </a:fld>
             <a:endParaRPr lang="en-US"/>
           </a:p>
@@ -7197,7 +7199,7 @@
             <a:fld id="{1D8BD707-D9CF-40AE-B4C6-C98DA3205C09}" type="datetimeFigureOut">
               <a:rPr lang="en-US" smtClean="0"/>
               <a:pPr defTabSz="914400" latinLnBrk="0"/>
-              <a:t>4/11/2022</a:t>
+              <a:t>4/21/2022</a:t>
             </a:fld>
             <a:endParaRPr lang="en-US"/>
           </a:p>
@@ -7407,7 +7409,7 @@
             <a:fld id="{1D8BD707-D9CF-40AE-B4C6-C98DA3205C09}" type="datetimeFigureOut">
               <a:rPr lang="en-US" smtClean="0"/>
               <a:pPr defTabSz="914400" latinLnBrk="0"/>
-              <a:t>4/11/2022</a:t>
+              <a:t>4/21/2022</a:t>
             </a:fld>
             <a:endParaRPr lang="en-US"/>
           </a:p>
@@ -7665,7 +7667,7 @@
             <a:fld id="{1D8BD707-D9CF-40AE-B4C6-C98DA3205C09}" type="datetimeFigureOut">
               <a:rPr lang="en-US" smtClean="0"/>
               <a:pPr defTabSz="914400" latinLnBrk="0"/>
-              <a:t>4/11/2022</a:t>
+              <a:t>4/21/2022</a:t>
             </a:fld>
             <a:endParaRPr lang="en-US"/>
           </a:p>
@@ -7993,7 +7995,7 @@
             <a:fld id="{1D8BD707-D9CF-40AE-B4C6-C98DA3205C09}" type="datetimeFigureOut">
               <a:rPr lang="en-US" smtClean="0"/>
               <a:pPr defTabSz="914400" latinLnBrk="0"/>
-              <a:t>4/11/2022</a:t>
+              <a:t>4/21/2022</a:t>
             </a:fld>
             <a:endParaRPr lang="en-US"/>
           </a:p>
@@ -8469,7 +8471,7 @@
             <a:fld id="{1D8BD707-D9CF-40AE-B4C6-C98DA3205C09}" type="datetimeFigureOut">
               <a:rPr lang="en-US" smtClean="0"/>
               <a:pPr defTabSz="914400" latinLnBrk="0"/>
-              <a:t>4/11/2022</a:t>
+              <a:t>4/21/2022</a:t>
             </a:fld>
             <a:endParaRPr lang="en-US"/>
           </a:p>
@@ -8753,7 +8755,7 @@
           <a:p>
             <a:fld id="{D5BB7A41-6D90-4371-844A-87EC379C3D06}" type="datetimeFigureOut">
               <a:rPr lang="ko-KR" altLang="en-US" smtClean="0"/>
-              <a:t>2022-04-11</a:t>
+              <a:t>2022-04-21</a:t>
             </a:fld>
             <a:endParaRPr lang="ko-KR" altLang="en-US"/>
           </a:p>
@@ -8873,7 +8875,7 @@
             <a:fld id="{1D8BD707-D9CF-40AE-B4C6-C98DA3205C09}" type="datetimeFigureOut">
               <a:rPr lang="en-US" smtClean="0"/>
               <a:pPr defTabSz="914400" latinLnBrk="0"/>
-              <a:t>4/11/2022</a:t>
+              <a:t>4/21/2022</a:t>
             </a:fld>
             <a:endParaRPr lang="en-US"/>
           </a:p>
@@ -8973,7 +8975,7 @@
             <a:fld id="{1D8BD707-D9CF-40AE-B4C6-C98DA3205C09}" type="datetimeFigureOut">
               <a:rPr lang="en-US" smtClean="0"/>
               <a:pPr defTabSz="914400" latinLnBrk="0"/>
-              <a:t>4/11/2022</a:t>
+              <a:t>4/21/2022</a:t>
             </a:fld>
             <a:endParaRPr lang="en-US"/>
           </a:p>
@@ -9257,7 +9259,7 @@
             <a:fld id="{1D8BD707-D9CF-40AE-B4C6-C98DA3205C09}" type="datetimeFigureOut">
               <a:rPr lang="en-US" smtClean="0"/>
               <a:pPr defTabSz="914400" latinLnBrk="0"/>
-              <a:t>4/11/2022</a:t>
+              <a:t>4/21/2022</a:t>
             </a:fld>
             <a:endParaRPr lang="en-US"/>
           </a:p>
@@ -9572,7 +9574,7 @@
             <a:fld id="{1D8BD707-D9CF-40AE-B4C6-C98DA3205C09}" type="datetimeFigureOut">
               <a:rPr lang="en-US" smtClean="0"/>
               <a:pPr defTabSz="914400" latinLnBrk="0"/>
-              <a:t>4/11/2022</a:t>
+              <a:t>4/21/2022</a:t>
             </a:fld>
             <a:endParaRPr lang="en-US"/>
           </a:p>
@@ -9747,7 +9749,7 @@
             <a:fld id="{1D8BD707-D9CF-40AE-B4C6-C98DA3205C09}" type="datetimeFigureOut">
               <a:rPr lang="en-US" smtClean="0"/>
               <a:pPr defTabSz="914400" latinLnBrk="0"/>
-              <a:t>4/11/2022</a:t>
+              <a:t>4/21/2022</a:t>
             </a:fld>
             <a:endParaRPr lang="en-US"/>
           </a:p>
@@ -9932,7 +9934,7 @@
             <a:fld id="{1D8BD707-D9CF-40AE-B4C6-C98DA3205C09}" type="datetimeFigureOut">
               <a:rPr lang="en-US" smtClean="0"/>
               <a:pPr defTabSz="914400" latinLnBrk="0"/>
-              <a:t>4/11/2022</a:t>
+              <a:t>4/21/2022</a:t>
             </a:fld>
             <a:endParaRPr lang="en-US"/>
           </a:p>
@@ -10186,7 +10188,7 @@
             <a:fld id="{1D8BD707-D9CF-40AE-B4C6-C98DA3205C09}" type="datetimeFigureOut">
               <a:rPr lang="en-US" smtClean="0"/>
               <a:pPr defTabSz="914400" latinLnBrk="0"/>
-              <a:t>4/11/2022</a:t>
+              <a:t>4/21/2022</a:t>
             </a:fld>
             <a:endParaRPr lang="en-US"/>
           </a:p>
@@ -10396,7 +10398,7 @@
             <a:fld id="{1D8BD707-D9CF-40AE-B4C6-C98DA3205C09}" type="datetimeFigureOut">
               <a:rPr lang="en-US" smtClean="0"/>
               <a:pPr defTabSz="914400" latinLnBrk="0"/>
-              <a:t>4/11/2022</a:t>
+              <a:t>4/21/2022</a:t>
             </a:fld>
             <a:endParaRPr lang="en-US"/>
           </a:p>
@@ -10654,7 +10656,7 @@
             <a:fld id="{1D8BD707-D9CF-40AE-B4C6-C98DA3205C09}" type="datetimeFigureOut">
               <a:rPr lang="en-US" smtClean="0"/>
               <a:pPr defTabSz="914400" latinLnBrk="0"/>
-              <a:t>4/11/2022</a:t>
+              <a:t>4/21/2022</a:t>
             </a:fld>
             <a:endParaRPr lang="en-US"/>
           </a:p>
@@ -10982,7 +10984,7 @@
             <a:fld id="{1D8BD707-D9CF-40AE-B4C6-C98DA3205C09}" type="datetimeFigureOut">
               <a:rPr lang="en-US" smtClean="0"/>
               <a:pPr defTabSz="914400" latinLnBrk="0"/>
-              <a:t>4/11/2022</a:t>
+              <a:t>4/21/2022</a:t>
             </a:fld>
             <a:endParaRPr lang="en-US"/>
           </a:p>
@@ -11367,7 +11369,7 @@
           <a:p>
             <a:fld id="{D5BB7A41-6D90-4371-844A-87EC379C3D06}" type="datetimeFigureOut">
               <a:rPr lang="ko-KR" altLang="en-US" smtClean="0"/>
-              <a:t>2022-04-11</a:t>
+              <a:t>2022-04-21</a:t>
             </a:fld>
             <a:endParaRPr lang="ko-KR" altLang="en-US"/>
           </a:p>
@@ -11840,7 +11842,7 @@
             <a:fld id="{1D8BD707-D9CF-40AE-B4C6-C98DA3205C09}" type="datetimeFigureOut">
               <a:rPr lang="en-US" smtClean="0"/>
               <a:pPr defTabSz="914400" latinLnBrk="0"/>
-              <a:t>4/11/2022</a:t>
+              <a:t>4/21/2022</a:t>
             </a:fld>
             <a:endParaRPr lang="en-US"/>
           </a:p>
@@ -11998,7 +12000,7 @@
             <a:fld id="{1D8BD707-D9CF-40AE-B4C6-C98DA3205C09}" type="datetimeFigureOut">
               <a:rPr lang="en-US" smtClean="0"/>
               <a:pPr defTabSz="914400" latinLnBrk="0"/>
-              <a:t>4/11/2022</a:t>
+              <a:t>4/21/2022</a:t>
             </a:fld>
             <a:endParaRPr lang="en-US"/>
           </a:p>
@@ -12098,7 +12100,7 @@
             <a:fld id="{1D8BD707-D9CF-40AE-B4C6-C98DA3205C09}" type="datetimeFigureOut">
               <a:rPr lang="en-US" smtClean="0"/>
               <a:pPr defTabSz="914400" latinLnBrk="0"/>
-              <a:t>4/11/2022</a:t>
+              <a:t>4/21/2022</a:t>
             </a:fld>
             <a:endParaRPr lang="en-US"/>
           </a:p>
@@ -12382,7 +12384,7 @@
             <a:fld id="{1D8BD707-D9CF-40AE-B4C6-C98DA3205C09}" type="datetimeFigureOut">
               <a:rPr lang="en-US" smtClean="0"/>
               <a:pPr defTabSz="914400" latinLnBrk="0"/>
-              <a:t>4/11/2022</a:t>
+              <a:t>4/21/2022</a:t>
             </a:fld>
             <a:endParaRPr lang="en-US"/>
           </a:p>
@@ -12697,7 +12699,7 @@
             <a:fld id="{1D8BD707-D9CF-40AE-B4C6-C98DA3205C09}" type="datetimeFigureOut">
               <a:rPr lang="en-US" smtClean="0"/>
               <a:pPr defTabSz="914400" latinLnBrk="0"/>
-              <a:t>4/11/2022</a:t>
+              <a:t>4/21/2022</a:t>
             </a:fld>
             <a:endParaRPr lang="en-US"/>
           </a:p>
@@ -12872,7 +12874,7 @@
             <a:fld id="{1D8BD707-D9CF-40AE-B4C6-C98DA3205C09}" type="datetimeFigureOut">
               <a:rPr lang="en-US" smtClean="0"/>
               <a:pPr defTabSz="914400" latinLnBrk="0"/>
-              <a:t>4/11/2022</a:t>
+              <a:t>4/21/2022</a:t>
             </a:fld>
             <a:endParaRPr lang="en-US"/>
           </a:p>
@@ -13057,7 +13059,7 @@
             <a:fld id="{1D8BD707-D9CF-40AE-B4C6-C98DA3205C09}" type="datetimeFigureOut">
               <a:rPr lang="en-US" smtClean="0"/>
               <a:pPr defTabSz="914400" latinLnBrk="0"/>
-              <a:t>4/11/2022</a:t>
+              <a:t>4/21/2022</a:t>
             </a:fld>
             <a:endParaRPr lang="en-US"/>
           </a:p>
@@ -13311,7 +13313,7 @@
             <a:fld id="{1D8BD707-D9CF-40AE-B4C6-C98DA3205C09}" type="datetimeFigureOut">
               <a:rPr lang="en-US" smtClean="0"/>
               <a:pPr defTabSz="914400" latinLnBrk="0"/>
-              <a:t>4/11/2022</a:t>
+              <a:t>4/21/2022</a:t>
             </a:fld>
             <a:endParaRPr lang="en-US"/>
           </a:p>
@@ -13521,7 +13523,7 @@
             <a:fld id="{1D8BD707-D9CF-40AE-B4C6-C98DA3205C09}" type="datetimeFigureOut">
               <a:rPr lang="en-US" smtClean="0"/>
               <a:pPr defTabSz="914400" latinLnBrk="0"/>
-              <a:t>4/11/2022</a:t>
+              <a:t>4/21/2022</a:t>
             </a:fld>
             <a:endParaRPr lang="en-US"/>
           </a:p>
@@ -13779,7 +13781,7 @@
             <a:fld id="{1D8BD707-D9CF-40AE-B4C6-C98DA3205C09}" type="datetimeFigureOut">
               <a:rPr lang="en-US" smtClean="0"/>
               <a:pPr defTabSz="914400" latinLnBrk="0"/>
-              <a:t>4/11/2022</a:t>
+              <a:t>4/21/2022</a:t>
             </a:fld>
             <a:endParaRPr lang="en-US"/>
           </a:p>
@@ -13943,7 +13945,7 @@
           <a:p>
             <a:fld id="{D5BB7A41-6D90-4371-844A-87EC379C3D06}" type="datetimeFigureOut">
               <a:rPr lang="ko-KR" altLang="en-US" smtClean="0"/>
-              <a:t>2022-04-11</a:t>
+              <a:t>2022-04-21</a:t>
             </a:fld>
             <a:endParaRPr lang="ko-KR" altLang="en-US"/>
           </a:p>
@@ -14233,7 +14235,7 @@
             <a:fld id="{1D8BD707-D9CF-40AE-B4C6-C98DA3205C09}" type="datetimeFigureOut">
               <a:rPr lang="en-US" smtClean="0"/>
               <a:pPr defTabSz="914400" latinLnBrk="0"/>
-              <a:t>4/11/2022</a:t>
+              <a:t>4/21/2022</a:t>
             </a:fld>
             <a:endParaRPr lang="en-US"/>
           </a:p>
@@ -14709,7 +14711,7 @@
             <a:fld id="{1D8BD707-D9CF-40AE-B4C6-C98DA3205C09}" type="datetimeFigureOut">
               <a:rPr lang="en-US" smtClean="0"/>
               <a:pPr defTabSz="914400" latinLnBrk="0"/>
-              <a:t>4/11/2022</a:t>
+              <a:t>4/21/2022</a:t>
             </a:fld>
             <a:endParaRPr lang="en-US"/>
           </a:p>
@@ -14867,7 +14869,7 @@
             <a:fld id="{1D8BD707-D9CF-40AE-B4C6-C98DA3205C09}" type="datetimeFigureOut">
               <a:rPr lang="en-US" smtClean="0"/>
               <a:pPr defTabSz="914400" latinLnBrk="0"/>
-              <a:t>4/11/2022</a:t>
+              <a:t>4/21/2022</a:t>
             </a:fld>
             <a:endParaRPr lang="en-US"/>
           </a:p>
@@ -14967,7 +14969,7 @@
             <a:fld id="{1D8BD707-D9CF-40AE-B4C6-C98DA3205C09}" type="datetimeFigureOut">
               <a:rPr lang="en-US" smtClean="0"/>
               <a:pPr defTabSz="914400" latinLnBrk="0"/>
-              <a:t>4/11/2022</a:t>
+              <a:t>4/21/2022</a:t>
             </a:fld>
             <a:endParaRPr lang="en-US"/>
           </a:p>
@@ -15251,7 +15253,7 @@
             <a:fld id="{1D8BD707-D9CF-40AE-B4C6-C98DA3205C09}" type="datetimeFigureOut">
               <a:rPr lang="en-US" smtClean="0"/>
               <a:pPr defTabSz="914400" latinLnBrk="0"/>
-              <a:t>4/11/2022</a:t>
+              <a:t>4/21/2022</a:t>
             </a:fld>
             <a:endParaRPr lang="en-US"/>
           </a:p>
@@ -15566,7 +15568,7 @@
             <a:fld id="{1D8BD707-D9CF-40AE-B4C6-C98DA3205C09}" type="datetimeFigureOut">
               <a:rPr lang="en-US" smtClean="0"/>
               <a:pPr defTabSz="914400" latinLnBrk="0"/>
-              <a:t>4/11/2022</a:t>
+              <a:t>4/21/2022</a:t>
             </a:fld>
             <a:endParaRPr lang="en-US"/>
           </a:p>
@@ -15741,7 +15743,7 @@
             <a:fld id="{1D8BD707-D9CF-40AE-B4C6-C98DA3205C09}" type="datetimeFigureOut">
               <a:rPr lang="en-US" smtClean="0"/>
               <a:pPr defTabSz="914400" latinLnBrk="0"/>
-              <a:t>4/11/2022</a:t>
+              <a:t>4/21/2022</a:t>
             </a:fld>
             <a:endParaRPr lang="en-US"/>
           </a:p>
@@ -15926,7 +15928,7 @@
             <a:fld id="{1D8BD707-D9CF-40AE-B4C6-C98DA3205C09}" type="datetimeFigureOut">
               <a:rPr lang="en-US" smtClean="0"/>
               <a:pPr defTabSz="914400" latinLnBrk="0"/>
-              <a:t>4/11/2022</a:t>
+              <a:t>4/21/2022</a:t>
             </a:fld>
             <a:endParaRPr lang="en-US"/>
           </a:p>
@@ -16024,7 +16026,7 @@
           <a:p>
             <a:fld id="{D5BB7A41-6D90-4371-844A-87EC379C3D06}" type="datetimeFigureOut">
               <a:rPr lang="ko-KR" altLang="en-US" smtClean="0"/>
-              <a:t>2022-04-11</a:t>
+              <a:t>2022-04-21</a:t>
             </a:fld>
             <a:endParaRPr lang="ko-KR" altLang="en-US"/>
           </a:p>
@@ -16310,7 +16312,7 @@
           <a:p>
             <a:fld id="{D5BB7A41-6D90-4371-844A-87EC379C3D06}" type="datetimeFigureOut">
               <a:rPr lang="ko-KR" altLang="en-US" smtClean="0"/>
-              <a:t>2022-04-11</a:t>
+              <a:t>2022-04-21</a:t>
             </a:fld>
             <a:endParaRPr lang="ko-KR" altLang="en-US"/>
           </a:p>
@@ -16458,7 +16460,7 @@
           <a:p>
             <a:fld id="{D5BB7A41-6D90-4371-844A-87EC379C3D06}" type="datetimeFigureOut">
               <a:rPr lang="ko-KR" altLang="en-US" smtClean="0"/>
-              <a:t>2022-04-11</a:t>
+              <a:t>2022-04-21</a:t>
             </a:fld>
             <a:endParaRPr lang="ko-KR" altLang="en-US"/>
           </a:p>
@@ -17293,7 +17295,7 @@
             <a:fld id="{1D8BD707-D9CF-40AE-B4C6-C98DA3205C09}" type="datetimeFigureOut">
               <a:rPr lang="en-US" smtClean="0"/>
               <a:pPr defTabSz="914400" latinLnBrk="0"/>
-              <a:t>4/11/2022</a:t>
+              <a:t>4/21/2022</a:t>
             </a:fld>
             <a:endParaRPr lang="en-US"/>
           </a:p>
@@ -17983,7 +17985,7 @@
             <a:fld id="{1D8BD707-D9CF-40AE-B4C6-C98DA3205C09}" type="datetimeFigureOut">
               <a:rPr lang="en-US" smtClean="0"/>
               <a:pPr defTabSz="914400" latinLnBrk="0"/>
-              <a:t>4/11/2022</a:t>
+              <a:t>4/21/2022</a:t>
             </a:fld>
             <a:endParaRPr lang="en-US"/>
           </a:p>
@@ -18673,7 +18675,7 @@
             <a:fld id="{1D8BD707-D9CF-40AE-B4C6-C98DA3205C09}" type="datetimeFigureOut">
               <a:rPr lang="en-US" smtClean="0"/>
               <a:pPr defTabSz="914400" latinLnBrk="0"/>
-              <a:t>4/11/2022</a:t>
+              <a:t>4/21/2022</a:t>
             </a:fld>
             <a:endParaRPr lang="en-US"/>
           </a:p>
@@ -19363,7 +19365,7 @@
             <a:fld id="{1D8BD707-D9CF-40AE-B4C6-C98DA3205C09}" type="datetimeFigureOut">
               <a:rPr lang="en-US" smtClean="0"/>
               <a:pPr defTabSz="914400" latinLnBrk="0"/>
-              <a:t>4/11/2022</a:t>
+              <a:t>4/21/2022</a:t>
             </a:fld>
             <a:endParaRPr lang="en-US"/>
           </a:p>
@@ -20053,7 +20055,7 @@
             <a:fld id="{1D8BD707-D9CF-40AE-B4C6-C98DA3205C09}" type="datetimeFigureOut">
               <a:rPr lang="en-US" smtClean="0"/>
               <a:pPr defTabSz="914400" latinLnBrk="0"/>
-              <a:t>4/11/2022</a:t>
+              <a:t>4/21/2022</a:t>
             </a:fld>
             <a:endParaRPr lang="en-US"/>
           </a:p>
@@ -20722,7 +20724,7 @@
         <p:spPr>
           <a:xfrm>
             <a:off x="665859" y="4774538"/>
-            <a:ext cx="4870649" cy="954107"/>
+            <a:ext cx="8367305" cy="954107"/>
           </a:xfrm>
           <a:prstGeom prst="rect">
             <a:avLst/>
@@ -20743,9 +20745,18 @@
           <a:p>
             <a:pPr lvl="1"/>
             <a:r>
-              <a:rPr lang="en-US" altLang="ko-KR" sz="2800" dirty="0" smtClean="0"/>
+              <a:rPr lang="en-US" altLang="ko-KR" sz="2800" dirty="0" smtClean="0">
+                <a:solidFill>
+                  <a:srgbClr val="FF0000"/>
+                </a:solidFill>
+              </a:rPr>
               <a:t>NLEFT collaboration</a:t>
             </a:r>
+            <a:endParaRPr lang="en-US" altLang="ko-KR" sz="2800" dirty="0" smtClean="0">
+              <a:solidFill>
+                <a:srgbClr val="FF0000"/>
+              </a:solidFill>
+            </a:endParaRPr>
           </a:p>
         </p:txBody>
       </p:sp>
@@ -20832,7 +20843,7 @@
           <a:p>
             <a:r>
               <a:rPr lang="en-US" altLang="ko-KR" dirty="0" smtClean="0"/>
-              <a:t>Wave Function Matching Hamiltonian</a:t>
+              <a:t>Lattice chiral Hamiltonian (N3LO)</a:t>
             </a:r>
             <a:endParaRPr lang="ko-KR" altLang="en-US" dirty="0"/>
           </a:p>
@@ -20846,8 +20857,8 @@
         </p:nvSpPr>
         <p:spPr>
           <a:xfrm>
-            <a:off x="874207" y="1868993"/>
-            <a:ext cx="8139164" cy="2122889"/>
+            <a:off x="668338" y="1681018"/>
+            <a:ext cx="8532812" cy="3477875"/>
           </a:xfrm>
           <a:prstGeom prst="rect">
             <a:avLst/>
@@ -20860,86 +20871,111 @@
           </a:bodyPr>
           <a:lstStyle/>
           <a:p>
+            <a:r>
+              <a:rPr lang="en-US" altLang="ko-KR" sz="2000" dirty="0" smtClean="0"/>
+              <a:t>Full N3LO Hamiltonian includes</a:t>
+            </a:r>
+          </a:p>
+          <a:p>
             <a:pPr marL="342900" indent="-342900">
               <a:buFont typeface="Arial" panose="020B0604020202020204" pitchFamily="34" charset="0"/>
               <a:buChar char="•"/>
             </a:pPr>
             <a:r>
-              <a:rPr lang="en-US" altLang="ko-KR" dirty="0" smtClean="0"/>
-              <a:t>Wave function matching by Unitary transformation</a:t>
-            </a:r>
-          </a:p>
-          <a:p>
-            <a:pPr marL="821819" lvl="1" indent="-342900">
+              <a:rPr lang="en-US" altLang="ko-KR" sz="2000" dirty="0" smtClean="0"/>
+              <a:t>Free Hamiltonian(Kinetic term)</a:t>
+            </a:r>
+          </a:p>
+          <a:p>
+            <a:pPr marL="342900" indent="-342900">
               <a:buFont typeface="Arial" panose="020B0604020202020204" pitchFamily="34" charset="0"/>
               <a:buChar char="•"/>
             </a:pPr>
             <a:r>
-              <a:rPr lang="en-US" altLang="ko-KR" dirty="0" smtClean="0"/>
-              <a:t>Original Hamiltonian has a strong repulsion at short distance</a:t>
-            </a:r>
-          </a:p>
-          <a:p>
-            <a:pPr marL="821819" lvl="1" indent="-342900">
+              <a:rPr lang="en-US" altLang="ko-KR" sz="2000" dirty="0" smtClean="0"/>
+              <a:t>Short range (nonlocal smeared) contact interactions up to Q^4 order</a:t>
+            </a:r>
+          </a:p>
+          <a:p>
+            <a:pPr marL="342900" indent="-342900">
               <a:buFont typeface="Arial" panose="020B0604020202020204" pitchFamily="34" charset="0"/>
               <a:buChar char="•"/>
             </a:pPr>
             <a:r>
-              <a:rPr lang="en-US" altLang="ko-KR" dirty="0" smtClean="0">
-                <a:sym typeface="Wingdings" panose="05000000000000000000" pitchFamily="2" charset="2"/>
-              </a:rPr>
-              <a:t> origin of the difficulty of non-perturbative calculation. </a:t>
-            </a:r>
-            <a:endParaRPr lang="en-US" altLang="ko-KR" dirty="0" smtClean="0"/>
-          </a:p>
-          <a:p>
-            <a:pPr marL="821819" lvl="1" indent="-342900">
+              <a:rPr lang="en-US" altLang="ko-KR" sz="2000" dirty="0" smtClean="0"/>
+              <a:t>Isospin-breaking short range interactions</a:t>
+            </a:r>
+          </a:p>
+          <a:p>
+            <a:pPr marL="342900" indent="-342900">
               <a:buFont typeface="Arial" panose="020B0604020202020204" pitchFamily="34" charset="0"/>
               <a:buChar char="•"/>
             </a:pPr>
             <a:r>
-              <a:rPr lang="en-US" altLang="ko-KR" dirty="0" smtClean="0"/>
-              <a:t>new “soft” Hamiltonian </a:t>
-            </a:r>
-          </a:p>
-          <a:p>
-            <a:pPr marL="1300738" lvl="2" indent="-342900">
+              <a:rPr lang="en-US" altLang="ko-KR" sz="2000" dirty="0" smtClean="0"/>
+              <a:t>One pion exchange potential </a:t>
+            </a:r>
+          </a:p>
+          <a:p>
+            <a:pPr marL="342900" indent="-342900">
               <a:buFont typeface="Arial" panose="020B0604020202020204" pitchFamily="34" charset="0"/>
               <a:buChar char="•"/>
             </a:pPr>
             <a:r>
-              <a:rPr lang="en-US" altLang="ko-KR" dirty="0" smtClean="0"/>
-              <a:t>such that the eigenstate wave function becomes </a:t>
-            </a:r>
-          </a:p>
-          <a:p>
-            <a:pPr marL="1300738" lvl="2" indent="-342900">
+              <a:rPr lang="en-US" altLang="ko-KR" sz="2000" dirty="0" smtClean="0"/>
+              <a:t>Two pion exchange potential up to Q^4 order</a:t>
+            </a:r>
+          </a:p>
+          <a:p>
+            <a:pPr marL="342900" indent="-342900">
               <a:buFont typeface="Arial" panose="020B0604020202020204" pitchFamily="34" charset="0"/>
               <a:buChar char="•"/>
             </a:pPr>
             <a:r>
-              <a:rPr lang="en-US" altLang="ko-KR" dirty="0"/>
-              <a:t>S</a:t>
-            </a:r>
-            <a:r>
-              <a:rPr lang="en-US" altLang="ko-KR" dirty="0" smtClean="0"/>
-              <a:t>ame as “original” w.f. at long distance</a:t>
-            </a:r>
-            <a:endParaRPr lang="en-US" altLang="ko-KR" dirty="0" smtClean="0">
-              <a:sym typeface="Wingdings" panose="05000000000000000000" pitchFamily="2" charset="2"/>
-            </a:endParaRPr>
-          </a:p>
-          <a:p>
-            <a:pPr marL="1300738" lvl="2" indent="-342900">
+              <a:rPr lang="en-US" altLang="ko-KR" sz="2000" dirty="0" smtClean="0"/>
+              <a:t>Coulomb interaction</a:t>
+            </a:r>
+          </a:p>
+          <a:p>
+            <a:pPr marL="342900" indent="-342900">
               <a:buFont typeface="Arial" panose="020B0604020202020204" pitchFamily="34" charset="0"/>
               <a:buChar char="•"/>
             </a:pPr>
             <a:r>
-              <a:rPr lang="en-US" altLang="ko-KR" dirty="0" smtClean="0">
-                <a:sym typeface="Wingdings" panose="05000000000000000000" pitchFamily="2" charset="2"/>
-              </a:rPr>
-              <a:t>Same as “soft” w.f. at short distance</a:t>
-            </a:r>
+              <a:rPr lang="en-US" altLang="ko-KR" sz="2000" dirty="0" smtClean="0"/>
+              <a:t>Long range isospin breaking interaction( isospin dependence in OPE)</a:t>
+            </a:r>
+          </a:p>
+          <a:p>
+            <a:pPr marL="342900" indent="-342900">
+              <a:buFont typeface="Arial" panose="020B0604020202020204" pitchFamily="34" charset="0"/>
+              <a:buChar char="•"/>
+            </a:pPr>
+            <a:r>
+              <a:rPr lang="en-US" altLang="ko-KR" sz="2000" dirty="0" smtClean="0"/>
+              <a:t>Galilean Invariance Restoration (GIR) term </a:t>
+            </a:r>
+          </a:p>
+          <a:p>
+            <a:pPr marL="342900" indent="-342900">
+              <a:buFont typeface="Arial" panose="020B0604020202020204" pitchFamily="34" charset="0"/>
+              <a:buChar char="•"/>
+            </a:pPr>
+            <a:r>
+              <a:rPr lang="en-US" altLang="ko-KR" sz="2000" dirty="0" smtClean="0"/>
+              <a:t>Three nucleon </a:t>
+            </a:r>
+            <a:r>
+              <a:rPr lang="en-US" altLang="ko-KR" sz="2000" dirty="0" smtClean="0"/>
+              <a:t>interaction</a:t>
+            </a:r>
+          </a:p>
+          <a:p>
+            <a:pPr marL="342900" indent="-342900">
+              <a:buFont typeface="Arial" panose="020B0604020202020204" pitchFamily="34" charset="0"/>
+              <a:buChar char="•"/>
+            </a:pPr>
+            <a:endParaRPr lang="en-US" altLang="ko-KR" sz="2000" dirty="0"/>
           </a:p>
         </p:txBody>
       </p:sp>
@@ -20959,149 +20995,8 @@
         </p:blipFill>
         <p:spPr>
           <a:xfrm>
-            <a:off x="883494" y="4101983"/>
-            <a:ext cx="5687219" cy="724001"/>
-          </a:xfrm>
-          <a:prstGeom prst="rect">
-            <a:avLst/>
-          </a:prstGeom>
-        </p:spPr>
-      </p:pic>
-      <p:sp>
-        <p:nvSpPr>
-          <p:cNvPr id="6" name="TextBox 5"/>
-          <p:cNvSpPr txBox="1"/>
-          <p:nvPr/>
-        </p:nvSpPr>
-        <p:spPr>
-          <a:xfrm>
-            <a:off x="814249" y="4936085"/>
-            <a:ext cx="8229266" cy="1252651"/>
-          </a:xfrm>
-          <a:prstGeom prst="rect">
-            <a:avLst/>
-          </a:prstGeom>
-          <a:noFill/>
-        </p:spPr>
-        <p:txBody>
-          <a:bodyPr wrap="square" rtlCol="0">
-            <a:spAutoFit/>
-          </a:bodyPr>
-          <a:lstStyle/>
-          <a:p>
-            <a:pPr marL="342900" indent="-342900">
-              <a:buFont typeface="Arial" panose="020B0604020202020204" pitchFamily="34" charset="0"/>
-              <a:buChar char="•"/>
-            </a:pPr>
-            <a:r>
-              <a:rPr lang="en-US" altLang="ko-KR" dirty="0" smtClean="0"/>
-              <a:t>“Soft” Hamiltonian is not the same as original Hamiltonian</a:t>
-            </a:r>
-          </a:p>
-          <a:p>
-            <a:pPr marL="821819" lvl="1" indent="-342900">
-              <a:buFont typeface="Arial" panose="020B0604020202020204" pitchFamily="34" charset="0"/>
-              <a:buChar char="•"/>
-            </a:pPr>
-            <a:r>
-              <a:rPr lang="en-US" altLang="ko-KR" dirty="0" smtClean="0">
-                <a:sym typeface="Wingdings" panose="05000000000000000000" pitchFamily="2" charset="2"/>
-              </a:rPr>
-              <a:t>Naturally need correction term </a:t>
-            </a:r>
-          </a:p>
-          <a:p>
-            <a:pPr marL="821819" lvl="1" indent="-342900">
-              <a:buFont typeface="Arial" panose="020B0604020202020204" pitchFamily="34" charset="0"/>
-              <a:buChar char="•"/>
-            </a:pPr>
-            <a:r>
-              <a:rPr lang="en-US" altLang="ko-KR" dirty="0" err="1" smtClean="0">
-                <a:sym typeface="Wingdings" panose="05000000000000000000" pitchFamily="2" charset="2"/>
-              </a:rPr>
-              <a:t>H_orig</a:t>
-            </a:r>
-            <a:r>
-              <a:rPr lang="en-US" altLang="ko-KR" dirty="0" smtClean="0">
-                <a:sym typeface="Wingdings" panose="05000000000000000000" pitchFamily="2" charset="2"/>
-              </a:rPr>
-              <a:t> = </a:t>
-            </a:r>
-            <a:r>
-              <a:rPr lang="en-US" altLang="ko-KR" dirty="0" err="1" smtClean="0">
-                <a:sym typeface="Wingdings" panose="05000000000000000000" pitchFamily="2" charset="2"/>
-              </a:rPr>
-              <a:t>H_soft</a:t>
-            </a:r>
-            <a:r>
-              <a:rPr lang="en-US" altLang="ko-KR" dirty="0" smtClean="0">
-                <a:sym typeface="Wingdings" panose="05000000000000000000" pitchFamily="2" charset="2"/>
-              </a:rPr>
-              <a:t> + (</a:t>
-            </a:r>
-            <a:r>
-              <a:rPr lang="en-US" altLang="ko-KR" dirty="0" err="1" smtClean="0">
-                <a:sym typeface="Wingdings" panose="05000000000000000000" pitchFamily="2" charset="2"/>
-              </a:rPr>
-              <a:t>H_orig</a:t>
-            </a:r>
-            <a:r>
-              <a:rPr lang="en-US" altLang="ko-KR" dirty="0" smtClean="0">
-                <a:sym typeface="Wingdings" panose="05000000000000000000" pitchFamily="2" charset="2"/>
-              </a:rPr>
-              <a:t> - </a:t>
-            </a:r>
-            <a:r>
-              <a:rPr lang="en-US" altLang="ko-KR" dirty="0" err="1" smtClean="0">
-                <a:sym typeface="Wingdings" panose="05000000000000000000" pitchFamily="2" charset="2"/>
-              </a:rPr>
-              <a:t>H_soft</a:t>
-            </a:r>
-            <a:r>
-              <a:rPr lang="en-US" altLang="ko-KR" dirty="0" smtClean="0">
-                <a:sym typeface="Wingdings" panose="05000000000000000000" pitchFamily="2" charset="2"/>
-              </a:rPr>
-              <a:t>)</a:t>
-            </a:r>
-          </a:p>
-          <a:p>
-            <a:pPr marL="821819" lvl="1" indent="-342900">
-              <a:buFont typeface="Arial" panose="020B0604020202020204" pitchFamily="34" charset="0"/>
-              <a:buChar char="•"/>
-            </a:pPr>
-            <a:r>
-              <a:rPr lang="en-US" altLang="ko-KR" dirty="0" err="1" smtClean="0">
-                <a:sym typeface="Wingdings" panose="05000000000000000000" pitchFamily="2" charset="2"/>
-              </a:rPr>
-              <a:t>H_soft</a:t>
-            </a:r>
-            <a:r>
-              <a:rPr lang="en-US" altLang="ko-KR" dirty="0" smtClean="0">
-                <a:sym typeface="Wingdings" panose="05000000000000000000" pitchFamily="2" charset="2"/>
-              </a:rPr>
-              <a:t> has better property for non-perturbative calculation</a:t>
-            </a:r>
-          </a:p>
-        </p:txBody>
-      </p:sp>
-      <p:pic>
-        <p:nvPicPr>
-          <p:cNvPr id="8" name="그림 7"/>
-          <p:cNvPicPr>
-            <a:picLocks noChangeAspect="1"/>
-          </p:cNvPicPr>
-          <p:nvPr/>
-        </p:nvPicPr>
-        <p:blipFill>
-          <a:blip r:embed="rId3"/>
-          <a:stretch>
-            <a:fillRect/>
-          </a:stretch>
-        </p:blipFill>
-        <p:spPr>
-          <a:xfrm>
-            <a:off x="6752188" y="4045405"/>
-            <a:ext cx="2953162" cy="676369"/>
+            <a:off x="5904932" y="4547360"/>
+            <a:ext cx="3505768" cy="2085215"/>
           </a:xfrm>
           <a:prstGeom prst="rect">
             <a:avLst/>
@@ -21111,7 +21006,7 @@
     </p:spTree>
     <p:extLst>
       <p:ext uri="{BB962C8B-B14F-4D97-AF65-F5344CB8AC3E}">
-        <p14:creationId xmlns:p14="http://schemas.microsoft.com/office/powerpoint/2010/main" val="3525440149"/>
+        <p14:creationId xmlns:p14="http://schemas.microsoft.com/office/powerpoint/2010/main" val="3324199361"/>
       </p:ext>
     </p:extLst>
   </p:cSld>
@@ -21155,15 +21050,144 @@
           <a:p>
             <a:r>
               <a:rPr lang="en-US" altLang="ko-KR" dirty="0" smtClean="0"/>
-              <a:t>Lattice Hamiltonian</a:t>
-            </a:r>
+              <a:t>Difficulty with full chiral interaction</a:t>
+            </a:r>
+            <a:endParaRPr lang="ko-KR" altLang="en-US" dirty="0"/>
+          </a:p>
+        </p:txBody>
+      </p:sp>
+      <p:sp>
+        <p:nvSpPr>
+          <p:cNvPr id="3" name="TextBox 2"/>
+          <p:cNvSpPr txBox="1"/>
+          <p:nvPr/>
+        </p:nvSpPr>
+        <p:spPr>
+          <a:xfrm>
+            <a:off x="874207" y="1868993"/>
+            <a:ext cx="8139164" cy="2993127"/>
+          </a:xfrm>
+          <a:prstGeom prst="rect">
+            <a:avLst/>
+          </a:prstGeom>
+          <a:noFill/>
+        </p:spPr>
+        <p:txBody>
+          <a:bodyPr wrap="square" rtlCol="0">
+            <a:spAutoFit/>
+          </a:bodyPr>
+          <a:lstStyle/>
+          <a:p>
+            <a:pPr marL="342900" indent="-342900">
+              <a:buFont typeface="Arial" panose="020B0604020202020204" pitchFamily="34" charset="0"/>
+              <a:buChar char="•"/>
+            </a:pPr>
+            <a:r>
+              <a:rPr lang="en-US" altLang="ko-KR" dirty="0" smtClean="0"/>
+              <a:t>Sign problem</a:t>
+            </a:r>
+          </a:p>
+          <a:p>
+            <a:pPr marL="821819" lvl="1" indent="-342900">
+              <a:buFont typeface="Arial" panose="020B0604020202020204" pitchFamily="34" charset="0"/>
+              <a:buChar char="•"/>
+            </a:pPr>
+            <a:r>
+              <a:rPr lang="en-US" altLang="ko-KR" dirty="0" smtClean="0"/>
+              <a:t>NLEFT suffers sign problems at large Euclidean time limit</a:t>
+            </a:r>
+          </a:p>
+          <a:p>
+            <a:pPr marL="821819" lvl="1" indent="-342900">
+              <a:buFont typeface="Arial" panose="020B0604020202020204" pitchFamily="34" charset="0"/>
+              <a:buChar char="•"/>
+            </a:pPr>
+            <a:r>
+              <a:rPr lang="en-US" altLang="ko-KR" dirty="0" smtClean="0"/>
+              <a:t>SU(4) symmetric interaction does not have sign problem</a:t>
+            </a:r>
+          </a:p>
+          <a:p>
+            <a:pPr marL="821819" lvl="1" indent="-342900">
+              <a:buFont typeface="Arial" panose="020B0604020202020204" pitchFamily="34" charset="0"/>
+              <a:buChar char="•"/>
+            </a:pPr>
+            <a:r>
+              <a:rPr lang="en-US" altLang="ko-KR" dirty="0" smtClean="0"/>
+              <a:t>One pion exchange and higher order chiral </a:t>
+            </a:r>
+            <a:r>
+              <a:rPr lang="en-US" altLang="ko-KR" dirty="0" smtClean="0"/>
+              <a:t>interaction</a:t>
+            </a:r>
+            <a:endParaRPr lang="en-US" altLang="ko-KR" dirty="0" smtClean="0"/>
+          </a:p>
+          <a:p>
+            <a:pPr marL="821819" lvl="1" indent="-342900">
+              <a:buFont typeface="Arial" panose="020B0604020202020204" pitchFamily="34" charset="0"/>
+              <a:buChar char="•"/>
+            </a:pPr>
+            <a:r>
+              <a:rPr lang="en-US" altLang="ko-KR" dirty="0" smtClean="0"/>
+              <a:t>Difficulty with Asymmetric </a:t>
+            </a:r>
+            <a:r>
+              <a:rPr lang="en-US" altLang="ko-KR" dirty="0" smtClean="0"/>
+              <a:t>nuclei</a:t>
+            </a:r>
+          </a:p>
+          <a:p>
+            <a:pPr marL="821819" lvl="1" indent="-342900">
+              <a:buFont typeface="Arial" panose="020B0604020202020204" pitchFamily="34" charset="0"/>
+              <a:buChar char="•"/>
+            </a:pPr>
+            <a:r>
+              <a:rPr lang="en-US" altLang="ko-KR" dirty="0" smtClean="0"/>
+              <a:t>Needs a remedy to extend to neutron rich isotopes.</a:t>
+            </a:r>
+          </a:p>
+          <a:p>
+            <a:pPr marL="821819" lvl="1" indent="-342900">
+              <a:buFont typeface="Arial" panose="020B0604020202020204" pitchFamily="34" charset="0"/>
+              <a:buChar char="•"/>
+            </a:pPr>
+            <a:endParaRPr lang="en-US" altLang="ko-KR" dirty="0"/>
+          </a:p>
+          <a:p>
+            <a:pPr marL="342900" indent="-342900">
+              <a:buFont typeface="Arial" panose="020B0604020202020204" pitchFamily="34" charset="0"/>
+              <a:buChar char="•"/>
+            </a:pPr>
+            <a:r>
+              <a:rPr lang="en-US" altLang="ko-KR" dirty="0" smtClean="0"/>
+              <a:t>A new approach to reduce the sign problem.</a:t>
+            </a:r>
+          </a:p>
+          <a:p>
+            <a:pPr marL="342900" indent="-342900">
+              <a:buFont typeface="Arial" panose="020B0604020202020204" pitchFamily="34" charset="0"/>
+              <a:buChar char="•"/>
+            </a:pPr>
+            <a:r>
+              <a:rPr lang="en-US" altLang="ko-KR" dirty="0" smtClean="0">
+                <a:sym typeface="Wingdings" panose="05000000000000000000" pitchFamily="2" charset="2"/>
+              </a:rPr>
+              <a:t> Wave function matching Hamiltonian.</a:t>
+            </a:r>
+            <a:endParaRPr lang="en-US" altLang="ko-KR" dirty="0"/>
+          </a:p>
+          <a:p>
+            <a:pPr marL="342900" indent="-342900">
+              <a:buFont typeface="Arial" panose="020B0604020202020204" pitchFamily="34" charset="0"/>
+              <a:buChar char="•"/>
+            </a:pPr>
             <a:endParaRPr lang="ko-KR" altLang="en-US" dirty="0"/>
           </a:p>
         </p:txBody>
       </p:sp>
       <p:pic>
         <p:nvPicPr>
-          <p:cNvPr id="3" name="그림 2"/>
+          <p:cNvPr id="4" name="그림 3"/>
           <p:cNvPicPr>
             <a:picLocks noChangeAspect="1"/>
           </p:cNvPicPr>
@@ -21177,17 +21201,391 @@
         </p:blipFill>
         <p:spPr>
           <a:xfrm>
-            <a:off x="898633" y="3552814"/>
-            <a:ext cx="7440063" cy="733527"/>
+            <a:off x="5904932" y="4547360"/>
+            <a:ext cx="3505768" cy="2085215"/>
           </a:xfrm>
           <a:prstGeom prst="rect">
             <a:avLst/>
           </a:prstGeom>
         </p:spPr>
       </p:pic>
+    </p:spTree>
+    <p:extLst>
+      <p:ext uri="{BB962C8B-B14F-4D97-AF65-F5344CB8AC3E}">
+        <p14:creationId xmlns:p14="http://schemas.microsoft.com/office/powerpoint/2010/main" val="2151944090"/>
+      </p:ext>
+    </p:extLst>
+  </p:cSld>
+  <p:clrMapOvr>
+    <a:masterClrMapping/>
+  </p:clrMapOvr>
+</p:sld>
+</file>
+
+<file path=ppt/slides/slide12.xml><?xml version="1.0" encoding="utf-8"?>
+<p:sld xmlns:a="http://schemas.openxmlformats.org/drawingml/2006/main" xmlns:r="http://schemas.openxmlformats.org/officeDocument/2006/relationships" xmlns:p="http://schemas.openxmlformats.org/presentationml/2006/main">
+  <p:cSld>
+    <p:spTree>
+      <p:nvGrpSpPr>
+        <p:cNvPr id="1" name=""/>
+        <p:cNvGrpSpPr/>
+        <p:nvPr/>
+      </p:nvGrpSpPr>
+      <p:grpSpPr>
+        <a:xfrm>
+          <a:off x="0" y="0"/>
+          <a:ext cx="0" cy="0"/>
+          <a:chOff x="0" y="0"/>
+          <a:chExt cx="0" cy="0"/>
+        </a:xfrm>
+      </p:grpSpPr>
+      <p:sp>
+        <p:nvSpPr>
+          <p:cNvPr id="2" name="제목 1"/>
+          <p:cNvSpPr>
+            <a:spLocks noGrp="1"/>
+          </p:cNvSpPr>
+          <p:nvPr>
+            <p:ph type="title"/>
+          </p:nvPr>
+        </p:nvSpPr>
+        <p:spPr/>
+        <p:txBody>
+          <a:bodyPr/>
+          <a:lstStyle/>
+          <a:p>
+            <a:r>
+              <a:rPr lang="en-US" altLang="ko-KR" dirty="0" smtClean="0"/>
+              <a:t>Wave Function Matching Hamiltonian</a:t>
+            </a:r>
+            <a:endParaRPr lang="ko-KR" altLang="en-US" dirty="0"/>
+          </a:p>
+        </p:txBody>
+      </p:sp>
+      <p:sp>
+        <p:nvSpPr>
+          <p:cNvPr id="3" name="TextBox 2"/>
+          <p:cNvSpPr txBox="1"/>
+          <p:nvPr/>
+        </p:nvSpPr>
+        <p:spPr>
+          <a:xfrm>
+            <a:off x="846499" y="1610376"/>
+            <a:ext cx="8139164" cy="2122889"/>
+          </a:xfrm>
+          <a:prstGeom prst="rect">
+            <a:avLst/>
+          </a:prstGeom>
+          <a:noFill/>
+        </p:spPr>
+        <p:txBody>
+          <a:bodyPr wrap="square" rtlCol="0">
+            <a:spAutoFit/>
+          </a:bodyPr>
+          <a:lstStyle/>
+          <a:p>
+            <a:pPr marL="342900" indent="-342900">
+              <a:buFont typeface="Arial" panose="020B0604020202020204" pitchFamily="34" charset="0"/>
+              <a:buChar char="•"/>
+            </a:pPr>
+            <a:r>
+              <a:rPr lang="en-US" altLang="ko-KR" dirty="0" smtClean="0"/>
+              <a:t>Wave function matching by Unitary transformation</a:t>
+            </a:r>
+          </a:p>
+          <a:p>
+            <a:pPr marL="821819" lvl="1" indent="-342900">
+              <a:buFont typeface="Arial" panose="020B0604020202020204" pitchFamily="34" charset="0"/>
+              <a:buChar char="•"/>
+            </a:pPr>
+            <a:r>
+              <a:rPr lang="en-US" altLang="ko-KR" dirty="0" smtClean="0"/>
+              <a:t>Original Hamiltonian has a strong repulsion at short distance</a:t>
+            </a:r>
+          </a:p>
+          <a:p>
+            <a:pPr marL="821819" lvl="1" indent="-342900">
+              <a:buFont typeface="Arial" panose="020B0604020202020204" pitchFamily="34" charset="0"/>
+              <a:buChar char="•"/>
+            </a:pPr>
+            <a:r>
+              <a:rPr lang="en-US" altLang="ko-KR" dirty="0" smtClean="0">
+                <a:sym typeface="Wingdings" panose="05000000000000000000" pitchFamily="2" charset="2"/>
+              </a:rPr>
+              <a:t> origin of the difficulty of non-perturbative calculation. </a:t>
+            </a:r>
+            <a:endParaRPr lang="en-US" altLang="ko-KR" dirty="0" smtClean="0"/>
+          </a:p>
+          <a:p>
+            <a:pPr marL="821819" lvl="1" indent="-342900">
+              <a:buFont typeface="Arial" panose="020B0604020202020204" pitchFamily="34" charset="0"/>
+              <a:buChar char="•"/>
+            </a:pPr>
+            <a:r>
+              <a:rPr lang="en-US" altLang="ko-KR" dirty="0" smtClean="0"/>
+              <a:t>new “soft” Hamiltonian </a:t>
+            </a:r>
+          </a:p>
+          <a:p>
+            <a:pPr marL="1300738" lvl="2" indent="-342900">
+              <a:buFont typeface="Arial" panose="020B0604020202020204" pitchFamily="34" charset="0"/>
+              <a:buChar char="•"/>
+            </a:pPr>
+            <a:r>
+              <a:rPr lang="en-US" altLang="ko-KR" dirty="0" smtClean="0"/>
+              <a:t>such that the eigenstate wave function becomes </a:t>
+            </a:r>
+          </a:p>
+          <a:p>
+            <a:pPr marL="1300738" lvl="2" indent="-342900">
+              <a:buFont typeface="Arial" panose="020B0604020202020204" pitchFamily="34" charset="0"/>
+              <a:buChar char="•"/>
+            </a:pPr>
+            <a:r>
+              <a:rPr lang="en-US" altLang="ko-KR" dirty="0"/>
+              <a:t>S</a:t>
+            </a:r>
+            <a:r>
+              <a:rPr lang="en-US" altLang="ko-KR" dirty="0" smtClean="0"/>
+              <a:t>ame as “original” w.f. at long distance</a:t>
+            </a:r>
+            <a:endParaRPr lang="en-US" altLang="ko-KR" dirty="0" smtClean="0">
+              <a:sym typeface="Wingdings" panose="05000000000000000000" pitchFamily="2" charset="2"/>
+            </a:endParaRPr>
+          </a:p>
+          <a:p>
+            <a:pPr marL="1300738" lvl="2" indent="-342900">
+              <a:buFont typeface="Arial" panose="020B0604020202020204" pitchFamily="34" charset="0"/>
+              <a:buChar char="•"/>
+            </a:pPr>
+            <a:r>
+              <a:rPr lang="en-US" altLang="ko-KR" dirty="0" smtClean="0">
+                <a:sym typeface="Wingdings" panose="05000000000000000000" pitchFamily="2" charset="2"/>
+              </a:rPr>
+              <a:t>Same as “soft” w.f. at short distance</a:t>
+            </a:r>
+          </a:p>
+        </p:txBody>
+      </p:sp>
       <p:pic>
         <p:nvPicPr>
           <p:cNvPr id="4" name="그림 3"/>
+          <p:cNvPicPr>
+            <a:picLocks noChangeAspect="1"/>
+          </p:cNvPicPr>
+          <p:nvPr/>
+        </p:nvPicPr>
+        <p:blipFill>
+          <a:blip r:embed="rId2"/>
+          <a:stretch>
+            <a:fillRect/>
+          </a:stretch>
+        </p:blipFill>
+        <p:spPr>
+          <a:xfrm>
+            <a:off x="883494" y="3852609"/>
+            <a:ext cx="5687219" cy="724001"/>
+          </a:xfrm>
+          <a:prstGeom prst="rect">
+            <a:avLst/>
+          </a:prstGeom>
+        </p:spPr>
+      </p:pic>
+      <p:sp>
+        <p:nvSpPr>
+          <p:cNvPr id="6" name="TextBox 5"/>
+          <p:cNvSpPr txBox="1"/>
+          <p:nvPr/>
+        </p:nvSpPr>
+        <p:spPr>
+          <a:xfrm>
+            <a:off x="801448" y="4636093"/>
+            <a:ext cx="8229266" cy="2122889"/>
+          </a:xfrm>
+          <a:prstGeom prst="rect">
+            <a:avLst/>
+          </a:prstGeom>
+          <a:noFill/>
+        </p:spPr>
+        <p:txBody>
+          <a:bodyPr wrap="square" rtlCol="0">
+            <a:spAutoFit/>
+          </a:bodyPr>
+          <a:lstStyle/>
+          <a:p>
+            <a:pPr marL="342900" indent="-342900">
+              <a:buFont typeface="Arial" panose="020B0604020202020204" pitchFamily="34" charset="0"/>
+              <a:buChar char="•"/>
+            </a:pPr>
+            <a:r>
+              <a:rPr lang="en-US" altLang="ko-KR" dirty="0" smtClean="0"/>
+              <a:t>“Soft” Hamiltonian is not the same as original Hamiltonian</a:t>
+            </a:r>
+          </a:p>
+          <a:p>
+            <a:pPr marL="821819" lvl="1" indent="-342900">
+              <a:buFont typeface="Arial" panose="020B0604020202020204" pitchFamily="34" charset="0"/>
+              <a:buChar char="•"/>
+            </a:pPr>
+            <a:r>
+              <a:rPr lang="en-US" altLang="ko-KR" dirty="0" smtClean="0">
+                <a:sym typeface="Wingdings" panose="05000000000000000000" pitchFamily="2" charset="2"/>
+              </a:rPr>
+              <a:t>Naturally need correction </a:t>
+            </a:r>
+            <a:r>
+              <a:rPr lang="en-US" altLang="ko-KR" dirty="0" smtClean="0">
+                <a:sym typeface="Wingdings" panose="05000000000000000000" pitchFamily="2" charset="2"/>
+              </a:rPr>
+              <a:t>terms </a:t>
+            </a:r>
+            <a:endParaRPr lang="en-US" altLang="ko-KR" dirty="0" smtClean="0">
+              <a:sym typeface="Wingdings" panose="05000000000000000000" pitchFamily="2" charset="2"/>
+            </a:endParaRPr>
+          </a:p>
+          <a:p>
+            <a:pPr marL="821819" lvl="1" indent="-342900">
+              <a:buFont typeface="Arial" panose="020B0604020202020204" pitchFamily="34" charset="0"/>
+              <a:buChar char="•"/>
+            </a:pPr>
+            <a:r>
+              <a:rPr lang="en-US" altLang="ko-KR" dirty="0" err="1" smtClean="0">
+                <a:sym typeface="Wingdings" panose="05000000000000000000" pitchFamily="2" charset="2"/>
+              </a:rPr>
+              <a:t>H_wf</a:t>
+            </a:r>
+            <a:r>
+              <a:rPr lang="en-US" altLang="ko-KR" dirty="0" smtClean="0">
+                <a:sym typeface="Wingdings" panose="05000000000000000000" pitchFamily="2" charset="2"/>
+              </a:rPr>
+              <a:t> = </a:t>
+            </a:r>
+            <a:r>
+              <a:rPr lang="en-US" altLang="ko-KR" dirty="0" err="1" smtClean="0">
+                <a:sym typeface="Wingdings" panose="05000000000000000000" pitchFamily="2" charset="2"/>
+              </a:rPr>
+              <a:t>H_soft</a:t>
+            </a:r>
+            <a:r>
+              <a:rPr lang="en-US" altLang="ko-KR" dirty="0" smtClean="0">
+                <a:sym typeface="Wingdings" panose="05000000000000000000" pitchFamily="2" charset="2"/>
+              </a:rPr>
+              <a:t> + </a:t>
+            </a:r>
+            <a:r>
+              <a:rPr lang="en-US" altLang="ko-KR" dirty="0" smtClean="0">
+                <a:sym typeface="Wingdings" panose="05000000000000000000" pitchFamily="2" charset="2"/>
+              </a:rPr>
+              <a:t>(</a:t>
+            </a:r>
+            <a:r>
+              <a:rPr lang="en-US" altLang="ko-KR" dirty="0" err="1" smtClean="0">
+                <a:sym typeface="Wingdings" panose="05000000000000000000" pitchFamily="2" charset="2"/>
+              </a:rPr>
+              <a:t>U^dagger</a:t>
+            </a:r>
+            <a:r>
+              <a:rPr lang="en-US" altLang="ko-KR" dirty="0" smtClean="0">
+                <a:sym typeface="Wingdings" panose="05000000000000000000" pitchFamily="2" charset="2"/>
+              </a:rPr>
+              <a:t> H U</a:t>
+            </a:r>
+            <a:r>
+              <a:rPr lang="en-US" altLang="ko-KR" dirty="0" smtClean="0">
+                <a:sym typeface="Wingdings" panose="05000000000000000000" pitchFamily="2" charset="2"/>
+              </a:rPr>
+              <a:t> </a:t>
+            </a:r>
+            <a:r>
+              <a:rPr lang="en-US" altLang="ko-KR" dirty="0" smtClean="0">
+                <a:sym typeface="Wingdings" panose="05000000000000000000" pitchFamily="2" charset="2"/>
+              </a:rPr>
+              <a:t>- </a:t>
+            </a:r>
+            <a:r>
+              <a:rPr lang="en-US" altLang="ko-KR" dirty="0" err="1" smtClean="0">
+                <a:sym typeface="Wingdings" panose="05000000000000000000" pitchFamily="2" charset="2"/>
+              </a:rPr>
+              <a:t>H_soft</a:t>
+            </a:r>
+            <a:r>
+              <a:rPr lang="en-US" altLang="ko-KR" dirty="0" smtClean="0">
+                <a:sym typeface="Wingdings" panose="05000000000000000000" pitchFamily="2" charset="2"/>
+              </a:rPr>
+              <a:t>)</a:t>
+            </a:r>
+          </a:p>
+          <a:p>
+            <a:pPr marL="821819" lvl="1" indent="-342900">
+              <a:buFont typeface="Arial" panose="020B0604020202020204" pitchFamily="34" charset="0"/>
+              <a:buChar char="•"/>
+            </a:pPr>
+            <a:r>
+              <a:rPr lang="en-US" altLang="ko-KR" dirty="0" err="1" smtClean="0">
+                <a:sym typeface="Wingdings" panose="05000000000000000000" pitchFamily="2" charset="2"/>
+              </a:rPr>
+              <a:t>H_soft</a:t>
+            </a:r>
+            <a:r>
+              <a:rPr lang="en-US" altLang="ko-KR" dirty="0" smtClean="0">
+                <a:sym typeface="Wingdings" panose="05000000000000000000" pitchFamily="2" charset="2"/>
+              </a:rPr>
+              <a:t> has better property for non-perturbative </a:t>
+            </a:r>
+            <a:r>
+              <a:rPr lang="en-US" altLang="ko-KR" dirty="0" smtClean="0">
+                <a:sym typeface="Wingdings" panose="05000000000000000000" pitchFamily="2" charset="2"/>
+              </a:rPr>
+              <a:t>calculation</a:t>
+            </a:r>
+          </a:p>
+          <a:p>
+            <a:pPr marL="821819" lvl="1" indent="-342900">
+              <a:buFont typeface="Arial" panose="020B0604020202020204" pitchFamily="34" charset="0"/>
+              <a:buChar char="•"/>
+            </a:pPr>
+            <a:r>
+              <a:rPr lang="en-US" altLang="ko-KR" dirty="0" smtClean="0">
+                <a:sym typeface="Wingdings" panose="05000000000000000000" pitchFamily="2" charset="2"/>
+              </a:rPr>
+              <a:t>Perturbative expansion for the corrections</a:t>
+            </a:r>
+            <a:endParaRPr lang="en-US" altLang="ko-KR" dirty="0" smtClean="0">
+              <a:sym typeface="Wingdings" panose="05000000000000000000" pitchFamily="2" charset="2"/>
+            </a:endParaRPr>
+          </a:p>
+          <a:p>
+            <a:pPr marL="821819" lvl="1" indent="-342900">
+              <a:buFont typeface="Arial" panose="020B0604020202020204" pitchFamily="34" charset="0"/>
+              <a:buChar char="•"/>
+            </a:pPr>
+            <a:r>
+              <a:rPr lang="en-US" altLang="ko-KR" dirty="0" smtClean="0">
+                <a:sym typeface="Wingdings" panose="05000000000000000000" pitchFamily="2" charset="2"/>
+              </a:rPr>
+              <a:t>No new LECs in 2-body interaction</a:t>
+            </a:r>
+          </a:p>
+          <a:p>
+            <a:pPr marL="821819" lvl="1" indent="-342900">
+              <a:buFont typeface="Arial" panose="020B0604020202020204" pitchFamily="34" charset="0"/>
+              <a:buChar char="•"/>
+            </a:pPr>
+            <a:r>
+              <a:rPr lang="en-US" altLang="ko-KR" dirty="0" smtClean="0">
+                <a:sym typeface="Wingdings" panose="05000000000000000000" pitchFamily="2" charset="2"/>
+              </a:rPr>
+              <a:t>Induces many body interactions</a:t>
+            </a:r>
+            <a:endParaRPr lang="en-US" altLang="ko-KR" dirty="0" smtClean="0">
+              <a:sym typeface="Wingdings" panose="05000000000000000000" pitchFamily="2" charset="2"/>
+            </a:endParaRPr>
+          </a:p>
+        </p:txBody>
+      </p:sp>
+      <p:pic>
+        <p:nvPicPr>
+          <p:cNvPr id="8" name="그림 7"/>
           <p:cNvPicPr>
             <a:picLocks noChangeAspect="1"/>
           </p:cNvPicPr>
@@ -21201,80 +21599,8 @@
         </p:blipFill>
         <p:spPr>
           <a:xfrm>
-            <a:off x="810937" y="1748387"/>
-            <a:ext cx="6649378" cy="1695687"/>
-          </a:xfrm>
-          <a:prstGeom prst="rect">
-            <a:avLst/>
-          </a:prstGeom>
-        </p:spPr>
-      </p:pic>
-      <p:pic>
-        <p:nvPicPr>
-          <p:cNvPr id="5" name="그림 4"/>
-          <p:cNvPicPr>
-            <a:picLocks noChangeAspect="1"/>
-          </p:cNvPicPr>
-          <p:nvPr/>
-        </p:nvPicPr>
-        <p:blipFill>
-          <a:blip r:embed="rId4"/>
-          <a:stretch>
-            <a:fillRect/>
-          </a:stretch>
-        </p:blipFill>
-        <p:spPr>
-          <a:xfrm>
-            <a:off x="985987" y="4329883"/>
-            <a:ext cx="3010320" cy="666843"/>
-          </a:xfrm>
-          <a:prstGeom prst="rect">
-            <a:avLst/>
-          </a:prstGeom>
-        </p:spPr>
-      </p:pic>
-      <p:pic>
-        <p:nvPicPr>
-          <p:cNvPr id="6" name="그림 5"/>
-          <p:cNvPicPr>
-            <a:picLocks noChangeAspect="1"/>
-          </p:cNvPicPr>
-          <p:nvPr/>
-        </p:nvPicPr>
-        <p:blipFill>
-          <a:blip r:embed="rId5"/>
-          <a:stretch>
-            <a:fillRect/>
-          </a:stretch>
-        </p:blipFill>
-        <p:spPr>
-          <a:xfrm>
-            <a:off x="898633" y="4982282"/>
-            <a:ext cx="7706801" cy="981212"/>
-          </a:xfrm>
-          <a:prstGeom prst="rect">
-            <a:avLst/>
-          </a:prstGeom>
-        </p:spPr>
-      </p:pic>
-      <p:pic>
-        <p:nvPicPr>
-          <p:cNvPr id="7" name="그림 6"/>
-          <p:cNvPicPr>
-            <a:picLocks noChangeAspect="1"/>
-          </p:cNvPicPr>
-          <p:nvPr/>
-        </p:nvPicPr>
-        <p:blipFill>
-          <a:blip r:embed="rId6"/>
-          <a:stretch>
-            <a:fillRect/>
-          </a:stretch>
-        </p:blipFill>
-        <p:spPr>
-          <a:xfrm>
-            <a:off x="810937" y="6050330"/>
-            <a:ext cx="8029480" cy="529649"/>
+            <a:off x="6752187" y="3819641"/>
+            <a:ext cx="2953162" cy="676369"/>
           </a:xfrm>
           <a:prstGeom prst="rect">
             <a:avLst/>
@@ -21284,7 +21610,7 @@
     </p:spTree>
     <p:extLst>
       <p:ext uri="{BB962C8B-B14F-4D97-AF65-F5344CB8AC3E}">
-        <p14:creationId xmlns:p14="http://schemas.microsoft.com/office/powerpoint/2010/main" val="2333412126"/>
+        <p14:creationId xmlns:p14="http://schemas.microsoft.com/office/powerpoint/2010/main" val="3525440149"/>
       </p:ext>
     </p:extLst>
   </p:cSld>
@@ -21294,7 +21620,7 @@
 </p:sld>
 </file>
 
-<file path=ppt/slides/slide12.xml><?xml version="1.0" encoding="utf-8"?>
+<file path=ppt/slides/slide13.xml><?xml version="1.0" encoding="utf-8"?>
 <p:sld xmlns:a="http://schemas.openxmlformats.org/drawingml/2006/main" xmlns:r="http://schemas.openxmlformats.org/officeDocument/2006/relationships" xmlns:p="http://schemas.openxmlformats.org/presentationml/2006/main">
   <p:cSld>
     <p:spTree>
@@ -21374,7 +21700,7 @@
         </p:blipFill>
         <p:spPr>
           <a:xfrm>
-            <a:off x="864922" y="2873829"/>
+            <a:off x="550469" y="2873829"/>
             <a:ext cx="6017159" cy="817145"/>
           </a:xfrm>
           <a:prstGeom prst="rect">
@@ -21398,7 +21724,7 @@
         </p:blipFill>
         <p:spPr>
           <a:xfrm>
-            <a:off x="864922" y="3930699"/>
+            <a:off x="495300" y="3827727"/>
             <a:ext cx="8279078" cy="787801"/>
           </a:xfrm>
           <a:prstGeom prst="rect">
@@ -21410,79 +21736,6 @@
     <p:extLst>
       <p:ext uri="{BB962C8B-B14F-4D97-AF65-F5344CB8AC3E}">
         <p14:creationId xmlns:p14="http://schemas.microsoft.com/office/powerpoint/2010/main" val="3830121876"/>
-      </p:ext>
-    </p:extLst>
-  </p:cSld>
-  <p:clrMapOvr>
-    <a:masterClrMapping/>
-  </p:clrMapOvr>
-</p:sld>
-</file>
-
-<file path=ppt/slides/slide13.xml><?xml version="1.0" encoding="utf-8"?>
-<p:sld xmlns:a="http://schemas.openxmlformats.org/drawingml/2006/main" xmlns:r="http://schemas.openxmlformats.org/officeDocument/2006/relationships" xmlns:p="http://schemas.openxmlformats.org/presentationml/2006/main">
-  <p:cSld>
-    <p:spTree>
-      <p:nvGrpSpPr>
-        <p:cNvPr id="1" name=""/>
-        <p:cNvGrpSpPr/>
-        <p:nvPr/>
-      </p:nvGrpSpPr>
-      <p:grpSpPr>
-        <a:xfrm>
-          <a:off x="0" y="0"/>
-          <a:ext cx="0" cy="0"/>
-          <a:chOff x="0" y="0"/>
-          <a:chExt cx="0" cy="0"/>
-        </a:xfrm>
-      </p:grpSpPr>
-      <p:sp>
-        <p:nvSpPr>
-          <p:cNvPr id="2" name="제목 1"/>
-          <p:cNvSpPr>
-            <a:spLocks noGrp="1"/>
-          </p:cNvSpPr>
-          <p:nvPr>
-            <p:ph type="title"/>
-          </p:nvPr>
-        </p:nvSpPr>
-        <p:spPr/>
-        <p:txBody>
-          <a:bodyPr/>
-          <a:lstStyle/>
-          <a:p>
-            <a:endParaRPr lang="ko-KR" altLang="en-US"/>
-          </a:p>
-        </p:txBody>
-      </p:sp>
-      <p:pic>
-        <p:nvPicPr>
-          <p:cNvPr id="3" name="그림 2"/>
-          <p:cNvPicPr>
-            <a:picLocks noChangeAspect="1"/>
-          </p:cNvPicPr>
-          <p:nvPr/>
-        </p:nvPicPr>
-        <p:blipFill>
-          <a:blip r:embed="rId2"/>
-          <a:stretch>
-            <a:fillRect/>
-          </a:stretch>
-        </p:blipFill>
-        <p:spPr>
-          <a:xfrm>
-            <a:off x="542309" y="609206"/>
-            <a:ext cx="8821381" cy="5639587"/>
-          </a:xfrm>
-          <a:prstGeom prst="rect">
-            <a:avLst/>
-          </a:prstGeom>
-        </p:spPr>
-      </p:pic>
-    </p:spTree>
-    <p:extLst>
-      <p:ext uri="{BB962C8B-B14F-4D97-AF65-F5344CB8AC3E}">
-        <p14:creationId xmlns:p14="http://schemas.microsoft.com/office/powerpoint/2010/main" val="2077646196"/>
       </p:ext>
     </p:extLst>
   </p:cSld>
@@ -21524,7 +21777,11 @@
           <a:bodyPr/>
           <a:lstStyle/>
           <a:p>
-            <a:endParaRPr lang="ko-KR" altLang="en-US"/>
+            <a:r>
+              <a:rPr lang="en-US" altLang="ko-KR" dirty="0" smtClean="0"/>
+              <a:t>NN phase shifts from WFM</a:t>
+            </a:r>
+            <a:endParaRPr lang="ko-KR" altLang="en-US" dirty="0"/>
           </a:p>
         </p:txBody>
       </p:sp>
@@ -21544,73 +21801,18 @@
         </p:blipFill>
         <p:spPr>
           <a:xfrm>
-            <a:off x="885257" y="1672697"/>
-            <a:ext cx="8135485" cy="4296375"/>
+            <a:off x="1199975" y="1592263"/>
+            <a:ext cx="7506049" cy="4798684"/>
           </a:xfrm>
           <a:prstGeom prst="rect">
             <a:avLst/>
           </a:prstGeom>
         </p:spPr>
       </p:pic>
-      <p:sp>
-        <p:nvSpPr>
-          <p:cNvPr id="4" name="직사각형 3"/>
-          <p:cNvSpPr/>
-          <p:nvPr/>
-        </p:nvSpPr>
-        <p:spPr>
-          <a:xfrm>
-            <a:off x="456562" y="5821067"/>
-            <a:ext cx="3647152" cy="923330"/>
-          </a:xfrm>
-          <a:prstGeom prst="rect">
-            <a:avLst/>
-          </a:prstGeom>
-          <a:noFill/>
-        </p:spPr>
-        <p:txBody>
-          <a:bodyPr wrap="none" lIns="91440" tIns="45720" rIns="91440" bIns="45720">
-            <a:spAutoFit/>
-          </a:bodyPr>
-          <a:lstStyle/>
-          <a:p>
-            <a:pPr algn="ctr"/>
-            <a:r>
-              <a:rPr lang="en-US" altLang="ko-KR" sz="5400" b="0" cap="none" spc="0" dirty="0" smtClean="0">
-                <a:ln w="0"/>
-                <a:solidFill>
-                  <a:srgbClr val="FF0000"/>
-                </a:solidFill>
-                <a:effectLst>
-                  <a:outerShdw blurRad="38100" dist="19050" dir="2700000" algn="tl" rotWithShape="0">
-                    <a:schemeClr val="dk1">
-                      <a:alpha val="40000"/>
-                    </a:schemeClr>
-                  </a:outerShdw>
-                </a:effectLst>
-              </a:rPr>
-              <a:t>Preliminary</a:t>
-            </a:r>
-            <a:endParaRPr lang="en-US" altLang="ko-KR" sz="5400" b="0" cap="none" spc="0" dirty="0">
-              <a:ln w="0"/>
-              <a:solidFill>
-                <a:srgbClr val="FF0000"/>
-              </a:solidFill>
-              <a:effectLst>
-                <a:outerShdw blurRad="38100" dist="19050" dir="2700000" algn="tl" rotWithShape="0">
-                  <a:schemeClr val="dk1">
-                    <a:alpha val="40000"/>
-                  </a:schemeClr>
-                </a:outerShdw>
-              </a:effectLst>
-            </a:endParaRPr>
-          </a:p>
-        </p:txBody>
-      </p:sp>
     </p:spTree>
     <p:extLst>
       <p:ext uri="{BB962C8B-B14F-4D97-AF65-F5344CB8AC3E}">
-        <p14:creationId xmlns:p14="http://schemas.microsoft.com/office/powerpoint/2010/main" val="1082437805"/>
+        <p14:creationId xmlns:p14="http://schemas.microsoft.com/office/powerpoint/2010/main" val="2077646196"/>
       </p:ext>
     </p:extLst>
   </p:cSld>
@@ -21652,7 +21854,11 @@
           <a:bodyPr/>
           <a:lstStyle/>
           <a:p>
-            <a:endParaRPr lang="ko-KR" altLang="en-US"/>
+            <a:r>
+              <a:rPr lang="en-US" altLang="ko-KR" dirty="0" smtClean="0"/>
+              <a:t>BE/A from WFM</a:t>
+            </a:r>
+            <a:endParaRPr lang="ko-KR" altLang="en-US" dirty="0"/>
           </a:p>
         </p:txBody>
       </p:sp>
@@ -21672,47 +21878,23 @@
         </p:blipFill>
         <p:spPr>
           <a:xfrm>
-            <a:off x="485151" y="533401"/>
-            <a:ext cx="7915271" cy="2995652"/>
+            <a:off x="885257" y="1672697"/>
+            <a:ext cx="8135485" cy="4296375"/>
           </a:xfrm>
           <a:prstGeom prst="rect">
             <a:avLst/>
           </a:prstGeom>
         </p:spPr>
       </p:pic>
-      <p:pic>
-        <p:nvPicPr>
-          <p:cNvPr id="4" name="그림 3"/>
-          <p:cNvPicPr>
-            <a:picLocks noChangeAspect="1"/>
-          </p:cNvPicPr>
+      <p:sp>
+        <p:nvSpPr>
+          <p:cNvPr id="4" name="직사각형 3"/>
+          <p:cNvSpPr/>
           <p:nvPr/>
-        </p:nvPicPr>
-        <p:blipFill>
-          <a:blip r:embed="rId3"/>
-          <a:stretch>
-            <a:fillRect/>
-          </a:stretch>
-        </p:blipFill>
+        </p:nvSpPr>
         <p:spPr>
           <a:xfrm>
-            <a:off x="485151" y="3742890"/>
-            <a:ext cx="7915271" cy="2804219"/>
-          </a:xfrm>
-          <a:prstGeom prst="rect">
-            <a:avLst/>
-          </a:prstGeom>
-        </p:spPr>
-      </p:pic>
-      <p:sp>
-        <p:nvSpPr>
-          <p:cNvPr id="5" name="직사각형 4"/>
-          <p:cNvSpPr/>
-          <p:nvPr/>
-        </p:nvSpPr>
-        <p:spPr>
-          <a:xfrm>
-            <a:off x="2619210" y="2947238"/>
+            <a:off x="419616" y="5507407"/>
             <a:ext cx="3647152" cy="923330"/>
           </a:xfrm>
           <a:prstGeom prst="rect">
@@ -21762,7 +21944,7 @@
     </p:spTree>
     <p:extLst>
       <p:ext uri="{BB962C8B-B14F-4D97-AF65-F5344CB8AC3E}">
-        <p14:creationId xmlns:p14="http://schemas.microsoft.com/office/powerpoint/2010/main" val="3606104472"/>
+        <p14:creationId xmlns:p14="http://schemas.microsoft.com/office/powerpoint/2010/main" val="1082437805"/>
       </p:ext>
     </p:extLst>
   </p:cSld>
@@ -21804,7 +21986,11 @@
           <a:bodyPr/>
           <a:lstStyle/>
           <a:p>
-            <a:endParaRPr lang="ko-KR" altLang="en-US"/>
+            <a:r>
+              <a:rPr lang="en-US" altLang="ko-KR" dirty="0" smtClean="0"/>
+              <a:t>Charge density from WFM</a:t>
+            </a:r>
+            <a:endParaRPr lang="ko-KR" altLang="en-US" dirty="0"/>
           </a:p>
         </p:txBody>
       </p:sp>
@@ -21824,8 +22010,8 @@
         </p:blipFill>
         <p:spPr>
           <a:xfrm>
-            <a:off x="161256" y="893363"/>
-            <a:ext cx="4791744" cy="3134162"/>
+            <a:off x="836134" y="1803336"/>
+            <a:ext cx="6044958" cy="2287804"/>
           </a:xfrm>
           <a:prstGeom prst="rect">
             <a:avLst/>
@@ -21848,8 +22034,8 @@
         </p:blipFill>
         <p:spPr>
           <a:xfrm>
-            <a:off x="4953000" y="893363"/>
-            <a:ext cx="4858428" cy="3724795"/>
+            <a:off x="668339" y="4341091"/>
+            <a:ext cx="6367396" cy="2255838"/>
           </a:xfrm>
           <a:prstGeom prst="rect">
             <a:avLst/>
@@ -21864,7 +22050,7 @@
         </p:nvSpPr>
         <p:spPr>
           <a:xfrm>
-            <a:off x="1561881" y="4516456"/>
+            <a:off x="3705687" y="3629475"/>
             <a:ext cx="3647152" cy="923330"/>
           </a:xfrm>
           <a:prstGeom prst="rect">
@@ -21914,7 +22100,7 @@
     </p:spTree>
     <p:extLst>
       <p:ext uri="{BB962C8B-B14F-4D97-AF65-F5344CB8AC3E}">
-        <p14:creationId xmlns:p14="http://schemas.microsoft.com/office/powerpoint/2010/main" val="4045784382"/>
+        <p14:creationId xmlns:p14="http://schemas.microsoft.com/office/powerpoint/2010/main" val="3606104472"/>
       </p:ext>
     </p:extLst>
   </p:cSld>
@@ -21958,7 +22144,7 @@
           <a:p>
             <a:r>
               <a:rPr lang="en-US" altLang="ko-KR" dirty="0" smtClean="0"/>
-              <a:t>Oxygen isotopes in NLEFT</a:t>
+              <a:t>Nuclear Matter from WFM</a:t>
             </a:r>
             <a:endParaRPr lang="ko-KR" altLang="en-US" dirty="0"/>
           </a:p>
@@ -21980,18 +22166,97 @@
         </p:blipFill>
         <p:spPr>
           <a:xfrm>
-            <a:off x="885257" y="1672697"/>
-            <a:ext cx="8135485" cy="4296375"/>
+            <a:off x="495300" y="3109187"/>
+            <a:ext cx="4791744" cy="3134162"/>
           </a:xfrm>
           <a:prstGeom prst="rect">
             <a:avLst/>
           </a:prstGeom>
         </p:spPr>
       </p:pic>
+      <p:pic>
+        <p:nvPicPr>
+          <p:cNvPr id="4" name="그림 3"/>
+          <p:cNvPicPr>
+            <a:picLocks noChangeAspect="1"/>
+          </p:cNvPicPr>
+          <p:nvPr/>
+        </p:nvPicPr>
+        <p:blipFill>
+          <a:blip r:embed="rId3"/>
+          <a:stretch>
+            <a:fillRect/>
+          </a:stretch>
+        </p:blipFill>
+        <p:spPr>
+          <a:xfrm>
+            <a:off x="5047572" y="2685218"/>
+            <a:ext cx="4858428" cy="3724795"/>
+          </a:xfrm>
+          <a:prstGeom prst="rect">
+            <a:avLst/>
+          </a:prstGeom>
+        </p:spPr>
+      </p:pic>
+      <p:sp>
+        <p:nvSpPr>
+          <p:cNvPr id="5" name="직사각형 4"/>
+          <p:cNvSpPr/>
+          <p:nvPr/>
+        </p:nvSpPr>
+        <p:spPr>
+          <a:xfrm>
+            <a:off x="947860" y="2223553"/>
+            <a:ext cx="3647152" cy="923330"/>
+          </a:xfrm>
+          <a:prstGeom prst="rect">
+            <a:avLst/>
+          </a:prstGeom>
+          <a:noFill/>
+        </p:spPr>
+        <p:txBody>
+          <a:bodyPr wrap="none" lIns="91440" tIns="45720" rIns="91440" bIns="45720">
+            <a:spAutoFit/>
+          </a:bodyPr>
+          <a:lstStyle/>
+          <a:p>
+            <a:pPr algn="ctr"/>
+            <a:r>
+              <a:rPr lang="en-US" altLang="ko-KR" sz="5400" b="0" cap="none" spc="0" dirty="0" smtClean="0">
+                <a:ln w="0"/>
+                <a:solidFill>
+                  <a:srgbClr val="FF0000"/>
+                </a:solidFill>
+                <a:effectLst>
+                  <a:outerShdw blurRad="38100" dist="19050" dir="2700000" algn="tl" rotWithShape="0">
+                    <a:schemeClr val="dk1">
+                      <a:alpha val="40000"/>
+                    </a:schemeClr>
+                  </a:outerShdw>
+                </a:effectLst>
+              </a:rPr>
+              <a:t>Preliminary</a:t>
+            </a:r>
+            <a:endParaRPr lang="en-US" altLang="ko-KR" sz="5400" b="0" cap="none" spc="0" dirty="0">
+              <a:ln w="0"/>
+              <a:solidFill>
+                <a:srgbClr val="FF0000"/>
+              </a:solidFill>
+              <a:effectLst>
+                <a:outerShdw blurRad="38100" dist="19050" dir="2700000" algn="tl" rotWithShape="0">
+                  <a:schemeClr val="dk1">
+                    <a:alpha val="40000"/>
+                  </a:schemeClr>
+                </a:outerShdw>
+              </a:effectLst>
+            </a:endParaRPr>
+          </a:p>
+        </p:txBody>
+      </p:sp>
     </p:spTree>
     <p:extLst>
       <p:ext uri="{BB962C8B-B14F-4D97-AF65-F5344CB8AC3E}">
-        <p14:creationId xmlns:p14="http://schemas.microsoft.com/office/powerpoint/2010/main" val="973332602"/>
+        <p14:creationId xmlns:p14="http://schemas.microsoft.com/office/powerpoint/2010/main" val="4045784382"/>
       </p:ext>
     </p:extLst>
   </p:cSld>
@@ -22033,7 +22298,11 @@
           <a:bodyPr/>
           <a:lstStyle/>
           <a:p>
-            <a:endParaRPr lang="ko-KR" altLang="en-US"/>
+            <a:r>
+              <a:rPr lang="en-US" altLang="ko-KR" dirty="0" smtClean="0"/>
+              <a:t>Oxygen isotopes in NLEFT</a:t>
+            </a:r>
+            <a:endParaRPr lang="ko-KR" altLang="en-US" dirty="0"/>
           </a:p>
         </p:txBody>
       </p:sp>
@@ -22046,21 +22315,15 @@
           <p:nvPr/>
         </p:nvPicPr>
         <p:blipFill>
-          <a:blip r:embed="rId2">
-            <a:extLst>
-              <a:ext uri="{28A0092B-C50C-407E-A947-70E740481C1C}">
-                <a14:useLocalDpi xmlns:a14="http://schemas.microsoft.com/office/drawing/2010/main" val="0"/>
-              </a:ext>
-            </a:extLst>
-          </a:blip>
+          <a:blip r:embed="rId2"/>
           <a:stretch>
             <a:fillRect/>
           </a:stretch>
         </p:blipFill>
         <p:spPr>
           <a:xfrm>
-            <a:off x="300037" y="852487"/>
-            <a:ext cx="9305925" cy="5153025"/>
+            <a:off x="885257" y="1672697"/>
+            <a:ext cx="8135485" cy="4296375"/>
           </a:xfrm>
           <a:prstGeom prst="rect">
             <a:avLst/>
@@ -22069,14 +22332,14 @@
       </p:pic>
       <p:sp>
         <p:nvSpPr>
-          <p:cNvPr id="4" name="직사각형 3"/>
-          <p:cNvSpPr/>
+          <p:cNvPr id="4" name="TextBox 3"/>
+          <p:cNvSpPr txBox="1"/>
           <p:nvPr/>
         </p:nvSpPr>
         <p:spPr>
           <a:xfrm>
-            <a:off x="456562" y="5821067"/>
-            <a:ext cx="3647152" cy="923330"/>
+            <a:off x="2004292" y="5889625"/>
+            <a:ext cx="5643418" cy="672492"/>
           </a:xfrm>
           <a:prstGeom prst="rect">
             <a:avLst/>
@@ -22084,48 +22347,23 @@
           <a:noFill/>
         </p:spPr>
         <p:txBody>
-          <a:bodyPr wrap="none" lIns="91440" tIns="45720" rIns="91440" bIns="45720">
+          <a:bodyPr wrap="square" rtlCol="0">
             <a:spAutoFit/>
           </a:bodyPr>
           <a:lstStyle/>
           <a:p>
-            <a:pPr algn="ctr"/>
-            <a:r>
-              <a:rPr lang="en-US" altLang="ko-KR" sz="5400" b="0" cap="none" spc="0" dirty="0" smtClean="0">
-                <a:ln w="0"/>
-                <a:solidFill>
-                  <a:srgbClr val="FF0000"/>
-                </a:solidFill>
-                <a:effectLst>
-                  <a:outerShdw blurRad="38100" dist="19050" dir="2700000" algn="tl" rotWithShape="0">
-                    <a:schemeClr val="dk1">
-                      <a:alpha val="40000"/>
-                    </a:schemeClr>
-                  </a:outerShdw>
-                </a:effectLst>
-              </a:rPr>
-              <a:t>Preliminary</a:t>
-            </a:r>
-            <a:endParaRPr lang="en-US" altLang="ko-KR" sz="5400" b="0" cap="none" spc="0" dirty="0">
-              <a:ln w="0"/>
-              <a:solidFill>
-                <a:srgbClr val="FF0000"/>
-              </a:solidFill>
-              <a:effectLst>
-                <a:outerShdw blurRad="38100" dist="19050" dir="2700000" algn="tl" rotWithShape="0">
-                  <a:schemeClr val="dk1">
-                    <a:alpha val="40000"/>
-                  </a:schemeClr>
-                </a:outerShdw>
-              </a:effectLst>
-            </a:endParaRPr>
+            <a:r>
+              <a:rPr lang="en-US" altLang="ko-KR" dirty="0" smtClean="0"/>
+              <a:t>BE agrees well with experimental values for Oxygen isotopes</a:t>
+            </a:r>
+            <a:endParaRPr lang="ko-KR" altLang="en-US" dirty="0"/>
           </a:p>
         </p:txBody>
       </p:sp>
     </p:spTree>
     <p:extLst>
       <p:ext uri="{BB962C8B-B14F-4D97-AF65-F5344CB8AC3E}">
-        <p14:creationId xmlns:p14="http://schemas.microsoft.com/office/powerpoint/2010/main" val="1919814118"/>
+        <p14:creationId xmlns:p14="http://schemas.microsoft.com/office/powerpoint/2010/main" val="973332602"/>
       </p:ext>
     </p:extLst>
   </p:cSld>
@@ -22167,7 +22405,11 @@
           <a:bodyPr/>
           <a:lstStyle/>
           <a:p>
-            <a:endParaRPr lang="ko-KR" altLang="en-US"/>
+            <a:r>
+              <a:rPr lang="en-US" altLang="ko-KR" dirty="0"/>
+              <a:t>Oxygen isotopes in NLEFT</a:t>
+            </a:r>
+            <a:endParaRPr lang="ko-KR" altLang="en-US" dirty="0"/>
           </a:p>
         </p:txBody>
       </p:sp>
@@ -22180,55 +22422,37 @@
           <p:nvPr/>
         </p:nvPicPr>
         <p:blipFill>
-          <a:blip r:embed="rId2"/>
+          <a:blip r:embed="rId2">
+            <a:extLst>
+              <a:ext uri="{28A0092B-C50C-407E-A947-70E740481C1C}">
+                <a14:useLocalDpi xmlns:a14="http://schemas.microsoft.com/office/drawing/2010/main" val="0"/>
+              </a:ext>
+            </a:extLst>
+          </a:blip>
           <a:stretch>
             <a:fillRect/>
           </a:stretch>
         </p:blipFill>
         <p:spPr>
           <a:xfrm>
-            <a:off x="0" y="475905"/>
-            <a:ext cx="6448496" cy="4875692"/>
+            <a:off x="495300" y="1592263"/>
+            <a:ext cx="7939953" cy="4396637"/>
           </a:xfrm>
           <a:prstGeom prst="rect">
             <a:avLst/>
           </a:prstGeom>
         </p:spPr>
       </p:pic>
-      <p:pic>
-        <p:nvPicPr>
-          <p:cNvPr id="5" name="그림 4"/>
-          <p:cNvPicPr>
-            <a:picLocks noChangeAspect="1"/>
-          </p:cNvPicPr>
+      <p:sp>
+        <p:nvSpPr>
+          <p:cNvPr id="4" name="직사각형 3"/>
+          <p:cNvSpPr/>
           <p:nvPr/>
-        </p:nvPicPr>
-        <p:blipFill>
-          <a:blip r:embed="rId3"/>
-          <a:stretch>
-            <a:fillRect/>
-          </a:stretch>
-        </p:blipFill>
+        </p:nvSpPr>
         <p:spPr>
           <a:xfrm>
-            <a:off x="1178796" y="5938580"/>
-            <a:ext cx="3264747" cy="569595"/>
-          </a:xfrm>
-          <a:prstGeom prst="rect">
-            <a:avLst/>
-          </a:prstGeom>
-        </p:spPr>
-      </p:pic>
-      <p:sp>
-        <p:nvSpPr>
-          <p:cNvPr id="7" name="TextBox 6"/>
-          <p:cNvSpPr txBox="1"/>
-          <p:nvPr/>
-        </p:nvSpPr>
-        <p:spPr>
-          <a:xfrm>
-            <a:off x="1178796" y="5322326"/>
-            <a:ext cx="3565400" cy="382412"/>
+            <a:off x="456562" y="5821067"/>
+            <a:ext cx="3647152" cy="923330"/>
           </a:xfrm>
           <a:prstGeom prst="rect">
             <a:avLst/>
@@ -22236,23 +22460,48 @@
           <a:noFill/>
         </p:spPr>
         <p:txBody>
-          <a:bodyPr wrap="none" rtlCol="0">
+          <a:bodyPr wrap="none" lIns="91440" tIns="45720" rIns="91440" bIns="45720">
             <a:spAutoFit/>
           </a:bodyPr>
           <a:lstStyle/>
           <a:p>
-            <a:r>
-              <a:rPr lang="en-US" altLang="ko-KR" dirty="0" smtClean="0"/>
-              <a:t>Gamow Shell model calculation</a:t>
-            </a:r>
-            <a:endParaRPr lang="ko-KR" altLang="en-US" dirty="0"/>
+            <a:pPr algn="ctr"/>
+            <a:r>
+              <a:rPr lang="en-US" altLang="ko-KR" sz="5400" b="0" cap="none" spc="0" dirty="0" smtClean="0">
+                <a:ln w="0"/>
+                <a:solidFill>
+                  <a:srgbClr val="FF0000"/>
+                </a:solidFill>
+                <a:effectLst>
+                  <a:outerShdw blurRad="38100" dist="19050" dir="2700000" algn="tl" rotWithShape="0">
+                    <a:schemeClr val="dk1">
+                      <a:alpha val="40000"/>
+                    </a:schemeClr>
+                  </a:outerShdw>
+                </a:effectLst>
+              </a:rPr>
+              <a:t>Preliminary</a:t>
+            </a:r>
+            <a:endParaRPr lang="en-US" altLang="ko-KR" sz="5400" b="0" cap="none" spc="0" dirty="0">
+              <a:ln w="0"/>
+              <a:solidFill>
+                <a:srgbClr val="FF0000"/>
+              </a:solidFill>
+              <a:effectLst>
+                <a:outerShdw blurRad="38100" dist="19050" dir="2700000" algn="tl" rotWithShape="0">
+                  <a:schemeClr val="dk1">
+                    <a:alpha val="40000"/>
+                  </a:schemeClr>
+                </a:outerShdw>
+              </a:effectLst>
+            </a:endParaRPr>
           </a:p>
         </p:txBody>
       </p:sp>
     </p:spTree>
     <p:extLst>
       <p:ext uri="{BB962C8B-B14F-4D97-AF65-F5344CB8AC3E}">
-        <p14:creationId xmlns:p14="http://schemas.microsoft.com/office/powerpoint/2010/main" val="3981137684"/>
+        <p14:creationId xmlns:p14="http://schemas.microsoft.com/office/powerpoint/2010/main" val="1919814118"/>
       </p:ext>
     </p:extLst>
   </p:cSld>
@@ -22294,7 +22543,11 @@
           <a:bodyPr/>
           <a:lstStyle/>
           <a:p>
-            <a:endParaRPr lang="ko-KR" altLang="en-US"/>
+            <a:r>
+              <a:rPr lang="en-US" altLang="ko-KR" dirty="0" smtClean="0"/>
+              <a:t>Ab initio approach</a:t>
+            </a:r>
+            <a:endParaRPr lang="ko-KR" altLang="en-US" dirty="0"/>
           </a:p>
         </p:txBody>
       </p:sp>
@@ -22316,8 +22569,8 @@
         </p:blipFill>
         <p:spPr>
           <a:xfrm>
-            <a:off x="838201" y="457201"/>
-            <a:ext cx="8241145" cy="6060411"/>
+            <a:off x="61336" y="1441576"/>
+            <a:ext cx="7058890" cy="5190999"/>
           </a:xfrm>
           <a:prstGeom prst="rect">
             <a:avLst/>
@@ -22332,7 +22585,7 @@
         </p:nvSpPr>
         <p:spPr>
           <a:xfrm>
-            <a:off x="8382000" y="2895600"/>
+            <a:off x="6891626" y="3230563"/>
             <a:ext cx="457200" cy="3276600"/>
           </a:xfrm>
           <a:prstGeom prst="rightBrace">
@@ -22381,7 +22634,7 @@
         </p:nvSpPr>
         <p:spPr>
           <a:xfrm>
-            <a:off x="8719114" y="4268927"/>
+            <a:off x="7535775" y="4629146"/>
             <a:ext cx="729687" cy="646331"/>
           </a:xfrm>
           <a:prstGeom prst="rect">
@@ -22441,6 +22694,42 @@
               <a:latin typeface="Arial"/>
               <a:ea typeface="돋움" panose="020B0600000101010101" pitchFamily="50" charset="-127"/>
             </a:endParaRPr>
+          </a:p>
+        </p:txBody>
+      </p:sp>
+      <p:sp>
+        <p:nvSpPr>
+          <p:cNvPr id="3" name="TextBox 2"/>
+          <p:cNvSpPr txBox="1"/>
+          <p:nvPr/>
+        </p:nvSpPr>
+        <p:spPr>
+          <a:xfrm>
+            <a:off x="7452651" y="5450968"/>
+            <a:ext cx="2227061" cy="738664"/>
+          </a:xfrm>
+          <a:prstGeom prst="rect">
+            <a:avLst/>
+          </a:prstGeom>
+          <a:noFill/>
+        </p:spPr>
+        <p:txBody>
+          <a:bodyPr wrap="square" rtlCol="0">
+            <a:spAutoFit/>
+          </a:bodyPr>
+          <a:lstStyle/>
+          <a:p>
+            <a:r>
+              <a:rPr lang="en-US" altLang="ko-KR" sz="1400" dirty="0" smtClean="0"/>
+              <a:t>Direct understanding of nuclear force and </a:t>
+            </a:r>
+          </a:p>
+          <a:p>
+            <a:r>
+              <a:rPr lang="en-US" altLang="ko-KR" sz="1400" dirty="0" smtClean="0"/>
+              <a:t>nuclear structure/reaction</a:t>
+            </a:r>
+            <a:endParaRPr lang="ko-KR" altLang="en-US" sz="1400" dirty="0"/>
           </a:p>
         </p:txBody>
       </p:sp>
@@ -22497,23 +22786,71 @@
           <a:lstStyle/>
           <a:p>
             <a:r>
-              <a:rPr lang="en-US" altLang="ko-KR" dirty="0" smtClean="0"/>
-              <a:t>Summary</a:t>
+              <a:rPr lang="en-US" altLang="ko-KR" dirty="0"/>
+              <a:t>Oxygen isotopes in NLEFT</a:t>
             </a:r>
             <a:endParaRPr lang="ko-KR" altLang="en-US" dirty="0"/>
           </a:p>
         </p:txBody>
       </p:sp>
-      <p:sp>
-        <p:nvSpPr>
-          <p:cNvPr id="3" name="TextBox 2"/>
+      <p:pic>
+        <p:nvPicPr>
+          <p:cNvPr id="3" name="그림 2"/>
+          <p:cNvPicPr>
+            <a:picLocks noChangeAspect="1"/>
+          </p:cNvPicPr>
+          <p:nvPr/>
+        </p:nvPicPr>
+        <p:blipFill>
+          <a:blip r:embed="rId2"/>
+          <a:stretch>
+            <a:fillRect/>
+          </a:stretch>
+        </p:blipFill>
+        <p:spPr>
+          <a:xfrm>
+            <a:off x="4705296" y="3392488"/>
+            <a:ext cx="4684045" cy="3541595"/>
+          </a:xfrm>
+          <a:prstGeom prst="rect">
+            <a:avLst/>
+          </a:prstGeom>
+        </p:spPr>
+      </p:pic>
+      <p:pic>
+        <p:nvPicPr>
+          <p:cNvPr id="5" name="그림 4"/>
+          <p:cNvPicPr>
+            <a:picLocks noChangeAspect="1"/>
+          </p:cNvPicPr>
+          <p:nvPr/>
+        </p:nvPicPr>
+        <p:blipFill>
+          <a:blip r:embed="rId3"/>
+          <a:stretch>
+            <a:fillRect/>
+          </a:stretch>
+        </p:blipFill>
+        <p:spPr>
+          <a:xfrm>
+            <a:off x="208978" y="6286962"/>
+            <a:ext cx="3264747" cy="569595"/>
+          </a:xfrm>
+          <a:prstGeom prst="rect">
+            <a:avLst/>
+          </a:prstGeom>
+        </p:spPr>
+      </p:pic>
+      <p:sp>
+        <p:nvSpPr>
+          <p:cNvPr id="7" name="TextBox 6"/>
           <p:cNvSpPr txBox="1"/>
           <p:nvPr/>
         </p:nvSpPr>
         <p:spPr>
           <a:xfrm>
-            <a:off x="668338" y="1699491"/>
-            <a:ext cx="8532812" cy="2703048"/>
+            <a:off x="426946" y="5580056"/>
+            <a:ext cx="3565400" cy="672492"/>
           </a:xfrm>
           <a:prstGeom prst="rect">
             <a:avLst/>
@@ -22521,6 +22858,46 @@
           <a:noFill/>
         </p:spPr>
         <p:txBody>
+          <a:bodyPr wrap="none" rtlCol="0">
+            <a:spAutoFit/>
+          </a:bodyPr>
+          <a:lstStyle/>
+          <a:p>
+            <a:r>
+              <a:rPr lang="en-US" altLang="ko-KR" dirty="0" smtClean="0"/>
+              <a:t>Gamow Shell model </a:t>
+            </a:r>
+            <a:r>
+              <a:rPr lang="en-US" altLang="ko-KR" dirty="0" smtClean="0"/>
+              <a:t>calculation</a:t>
+            </a:r>
+          </a:p>
+          <a:p>
+            <a:r>
+              <a:rPr lang="en-US" altLang="ko-KR" dirty="0" smtClean="0"/>
+              <a:t>( BE w.r.t 16O core)</a:t>
+            </a:r>
+            <a:endParaRPr lang="ko-KR" altLang="en-US" dirty="0"/>
+          </a:p>
+        </p:txBody>
+      </p:sp>
+      <p:sp>
+        <p:nvSpPr>
+          <p:cNvPr id="4" name="TextBox 3"/>
+          <p:cNvSpPr txBox="1"/>
+          <p:nvPr/>
+        </p:nvSpPr>
+        <p:spPr>
+          <a:xfrm>
+            <a:off x="803564" y="1699491"/>
+            <a:ext cx="8331200" cy="1542730"/>
+          </a:xfrm>
+          <a:prstGeom prst="rect">
+            <a:avLst/>
+          </a:prstGeom>
+          <a:noFill/>
+        </p:spPr>
+        <p:txBody>
           <a:bodyPr wrap="square" rtlCol="0">
             <a:spAutoFit/>
           </a:bodyPr>
@@ -22532,7 +22909,151 @@
             </a:pPr>
             <a:r>
               <a:rPr lang="en-US" altLang="ko-KR" dirty="0" smtClean="0"/>
-              <a:t>Wave function matching method</a:t>
+              <a:t>Reasonable agreement with experiments </a:t>
+            </a:r>
+          </a:p>
+          <a:p>
+            <a:pPr marL="342900" indent="-342900">
+              <a:buFont typeface="Arial" panose="020B0604020202020204" pitchFamily="34" charset="0"/>
+              <a:buChar char="•"/>
+            </a:pPr>
+            <a:r>
+              <a:rPr lang="en-US" altLang="ko-KR" dirty="0" smtClean="0"/>
+              <a:t>Correct dripline at O24</a:t>
+            </a:r>
+          </a:p>
+          <a:p>
+            <a:pPr marL="342900" indent="-342900">
+              <a:buFont typeface="Arial" panose="020B0604020202020204" pitchFamily="34" charset="0"/>
+              <a:buChar char="•"/>
+            </a:pPr>
+            <a:r>
+              <a:rPr lang="en-US" altLang="ko-KR" dirty="0" smtClean="0"/>
+              <a:t>3N interaction contribution is important but somewhat smaller than </a:t>
+            </a:r>
+            <a:r>
+              <a:rPr lang="en-US" altLang="ko-KR" dirty="0" smtClean="0"/>
+              <a:t>C.C.</a:t>
+            </a:r>
+          </a:p>
+          <a:p>
+            <a:r>
+              <a:rPr lang="en-US" altLang="ko-KR" dirty="0"/>
+              <a:t> </a:t>
+            </a:r>
+            <a:r>
+              <a:rPr lang="en-US" altLang="ko-KR" dirty="0" smtClean="0"/>
+              <a:t>    </a:t>
+            </a:r>
+            <a:r>
+              <a:rPr lang="en-US" altLang="ko-KR" dirty="0" smtClean="0">
+                <a:sym typeface="Wingdings" panose="05000000000000000000" pitchFamily="2" charset="2"/>
+              </a:rPr>
+              <a:t> continuum effects? </a:t>
+            </a:r>
+            <a:endParaRPr lang="en-US" altLang="ko-KR" dirty="0" smtClean="0"/>
+          </a:p>
+          <a:p>
+            <a:pPr marL="342900" indent="-342900">
+              <a:buFont typeface="Arial" panose="020B0604020202020204" pitchFamily="34" charset="0"/>
+              <a:buChar char="•"/>
+            </a:pPr>
+            <a:r>
+              <a:rPr lang="en-US" altLang="ko-KR" dirty="0" smtClean="0"/>
+              <a:t>Slight over binding in O26.</a:t>
+            </a:r>
+            <a:r>
+              <a:rPr lang="en-US" altLang="ko-KR" dirty="0" smtClean="0">
+                <a:sym typeface="Wingdings" panose="05000000000000000000" pitchFamily="2" charset="2"/>
+              </a:rPr>
+              <a:t> finite volume effects? </a:t>
+            </a:r>
+            <a:endParaRPr lang="ko-KR" altLang="en-US" dirty="0"/>
+          </a:p>
+        </p:txBody>
+      </p:sp>
+    </p:spTree>
+    <p:extLst>
+      <p:ext uri="{BB962C8B-B14F-4D97-AF65-F5344CB8AC3E}">
+        <p14:creationId xmlns:p14="http://schemas.microsoft.com/office/powerpoint/2010/main" val="3981137684"/>
+      </p:ext>
+    </p:extLst>
+  </p:cSld>
+  <p:clrMapOvr>
+    <a:masterClrMapping/>
+  </p:clrMapOvr>
+</p:sld>
+</file>
+
+<file path=ppt/slides/slide21.xml><?xml version="1.0" encoding="utf-8"?>
+<p:sld xmlns:a="http://schemas.openxmlformats.org/drawingml/2006/main" xmlns:r="http://schemas.openxmlformats.org/officeDocument/2006/relationships" xmlns:p="http://schemas.openxmlformats.org/presentationml/2006/main">
+  <p:cSld>
+    <p:spTree>
+      <p:nvGrpSpPr>
+        <p:cNvPr id="1" name=""/>
+        <p:cNvGrpSpPr/>
+        <p:nvPr/>
+      </p:nvGrpSpPr>
+      <p:grpSpPr>
+        <a:xfrm>
+          <a:off x="0" y="0"/>
+          <a:ext cx="0" cy="0"/>
+          <a:chOff x="0" y="0"/>
+          <a:chExt cx="0" cy="0"/>
+        </a:xfrm>
+      </p:grpSpPr>
+      <p:sp>
+        <p:nvSpPr>
+          <p:cNvPr id="2" name="제목 1"/>
+          <p:cNvSpPr>
+            <a:spLocks noGrp="1"/>
+          </p:cNvSpPr>
+          <p:nvPr>
+            <p:ph type="title"/>
+          </p:nvPr>
+        </p:nvSpPr>
+        <p:spPr/>
+        <p:txBody>
+          <a:bodyPr/>
+          <a:lstStyle/>
+          <a:p>
+            <a:r>
+              <a:rPr lang="en-US" altLang="ko-KR" dirty="0" smtClean="0"/>
+              <a:t>Summary</a:t>
+            </a:r>
+            <a:endParaRPr lang="ko-KR" altLang="en-US" dirty="0"/>
+          </a:p>
+        </p:txBody>
+      </p:sp>
+      <p:sp>
+        <p:nvSpPr>
+          <p:cNvPr id="3" name="TextBox 2"/>
+          <p:cNvSpPr txBox="1"/>
+          <p:nvPr/>
+        </p:nvSpPr>
+        <p:spPr>
+          <a:xfrm>
+            <a:off x="668338" y="1699491"/>
+            <a:ext cx="8532812" cy="3863365"/>
+          </a:xfrm>
+          <a:prstGeom prst="rect">
+            <a:avLst/>
+          </a:prstGeom>
+          <a:noFill/>
+        </p:spPr>
+        <p:txBody>
+          <a:bodyPr wrap="square" rtlCol="0">
+            <a:spAutoFit/>
+          </a:bodyPr>
+          <a:lstStyle/>
+          <a:p>
+            <a:pPr marL="342900" indent="-342900">
+              <a:buFont typeface="Arial" panose="020B0604020202020204" pitchFamily="34" charset="0"/>
+              <a:buChar char="•"/>
+            </a:pPr>
+            <a:r>
+              <a:rPr lang="en-US" altLang="ko-KR" dirty="0" smtClean="0"/>
+              <a:t>Wave function matching method seems to be promising</a:t>
             </a:r>
           </a:p>
           <a:p>
@@ -22572,8 +23093,13 @@
             </a:pPr>
             <a:r>
               <a:rPr lang="en-US" altLang="ko-KR" dirty="0" smtClean="0"/>
-              <a:t>Binding energy 3H-40Ca</a:t>
-            </a:r>
+              <a:t>Binding energy </a:t>
+            </a:r>
+            <a:r>
+              <a:rPr lang="en-US" altLang="ko-KR" dirty="0" smtClean="0"/>
+              <a:t>(from 3H to 40Ca)</a:t>
+            </a:r>
+            <a:endParaRPr lang="en-US" altLang="ko-KR" dirty="0" smtClean="0"/>
           </a:p>
           <a:p>
             <a:pPr marL="821819" lvl="1" indent="-342900">
@@ -22582,7 +23108,11 @@
             </a:pPr>
             <a:r>
               <a:rPr lang="en-US" altLang="ko-KR" dirty="0" smtClean="0"/>
-              <a:t>Symmetric Nuclear matter</a:t>
+              <a:t>Symmetric </a:t>
+            </a:r>
+            <a:r>
+              <a:rPr lang="en-US" altLang="ko-KR" dirty="0" smtClean="0"/>
+              <a:t>Nuclear matter</a:t>
             </a:r>
           </a:p>
           <a:p>
@@ -22602,7 +23132,43 @@
             </a:pPr>
             <a:r>
               <a:rPr lang="en-US" altLang="ko-KR" dirty="0" smtClean="0"/>
-              <a:t>Dripline of Oxygen isotope.</a:t>
+              <a:t>Dripline of Oxygen isotope</a:t>
+            </a:r>
+            <a:r>
+              <a:rPr lang="en-US" altLang="ko-KR" dirty="0" smtClean="0"/>
+              <a:t>.</a:t>
+            </a:r>
+          </a:p>
+          <a:p>
+            <a:pPr marL="821819" lvl="1" indent="-342900">
+              <a:buFont typeface="Arial" panose="020B0604020202020204" pitchFamily="34" charset="0"/>
+              <a:buChar char="•"/>
+            </a:pPr>
+            <a:r>
+              <a:rPr lang="en-US" altLang="ko-KR" dirty="0" smtClean="0"/>
+              <a:t>Carbon excited states</a:t>
+            </a:r>
+            <a:endParaRPr lang="en-US" altLang="ko-KR" dirty="0" smtClean="0"/>
+          </a:p>
+          <a:p>
+            <a:pPr marL="342900" indent="-342900">
+              <a:buFont typeface="Arial" panose="020B0604020202020204" pitchFamily="34" charset="0"/>
+              <a:buChar char="•"/>
+            </a:pPr>
+            <a:r>
+              <a:rPr lang="en-US" altLang="ko-KR" dirty="0" smtClean="0"/>
+              <a:t>Further investigation on the finite volume effects is on-going. </a:t>
+            </a:r>
+            <a:endParaRPr lang="en-US" altLang="ko-KR" dirty="0" smtClean="0"/>
+          </a:p>
+          <a:p>
+            <a:pPr marL="342900" indent="-342900">
+              <a:buFont typeface="Arial" panose="020B0604020202020204" pitchFamily="34" charset="0"/>
+              <a:buChar char="•"/>
+            </a:pPr>
+            <a:r>
+              <a:rPr lang="en-US" altLang="ko-KR" dirty="0" smtClean="0"/>
+              <a:t>Also, Carbon isotopes, odd Oxygen isotopes, Cluster structure, excited states. </a:t>
             </a:r>
             <a:endParaRPr lang="ko-KR" altLang="en-US" dirty="0"/>
           </a:p>
@@ -22653,7 +23219,11 @@
           <a:bodyPr/>
           <a:lstStyle/>
           <a:p>
-            <a:endParaRPr lang="ko-KR" altLang="en-US"/>
+            <a:r>
+              <a:rPr lang="en-US" altLang="ko-KR" dirty="0" smtClean="0"/>
+              <a:t>Oxygen isotopes</a:t>
+            </a:r>
+            <a:endParaRPr lang="ko-KR" altLang="en-US" dirty="0"/>
           </a:p>
         </p:txBody>
       </p:sp>
@@ -22666,7 +23236,7 @@
           <p:nvPr/>
         </p:nvPicPr>
         <p:blipFill>
-          <a:blip r:embed="rId2">
+          <a:blip r:embed="rId2" cstate="print">
             <a:extLst>
               <a:ext uri="{28A0092B-C50C-407E-A947-70E740481C1C}">
                 <a14:useLocalDpi xmlns:a14="http://schemas.microsoft.com/office/drawing/2010/main" val="0"/>
@@ -22679,14 +23249,50 @@
         </p:blipFill>
         <p:spPr>
           <a:xfrm>
-            <a:off x="185119" y="533400"/>
-            <a:ext cx="9535761" cy="4866455"/>
+            <a:off x="1106250" y="1592263"/>
+            <a:ext cx="7490299" cy="3822579"/>
           </a:xfrm>
           <a:prstGeom prst="rect">
             <a:avLst/>
           </a:prstGeom>
         </p:spPr>
       </p:pic>
+      <p:sp>
+        <p:nvSpPr>
+          <p:cNvPr id="4" name="TextBox 3"/>
+          <p:cNvSpPr txBox="1"/>
+          <p:nvPr/>
+        </p:nvSpPr>
+        <p:spPr>
+          <a:xfrm flipH="1">
+            <a:off x="1106250" y="5677767"/>
+            <a:ext cx="5612852" cy="672492"/>
+          </a:xfrm>
+          <a:prstGeom prst="rect">
+            <a:avLst/>
+          </a:prstGeom>
+          <a:noFill/>
+        </p:spPr>
+        <p:txBody>
+          <a:bodyPr wrap="square" rtlCol="0">
+            <a:spAutoFit/>
+          </a:bodyPr>
+          <a:lstStyle/>
+          <a:p>
+            <a:r>
+              <a:rPr lang="en-US" altLang="ko-KR" dirty="0" smtClean="0"/>
+              <a:t>Can we explain the dripline of Oxygen isotopes?</a:t>
+            </a:r>
+          </a:p>
+          <a:p>
+            <a:r>
+              <a:rPr lang="en-US" altLang="ko-KR" dirty="0" smtClean="0"/>
+              <a:t>Role of 3-body force?  </a:t>
+            </a:r>
+            <a:endParaRPr lang="ko-KR" altLang="en-US" dirty="0"/>
+          </a:p>
+        </p:txBody>
+      </p:sp>
     </p:spTree>
     <p:extLst>
       <p:ext uri="{BB962C8B-B14F-4D97-AF65-F5344CB8AC3E}">
@@ -22757,7 +23363,11 @@
           <a:p>
             <a:r>
               <a:rPr lang="en-US" altLang="ko-KR" dirty="0" smtClean="0"/>
-              <a:t>One of ab initio method for many fermion system</a:t>
+              <a:t>ab </a:t>
+            </a:r>
+            <a:r>
+              <a:rPr lang="en-US" altLang="ko-KR" dirty="0" smtClean="0"/>
+              <a:t>initio method for many fermion system</a:t>
             </a:r>
             <a:endParaRPr lang="ko-KR" altLang="en-US" dirty="0"/>
           </a:p>
@@ -22979,87 +23589,72 @@
           <a:p>
             <a:r>
               <a:rPr lang="en-US" altLang="ko-KR" dirty="0" smtClean="0"/>
-              <a:t>Characters of NLEFT</a:t>
+              <a:t>Path integral</a:t>
             </a:r>
             <a:endParaRPr lang="ko-KR" altLang="en-US" dirty="0"/>
           </a:p>
         </p:txBody>
       </p:sp>
-      <p:sp>
-        <p:nvSpPr>
-          <p:cNvPr id="3" name="내용 개체 틀 2"/>
-          <p:cNvSpPr>
-            <a:spLocks noGrp="1"/>
-          </p:cNvSpPr>
+      <p:pic>
+        <p:nvPicPr>
+          <p:cNvPr id="24578" name="Picture 2"/>
+          <p:cNvPicPr>
+            <a:picLocks noGrp="1" noChangeAspect="1" noChangeArrowheads="1"/>
+          </p:cNvPicPr>
           <p:nvPr>
             <p:ph idx="1"/>
           </p:nvPr>
-        </p:nvSpPr>
-        <p:spPr/>
-        <p:txBody>
-          <a:bodyPr>
-            <a:normAutofit/>
-          </a:bodyPr>
-          <a:lstStyle/>
-          <a:p>
-            <a:r>
-              <a:rPr lang="en-US" altLang="ko-KR" sz="3200" dirty="0"/>
-              <a:t>NLEFT is not a molecular dynamics</a:t>
-            </a:r>
-          </a:p>
-          <a:p>
-            <a:pPr marL="0" indent="0">
-              <a:buNone/>
-            </a:pPr>
-            <a:r>
-              <a:rPr lang="en-US" altLang="ko-KR" sz="3200" dirty="0">
-                <a:sym typeface="Wingdings" panose="05000000000000000000" pitchFamily="2" charset="2"/>
-              </a:rPr>
-              <a:t>   fully quantum mechanical.</a:t>
-            </a:r>
-            <a:endParaRPr lang="en-US" altLang="ko-KR" sz="3200" dirty="0"/>
-          </a:p>
-          <a:p>
-            <a:r>
-              <a:rPr lang="en-US" altLang="ko-KR" sz="3200" dirty="0"/>
-              <a:t>NLEFT </a:t>
-            </a:r>
-            <a:r>
-              <a:rPr lang="en-US" altLang="ko-KR" sz="3200" dirty="0">
+        </p:nvPicPr>
+        <p:blipFill>
+          <a:blip r:embed="rId2">
+            <a:extLst>
+              <a:ext uri="{28A0092B-C50C-407E-A947-70E740481C1C}">
+                <a14:useLocalDpi xmlns:a14="http://schemas.microsoft.com/office/drawing/2010/main" val="0"/>
+              </a:ext>
+            </a:extLst>
+          </a:blip>
+          <a:srcRect/>
+          <a:stretch>
+            <a:fillRect/>
+          </a:stretch>
+        </p:blipFill>
+        <p:spPr bwMode="auto">
+          <a:xfrm>
+            <a:off x="792020" y="1655620"/>
+            <a:ext cx="8229600" cy="3678669"/>
+          </a:xfrm>
+          <a:prstGeom prst="rect">
+            <a:avLst/>
+          </a:prstGeom>
+          <a:noFill/>
+          <a:ln>
+            <a:noFill/>
+          </a:ln>
+          <a:extLst>
+            <a:ext uri="{909E8E84-426E-40DD-AFC4-6F175D3DCCD1}">
+              <a14:hiddenFill xmlns:a14="http://schemas.microsoft.com/office/drawing/2010/main">
                 <a:solidFill>
-                  <a:srgbClr val="FF0000"/>
+                  <a:schemeClr val="accent1"/>
                 </a:solidFill>
-              </a:rPr>
-              <a:t>does not require truncated basis expansions</a:t>
-            </a:r>
-            <a:r>
-              <a:rPr lang="en-US" altLang="ko-KR" sz="3200" dirty="0"/>
-              <a:t>, many-body perturbation theory, or any constraints on the nuclear wave function. Regularization/Truncation is in the lattice spacing.</a:t>
-            </a:r>
-          </a:p>
-          <a:p>
-            <a:r>
-              <a:rPr lang="en-US" altLang="ko-KR" sz="3200" dirty="0">
+              </a14:hiddenFill>
+            </a:ext>
+            <a:ext uri="{91240B29-F687-4F45-9708-019B960494DF}">
+              <a14:hiddenLine xmlns:a14="http://schemas.microsoft.com/office/drawing/2010/main" w="9525">
                 <a:solidFill>
-                  <a:srgbClr val="FF0000"/>
+                  <a:schemeClr val="tx1"/>
                 </a:solidFill>
-              </a:rPr>
-              <a:t>Alpha clustering emerges naturally.</a:t>
-            </a:r>
-            <a:r>
-              <a:rPr lang="en-US" altLang="ko-KR" sz="3200" dirty="0"/>
-              <a:t> </a:t>
-            </a:r>
-          </a:p>
-          <a:p>
-            <a:endParaRPr lang="en-US" altLang="ko-KR" sz="3200" dirty="0"/>
-          </a:p>
-        </p:txBody>
-      </p:sp>
+                <a:miter lim="800000"/>
+                <a:headEnd/>
+                <a:tailEnd/>
+              </a14:hiddenLine>
+            </a:ext>
+          </a:extLst>
+        </p:spPr>
+      </p:pic>
     </p:spTree>
     <p:extLst>
       <p:ext uri="{BB962C8B-B14F-4D97-AF65-F5344CB8AC3E}">
-        <p14:creationId xmlns:p14="http://schemas.microsoft.com/office/powerpoint/2010/main" val="2231349034"/>
+        <p14:creationId xmlns:p14="http://schemas.microsoft.com/office/powerpoint/2010/main" val="689859470"/>
       </p:ext>
     </p:extLst>
   </p:cSld>
@@ -23110,126 +23705,87 @@
           <a:p>
             <a:r>
               <a:rPr lang="en-US" altLang="ko-KR" dirty="0" smtClean="0"/>
-              <a:t>Path integral</a:t>
+              <a:t>Characters of NLEFT</a:t>
             </a:r>
             <a:endParaRPr lang="ko-KR" altLang="en-US" dirty="0"/>
           </a:p>
         </p:txBody>
       </p:sp>
-      <p:pic>
-        <p:nvPicPr>
-          <p:cNvPr id="24578" name="Picture 2"/>
-          <p:cNvPicPr>
-            <a:picLocks noGrp="1" noChangeAspect="1" noChangeArrowheads="1"/>
-          </p:cNvPicPr>
+      <p:sp>
+        <p:nvSpPr>
+          <p:cNvPr id="3" name="내용 개체 틀 2"/>
+          <p:cNvSpPr>
+            <a:spLocks noGrp="1"/>
+          </p:cNvSpPr>
           <p:nvPr>
             <p:ph idx="1"/>
           </p:nvPr>
-        </p:nvPicPr>
-        <p:blipFill>
-          <a:blip r:embed="rId2">
-            <a:extLst>
-              <a:ext uri="{28A0092B-C50C-407E-A947-70E740481C1C}">
-                <a14:useLocalDpi xmlns:a14="http://schemas.microsoft.com/office/drawing/2010/main" val="0"/>
-              </a:ext>
-            </a:extLst>
-          </a:blip>
-          <a:srcRect/>
-          <a:stretch>
-            <a:fillRect/>
-          </a:stretch>
-        </p:blipFill>
-        <p:spPr bwMode="auto">
-          <a:xfrm>
-            <a:off x="838200" y="2514601"/>
-            <a:ext cx="8229600" cy="3678669"/>
-          </a:xfrm>
-          <a:prstGeom prst="rect">
-            <a:avLst/>
-          </a:prstGeom>
-          <a:noFill/>
-          <a:ln>
-            <a:noFill/>
-          </a:ln>
-          <a:extLst>
-            <a:ext uri="{909E8E84-426E-40DD-AFC4-6F175D3DCCD1}">
-              <a14:hiddenFill xmlns:a14="http://schemas.microsoft.com/office/drawing/2010/main">
+        </p:nvSpPr>
+        <p:spPr/>
+        <p:txBody>
+          <a:bodyPr>
+            <a:normAutofit/>
+          </a:bodyPr>
+          <a:lstStyle/>
+          <a:p>
+            <a:r>
+              <a:rPr lang="en-US" altLang="ko-KR" sz="3200" dirty="0"/>
+              <a:t>NLEFT is not a molecular dynamics</a:t>
+            </a:r>
+          </a:p>
+          <a:p>
+            <a:pPr marL="0" indent="0">
+              <a:buNone/>
+            </a:pPr>
+            <a:r>
+              <a:rPr lang="en-US" altLang="ko-KR" sz="3200" dirty="0">
+                <a:sym typeface="Wingdings" panose="05000000000000000000" pitchFamily="2" charset="2"/>
+              </a:rPr>
+              <a:t>   fully quantum mechanical.</a:t>
+            </a:r>
+            <a:endParaRPr lang="en-US" altLang="ko-KR" sz="3200" dirty="0"/>
+          </a:p>
+          <a:p>
+            <a:r>
+              <a:rPr lang="en-US" altLang="ko-KR" sz="3200" dirty="0"/>
+              <a:t>NLEFT </a:t>
+            </a:r>
+            <a:r>
+              <a:rPr lang="en-US" altLang="ko-KR" sz="3200" dirty="0">
                 <a:solidFill>
-                  <a:schemeClr val="accent1"/>
+                  <a:srgbClr val="FF0000"/>
                 </a:solidFill>
-              </a14:hiddenFill>
-            </a:ext>
-            <a:ext uri="{91240B29-F687-4F45-9708-019B960494DF}">
-              <a14:hiddenLine xmlns:a14="http://schemas.microsoft.com/office/drawing/2010/main" w="9525">
+              </a:rPr>
+              <a:t>does not require truncated basis expansions</a:t>
+            </a:r>
+            <a:r>
+              <a:rPr lang="en-US" altLang="ko-KR" sz="3200" dirty="0"/>
+              <a:t>, many-body perturbation theory, or any constraints on the nuclear wave function. Regularization/Truncation is in the lattice spacing.</a:t>
+            </a:r>
+          </a:p>
+          <a:p>
+            <a:r>
+              <a:rPr lang="en-US" altLang="ko-KR" sz="3200" dirty="0">
                 <a:solidFill>
-                  <a:schemeClr val="tx1"/>
+                  <a:srgbClr val="FF0000"/>
                 </a:solidFill>
-                <a:miter lim="800000"/>
-                <a:headEnd/>
-                <a:tailEnd/>
-              </a14:hiddenLine>
-            </a:ext>
-          </a:extLst>
-        </p:spPr>
-      </p:pic>
-      <p:pic>
-        <p:nvPicPr>
-          <p:cNvPr id="4" name="Picture 6"/>
-          <p:cNvPicPr>
-            <a:picLocks noChangeAspect="1" noChangeArrowheads="1"/>
-          </p:cNvPicPr>
-          <p:nvPr/>
-        </p:nvPicPr>
-        <p:blipFill>
-          <a:blip r:embed="rId3">
-            <a:extLst>
-              <a:ext uri="{28A0092B-C50C-407E-A947-70E740481C1C}">
-                <a14:useLocalDpi xmlns:a14="http://schemas.microsoft.com/office/drawing/2010/main" val="0"/>
-              </a:ext>
-            </a:extLst>
-          </a:blip>
-          <a:srcRect/>
-          <a:stretch>
-            <a:fillRect/>
-          </a:stretch>
-        </p:blipFill>
-        <p:spPr bwMode="auto">
-          <a:xfrm>
-            <a:off x="990601" y="1447801"/>
-            <a:ext cx="7000875" cy="942975"/>
-          </a:xfrm>
-          <a:prstGeom prst="rect">
-            <a:avLst/>
-          </a:prstGeom>
-          <a:noFill/>
-          <a:ln>
-            <a:noFill/>
-          </a:ln>
-          <a:extLst>
-            <a:ext uri="{909E8E84-426E-40DD-AFC4-6F175D3DCCD1}">
-              <a14:hiddenFill xmlns:a14="http://schemas.microsoft.com/office/drawing/2010/main">
-                <a:solidFill>
-                  <a:schemeClr val="accent1"/>
-                </a:solidFill>
-              </a14:hiddenFill>
-            </a:ext>
-            <a:ext uri="{91240B29-F687-4F45-9708-019B960494DF}">
-              <a14:hiddenLine xmlns:a14="http://schemas.microsoft.com/office/drawing/2010/main" w="9525">
-                <a:solidFill>
-                  <a:schemeClr val="tx1"/>
-                </a:solidFill>
-                <a:miter lim="800000"/>
-                <a:headEnd/>
-                <a:tailEnd/>
-              </a14:hiddenLine>
-            </a:ext>
-          </a:extLst>
-        </p:spPr>
-      </p:pic>
+              </a:rPr>
+              <a:t>Alpha clustering emerges naturally.</a:t>
+            </a:r>
+            <a:r>
+              <a:rPr lang="en-US" altLang="ko-KR" sz="3200" dirty="0"/>
+              <a:t> </a:t>
+            </a:r>
+          </a:p>
+          <a:p>
+            <a:endParaRPr lang="en-US" altLang="ko-KR" sz="3200" dirty="0"/>
+          </a:p>
+        </p:txBody>
+      </p:sp>
     </p:spTree>
     <p:extLst>
       <p:ext uri="{BB962C8B-B14F-4D97-AF65-F5344CB8AC3E}">
-        <p14:creationId xmlns:p14="http://schemas.microsoft.com/office/powerpoint/2010/main" val="689859470"/>
+        <p14:creationId xmlns:p14="http://schemas.microsoft.com/office/powerpoint/2010/main" val="2231349034"/>
       </p:ext>
     </p:extLst>
   </p:cSld>
@@ -23460,7 +24016,7 @@
         </p:blipFill>
         <p:spPr>
           <a:xfrm>
-            <a:off x="1066801" y="4495801"/>
+            <a:off x="788799" y="4542555"/>
             <a:ext cx="3405663" cy="2114845"/>
           </a:xfrm>
           <a:prstGeom prst="rect">
@@ -23564,6 +24120,36 @@
           </a:prstGeom>
         </p:spPr>
       </p:pic>
+      <p:sp>
+        <p:nvSpPr>
+          <p:cNvPr id="9" name="TextBox 8"/>
+          <p:cNvSpPr txBox="1"/>
+          <p:nvPr/>
+        </p:nvSpPr>
+        <p:spPr>
+          <a:xfrm>
+            <a:off x="1013126" y="4107824"/>
+            <a:ext cx="4099199" cy="382412"/>
+          </a:xfrm>
+          <a:prstGeom prst="rect">
+            <a:avLst/>
+          </a:prstGeom>
+          <a:noFill/>
+        </p:spPr>
+        <p:txBody>
+          <a:bodyPr wrap="none" rtlCol="0">
+            <a:spAutoFit/>
+          </a:bodyPr>
+          <a:lstStyle/>
+          <a:p>
+            <a:r>
+              <a:rPr lang="en-US" altLang="ko-KR" dirty="0" smtClean="0"/>
+              <a:t>Non-local smeared SU(4) interaction</a:t>
+            </a:r>
+            <a:endParaRPr lang="ko-KR" altLang="en-US" dirty="0"/>
+          </a:p>
+        </p:txBody>
+      </p:sp>
     </p:spTree>
     <p:extLst>
       <p:ext uri="{BB962C8B-B14F-4D97-AF65-F5344CB8AC3E}">
@@ -23618,136 +24204,160 @@
           <a:p>
             <a:r>
               <a:rPr lang="en-US" altLang="ko-KR" dirty="0" smtClean="0"/>
-              <a:t>Difficulty with full chiral interaction</a:t>
+              <a:t>Lattice chiral Hamiltonian Leading order</a:t>
             </a:r>
             <a:endParaRPr lang="ko-KR" altLang="en-US" dirty="0"/>
           </a:p>
         </p:txBody>
       </p:sp>
-      <p:sp>
-        <p:nvSpPr>
-          <p:cNvPr id="3" name="TextBox 2"/>
-          <p:cNvSpPr txBox="1"/>
+      <p:pic>
+        <p:nvPicPr>
+          <p:cNvPr id="8" name="그림 7"/>
+          <p:cNvPicPr>
+            <a:picLocks noChangeAspect="1"/>
+          </p:cNvPicPr>
           <p:nvPr/>
-        </p:nvSpPr>
+        </p:nvPicPr>
+        <p:blipFill>
+          <a:blip r:embed="rId2"/>
+          <a:stretch>
+            <a:fillRect/>
+          </a:stretch>
+        </p:blipFill>
         <p:spPr>
           <a:xfrm>
-            <a:off x="874207" y="1868993"/>
-            <a:ext cx="8139164" cy="2993127"/>
+            <a:off x="488493" y="1592263"/>
+            <a:ext cx="3277057" cy="552527"/>
           </a:xfrm>
           <a:prstGeom prst="rect">
             <a:avLst/>
           </a:prstGeom>
-          <a:noFill/>
         </p:spPr>
-        <p:txBody>
-          <a:bodyPr wrap="square" rtlCol="0">
-            <a:spAutoFit/>
-          </a:bodyPr>
-          <a:lstStyle/>
-          <a:p>
-            <a:pPr marL="342900" indent="-342900">
-              <a:buFont typeface="Arial" panose="020B0604020202020204" pitchFamily="34" charset="0"/>
-              <a:buChar char="•"/>
-            </a:pPr>
-            <a:r>
-              <a:rPr lang="en-US" altLang="ko-KR" dirty="0" smtClean="0"/>
-              <a:t>Sign problem</a:t>
-            </a:r>
-          </a:p>
-          <a:p>
-            <a:pPr marL="821819" lvl="1" indent="-342900">
-              <a:buFont typeface="Arial" panose="020B0604020202020204" pitchFamily="34" charset="0"/>
-              <a:buChar char="•"/>
-            </a:pPr>
-            <a:r>
-              <a:rPr lang="en-US" altLang="ko-KR" dirty="0" smtClean="0"/>
-              <a:t>NLEFT suffers sign problems at large Euclidean time limit</a:t>
-            </a:r>
-          </a:p>
-          <a:p>
-            <a:pPr marL="821819" lvl="1" indent="-342900">
-              <a:buFont typeface="Arial" panose="020B0604020202020204" pitchFamily="34" charset="0"/>
-              <a:buChar char="•"/>
-            </a:pPr>
-            <a:r>
-              <a:rPr lang="en-US" altLang="ko-KR" dirty="0" smtClean="0"/>
-              <a:t>SU(4) symmetric interaction does not have sign problem</a:t>
-            </a:r>
-          </a:p>
-          <a:p>
-            <a:pPr marL="821819" lvl="1" indent="-342900">
-              <a:buFont typeface="Arial" panose="020B0604020202020204" pitchFamily="34" charset="0"/>
-              <a:buChar char="•"/>
-            </a:pPr>
-            <a:r>
-              <a:rPr lang="en-US" altLang="ko-KR" dirty="0" smtClean="0"/>
-              <a:t>One pion exchange and higher order chiral interaction</a:t>
-            </a:r>
-          </a:p>
-          <a:p>
-            <a:pPr marL="821819" lvl="1" indent="-342900">
-              <a:buFont typeface="Arial" panose="020B0604020202020204" pitchFamily="34" charset="0"/>
-              <a:buChar char="•"/>
-            </a:pPr>
-            <a:r>
-              <a:rPr lang="en-US" altLang="ko-KR" dirty="0" smtClean="0"/>
-              <a:t>Asymmetric nuclei</a:t>
-            </a:r>
-          </a:p>
-          <a:p>
-            <a:pPr marL="821819" lvl="1" indent="-342900">
-              <a:buFont typeface="Arial" panose="020B0604020202020204" pitchFamily="34" charset="0"/>
-              <a:buChar char="•"/>
-            </a:pPr>
-            <a:r>
-              <a:rPr lang="en-US" altLang="ko-KR" dirty="0" smtClean="0"/>
-              <a:t>Needs a remedy to extend to neutron rich isotopes.</a:t>
-            </a:r>
-          </a:p>
-          <a:p>
-            <a:pPr marL="821819" lvl="1" indent="-342900">
-              <a:buFont typeface="Arial" panose="020B0604020202020204" pitchFamily="34" charset="0"/>
-              <a:buChar char="•"/>
-            </a:pPr>
-            <a:endParaRPr lang="en-US" altLang="ko-KR" dirty="0"/>
-          </a:p>
-          <a:p>
-            <a:pPr marL="342900" indent="-342900">
-              <a:buFont typeface="Arial" panose="020B0604020202020204" pitchFamily="34" charset="0"/>
-              <a:buChar char="•"/>
-            </a:pPr>
-            <a:r>
-              <a:rPr lang="en-US" altLang="ko-KR" dirty="0" smtClean="0"/>
-              <a:t>A new approach to reduce the sign problem.</a:t>
-            </a:r>
-          </a:p>
-          <a:p>
-            <a:pPr marL="342900" indent="-342900">
-              <a:buFont typeface="Arial" panose="020B0604020202020204" pitchFamily="34" charset="0"/>
-              <a:buChar char="•"/>
-            </a:pPr>
-            <a:r>
-              <a:rPr lang="en-US" altLang="ko-KR" dirty="0" smtClean="0">
-                <a:sym typeface="Wingdings" panose="05000000000000000000" pitchFamily="2" charset="2"/>
-              </a:rPr>
-              <a:t> Wave function matching Hamiltonian.</a:t>
-            </a:r>
-            <a:endParaRPr lang="en-US" altLang="ko-KR" dirty="0"/>
-          </a:p>
-          <a:p>
-            <a:pPr marL="342900" indent="-342900">
-              <a:buFont typeface="Arial" panose="020B0604020202020204" pitchFamily="34" charset="0"/>
-              <a:buChar char="•"/>
-            </a:pPr>
-            <a:endParaRPr lang="ko-KR" altLang="en-US" dirty="0"/>
-          </a:p>
-        </p:txBody>
-      </p:sp>
+      </p:pic>
+      <p:pic>
+        <p:nvPicPr>
+          <p:cNvPr id="9" name="그림 8"/>
+          <p:cNvPicPr>
+            <a:picLocks noChangeAspect="1"/>
+          </p:cNvPicPr>
+          <p:nvPr/>
+        </p:nvPicPr>
+        <p:blipFill>
+          <a:blip r:embed="rId3"/>
+          <a:stretch>
+            <a:fillRect/>
+          </a:stretch>
+        </p:blipFill>
+        <p:spPr>
+          <a:xfrm>
+            <a:off x="668338" y="2286945"/>
+            <a:ext cx="4860925" cy="1077603"/>
+          </a:xfrm>
+          <a:prstGeom prst="rect">
+            <a:avLst/>
+          </a:prstGeom>
+        </p:spPr>
+      </p:pic>
+      <p:pic>
+        <p:nvPicPr>
+          <p:cNvPr id="10" name="그림 9"/>
+          <p:cNvPicPr>
+            <a:picLocks noChangeAspect="1"/>
+          </p:cNvPicPr>
+          <p:nvPr/>
+        </p:nvPicPr>
+        <p:blipFill>
+          <a:blip r:embed="rId4"/>
+          <a:stretch>
+            <a:fillRect/>
+          </a:stretch>
+        </p:blipFill>
+        <p:spPr>
+          <a:xfrm>
+            <a:off x="668338" y="3392488"/>
+            <a:ext cx="6462135" cy="612525"/>
+          </a:xfrm>
+          <a:prstGeom prst="rect">
+            <a:avLst/>
+          </a:prstGeom>
+        </p:spPr>
+      </p:pic>
+      <p:pic>
+        <p:nvPicPr>
+          <p:cNvPr id="11" name="그림 10"/>
+          <p:cNvPicPr>
+            <a:picLocks noChangeAspect="1"/>
+          </p:cNvPicPr>
+          <p:nvPr/>
+        </p:nvPicPr>
+        <p:blipFill>
+          <a:blip r:embed="rId5"/>
+          <a:stretch>
+            <a:fillRect/>
+          </a:stretch>
+        </p:blipFill>
+        <p:spPr>
+          <a:xfrm>
+            <a:off x="674688" y="4127493"/>
+            <a:ext cx="3364262" cy="1390561"/>
+          </a:xfrm>
+          <a:prstGeom prst="rect">
+            <a:avLst/>
+          </a:prstGeom>
+        </p:spPr>
+      </p:pic>
+      <p:pic>
+        <p:nvPicPr>
+          <p:cNvPr id="12" name="그림 11"/>
+          <p:cNvPicPr>
+            <a:picLocks noChangeAspect="1"/>
+          </p:cNvPicPr>
+          <p:nvPr/>
+        </p:nvPicPr>
+        <p:blipFill>
+          <a:blip r:embed="rId6"/>
+          <a:stretch>
+            <a:fillRect/>
+          </a:stretch>
+        </p:blipFill>
+        <p:spPr>
+          <a:xfrm>
+            <a:off x="7227708" y="3522513"/>
+            <a:ext cx="2258037" cy="310585"/>
+          </a:xfrm>
+          <a:prstGeom prst="rect">
+            <a:avLst/>
+          </a:prstGeom>
+        </p:spPr>
+      </p:pic>
+      <p:pic>
+        <p:nvPicPr>
+          <p:cNvPr id="13" name="그림 12"/>
+          <p:cNvPicPr>
+            <a:picLocks noChangeAspect="1"/>
+          </p:cNvPicPr>
+          <p:nvPr/>
+        </p:nvPicPr>
+        <p:blipFill>
+          <a:blip r:embed="rId7"/>
+          <a:stretch>
+            <a:fillRect/>
+          </a:stretch>
+        </p:blipFill>
+        <p:spPr>
+          <a:xfrm>
+            <a:off x="674688" y="5640534"/>
+            <a:ext cx="4525385" cy="661606"/>
+          </a:xfrm>
+          <a:prstGeom prst="rect">
+            <a:avLst/>
+          </a:prstGeom>
+        </p:spPr>
+      </p:pic>
     </p:spTree>
     <p:extLst>
       <p:ext uri="{BB962C8B-B14F-4D97-AF65-F5344CB8AC3E}">
-        <p14:creationId xmlns:p14="http://schemas.microsoft.com/office/powerpoint/2010/main" val="2151944090"/>
+        <p14:creationId xmlns:p14="http://schemas.microsoft.com/office/powerpoint/2010/main" val="265915704"/>
       </p:ext>
     </p:extLst>
   </p:cSld>

--- a/20220411_KPS_송영호.pptx
+++ b/20220411_KPS_송영호.pptx
@@ -20752,11 +20752,6 @@
               </a:rPr>
               <a:t>NLEFT collaboration</a:t>
             </a:r>
-            <a:endParaRPr lang="en-US" altLang="ko-KR" sz="2800" dirty="0" smtClean="0">
-              <a:solidFill>
-                <a:srgbClr val="FF0000"/>
-              </a:solidFill>
-            </a:endParaRPr>
           </a:p>
         </p:txBody>
       </p:sp>
@@ -20963,11 +20958,7 @@
             </a:pPr>
             <a:r>
               <a:rPr lang="en-US" altLang="ko-KR" sz="2000" dirty="0" smtClean="0"/>
-              <a:t>Three nucleon </a:t>
-            </a:r>
-            <a:r>
-              <a:rPr lang="en-US" altLang="ko-KR" sz="2000" dirty="0" smtClean="0"/>
-              <a:t>interaction</a:t>
+              <a:t>Three nucleon interaction</a:t>
             </a:r>
           </a:p>
           <a:p>
@@ -21114,13 +21105,8 @@
             </a:pPr>
             <a:r>
               <a:rPr lang="en-US" altLang="ko-KR" dirty="0" smtClean="0"/>
-              <a:t>One pion exchange and higher order chiral </a:t>
-            </a:r>
-            <a:r>
-              <a:rPr lang="en-US" altLang="ko-KR" dirty="0" smtClean="0"/>
-              <a:t>interaction</a:t>
-            </a:r>
-            <a:endParaRPr lang="en-US" altLang="ko-KR" dirty="0" smtClean="0"/>
+              <a:t>One pion exchange and higher order chiral interaction</a:t>
+            </a:r>
           </a:p>
           <a:p>
             <a:pPr marL="821819" lvl="1" indent="-342900">
@@ -21129,11 +21115,7 @@
             </a:pPr>
             <a:r>
               <a:rPr lang="en-US" altLang="ko-KR" dirty="0" smtClean="0"/>
-              <a:t>Difficulty with Asymmetric </a:t>
-            </a:r>
-            <a:r>
-              <a:rPr lang="en-US" altLang="ko-KR" dirty="0" smtClean="0"/>
-              <a:t>nuclei</a:t>
+              <a:t>Difficulty with Asymmetric nuclei</a:t>
             </a:r>
           </a:p>
           <a:p>
@@ -21431,17 +21413,8 @@
               <a:rPr lang="en-US" altLang="ko-KR" dirty="0" smtClean="0">
                 <a:sym typeface="Wingdings" panose="05000000000000000000" pitchFamily="2" charset="2"/>
               </a:rPr>
-              <a:t>Naturally need correction </a:t>
-            </a:r>
-            <a:r>
-              <a:rPr lang="en-US" altLang="ko-KR" dirty="0" smtClean="0">
-                <a:sym typeface="Wingdings" panose="05000000000000000000" pitchFamily="2" charset="2"/>
-              </a:rPr>
-              <a:t>terms </a:t>
-            </a:r>
-            <a:endParaRPr lang="en-US" altLang="ko-KR" dirty="0" smtClean="0">
-              <a:sym typeface="Wingdings" panose="05000000000000000000" pitchFamily="2" charset="2"/>
-            </a:endParaRPr>
+              <a:t>Naturally need correction terms </a:t>
+            </a:r>
           </a:p>
           <a:p>
             <a:pPr marL="821819" lvl="1" indent="-342900">
@@ -21470,13 +21443,7 @@
               <a:rPr lang="en-US" altLang="ko-KR" dirty="0" smtClean="0">
                 <a:sym typeface="Wingdings" panose="05000000000000000000" pitchFamily="2" charset="2"/>
               </a:rPr>
-              <a:t> + </a:t>
-            </a:r>
-            <a:r>
-              <a:rPr lang="en-US" altLang="ko-KR" dirty="0" smtClean="0">
-                <a:sym typeface="Wingdings" panose="05000000000000000000" pitchFamily="2" charset="2"/>
-              </a:rPr>
-              <a:t>(</a:t>
+              <a:t> + (</a:t>
             </a:r>
             <a:r>
               <a:rPr lang="en-US" altLang="ko-KR" dirty="0" err="1" smtClean="0">
@@ -21488,19 +21455,7 @@
               <a:rPr lang="en-US" altLang="ko-KR" dirty="0" smtClean="0">
                 <a:sym typeface="Wingdings" panose="05000000000000000000" pitchFamily="2" charset="2"/>
               </a:rPr>
-              <a:t> H U</a:t>
-            </a:r>
-            <a:r>
-              <a:rPr lang="en-US" altLang="ko-KR" dirty="0" smtClean="0">
-                <a:sym typeface="Wingdings" panose="05000000000000000000" pitchFamily="2" charset="2"/>
-              </a:rPr>
-              <a:t> </a:t>
-            </a:r>
-            <a:r>
-              <a:rPr lang="en-US" altLang="ko-KR" dirty="0" smtClean="0">
-                <a:sym typeface="Wingdings" panose="05000000000000000000" pitchFamily="2" charset="2"/>
-              </a:rPr>
-              <a:t>- </a:t>
+              <a:t> H U - </a:t>
             </a:r>
             <a:r>
               <a:rPr lang="en-US" altLang="ko-KR" dirty="0" err="1" smtClean="0">
@@ -21530,13 +21485,7 @@
               <a:rPr lang="en-US" altLang="ko-KR" dirty="0" smtClean="0">
                 <a:sym typeface="Wingdings" panose="05000000000000000000" pitchFamily="2" charset="2"/>
               </a:rPr>
-              <a:t> has better property for non-perturbative </a:t>
-            </a:r>
-            <a:r>
-              <a:rPr lang="en-US" altLang="ko-KR" dirty="0" smtClean="0">
-                <a:sym typeface="Wingdings" panose="05000000000000000000" pitchFamily="2" charset="2"/>
-              </a:rPr>
-              <a:t>calculation</a:t>
+              <a:t> has better property for non-perturbative calculation</a:t>
             </a:r>
           </a:p>
           <a:p>
@@ -21550,9 +21499,6 @@
               </a:rPr>
               <a:t>Perturbative expansion for the corrections</a:t>
             </a:r>
-            <a:endParaRPr lang="en-US" altLang="ko-KR" dirty="0" smtClean="0">
-              <a:sym typeface="Wingdings" panose="05000000000000000000" pitchFamily="2" charset="2"/>
-            </a:endParaRPr>
           </a:p>
           <a:p>
             <a:pPr marL="821819" lvl="1" indent="-342900">
@@ -21577,9 +21523,6 @@
               </a:rPr>
               <a:t>Induces many body interactions</a:t>
             </a:r>
-            <a:endParaRPr lang="en-US" altLang="ko-KR" dirty="0" smtClean="0">
-              <a:sym typeface="Wingdings" panose="05000000000000000000" pitchFamily="2" charset="2"/>
-            </a:endParaRPr>
           </a:p>
         </p:txBody>
       </p:sp>
@@ -22865,11 +22808,7 @@
           <a:p>
             <a:r>
               <a:rPr lang="en-US" altLang="ko-KR" dirty="0" smtClean="0"/>
-              <a:t>Gamow Shell model </a:t>
-            </a:r>
-            <a:r>
-              <a:rPr lang="en-US" altLang="ko-KR" dirty="0" smtClean="0"/>
-              <a:t>calculation</a:t>
+              <a:t>Gamow Shell model calculation</a:t>
             </a:r>
           </a:p>
           <a:p>
@@ -22929,11 +22868,7 @@
             </a:pPr>
             <a:r>
               <a:rPr lang="en-US" altLang="ko-KR" dirty="0" smtClean="0"/>
-              <a:t>3N interaction contribution is important but somewhat smaller than </a:t>
-            </a:r>
-            <a:r>
-              <a:rPr lang="en-US" altLang="ko-KR" dirty="0" smtClean="0"/>
-              <a:t>C.C.</a:t>
+              <a:t>3N interaction contribution is important but somewhat smaller than C.C.</a:t>
             </a:r>
           </a:p>
           <a:p>
@@ -23093,13 +23028,8 @@
             </a:pPr>
             <a:r>
               <a:rPr lang="en-US" altLang="ko-KR" dirty="0" smtClean="0"/>
-              <a:t>Binding energy </a:t>
-            </a:r>
-            <a:r>
-              <a:rPr lang="en-US" altLang="ko-KR" dirty="0" smtClean="0"/>
-              <a:t>(from 3H to 40Ca)</a:t>
-            </a:r>
-            <a:endParaRPr lang="en-US" altLang="ko-KR" dirty="0" smtClean="0"/>
+              <a:t>Binding energy (from 3H to 40Ca)</a:t>
+            </a:r>
           </a:p>
           <a:p>
             <a:pPr marL="821819" lvl="1" indent="-342900">
@@ -23108,11 +23038,7 @@
             </a:pPr>
             <a:r>
               <a:rPr lang="en-US" altLang="ko-KR" dirty="0" smtClean="0"/>
-              <a:t>Symmetric </a:t>
-            </a:r>
-            <a:r>
-              <a:rPr lang="en-US" altLang="ko-KR" dirty="0" smtClean="0"/>
-              <a:t>Nuclear matter</a:t>
+              <a:t>Symmetric Nuclear matter</a:t>
             </a:r>
           </a:p>
           <a:p>
@@ -23132,11 +23058,7 @@
             </a:pPr>
             <a:r>
               <a:rPr lang="en-US" altLang="ko-KR" dirty="0" smtClean="0"/>
-              <a:t>Dripline of Oxygen isotope</a:t>
-            </a:r>
-            <a:r>
-              <a:rPr lang="en-US" altLang="ko-KR" dirty="0" smtClean="0"/>
-              <a:t>.</a:t>
+              <a:t>Dripline of Oxygen isotope.</a:t>
             </a:r>
           </a:p>
           <a:p>
@@ -23148,7 +23070,6 @@
               <a:rPr lang="en-US" altLang="ko-KR" dirty="0" smtClean="0"/>
               <a:t>Carbon excited states</a:t>
             </a:r>
-            <a:endParaRPr lang="en-US" altLang="ko-KR" dirty="0" smtClean="0"/>
           </a:p>
           <a:p>
             <a:pPr marL="342900" indent="-342900">
@@ -23159,7 +23080,6 @@
               <a:rPr lang="en-US" altLang="ko-KR" dirty="0" smtClean="0"/>
               <a:t>Further investigation on the finite volume effects is on-going. </a:t>
             </a:r>
-            <a:endParaRPr lang="en-US" altLang="ko-KR" dirty="0" smtClean="0"/>
           </a:p>
           <a:p>
             <a:pPr marL="342900" indent="-342900">
@@ -23363,11 +23283,7 @@
           <a:p>
             <a:r>
               <a:rPr lang="en-US" altLang="ko-KR" dirty="0" smtClean="0"/>
-              <a:t>ab </a:t>
-            </a:r>
-            <a:r>
-              <a:rPr lang="en-US" altLang="ko-KR" dirty="0" smtClean="0"/>
-              <a:t>initio method for many fermion system</a:t>
+              <a:t>ab initio method for many fermion system</a:t>
             </a:r>
             <a:endParaRPr lang="ko-KR" altLang="en-US" dirty="0"/>
           </a:p>
@@ -23730,18 +23646,19 @@
           <a:p>
             <a:r>
               <a:rPr lang="en-US" altLang="ko-KR" sz="3200" dirty="0"/>
-              <a:t>NLEFT is not a molecular dynamics</a:t>
-            </a:r>
-          </a:p>
-          <a:p>
-            <a:pPr marL="0" indent="0">
-              <a:buNone/>
-            </a:pPr>
+              <a:t>NLEFT is </a:t>
+            </a:r>
+            <a:r>
+              <a:rPr lang="en-US" altLang="ko-KR" sz="3200" dirty="0" smtClean="0">
+                <a:sym typeface="Wingdings" panose="05000000000000000000" pitchFamily="2" charset="2"/>
+              </a:rPr>
+              <a:t>fully </a:t>
+            </a:r>
             <a:r>
               <a:rPr lang="en-US" altLang="ko-KR" sz="3200" dirty="0">
                 <a:sym typeface="Wingdings" panose="05000000000000000000" pitchFamily="2" charset="2"/>
               </a:rPr>
-              <a:t>   fully quantum mechanical.</a:t>
+              <a:t>quantum mechanical.</a:t>
             </a:r>
             <a:endParaRPr lang="en-US" altLang="ko-KR" sz="3200" dirty="0"/>
           </a:p>

--- a/20220411_KPS_송영호.pptx
+++ b/20220411_KPS_송영호.pptx
@@ -3,40 +3,39 @@
 <p:presentation xmlns:a="http://schemas.openxmlformats.org/drawingml/2006/main" xmlns:r="http://schemas.openxmlformats.org/officeDocument/2006/relationships" xmlns:p="http://schemas.openxmlformats.org/presentationml/2006/main" firstSlideNum="0" saveSubsetFonts="1">
   <p:sldMasterIdLst>
     <p:sldMasterId id="2147483696" r:id="rId1"/>
-    <p:sldMasterId id="2147483712" r:id="rId2"/>
-    <p:sldMasterId id="2147483724" r:id="rId3"/>
-    <p:sldMasterId id="2147483748" r:id="rId4"/>
-    <p:sldMasterId id="2147483760" r:id="rId5"/>
-    <p:sldMasterId id="2147483772" r:id="rId6"/>
+    <p:sldMasterId id="2147483724" r:id="rId2"/>
+    <p:sldMasterId id="2147483748" r:id="rId3"/>
+    <p:sldMasterId id="2147483760" r:id="rId4"/>
+    <p:sldMasterId id="2147483772" r:id="rId5"/>
   </p:sldMasterIdLst>
   <p:notesMasterIdLst>
-    <p:notesMasterId r:id="rId28"/>
+    <p:notesMasterId r:id="rId27"/>
   </p:notesMasterIdLst>
   <p:handoutMasterIdLst>
-    <p:handoutMasterId r:id="rId29"/>
+    <p:handoutMasterId r:id="rId28"/>
   </p:handoutMasterIdLst>
   <p:sldIdLst>
-    <p:sldId id="269" r:id="rId7"/>
-    <p:sldId id="523" r:id="rId8"/>
-    <p:sldId id="542" r:id="rId9"/>
-    <p:sldId id="525" r:id="rId10"/>
-    <p:sldId id="526" r:id="rId11"/>
-    <p:sldId id="522" r:id="rId12"/>
-    <p:sldId id="527" r:id="rId13"/>
-    <p:sldId id="529" r:id="rId14"/>
-    <p:sldId id="545" r:id="rId15"/>
-    <p:sldId id="546" r:id="rId16"/>
-    <p:sldId id="528" r:id="rId17"/>
-    <p:sldId id="531" r:id="rId18"/>
-    <p:sldId id="534" r:id="rId19"/>
-    <p:sldId id="535" r:id="rId20"/>
-    <p:sldId id="536" r:id="rId21"/>
-    <p:sldId id="537" r:id="rId22"/>
-    <p:sldId id="538" r:id="rId23"/>
-    <p:sldId id="543" r:id="rId24"/>
-    <p:sldId id="540" r:id="rId25"/>
-    <p:sldId id="541" r:id="rId26"/>
-    <p:sldId id="544" r:id="rId27"/>
+    <p:sldId id="269" r:id="rId6"/>
+    <p:sldId id="523" r:id="rId7"/>
+    <p:sldId id="542" r:id="rId8"/>
+    <p:sldId id="525" r:id="rId9"/>
+    <p:sldId id="526" r:id="rId10"/>
+    <p:sldId id="527" r:id="rId11"/>
+    <p:sldId id="529" r:id="rId12"/>
+    <p:sldId id="546" r:id="rId13"/>
+    <p:sldId id="528" r:id="rId14"/>
+    <p:sldId id="531" r:id="rId15"/>
+    <p:sldId id="534" r:id="rId16"/>
+    <p:sldId id="535" r:id="rId17"/>
+    <p:sldId id="536" r:id="rId18"/>
+    <p:sldId id="537" r:id="rId19"/>
+    <p:sldId id="538" r:id="rId20"/>
+    <p:sldId id="543" r:id="rId21"/>
+    <p:sldId id="540" r:id="rId22"/>
+    <p:sldId id="541" r:id="rId23"/>
+    <p:sldId id="544" r:id="rId24"/>
+    <p:sldId id="548" r:id="rId25"/>
+    <p:sldId id="547" r:id="rId26"/>
   </p:sldIdLst>
   <p:sldSz cx="9906000" cy="6858000" type="A4"/>
   <p:notesSz cx="6735763" cy="9866313"/>
@@ -145,10 +144,8 @@
             <p14:sldId id="542"/>
             <p14:sldId id="525"/>
             <p14:sldId id="526"/>
-            <p14:sldId id="522"/>
             <p14:sldId id="527"/>
             <p14:sldId id="529"/>
-            <p14:sldId id="545"/>
             <p14:sldId id="546"/>
             <p14:sldId id="528"/>
             <p14:sldId id="531"/>
@@ -161,6 +158,8 @@
             <p14:sldId id="540"/>
             <p14:sldId id="541"/>
             <p14:sldId id="544"/>
+            <p14:sldId id="548"/>
+            <p14:sldId id="547"/>
           </p14:sldIdLst>
         </p14:section>
       </p14:sectionLst>
@@ -1397,7 +1396,7 @@
     </p:spTree>
     <p:extLst>
       <p:ext uri="{BB962C8B-B14F-4D97-AF65-F5344CB8AC3E}">
-        <p14:creationId xmlns:p14="http://schemas.microsoft.com/office/powerpoint/2010/main" val="118720687"/>
+        <p14:creationId xmlns:p14="http://schemas.microsoft.com/office/powerpoint/2010/main" val="1926897348"/>
       </p:ext>
     </p:extLst>
   </p:cSld>
@@ -1572,7 +1571,7 @@
     </p:spTree>
     <p:extLst>
       <p:ext uri="{BB962C8B-B14F-4D97-AF65-F5344CB8AC3E}">
-        <p14:creationId xmlns:p14="http://schemas.microsoft.com/office/powerpoint/2010/main" val="3621999391"/>
+        <p14:creationId xmlns:p14="http://schemas.microsoft.com/office/powerpoint/2010/main" val="1081917027"/>
       </p:ext>
     </p:extLst>
   </p:cSld>
@@ -1583,2904 +1582,6 @@
 </file>
 
 <file path=ppt/slideLayouts/slideLayout15.xml><?xml version="1.0" encoding="utf-8"?>
-<p:sldLayout xmlns:a="http://schemas.openxmlformats.org/drawingml/2006/main" xmlns:r="http://schemas.openxmlformats.org/officeDocument/2006/relationships" xmlns:p="http://schemas.openxmlformats.org/presentationml/2006/main" type="secHead" preserve="1">
-  <p:cSld name="Section Header">
-    <p:bg>
-      <p:bgRef idx="1001">
-        <a:schemeClr val="bg2"/>
-      </p:bgRef>
-    </p:bg>
-    <p:spTree>
-      <p:nvGrpSpPr>
-        <p:cNvPr id="1" name=""/>
-        <p:cNvGrpSpPr/>
-        <p:nvPr/>
-      </p:nvGrpSpPr>
-      <p:grpSpPr>
-        <a:xfrm>
-          <a:off x="0" y="0"/>
-          <a:ext cx="0" cy="0"/>
-          <a:chOff x="0" y="0"/>
-          <a:chExt cx="0" cy="0"/>
-        </a:xfrm>
-      </p:grpSpPr>
-      <p:sp>
-        <p:nvSpPr>
-          <p:cNvPr id="2" name="Title 1"/>
-          <p:cNvSpPr>
-            <a:spLocks noGrp="1"/>
-          </p:cNvSpPr>
-          <p:nvPr>
-            <p:ph type="title"/>
-          </p:nvPr>
-        </p:nvSpPr>
-        <p:spPr>
-          <a:xfrm>
-            <a:off x="782506" y="2362201"/>
-            <a:ext cx="8420100" cy="2200275"/>
-          </a:xfrm>
-        </p:spPr>
-        <p:txBody>
-          <a:bodyPr anchor="b">
-            <a:normAutofit/>
-          </a:bodyPr>
-          <a:lstStyle>
-            <a:lvl1pPr algn="l">
-              <a:defRPr sz="4800" b="0" cap="all"/>
-            </a:lvl1pPr>
-          </a:lstStyle>
-          <a:p>
-            <a:r>
-              <a:rPr lang="en-US" smtClean="0"/>
-              <a:t>Click to edit Master title style</a:t>
-            </a:r>
-            <a:endParaRPr lang="en-US" dirty="0"/>
-          </a:p>
-        </p:txBody>
-      </p:sp>
-      <p:sp>
-        <p:nvSpPr>
-          <p:cNvPr id="3" name="Text Placeholder 2"/>
-          <p:cNvSpPr>
-            <a:spLocks noGrp="1"/>
-          </p:cNvSpPr>
-          <p:nvPr>
-            <p:ph type="body" idx="1"/>
-          </p:nvPr>
-        </p:nvSpPr>
-        <p:spPr>
-          <a:xfrm>
-            <a:off x="782506" y="4626865"/>
-            <a:ext cx="8420100" cy="1500187"/>
-          </a:xfrm>
-        </p:spPr>
-        <p:txBody>
-          <a:bodyPr anchor="t">
-            <a:normAutofit/>
-          </a:bodyPr>
-          <a:lstStyle>
-            <a:lvl1pPr marL="0" indent="0">
-              <a:buNone/>
-              <a:defRPr sz="2400">
-                <a:solidFill>
-                  <a:schemeClr val="tx2"/>
-                </a:solidFill>
-              </a:defRPr>
-            </a:lvl1pPr>
-            <a:lvl2pPr marL="457200" indent="0">
-              <a:buNone/>
-              <a:defRPr sz="1800">
-                <a:solidFill>
-                  <a:schemeClr val="tx1">
-                    <a:tint val="75000"/>
-                  </a:schemeClr>
-                </a:solidFill>
-              </a:defRPr>
-            </a:lvl2pPr>
-            <a:lvl3pPr marL="914400" indent="0">
-              <a:buNone/>
-              <a:defRPr sz="1600">
-                <a:solidFill>
-                  <a:schemeClr val="tx1">
-                    <a:tint val="75000"/>
-                  </a:schemeClr>
-                </a:solidFill>
-              </a:defRPr>
-            </a:lvl3pPr>
-            <a:lvl4pPr marL="1371600" indent="0">
-              <a:buNone/>
-              <a:defRPr sz="1400">
-                <a:solidFill>
-                  <a:schemeClr val="tx1">
-                    <a:tint val="75000"/>
-                  </a:schemeClr>
-                </a:solidFill>
-              </a:defRPr>
-            </a:lvl4pPr>
-            <a:lvl5pPr marL="1828800" indent="0">
-              <a:buNone/>
-              <a:defRPr sz="1400">
-                <a:solidFill>
-                  <a:schemeClr val="tx1">
-                    <a:tint val="75000"/>
-                  </a:schemeClr>
-                </a:solidFill>
-              </a:defRPr>
-            </a:lvl5pPr>
-            <a:lvl6pPr marL="2286000" indent="0">
-              <a:buNone/>
-              <a:defRPr sz="1400">
-                <a:solidFill>
-                  <a:schemeClr val="tx1">
-                    <a:tint val="75000"/>
-                  </a:schemeClr>
-                </a:solidFill>
-              </a:defRPr>
-            </a:lvl6pPr>
-            <a:lvl7pPr marL="2743200" indent="0">
-              <a:buNone/>
-              <a:defRPr sz="1400">
-                <a:solidFill>
-                  <a:schemeClr val="tx1">
-                    <a:tint val="75000"/>
-                  </a:schemeClr>
-                </a:solidFill>
-              </a:defRPr>
-            </a:lvl7pPr>
-            <a:lvl8pPr marL="3200400" indent="0">
-              <a:buNone/>
-              <a:defRPr sz="1400">
-                <a:solidFill>
-                  <a:schemeClr val="tx1">
-                    <a:tint val="75000"/>
-                  </a:schemeClr>
-                </a:solidFill>
-              </a:defRPr>
-            </a:lvl8pPr>
-            <a:lvl9pPr marL="3657600" indent="0">
-              <a:buNone/>
-              <a:defRPr sz="1400">
-                <a:solidFill>
-                  <a:schemeClr val="tx1">
-                    <a:tint val="75000"/>
-                  </a:schemeClr>
-                </a:solidFill>
-              </a:defRPr>
-            </a:lvl9pPr>
-          </a:lstStyle>
-          <a:p>
-            <a:pPr lvl="0"/>
-            <a:r>
-              <a:rPr lang="en-US" smtClean="0"/>
-              <a:t>Click to edit Master text styles</a:t>
-            </a:r>
-          </a:p>
-        </p:txBody>
-      </p:sp>
-      <p:sp>
-        <p:nvSpPr>
-          <p:cNvPr id="4" name="Date Placeholder 3"/>
-          <p:cNvSpPr>
-            <a:spLocks noGrp="1"/>
-          </p:cNvSpPr>
-          <p:nvPr>
-            <p:ph type="dt" sz="half" idx="10"/>
-          </p:nvPr>
-        </p:nvSpPr>
-        <p:spPr/>
-        <p:txBody>
-          <a:bodyPr/>
-          <a:lstStyle/>
-          <a:p>
-            <a:pPr defTabSz="914400" latinLnBrk="0"/>
-            <a:fld id="{1D8BD707-D9CF-40AE-B4C6-C98DA3205C09}" type="datetimeFigureOut">
-              <a:rPr lang="en-US" smtClean="0"/>
-              <a:pPr defTabSz="914400" latinLnBrk="0"/>
-              <a:t>4/21/2022</a:t>
-            </a:fld>
-            <a:endParaRPr lang="en-US"/>
-          </a:p>
-        </p:txBody>
-      </p:sp>
-      <p:sp>
-        <p:nvSpPr>
-          <p:cNvPr id="5" name="Footer Placeholder 4"/>
-          <p:cNvSpPr>
-            <a:spLocks noGrp="1"/>
-          </p:cNvSpPr>
-          <p:nvPr>
-            <p:ph type="ftr" sz="quarter" idx="11"/>
-          </p:nvPr>
-        </p:nvSpPr>
-        <p:spPr/>
-        <p:txBody>
-          <a:bodyPr/>
-          <a:lstStyle/>
-          <a:p>
-            <a:pPr defTabSz="914400" latinLnBrk="0"/>
-            <a:endParaRPr lang="en-US"/>
-          </a:p>
-        </p:txBody>
-      </p:sp>
-      <p:sp>
-        <p:nvSpPr>
-          <p:cNvPr id="6" name="Slide Number Placeholder 5"/>
-          <p:cNvSpPr>
-            <a:spLocks noGrp="1"/>
-          </p:cNvSpPr>
-          <p:nvPr>
-            <p:ph type="sldNum" sz="quarter" idx="12"/>
-          </p:nvPr>
-        </p:nvSpPr>
-        <p:spPr/>
-        <p:txBody>
-          <a:bodyPr/>
-          <a:lstStyle/>
-          <a:p>
-            <a:pPr defTabSz="914400" latinLnBrk="0"/>
-            <a:fld id="{B6F15528-21DE-4FAA-801E-634DDDAF4B2B}" type="slidenum">
-              <a:rPr lang="en-US" smtClean="0"/>
-              <a:pPr defTabSz="914400" latinLnBrk="0"/>
-              <a:t>‹#›</a:t>
-            </a:fld>
-            <a:endParaRPr lang="en-US"/>
-          </a:p>
-        </p:txBody>
-      </p:sp>
-      <p:cxnSp>
-        <p:nvCxnSpPr>
-          <p:cNvPr id="7" name="Straight Connector 6"/>
-          <p:cNvCxnSpPr/>
-          <p:nvPr/>
-        </p:nvCxnSpPr>
-        <p:spPr>
-          <a:xfrm>
-            <a:off x="792480" y="4599432"/>
-            <a:ext cx="8502650" cy="1588"/>
-          </a:xfrm>
-          <a:prstGeom prst="line">
-            <a:avLst/>
-          </a:prstGeom>
-          <a:ln w="19050">
-            <a:solidFill>
-              <a:schemeClr val="tx2"/>
-            </a:solidFill>
-          </a:ln>
-        </p:spPr>
-        <p:style>
-          <a:lnRef idx="1">
-            <a:schemeClr val="accent1"/>
-          </a:lnRef>
-          <a:fillRef idx="0">
-            <a:schemeClr val="accent1"/>
-          </a:fillRef>
-          <a:effectRef idx="0">
-            <a:schemeClr val="accent1"/>
-          </a:effectRef>
-          <a:fontRef idx="minor">
-            <a:schemeClr val="tx1"/>
-          </a:fontRef>
-        </p:style>
-      </p:cxnSp>
-    </p:spTree>
-    <p:extLst>
-      <p:ext uri="{BB962C8B-B14F-4D97-AF65-F5344CB8AC3E}">
-        <p14:creationId xmlns:p14="http://schemas.microsoft.com/office/powerpoint/2010/main" val="3738500388"/>
-      </p:ext>
-    </p:extLst>
-  </p:cSld>
-  <p:clrMapOvr>
-    <a:overrideClrMapping bg1="dk1" tx1="lt1" bg2="dk2" tx2="lt2" accent1="accent1" accent2="accent2" accent3="accent3" accent4="accent4" accent5="accent5" accent6="accent6" hlink="hlink" folHlink="folHlink"/>
-  </p:clrMapOvr>
-</p:sldLayout>
-</file>
-
-<file path=ppt/slideLayouts/slideLayout16.xml><?xml version="1.0" encoding="utf-8"?>
-<p:sldLayout xmlns:a="http://schemas.openxmlformats.org/drawingml/2006/main" xmlns:r="http://schemas.openxmlformats.org/officeDocument/2006/relationships" xmlns:p="http://schemas.openxmlformats.org/presentationml/2006/main" type="twoObj" preserve="1">
-  <p:cSld name="Two Content">
-    <p:spTree>
-      <p:nvGrpSpPr>
-        <p:cNvPr id="1" name=""/>
-        <p:cNvGrpSpPr/>
-        <p:nvPr/>
-      </p:nvGrpSpPr>
-      <p:grpSpPr>
-        <a:xfrm>
-          <a:off x="0" y="0"/>
-          <a:ext cx="0" cy="0"/>
-          <a:chOff x="0" y="0"/>
-          <a:chExt cx="0" cy="0"/>
-        </a:xfrm>
-      </p:grpSpPr>
-      <p:sp>
-        <p:nvSpPr>
-          <p:cNvPr id="2" name="Title 1"/>
-          <p:cNvSpPr>
-            <a:spLocks noGrp="1"/>
-          </p:cNvSpPr>
-          <p:nvPr>
-            <p:ph type="title"/>
-          </p:nvPr>
-        </p:nvSpPr>
-        <p:spPr/>
-        <p:txBody>
-          <a:bodyPr/>
-          <a:lstStyle/>
-          <a:p>
-            <a:r>
-              <a:rPr lang="en-US" smtClean="0"/>
-              <a:t>Click to edit Master title style</a:t>
-            </a:r>
-            <a:endParaRPr lang="en-US"/>
-          </a:p>
-        </p:txBody>
-      </p:sp>
-      <p:sp>
-        <p:nvSpPr>
-          <p:cNvPr id="3" name="Content Placeholder 2"/>
-          <p:cNvSpPr>
-            <a:spLocks noGrp="1"/>
-          </p:cNvSpPr>
-          <p:nvPr>
-            <p:ph sz="half" idx="1"/>
-          </p:nvPr>
-        </p:nvSpPr>
-        <p:spPr>
-          <a:xfrm>
-            <a:off x="495300" y="1673352"/>
-            <a:ext cx="4375150" cy="4718304"/>
-          </a:xfrm>
-        </p:spPr>
-        <p:txBody>
-          <a:bodyPr/>
-          <a:lstStyle>
-            <a:lvl1pPr>
-              <a:defRPr sz="2800"/>
-            </a:lvl1pPr>
-            <a:lvl2pPr>
-              <a:defRPr sz="2400"/>
-            </a:lvl2pPr>
-            <a:lvl3pPr>
-              <a:defRPr sz="2000"/>
-            </a:lvl3pPr>
-            <a:lvl4pPr>
-              <a:defRPr sz="1800"/>
-            </a:lvl4pPr>
-            <a:lvl5pPr>
-              <a:defRPr sz="1800"/>
-            </a:lvl5pPr>
-            <a:lvl6pPr>
-              <a:defRPr sz="1800"/>
-            </a:lvl6pPr>
-            <a:lvl7pPr>
-              <a:defRPr sz="1800"/>
-            </a:lvl7pPr>
-            <a:lvl8pPr>
-              <a:defRPr sz="1800"/>
-            </a:lvl8pPr>
-            <a:lvl9pPr>
-              <a:defRPr sz="1800"/>
-            </a:lvl9pPr>
-          </a:lstStyle>
-          <a:p>
-            <a:pPr lvl="0"/>
-            <a:r>
-              <a:rPr lang="en-US" smtClean="0"/>
-              <a:t>Click to edit Master text styles</a:t>
-            </a:r>
-          </a:p>
-          <a:p>
-            <a:pPr lvl="1"/>
-            <a:r>
-              <a:rPr lang="en-US" smtClean="0"/>
-              <a:t>Second level</a:t>
-            </a:r>
-          </a:p>
-          <a:p>
-            <a:pPr lvl="2"/>
-            <a:r>
-              <a:rPr lang="en-US" smtClean="0"/>
-              <a:t>Third level</a:t>
-            </a:r>
-          </a:p>
-          <a:p>
-            <a:pPr lvl="3"/>
-            <a:r>
-              <a:rPr lang="en-US" smtClean="0"/>
-              <a:t>Fourth level</a:t>
-            </a:r>
-          </a:p>
-          <a:p>
-            <a:pPr lvl="4"/>
-            <a:r>
-              <a:rPr lang="en-US" smtClean="0"/>
-              <a:t>Fifth level</a:t>
-            </a:r>
-            <a:endParaRPr lang="en-US" dirty="0"/>
-          </a:p>
-        </p:txBody>
-      </p:sp>
-      <p:sp>
-        <p:nvSpPr>
-          <p:cNvPr id="4" name="Content Placeholder 3"/>
-          <p:cNvSpPr>
-            <a:spLocks noGrp="1"/>
-          </p:cNvSpPr>
-          <p:nvPr>
-            <p:ph sz="half" idx="2"/>
-          </p:nvPr>
-        </p:nvSpPr>
-        <p:spPr>
-          <a:xfrm>
-            <a:off x="5035550" y="1673352"/>
-            <a:ext cx="4375150" cy="4718304"/>
-          </a:xfrm>
-        </p:spPr>
-        <p:txBody>
-          <a:bodyPr/>
-          <a:lstStyle>
-            <a:lvl1pPr>
-              <a:defRPr sz="2800"/>
-            </a:lvl1pPr>
-            <a:lvl2pPr>
-              <a:defRPr sz="2400"/>
-            </a:lvl2pPr>
-            <a:lvl3pPr>
-              <a:defRPr sz="2000"/>
-            </a:lvl3pPr>
-            <a:lvl4pPr>
-              <a:defRPr sz="1800"/>
-            </a:lvl4pPr>
-            <a:lvl5pPr>
-              <a:defRPr sz="1800"/>
-            </a:lvl5pPr>
-            <a:lvl6pPr>
-              <a:defRPr sz="1800"/>
-            </a:lvl6pPr>
-            <a:lvl7pPr>
-              <a:defRPr sz="1800"/>
-            </a:lvl7pPr>
-            <a:lvl8pPr>
-              <a:defRPr sz="1800"/>
-            </a:lvl8pPr>
-            <a:lvl9pPr>
-              <a:defRPr sz="1800"/>
-            </a:lvl9pPr>
-          </a:lstStyle>
-          <a:p>
-            <a:pPr lvl="0"/>
-            <a:r>
-              <a:rPr lang="en-US" smtClean="0"/>
-              <a:t>Click to edit Master text styles</a:t>
-            </a:r>
-          </a:p>
-          <a:p>
-            <a:pPr lvl="1"/>
-            <a:r>
-              <a:rPr lang="en-US" smtClean="0"/>
-              <a:t>Second level</a:t>
-            </a:r>
-          </a:p>
-          <a:p>
-            <a:pPr lvl="2"/>
-            <a:r>
-              <a:rPr lang="en-US" smtClean="0"/>
-              <a:t>Third level</a:t>
-            </a:r>
-          </a:p>
-          <a:p>
-            <a:pPr lvl="3"/>
-            <a:r>
-              <a:rPr lang="en-US" smtClean="0"/>
-              <a:t>Fourth level</a:t>
-            </a:r>
-          </a:p>
-          <a:p>
-            <a:pPr lvl="4"/>
-            <a:r>
-              <a:rPr lang="en-US" smtClean="0"/>
-              <a:t>Fifth level</a:t>
-            </a:r>
-            <a:endParaRPr lang="en-US" dirty="0"/>
-          </a:p>
-        </p:txBody>
-      </p:sp>
-      <p:sp>
-        <p:nvSpPr>
-          <p:cNvPr id="5" name="Date Placeholder 4"/>
-          <p:cNvSpPr>
-            <a:spLocks noGrp="1"/>
-          </p:cNvSpPr>
-          <p:nvPr>
-            <p:ph type="dt" sz="half" idx="10"/>
-          </p:nvPr>
-        </p:nvSpPr>
-        <p:spPr/>
-        <p:txBody>
-          <a:bodyPr/>
-          <a:lstStyle/>
-          <a:p>
-            <a:pPr defTabSz="914400" latinLnBrk="0"/>
-            <a:fld id="{1D8BD707-D9CF-40AE-B4C6-C98DA3205C09}" type="datetimeFigureOut">
-              <a:rPr lang="en-US" smtClean="0"/>
-              <a:pPr defTabSz="914400" latinLnBrk="0"/>
-              <a:t>4/21/2022</a:t>
-            </a:fld>
-            <a:endParaRPr lang="en-US"/>
-          </a:p>
-        </p:txBody>
-      </p:sp>
-      <p:sp>
-        <p:nvSpPr>
-          <p:cNvPr id="6" name="Footer Placeholder 5"/>
-          <p:cNvSpPr>
-            <a:spLocks noGrp="1"/>
-          </p:cNvSpPr>
-          <p:nvPr>
-            <p:ph type="ftr" sz="quarter" idx="11"/>
-          </p:nvPr>
-        </p:nvSpPr>
-        <p:spPr/>
-        <p:txBody>
-          <a:bodyPr/>
-          <a:lstStyle/>
-          <a:p>
-            <a:pPr defTabSz="914400" latinLnBrk="0"/>
-            <a:endParaRPr lang="en-US"/>
-          </a:p>
-        </p:txBody>
-      </p:sp>
-      <p:sp>
-        <p:nvSpPr>
-          <p:cNvPr id="7" name="Slide Number Placeholder 6"/>
-          <p:cNvSpPr>
-            <a:spLocks noGrp="1"/>
-          </p:cNvSpPr>
-          <p:nvPr>
-            <p:ph type="sldNum" sz="quarter" idx="12"/>
-          </p:nvPr>
-        </p:nvSpPr>
-        <p:spPr/>
-        <p:txBody>
-          <a:bodyPr/>
-          <a:lstStyle/>
-          <a:p>
-            <a:pPr defTabSz="914400" latinLnBrk="0"/>
-            <a:fld id="{B6F15528-21DE-4FAA-801E-634DDDAF4B2B}" type="slidenum">
-              <a:rPr lang="en-US" smtClean="0"/>
-              <a:pPr defTabSz="914400" latinLnBrk="0"/>
-              <a:t>‹#›</a:t>
-            </a:fld>
-            <a:endParaRPr lang="en-US"/>
-          </a:p>
-        </p:txBody>
-      </p:sp>
-    </p:spTree>
-    <p:extLst>
-      <p:ext uri="{BB962C8B-B14F-4D97-AF65-F5344CB8AC3E}">
-        <p14:creationId xmlns:p14="http://schemas.microsoft.com/office/powerpoint/2010/main" val="3274959169"/>
-      </p:ext>
-    </p:extLst>
-  </p:cSld>
-  <p:clrMapOvr>
-    <a:masterClrMapping/>
-  </p:clrMapOvr>
-</p:sldLayout>
-</file>
-
-<file path=ppt/slideLayouts/slideLayout17.xml><?xml version="1.0" encoding="utf-8"?>
-<p:sldLayout xmlns:a="http://schemas.openxmlformats.org/drawingml/2006/main" xmlns:r="http://schemas.openxmlformats.org/officeDocument/2006/relationships" xmlns:p="http://schemas.openxmlformats.org/presentationml/2006/main" type="twoTxTwoObj" preserve="1">
-  <p:cSld name="Comparison">
-    <p:spTree>
-      <p:nvGrpSpPr>
-        <p:cNvPr id="1" name=""/>
-        <p:cNvGrpSpPr/>
-        <p:nvPr/>
-      </p:nvGrpSpPr>
-      <p:grpSpPr>
-        <a:xfrm>
-          <a:off x="0" y="0"/>
-          <a:ext cx="0" cy="0"/>
-          <a:chOff x="0" y="0"/>
-          <a:chExt cx="0" cy="0"/>
-        </a:xfrm>
-      </p:grpSpPr>
-      <p:sp>
-        <p:nvSpPr>
-          <p:cNvPr id="2" name="Title 1"/>
-          <p:cNvSpPr>
-            <a:spLocks noGrp="1"/>
-          </p:cNvSpPr>
-          <p:nvPr>
-            <p:ph type="title"/>
-          </p:nvPr>
-        </p:nvSpPr>
-        <p:spPr/>
-        <p:txBody>
-          <a:bodyPr/>
-          <a:lstStyle>
-            <a:lvl1pPr>
-              <a:defRPr/>
-            </a:lvl1pPr>
-          </a:lstStyle>
-          <a:p>
-            <a:r>
-              <a:rPr lang="en-US" smtClean="0"/>
-              <a:t>Click to edit Master title style</a:t>
-            </a:r>
-            <a:endParaRPr lang="en-US" dirty="0"/>
-          </a:p>
-        </p:txBody>
-      </p:sp>
-      <p:sp>
-        <p:nvSpPr>
-          <p:cNvPr id="3" name="Text Placeholder 2"/>
-          <p:cNvSpPr>
-            <a:spLocks noGrp="1"/>
-          </p:cNvSpPr>
-          <p:nvPr>
-            <p:ph type="body" idx="1"/>
-          </p:nvPr>
-        </p:nvSpPr>
-        <p:spPr>
-          <a:xfrm>
-            <a:off x="495300" y="1676400"/>
-            <a:ext cx="4259580" cy="639762"/>
-          </a:xfrm>
-          <a:noFill/>
-          <a:ln>
-            <a:noFill/>
-          </a:ln>
-          <a:effectLst/>
-        </p:spPr>
-        <p:style>
-          <a:lnRef idx="3">
-            <a:schemeClr val="lt1"/>
-          </a:lnRef>
-          <a:fillRef idx="1">
-            <a:schemeClr val="accent2"/>
-          </a:fillRef>
-          <a:effectRef idx="1">
-            <a:schemeClr val="accent2"/>
-          </a:effectRef>
-          <a:fontRef idx="none"/>
-        </p:style>
-        <p:txBody>
-          <a:bodyPr anchor="ctr">
-            <a:normAutofit/>
-          </a:bodyPr>
-          <a:lstStyle>
-            <a:lvl1pPr marL="0" indent="0" algn="ctr">
-              <a:buNone/>
-              <a:defRPr sz="2000" b="0">
-                <a:solidFill>
-                  <a:schemeClr val="tx2"/>
-                </a:solidFill>
-              </a:defRPr>
-            </a:lvl1pPr>
-            <a:lvl2pPr marL="457200" indent="0">
-              <a:buNone/>
-              <a:defRPr sz="2000" b="1"/>
-            </a:lvl2pPr>
-            <a:lvl3pPr marL="914400" indent="0">
-              <a:buNone/>
-              <a:defRPr sz="1800" b="1"/>
-            </a:lvl3pPr>
-            <a:lvl4pPr marL="1371600" indent="0">
-              <a:buNone/>
-              <a:defRPr sz="1600" b="1"/>
-            </a:lvl4pPr>
-            <a:lvl5pPr marL="1828800" indent="0">
-              <a:buNone/>
-              <a:defRPr sz="1600" b="1"/>
-            </a:lvl5pPr>
-            <a:lvl6pPr marL="2286000" indent="0">
-              <a:buNone/>
-              <a:defRPr sz="1600" b="1"/>
-            </a:lvl6pPr>
-            <a:lvl7pPr marL="2743200" indent="0">
-              <a:buNone/>
-              <a:defRPr sz="1600" b="1"/>
-            </a:lvl7pPr>
-            <a:lvl8pPr marL="3200400" indent="0">
-              <a:buNone/>
-              <a:defRPr sz="1600" b="1"/>
-            </a:lvl8pPr>
-            <a:lvl9pPr marL="3657600" indent="0">
-              <a:buNone/>
-              <a:defRPr sz="1600" b="1"/>
-            </a:lvl9pPr>
-          </a:lstStyle>
-          <a:p>
-            <a:pPr lvl="0"/>
-            <a:r>
-              <a:rPr lang="en-US" smtClean="0"/>
-              <a:t>Click to edit Master text styles</a:t>
-            </a:r>
-          </a:p>
-        </p:txBody>
-      </p:sp>
-      <p:sp>
-        <p:nvSpPr>
-          <p:cNvPr id="4" name="Content Placeholder 3"/>
-          <p:cNvSpPr>
-            <a:spLocks noGrp="1"/>
-          </p:cNvSpPr>
-          <p:nvPr>
-            <p:ph sz="half" idx="2"/>
-          </p:nvPr>
-        </p:nvSpPr>
-        <p:spPr>
-          <a:xfrm>
-            <a:off x="495300" y="2438400"/>
-            <a:ext cx="4259580" cy="3951288"/>
-          </a:xfrm>
-        </p:spPr>
-        <p:txBody>
-          <a:bodyPr/>
-          <a:lstStyle>
-            <a:lvl1pPr>
-              <a:defRPr sz="2400"/>
-            </a:lvl1pPr>
-            <a:lvl2pPr>
-              <a:defRPr sz="2000"/>
-            </a:lvl2pPr>
-            <a:lvl3pPr>
-              <a:defRPr sz="1800"/>
-            </a:lvl3pPr>
-            <a:lvl4pPr>
-              <a:defRPr sz="1600"/>
-            </a:lvl4pPr>
-            <a:lvl5pPr>
-              <a:defRPr sz="1600"/>
-            </a:lvl5pPr>
-            <a:lvl6pPr>
-              <a:defRPr sz="1600"/>
-            </a:lvl6pPr>
-            <a:lvl7pPr>
-              <a:defRPr sz="1600"/>
-            </a:lvl7pPr>
-            <a:lvl8pPr>
-              <a:defRPr sz="1600"/>
-            </a:lvl8pPr>
-            <a:lvl9pPr>
-              <a:defRPr sz="1600"/>
-            </a:lvl9pPr>
-          </a:lstStyle>
-          <a:p>
-            <a:pPr lvl="0"/>
-            <a:r>
-              <a:rPr lang="en-US" smtClean="0"/>
-              <a:t>Click to edit Master text styles</a:t>
-            </a:r>
-          </a:p>
-          <a:p>
-            <a:pPr lvl="1"/>
-            <a:r>
-              <a:rPr lang="en-US" smtClean="0"/>
-              <a:t>Second level</a:t>
-            </a:r>
-          </a:p>
-          <a:p>
-            <a:pPr lvl="2"/>
-            <a:r>
-              <a:rPr lang="en-US" smtClean="0"/>
-              <a:t>Third level</a:t>
-            </a:r>
-          </a:p>
-          <a:p>
-            <a:pPr lvl="3"/>
-            <a:r>
-              <a:rPr lang="en-US" smtClean="0"/>
-              <a:t>Fourth level</a:t>
-            </a:r>
-          </a:p>
-          <a:p>
-            <a:pPr lvl="4"/>
-            <a:r>
-              <a:rPr lang="en-US" smtClean="0"/>
-              <a:t>Fifth level</a:t>
-            </a:r>
-            <a:endParaRPr lang="en-US" dirty="0"/>
-          </a:p>
-        </p:txBody>
-      </p:sp>
-      <p:sp>
-        <p:nvSpPr>
-          <p:cNvPr id="5" name="Text Placeholder 4"/>
-          <p:cNvSpPr>
-            <a:spLocks noGrp="1"/>
-          </p:cNvSpPr>
-          <p:nvPr>
-            <p:ph type="body" sz="quarter" idx="3"/>
-          </p:nvPr>
-        </p:nvSpPr>
-        <p:spPr>
-          <a:xfrm>
-            <a:off x="5151120" y="1676400"/>
-            <a:ext cx="4259580" cy="639762"/>
-          </a:xfrm>
-          <a:noFill/>
-          <a:ln>
-            <a:noFill/>
-          </a:ln>
-          <a:effectLst/>
-        </p:spPr>
-        <p:style>
-          <a:lnRef idx="3">
-            <a:schemeClr val="lt1"/>
-          </a:lnRef>
-          <a:fillRef idx="1">
-            <a:schemeClr val="accent2"/>
-          </a:fillRef>
-          <a:effectRef idx="1">
-            <a:schemeClr val="accent2"/>
-          </a:effectRef>
-          <a:fontRef idx="none"/>
-        </p:style>
-        <p:txBody>
-          <a:bodyPr anchor="ctr">
-            <a:normAutofit/>
-          </a:bodyPr>
-          <a:lstStyle>
-            <a:lvl1pPr marL="0" indent="0" algn="ctr">
-              <a:buNone/>
-              <a:defRPr lang="en-US" sz="2000" b="0" kern="1200" dirty="0" smtClean="0">
-                <a:solidFill>
-                  <a:schemeClr val="tx2"/>
-                </a:solidFill>
-                <a:latin typeface="+mn-lt"/>
-                <a:ea typeface="+mn-ea"/>
-                <a:cs typeface="+mn-cs"/>
-              </a:defRPr>
-            </a:lvl1pPr>
-            <a:lvl2pPr marL="457200" indent="0">
-              <a:buNone/>
-              <a:defRPr sz="2000" b="1"/>
-            </a:lvl2pPr>
-            <a:lvl3pPr marL="914400" indent="0">
-              <a:buNone/>
-              <a:defRPr sz="1800" b="1"/>
-            </a:lvl3pPr>
-            <a:lvl4pPr marL="1371600" indent="0">
-              <a:buNone/>
-              <a:defRPr sz="1600" b="1"/>
-            </a:lvl4pPr>
-            <a:lvl5pPr marL="1828800" indent="0">
-              <a:buNone/>
-              <a:defRPr sz="1600" b="1"/>
-            </a:lvl5pPr>
-            <a:lvl6pPr marL="2286000" indent="0">
-              <a:buNone/>
-              <a:defRPr sz="1600" b="1"/>
-            </a:lvl6pPr>
-            <a:lvl7pPr marL="2743200" indent="0">
-              <a:buNone/>
-              <a:defRPr sz="1600" b="1"/>
-            </a:lvl7pPr>
-            <a:lvl8pPr marL="3200400" indent="0">
-              <a:buNone/>
-              <a:defRPr sz="1600" b="1"/>
-            </a:lvl8pPr>
-            <a:lvl9pPr marL="3657600" indent="0">
-              <a:buNone/>
-              <a:defRPr sz="1600" b="1"/>
-            </a:lvl9pPr>
-          </a:lstStyle>
-          <a:p>
-            <a:pPr lvl="0"/>
-            <a:r>
-              <a:rPr lang="en-US" smtClean="0"/>
-              <a:t>Click to edit Master text styles</a:t>
-            </a:r>
-          </a:p>
-        </p:txBody>
-      </p:sp>
-      <p:sp>
-        <p:nvSpPr>
-          <p:cNvPr id="6" name="Content Placeholder 5"/>
-          <p:cNvSpPr>
-            <a:spLocks noGrp="1"/>
-          </p:cNvSpPr>
-          <p:nvPr>
-            <p:ph sz="quarter" idx="4"/>
-          </p:nvPr>
-        </p:nvSpPr>
-        <p:spPr>
-          <a:xfrm>
-            <a:off x="5151120" y="2438400"/>
-            <a:ext cx="4259580" cy="3951288"/>
-          </a:xfrm>
-        </p:spPr>
-        <p:txBody>
-          <a:bodyPr/>
-          <a:lstStyle>
-            <a:lvl1pPr>
-              <a:defRPr sz="2400"/>
-            </a:lvl1pPr>
-            <a:lvl2pPr>
-              <a:defRPr sz="2000"/>
-            </a:lvl2pPr>
-            <a:lvl3pPr>
-              <a:defRPr sz="1800"/>
-            </a:lvl3pPr>
-            <a:lvl4pPr>
-              <a:defRPr sz="1600"/>
-            </a:lvl4pPr>
-            <a:lvl5pPr>
-              <a:defRPr sz="1600"/>
-            </a:lvl5pPr>
-            <a:lvl6pPr>
-              <a:defRPr sz="1600"/>
-            </a:lvl6pPr>
-            <a:lvl7pPr>
-              <a:defRPr sz="1600"/>
-            </a:lvl7pPr>
-            <a:lvl8pPr>
-              <a:defRPr sz="1600"/>
-            </a:lvl8pPr>
-            <a:lvl9pPr>
-              <a:defRPr sz="1600"/>
-            </a:lvl9pPr>
-          </a:lstStyle>
-          <a:p>
-            <a:pPr lvl="0"/>
-            <a:r>
-              <a:rPr lang="en-US" smtClean="0"/>
-              <a:t>Click to edit Master text styles</a:t>
-            </a:r>
-          </a:p>
-          <a:p>
-            <a:pPr lvl="1"/>
-            <a:r>
-              <a:rPr lang="en-US" smtClean="0"/>
-              <a:t>Second level</a:t>
-            </a:r>
-          </a:p>
-          <a:p>
-            <a:pPr lvl="2"/>
-            <a:r>
-              <a:rPr lang="en-US" smtClean="0"/>
-              <a:t>Third level</a:t>
-            </a:r>
-          </a:p>
-          <a:p>
-            <a:pPr lvl="3"/>
-            <a:r>
-              <a:rPr lang="en-US" smtClean="0"/>
-              <a:t>Fourth level</a:t>
-            </a:r>
-          </a:p>
-          <a:p>
-            <a:pPr lvl="4"/>
-            <a:r>
-              <a:rPr lang="en-US" smtClean="0"/>
-              <a:t>Fifth level</a:t>
-            </a:r>
-            <a:endParaRPr lang="en-US" dirty="0"/>
-          </a:p>
-        </p:txBody>
-      </p:sp>
-      <p:sp>
-        <p:nvSpPr>
-          <p:cNvPr id="7" name="Date Placeholder 6"/>
-          <p:cNvSpPr>
-            <a:spLocks noGrp="1"/>
-          </p:cNvSpPr>
-          <p:nvPr>
-            <p:ph type="dt" sz="half" idx="10"/>
-          </p:nvPr>
-        </p:nvSpPr>
-        <p:spPr/>
-        <p:txBody>
-          <a:bodyPr/>
-          <a:lstStyle/>
-          <a:p>
-            <a:pPr defTabSz="914400" latinLnBrk="0"/>
-            <a:fld id="{1D8BD707-D9CF-40AE-B4C6-C98DA3205C09}" type="datetimeFigureOut">
-              <a:rPr lang="en-US" smtClean="0"/>
-              <a:pPr defTabSz="914400" latinLnBrk="0"/>
-              <a:t>4/21/2022</a:t>
-            </a:fld>
-            <a:endParaRPr lang="en-US"/>
-          </a:p>
-        </p:txBody>
-      </p:sp>
-      <p:sp>
-        <p:nvSpPr>
-          <p:cNvPr id="8" name="Footer Placeholder 7"/>
-          <p:cNvSpPr>
-            <a:spLocks noGrp="1"/>
-          </p:cNvSpPr>
-          <p:nvPr>
-            <p:ph type="ftr" sz="quarter" idx="11"/>
-          </p:nvPr>
-        </p:nvSpPr>
-        <p:spPr/>
-        <p:txBody>
-          <a:bodyPr/>
-          <a:lstStyle/>
-          <a:p>
-            <a:pPr defTabSz="914400" latinLnBrk="0"/>
-            <a:endParaRPr lang="en-US"/>
-          </a:p>
-        </p:txBody>
-      </p:sp>
-      <p:sp>
-        <p:nvSpPr>
-          <p:cNvPr id="9" name="Slide Number Placeholder 8"/>
-          <p:cNvSpPr>
-            <a:spLocks noGrp="1"/>
-          </p:cNvSpPr>
-          <p:nvPr>
-            <p:ph type="sldNum" sz="quarter" idx="12"/>
-          </p:nvPr>
-        </p:nvSpPr>
-        <p:spPr/>
-        <p:txBody>
-          <a:bodyPr/>
-          <a:lstStyle/>
-          <a:p>
-            <a:pPr defTabSz="914400" latinLnBrk="0"/>
-            <a:fld id="{B6F15528-21DE-4FAA-801E-634DDDAF4B2B}" type="slidenum">
-              <a:rPr lang="en-US" smtClean="0"/>
-              <a:pPr defTabSz="914400" latinLnBrk="0"/>
-              <a:t>‹#›</a:t>
-            </a:fld>
-            <a:endParaRPr lang="en-US"/>
-          </a:p>
-        </p:txBody>
-      </p:sp>
-      <p:cxnSp>
-        <p:nvCxnSpPr>
-          <p:cNvPr id="11" name="Straight Connector 10"/>
-          <p:cNvCxnSpPr/>
-          <p:nvPr/>
-        </p:nvCxnSpPr>
-        <p:spPr>
-          <a:xfrm rot="5400000">
-            <a:off x="2598850" y="4045790"/>
-            <a:ext cx="4709160" cy="860"/>
-          </a:xfrm>
-          <a:prstGeom prst="line">
-            <a:avLst/>
-          </a:prstGeom>
-          <a:ln w="19050">
-            <a:solidFill>
-              <a:schemeClr val="tx2"/>
-            </a:solidFill>
-          </a:ln>
-        </p:spPr>
-        <p:style>
-          <a:lnRef idx="1">
-            <a:schemeClr val="accent1"/>
-          </a:lnRef>
-          <a:fillRef idx="0">
-            <a:schemeClr val="accent1"/>
-          </a:fillRef>
-          <a:effectRef idx="0">
-            <a:schemeClr val="accent1"/>
-          </a:effectRef>
-          <a:fontRef idx="minor">
-            <a:schemeClr val="tx1"/>
-          </a:fontRef>
-        </p:style>
-      </p:cxnSp>
-    </p:spTree>
-    <p:extLst>
-      <p:ext uri="{BB962C8B-B14F-4D97-AF65-F5344CB8AC3E}">
-        <p14:creationId xmlns:p14="http://schemas.microsoft.com/office/powerpoint/2010/main" val="1734416453"/>
-      </p:ext>
-    </p:extLst>
-  </p:cSld>
-  <p:clrMapOvr>
-    <a:masterClrMapping/>
-  </p:clrMapOvr>
-</p:sldLayout>
-</file>
-
-<file path=ppt/slideLayouts/slideLayout18.xml><?xml version="1.0" encoding="utf-8"?>
-<p:sldLayout xmlns:a="http://schemas.openxmlformats.org/drawingml/2006/main" xmlns:r="http://schemas.openxmlformats.org/officeDocument/2006/relationships" xmlns:p="http://schemas.openxmlformats.org/presentationml/2006/main" type="titleOnly" preserve="1">
-  <p:cSld name="Title Only">
-    <p:spTree>
-      <p:nvGrpSpPr>
-        <p:cNvPr id="1" name=""/>
-        <p:cNvGrpSpPr/>
-        <p:nvPr/>
-      </p:nvGrpSpPr>
-      <p:grpSpPr>
-        <a:xfrm>
-          <a:off x="0" y="0"/>
-          <a:ext cx="0" cy="0"/>
-          <a:chOff x="0" y="0"/>
-          <a:chExt cx="0" cy="0"/>
-        </a:xfrm>
-      </p:grpSpPr>
-      <p:sp>
-        <p:nvSpPr>
-          <p:cNvPr id="2" name="Title 1"/>
-          <p:cNvSpPr>
-            <a:spLocks noGrp="1"/>
-          </p:cNvSpPr>
-          <p:nvPr>
-            <p:ph type="title"/>
-          </p:nvPr>
-        </p:nvSpPr>
-        <p:spPr/>
-        <p:txBody>
-          <a:bodyPr/>
-          <a:lstStyle/>
-          <a:p>
-            <a:r>
-              <a:rPr lang="en-US" smtClean="0"/>
-              <a:t>Click to edit Master title style</a:t>
-            </a:r>
-            <a:endParaRPr lang="en-US"/>
-          </a:p>
-        </p:txBody>
-      </p:sp>
-      <p:sp>
-        <p:nvSpPr>
-          <p:cNvPr id="3" name="Date Placeholder 2"/>
-          <p:cNvSpPr>
-            <a:spLocks noGrp="1"/>
-          </p:cNvSpPr>
-          <p:nvPr>
-            <p:ph type="dt" sz="half" idx="10"/>
-          </p:nvPr>
-        </p:nvSpPr>
-        <p:spPr/>
-        <p:txBody>
-          <a:bodyPr/>
-          <a:lstStyle/>
-          <a:p>
-            <a:pPr defTabSz="914400" latinLnBrk="0"/>
-            <a:fld id="{1D8BD707-D9CF-40AE-B4C6-C98DA3205C09}" type="datetimeFigureOut">
-              <a:rPr lang="en-US" smtClean="0"/>
-              <a:pPr defTabSz="914400" latinLnBrk="0"/>
-              <a:t>4/21/2022</a:t>
-            </a:fld>
-            <a:endParaRPr lang="en-US"/>
-          </a:p>
-        </p:txBody>
-      </p:sp>
-      <p:sp>
-        <p:nvSpPr>
-          <p:cNvPr id="4" name="Footer Placeholder 3"/>
-          <p:cNvSpPr>
-            <a:spLocks noGrp="1"/>
-          </p:cNvSpPr>
-          <p:nvPr>
-            <p:ph type="ftr" sz="quarter" idx="11"/>
-          </p:nvPr>
-        </p:nvSpPr>
-        <p:spPr/>
-        <p:txBody>
-          <a:bodyPr/>
-          <a:lstStyle/>
-          <a:p>
-            <a:pPr defTabSz="914400" latinLnBrk="0"/>
-            <a:endParaRPr lang="en-US"/>
-          </a:p>
-        </p:txBody>
-      </p:sp>
-      <p:sp>
-        <p:nvSpPr>
-          <p:cNvPr id="5" name="Slide Number Placeholder 4"/>
-          <p:cNvSpPr>
-            <a:spLocks noGrp="1"/>
-          </p:cNvSpPr>
-          <p:nvPr>
-            <p:ph type="sldNum" sz="quarter" idx="12"/>
-          </p:nvPr>
-        </p:nvSpPr>
-        <p:spPr/>
-        <p:txBody>
-          <a:bodyPr/>
-          <a:lstStyle/>
-          <a:p>
-            <a:pPr defTabSz="914400" latinLnBrk="0"/>
-            <a:fld id="{B6F15528-21DE-4FAA-801E-634DDDAF4B2B}" type="slidenum">
-              <a:rPr lang="en-US" smtClean="0"/>
-              <a:pPr defTabSz="914400" latinLnBrk="0"/>
-              <a:t>‹#›</a:t>
-            </a:fld>
-            <a:endParaRPr lang="en-US"/>
-          </a:p>
-        </p:txBody>
-      </p:sp>
-    </p:spTree>
-    <p:extLst>
-      <p:ext uri="{BB962C8B-B14F-4D97-AF65-F5344CB8AC3E}">
-        <p14:creationId xmlns:p14="http://schemas.microsoft.com/office/powerpoint/2010/main" val="1287855680"/>
-      </p:ext>
-    </p:extLst>
-  </p:cSld>
-  <p:clrMapOvr>
-    <a:masterClrMapping/>
-  </p:clrMapOvr>
-</p:sldLayout>
-</file>
-
-<file path=ppt/slideLayouts/slideLayout19.xml><?xml version="1.0" encoding="utf-8"?>
-<p:sldLayout xmlns:a="http://schemas.openxmlformats.org/drawingml/2006/main" xmlns:r="http://schemas.openxmlformats.org/officeDocument/2006/relationships" xmlns:p="http://schemas.openxmlformats.org/presentationml/2006/main" type="blank" preserve="1">
-  <p:cSld name="Blank">
-    <p:spTree>
-      <p:nvGrpSpPr>
-        <p:cNvPr id="1" name=""/>
-        <p:cNvGrpSpPr/>
-        <p:nvPr/>
-      </p:nvGrpSpPr>
-      <p:grpSpPr>
-        <a:xfrm>
-          <a:off x="0" y="0"/>
-          <a:ext cx="0" cy="0"/>
-          <a:chOff x="0" y="0"/>
-          <a:chExt cx="0" cy="0"/>
-        </a:xfrm>
-      </p:grpSpPr>
-      <p:sp>
-        <p:nvSpPr>
-          <p:cNvPr id="2" name="Date Placeholder 1"/>
-          <p:cNvSpPr>
-            <a:spLocks noGrp="1"/>
-          </p:cNvSpPr>
-          <p:nvPr>
-            <p:ph type="dt" sz="half" idx="10"/>
-          </p:nvPr>
-        </p:nvSpPr>
-        <p:spPr/>
-        <p:txBody>
-          <a:bodyPr/>
-          <a:lstStyle/>
-          <a:p>
-            <a:pPr defTabSz="914400" latinLnBrk="0"/>
-            <a:fld id="{1D8BD707-D9CF-40AE-B4C6-C98DA3205C09}" type="datetimeFigureOut">
-              <a:rPr lang="en-US" smtClean="0"/>
-              <a:pPr defTabSz="914400" latinLnBrk="0"/>
-              <a:t>4/21/2022</a:t>
-            </a:fld>
-            <a:endParaRPr lang="en-US"/>
-          </a:p>
-        </p:txBody>
-      </p:sp>
-      <p:sp>
-        <p:nvSpPr>
-          <p:cNvPr id="3" name="Footer Placeholder 2"/>
-          <p:cNvSpPr>
-            <a:spLocks noGrp="1"/>
-          </p:cNvSpPr>
-          <p:nvPr>
-            <p:ph type="ftr" sz="quarter" idx="11"/>
-          </p:nvPr>
-        </p:nvSpPr>
-        <p:spPr/>
-        <p:txBody>
-          <a:bodyPr/>
-          <a:lstStyle/>
-          <a:p>
-            <a:pPr defTabSz="914400" latinLnBrk="0"/>
-            <a:endParaRPr lang="en-US"/>
-          </a:p>
-        </p:txBody>
-      </p:sp>
-      <p:sp>
-        <p:nvSpPr>
-          <p:cNvPr id="4" name="Slide Number Placeholder 3"/>
-          <p:cNvSpPr>
-            <a:spLocks noGrp="1"/>
-          </p:cNvSpPr>
-          <p:nvPr>
-            <p:ph type="sldNum" sz="quarter" idx="12"/>
-          </p:nvPr>
-        </p:nvSpPr>
-        <p:spPr/>
-        <p:txBody>
-          <a:bodyPr/>
-          <a:lstStyle/>
-          <a:p>
-            <a:pPr defTabSz="914400" latinLnBrk="0"/>
-            <a:fld id="{B6F15528-21DE-4FAA-801E-634DDDAF4B2B}" type="slidenum">
-              <a:rPr lang="en-US" smtClean="0"/>
-              <a:pPr defTabSz="914400" latinLnBrk="0"/>
-              <a:t>‹#›</a:t>
-            </a:fld>
-            <a:endParaRPr lang="en-US"/>
-          </a:p>
-        </p:txBody>
-      </p:sp>
-    </p:spTree>
-    <p:extLst>
-      <p:ext uri="{BB962C8B-B14F-4D97-AF65-F5344CB8AC3E}">
-        <p14:creationId xmlns:p14="http://schemas.microsoft.com/office/powerpoint/2010/main" val="637867118"/>
-      </p:ext>
-    </p:extLst>
-  </p:cSld>
-  <p:clrMapOvr>
-    <a:masterClrMapping/>
-  </p:clrMapOvr>
-</p:sldLayout>
-</file>
-
-<file path=ppt/slideLayouts/slideLayout2.xml><?xml version="1.0" encoding="utf-8"?>
-<p:sldLayout xmlns:a="http://schemas.openxmlformats.org/drawingml/2006/main" xmlns:r="http://schemas.openxmlformats.org/officeDocument/2006/relationships" xmlns:p="http://schemas.openxmlformats.org/presentationml/2006/main" preserve="1" userDrawn="1">
-  <p:cSld name="제목 및 내용">
-    <p:spTree>
-      <p:nvGrpSpPr>
-        <p:cNvPr id="1" name=""/>
-        <p:cNvGrpSpPr/>
-        <p:nvPr/>
-      </p:nvGrpSpPr>
-      <p:grpSpPr>
-        <a:xfrm>
-          <a:off x="0" y="0"/>
-          <a:ext cx="0" cy="0"/>
-          <a:chOff x="0" y="0"/>
-          <a:chExt cx="0" cy="0"/>
-        </a:xfrm>
-      </p:grpSpPr>
-      <p:sp>
-        <p:nvSpPr>
-          <p:cNvPr id="3" name="Content Placeholder 2"/>
-          <p:cNvSpPr>
-            <a:spLocks noGrp="1"/>
-          </p:cNvSpPr>
-          <p:nvPr>
-            <p:ph idx="1"/>
-          </p:nvPr>
-        </p:nvSpPr>
-        <p:spPr>
-          <a:xfrm>
-            <a:off x="681038" y="1825625"/>
-            <a:ext cx="8543925" cy="4351338"/>
-          </a:xfrm>
-          <a:prstGeom prst="rect">
-            <a:avLst/>
-          </a:prstGeom>
-        </p:spPr>
-        <p:txBody>
-          <a:bodyPr/>
-          <a:lstStyle/>
-          <a:p>
-            <a:pPr lvl="0"/>
-            <a:r>
-              <a:rPr lang="ko-KR" altLang="en-US"/>
-              <a:t>마스터 텍스트 스타일을 편집합니다</a:t>
-            </a:r>
-          </a:p>
-          <a:p>
-            <a:pPr lvl="1"/>
-            <a:r>
-              <a:rPr lang="ko-KR" altLang="en-US"/>
-              <a:t>둘째 수준</a:t>
-            </a:r>
-          </a:p>
-          <a:p>
-            <a:pPr lvl="2"/>
-            <a:r>
-              <a:rPr lang="ko-KR" altLang="en-US"/>
-              <a:t>셋째 수준</a:t>
-            </a:r>
-          </a:p>
-          <a:p>
-            <a:pPr lvl="3"/>
-            <a:r>
-              <a:rPr lang="ko-KR" altLang="en-US"/>
-              <a:t>넷째 수준</a:t>
-            </a:r>
-          </a:p>
-          <a:p>
-            <a:pPr lvl="4"/>
-            <a:r>
-              <a:rPr lang="ko-KR" altLang="en-US"/>
-              <a:t>다섯째 수준</a:t>
-            </a:r>
-            <a:endParaRPr lang="en-US" dirty="0"/>
-          </a:p>
-        </p:txBody>
-      </p:sp>
-      <p:sp>
-        <p:nvSpPr>
-          <p:cNvPr id="4" name="Date Placeholder 3"/>
-          <p:cNvSpPr>
-            <a:spLocks noGrp="1"/>
-          </p:cNvSpPr>
-          <p:nvPr>
-            <p:ph type="dt" sz="half" idx="10"/>
-          </p:nvPr>
-        </p:nvSpPr>
-        <p:spPr/>
-        <p:txBody>
-          <a:bodyPr/>
-          <a:lstStyle/>
-          <a:p>
-            <a:fld id="{D5BB7A41-6D90-4371-844A-87EC379C3D06}" type="datetimeFigureOut">
-              <a:rPr lang="ko-KR" altLang="en-US" smtClean="0"/>
-              <a:t>2022-04-21</a:t>
-            </a:fld>
-            <a:endParaRPr lang="ko-KR" altLang="en-US"/>
-          </a:p>
-        </p:txBody>
-      </p:sp>
-      <p:sp>
-        <p:nvSpPr>
-          <p:cNvPr id="5" name="Footer Placeholder 4"/>
-          <p:cNvSpPr>
-            <a:spLocks noGrp="1"/>
-          </p:cNvSpPr>
-          <p:nvPr>
-            <p:ph type="ftr" sz="quarter" idx="11"/>
-          </p:nvPr>
-        </p:nvSpPr>
-        <p:spPr/>
-        <p:txBody>
-          <a:bodyPr/>
-          <a:lstStyle/>
-          <a:p>
-            <a:endParaRPr lang="ko-KR" altLang="en-US"/>
-          </a:p>
-        </p:txBody>
-      </p:sp>
-      <p:sp>
-        <p:nvSpPr>
-          <p:cNvPr id="6" name="Slide Number Placeholder 5"/>
-          <p:cNvSpPr>
-            <a:spLocks noGrp="1"/>
-          </p:cNvSpPr>
-          <p:nvPr>
-            <p:ph type="sldNum" sz="quarter" idx="12"/>
-          </p:nvPr>
-        </p:nvSpPr>
-        <p:spPr/>
-        <p:txBody>
-          <a:bodyPr/>
-          <a:lstStyle/>
-          <a:p>
-            <a:fld id="{5733F733-A97E-45C7-8208-292F002894F6}" type="slidenum">
-              <a:rPr lang="ko-KR" altLang="en-US" smtClean="0"/>
-              <a:t>‹#›</a:t>
-            </a:fld>
-            <a:endParaRPr lang="ko-KR" altLang="en-US"/>
-          </a:p>
-        </p:txBody>
-      </p:sp>
-    </p:spTree>
-    <p:extLst>
-      <p:ext uri="{BB962C8B-B14F-4D97-AF65-F5344CB8AC3E}">
-        <p14:creationId xmlns:p14="http://schemas.microsoft.com/office/powerpoint/2010/main" val="2845426236"/>
-      </p:ext>
-    </p:extLst>
-  </p:cSld>
-  <p:clrMapOvr>
-    <a:masterClrMapping/>
-  </p:clrMapOvr>
-</p:sldLayout>
-</file>
-
-<file path=ppt/slideLayouts/slideLayout20.xml><?xml version="1.0" encoding="utf-8"?>
-<p:sldLayout xmlns:a="http://schemas.openxmlformats.org/drawingml/2006/main" xmlns:r="http://schemas.openxmlformats.org/officeDocument/2006/relationships" xmlns:p="http://schemas.openxmlformats.org/presentationml/2006/main" type="objTx" preserve="1">
-  <p:cSld name="Content with Caption">
-    <p:spTree>
-      <p:nvGrpSpPr>
-        <p:cNvPr id="1" name=""/>
-        <p:cNvGrpSpPr/>
-        <p:nvPr/>
-      </p:nvGrpSpPr>
-      <p:grpSpPr>
-        <a:xfrm>
-          <a:off x="0" y="0"/>
-          <a:ext cx="0" cy="0"/>
-          <a:chOff x="0" y="0"/>
-          <a:chExt cx="0" cy="0"/>
-        </a:xfrm>
-      </p:grpSpPr>
-      <p:sp>
-        <p:nvSpPr>
-          <p:cNvPr id="2" name="Title 1"/>
-          <p:cNvSpPr>
-            <a:spLocks noGrp="1"/>
-          </p:cNvSpPr>
-          <p:nvPr>
-            <p:ph type="title"/>
-          </p:nvPr>
-        </p:nvSpPr>
-        <p:spPr>
-          <a:xfrm>
-            <a:off x="495300" y="792080"/>
-            <a:ext cx="2318004" cy="1261872"/>
-          </a:xfrm>
-        </p:spPr>
-        <p:txBody>
-          <a:bodyPr anchor="b">
-            <a:noAutofit/>
-          </a:bodyPr>
-          <a:lstStyle>
-            <a:lvl1pPr algn="l">
-              <a:defRPr sz="2400" b="0"/>
-            </a:lvl1pPr>
-          </a:lstStyle>
-          <a:p>
-            <a:r>
-              <a:rPr lang="en-US" smtClean="0"/>
-              <a:t>Click to edit Master title style</a:t>
-            </a:r>
-            <a:endParaRPr lang="en-US" dirty="0"/>
-          </a:p>
-        </p:txBody>
-      </p:sp>
-      <p:sp>
-        <p:nvSpPr>
-          <p:cNvPr id="3" name="Content Placeholder 2"/>
-          <p:cNvSpPr>
-            <a:spLocks noGrp="1"/>
-          </p:cNvSpPr>
-          <p:nvPr>
-            <p:ph idx="1"/>
-          </p:nvPr>
-        </p:nvSpPr>
-        <p:spPr>
-          <a:xfrm>
-            <a:off x="3219450" y="792080"/>
-            <a:ext cx="6191250" cy="5577840"/>
-          </a:xfrm>
-        </p:spPr>
-        <p:txBody>
-          <a:bodyPr/>
-          <a:lstStyle>
-            <a:lvl1pPr>
-              <a:defRPr sz="3200"/>
-            </a:lvl1pPr>
-            <a:lvl2pPr>
-              <a:defRPr sz="2800"/>
-            </a:lvl2pPr>
-            <a:lvl3pPr>
-              <a:defRPr sz="2400"/>
-            </a:lvl3pPr>
-            <a:lvl4pPr>
-              <a:defRPr sz="2000"/>
-            </a:lvl4pPr>
-            <a:lvl5pPr>
-              <a:defRPr sz="2000"/>
-            </a:lvl5pPr>
-            <a:lvl6pPr>
-              <a:defRPr sz="2000"/>
-            </a:lvl6pPr>
-            <a:lvl7pPr>
-              <a:defRPr sz="2000"/>
-            </a:lvl7pPr>
-            <a:lvl8pPr>
-              <a:defRPr sz="2000"/>
-            </a:lvl8pPr>
-            <a:lvl9pPr>
-              <a:defRPr sz="2000"/>
-            </a:lvl9pPr>
-          </a:lstStyle>
-          <a:p>
-            <a:pPr lvl="0"/>
-            <a:r>
-              <a:rPr lang="en-US" smtClean="0"/>
-              <a:t>Click to edit Master text styles</a:t>
-            </a:r>
-          </a:p>
-          <a:p>
-            <a:pPr lvl="1"/>
-            <a:r>
-              <a:rPr lang="en-US" smtClean="0"/>
-              <a:t>Second level</a:t>
-            </a:r>
-          </a:p>
-          <a:p>
-            <a:pPr lvl="2"/>
-            <a:r>
-              <a:rPr lang="en-US" smtClean="0"/>
-              <a:t>Third level</a:t>
-            </a:r>
-          </a:p>
-          <a:p>
-            <a:pPr lvl="3"/>
-            <a:r>
-              <a:rPr lang="en-US" smtClean="0"/>
-              <a:t>Fourth level</a:t>
-            </a:r>
-          </a:p>
-          <a:p>
-            <a:pPr lvl="4"/>
-            <a:r>
-              <a:rPr lang="en-US" smtClean="0"/>
-              <a:t>Fifth level</a:t>
-            </a:r>
-            <a:endParaRPr lang="en-US" dirty="0"/>
-          </a:p>
-        </p:txBody>
-      </p:sp>
-      <p:sp>
-        <p:nvSpPr>
-          <p:cNvPr id="4" name="Text Placeholder 3"/>
-          <p:cNvSpPr>
-            <a:spLocks noGrp="1"/>
-          </p:cNvSpPr>
-          <p:nvPr>
-            <p:ph type="body" sz="half" idx="2"/>
-          </p:nvPr>
-        </p:nvSpPr>
-        <p:spPr>
-          <a:xfrm>
-            <a:off x="495301" y="2130553"/>
-            <a:ext cx="2318004" cy="4243615"/>
-          </a:xfrm>
-        </p:spPr>
-        <p:txBody>
-          <a:bodyPr/>
-          <a:lstStyle>
-            <a:lvl1pPr marL="0" indent="0">
-              <a:buNone/>
-              <a:defRPr sz="1400"/>
-            </a:lvl1pPr>
-            <a:lvl2pPr marL="457200" indent="0">
-              <a:buNone/>
-              <a:defRPr sz="1200"/>
-            </a:lvl2pPr>
-            <a:lvl3pPr marL="914400" indent="0">
-              <a:buNone/>
-              <a:defRPr sz="1000"/>
-            </a:lvl3pPr>
-            <a:lvl4pPr marL="1371600" indent="0">
-              <a:buNone/>
-              <a:defRPr sz="900"/>
-            </a:lvl4pPr>
-            <a:lvl5pPr marL="1828800" indent="0">
-              <a:buNone/>
-              <a:defRPr sz="900"/>
-            </a:lvl5pPr>
-            <a:lvl6pPr marL="2286000" indent="0">
-              <a:buNone/>
-              <a:defRPr sz="900"/>
-            </a:lvl6pPr>
-            <a:lvl7pPr marL="2743200" indent="0">
-              <a:buNone/>
-              <a:defRPr sz="900"/>
-            </a:lvl7pPr>
-            <a:lvl8pPr marL="3200400" indent="0">
-              <a:buNone/>
-              <a:defRPr sz="900"/>
-            </a:lvl8pPr>
-            <a:lvl9pPr marL="3657600" indent="0">
-              <a:buNone/>
-              <a:defRPr sz="900"/>
-            </a:lvl9pPr>
-          </a:lstStyle>
-          <a:p>
-            <a:pPr lvl="0"/>
-            <a:r>
-              <a:rPr lang="en-US" smtClean="0"/>
-              <a:t>Click to edit Master text styles</a:t>
-            </a:r>
-          </a:p>
-        </p:txBody>
-      </p:sp>
-      <p:sp>
-        <p:nvSpPr>
-          <p:cNvPr id="5" name="Date Placeholder 4"/>
-          <p:cNvSpPr>
-            <a:spLocks noGrp="1"/>
-          </p:cNvSpPr>
-          <p:nvPr>
-            <p:ph type="dt" sz="half" idx="10"/>
-          </p:nvPr>
-        </p:nvSpPr>
-        <p:spPr/>
-        <p:txBody>
-          <a:bodyPr/>
-          <a:lstStyle/>
-          <a:p>
-            <a:pPr defTabSz="914400" latinLnBrk="0"/>
-            <a:fld id="{1D8BD707-D9CF-40AE-B4C6-C98DA3205C09}" type="datetimeFigureOut">
-              <a:rPr lang="en-US" smtClean="0"/>
-              <a:pPr defTabSz="914400" latinLnBrk="0"/>
-              <a:t>4/21/2022</a:t>
-            </a:fld>
-            <a:endParaRPr lang="en-US"/>
-          </a:p>
-        </p:txBody>
-      </p:sp>
-      <p:sp>
-        <p:nvSpPr>
-          <p:cNvPr id="6" name="Footer Placeholder 5"/>
-          <p:cNvSpPr>
-            <a:spLocks noGrp="1"/>
-          </p:cNvSpPr>
-          <p:nvPr>
-            <p:ph type="ftr" sz="quarter" idx="11"/>
-          </p:nvPr>
-        </p:nvSpPr>
-        <p:spPr/>
-        <p:txBody>
-          <a:bodyPr/>
-          <a:lstStyle/>
-          <a:p>
-            <a:pPr defTabSz="914400" latinLnBrk="0"/>
-            <a:endParaRPr lang="en-US"/>
-          </a:p>
-        </p:txBody>
-      </p:sp>
-      <p:sp>
-        <p:nvSpPr>
-          <p:cNvPr id="7" name="Slide Number Placeholder 6"/>
-          <p:cNvSpPr>
-            <a:spLocks noGrp="1"/>
-          </p:cNvSpPr>
-          <p:nvPr>
-            <p:ph type="sldNum" sz="quarter" idx="12"/>
-          </p:nvPr>
-        </p:nvSpPr>
-        <p:spPr/>
-        <p:txBody>
-          <a:bodyPr/>
-          <a:lstStyle/>
-          <a:p>
-            <a:pPr defTabSz="914400" latinLnBrk="0"/>
-            <a:fld id="{B6F15528-21DE-4FAA-801E-634DDDAF4B2B}" type="slidenum">
-              <a:rPr lang="en-US" smtClean="0"/>
-              <a:pPr defTabSz="914400" latinLnBrk="0"/>
-              <a:t>‹#›</a:t>
-            </a:fld>
-            <a:endParaRPr lang="en-US"/>
-          </a:p>
-        </p:txBody>
-      </p:sp>
-      <p:cxnSp>
-        <p:nvCxnSpPr>
-          <p:cNvPr id="9" name="Straight Connector 8"/>
-          <p:cNvCxnSpPr/>
-          <p:nvPr/>
-        </p:nvCxnSpPr>
-        <p:spPr>
-          <a:xfrm rot="5400000">
-            <a:off x="218201" y="3580140"/>
-            <a:ext cx="5577840" cy="1720"/>
-          </a:xfrm>
-          <a:prstGeom prst="line">
-            <a:avLst/>
-          </a:prstGeom>
-          <a:ln w="19050">
-            <a:solidFill>
-              <a:schemeClr val="tx2"/>
-            </a:solidFill>
-          </a:ln>
-        </p:spPr>
-        <p:style>
-          <a:lnRef idx="1">
-            <a:schemeClr val="accent1"/>
-          </a:lnRef>
-          <a:fillRef idx="0">
-            <a:schemeClr val="accent1"/>
-          </a:fillRef>
-          <a:effectRef idx="0">
-            <a:schemeClr val="accent1"/>
-          </a:effectRef>
-          <a:fontRef idx="minor">
-            <a:schemeClr val="tx1"/>
-          </a:fontRef>
-        </p:style>
-      </p:cxnSp>
-    </p:spTree>
-    <p:extLst>
-      <p:ext uri="{BB962C8B-B14F-4D97-AF65-F5344CB8AC3E}">
-        <p14:creationId xmlns:p14="http://schemas.microsoft.com/office/powerpoint/2010/main" val="1444298300"/>
-      </p:ext>
-    </p:extLst>
-  </p:cSld>
-  <p:clrMapOvr>
-    <a:masterClrMapping/>
-  </p:clrMapOvr>
-</p:sldLayout>
-</file>
-
-<file path=ppt/slideLayouts/slideLayout21.xml><?xml version="1.0" encoding="utf-8"?>
-<p:sldLayout xmlns:a="http://schemas.openxmlformats.org/drawingml/2006/main" xmlns:r="http://schemas.openxmlformats.org/officeDocument/2006/relationships" xmlns:p="http://schemas.openxmlformats.org/presentationml/2006/main" type="picTx" preserve="1">
-  <p:cSld name="Picture with Caption">
-    <p:spTree>
-      <p:nvGrpSpPr>
-        <p:cNvPr id="1" name=""/>
-        <p:cNvGrpSpPr/>
-        <p:nvPr/>
-      </p:nvGrpSpPr>
-      <p:grpSpPr>
-        <a:xfrm>
-          <a:off x="0" y="0"/>
-          <a:ext cx="0" cy="0"/>
-          <a:chOff x="0" y="0"/>
-          <a:chExt cx="0" cy="0"/>
-        </a:xfrm>
-      </p:grpSpPr>
-      <p:sp>
-        <p:nvSpPr>
-          <p:cNvPr id="2" name="Title 1"/>
-          <p:cNvSpPr>
-            <a:spLocks noGrp="1"/>
-          </p:cNvSpPr>
-          <p:nvPr>
-            <p:ph type="title"/>
-          </p:nvPr>
-        </p:nvSpPr>
-        <p:spPr>
-          <a:xfrm>
-            <a:off x="495300" y="792480"/>
-            <a:ext cx="2321237" cy="1264920"/>
-          </a:xfrm>
-        </p:spPr>
-        <p:txBody>
-          <a:bodyPr anchor="b">
-            <a:normAutofit/>
-          </a:bodyPr>
-          <a:lstStyle>
-            <a:lvl1pPr algn="l">
-              <a:defRPr sz="2400" b="0"/>
-            </a:lvl1pPr>
-          </a:lstStyle>
-          <a:p>
-            <a:r>
-              <a:rPr lang="en-US" smtClean="0"/>
-              <a:t>Click to edit Master title style</a:t>
-            </a:r>
-            <a:endParaRPr lang="en-US" dirty="0"/>
-          </a:p>
-        </p:txBody>
-      </p:sp>
-      <p:sp>
-        <p:nvSpPr>
-          <p:cNvPr id="3" name="Picture Placeholder 2"/>
-          <p:cNvSpPr>
-            <a:spLocks noGrp="1"/>
-          </p:cNvSpPr>
-          <p:nvPr>
-            <p:ph type="pic" idx="1"/>
-          </p:nvPr>
-        </p:nvSpPr>
-        <p:spPr>
-          <a:xfrm>
-            <a:off x="3096827" y="838201"/>
-            <a:ext cx="6396423" cy="5500456"/>
-          </a:xfrm>
-          <a:solidFill>
-            <a:schemeClr val="bg2"/>
-          </a:solidFill>
-          <a:ln w="76200">
-            <a:solidFill>
-              <a:srgbClr val="FFFFFF"/>
-            </a:solidFill>
-            <a:miter lim="800000"/>
-          </a:ln>
-          <a:effectLst>
-            <a:outerShdw blurRad="50800" dist="12700" dir="5400000" algn="t" rotWithShape="0">
-              <a:prstClr val="black">
-                <a:alpha val="59000"/>
-              </a:prstClr>
-            </a:outerShdw>
-          </a:effectLst>
-        </p:spPr>
-        <p:txBody>
-          <a:bodyPr/>
-          <a:lstStyle>
-            <a:lvl1pPr marL="0" indent="0">
-              <a:buNone/>
-              <a:defRPr sz="3200"/>
-            </a:lvl1pPr>
-            <a:lvl2pPr marL="457200" indent="0">
-              <a:buNone/>
-              <a:defRPr sz="2800"/>
-            </a:lvl2pPr>
-            <a:lvl3pPr marL="914400" indent="0">
-              <a:buNone/>
-              <a:defRPr sz="2400"/>
-            </a:lvl3pPr>
-            <a:lvl4pPr marL="1371600" indent="0">
-              <a:buNone/>
-              <a:defRPr sz="2000"/>
-            </a:lvl4pPr>
-            <a:lvl5pPr marL="1828800" indent="0">
-              <a:buNone/>
-              <a:defRPr sz="2000"/>
-            </a:lvl5pPr>
-            <a:lvl6pPr marL="2286000" indent="0">
-              <a:buNone/>
-              <a:defRPr sz="2000"/>
-            </a:lvl6pPr>
-            <a:lvl7pPr marL="2743200" indent="0">
-              <a:buNone/>
-              <a:defRPr sz="2000"/>
-            </a:lvl7pPr>
-            <a:lvl8pPr marL="3200400" indent="0">
-              <a:buNone/>
-              <a:defRPr sz="2000"/>
-            </a:lvl8pPr>
-            <a:lvl9pPr marL="3657600" indent="0">
-              <a:buNone/>
-              <a:defRPr sz="2000"/>
-            </a:lvl9pPr>
-          </a:lstStyle>
-          <a:p>
-            <a:r>
-              <a:rPr lang="en-US" smtClean="0"/>
-              <a:t>Click icon to add picture</a:t>
-            </a:r>
-            <a:endParaRPr lang="en-US" dirty="0"/>
-          </a:p>
-        </p:txBody>
-      </p:sp>
-      <p:sp>
-        <p:nvSpPr>
-          <p:cNvPr id="4" name="Text Placeholder 3"/>
-          <p:cNvSpPr>
-            <a:spLocks noGrp="1"/>
-          </p:cNvSpPr>
-          <p:nvPr>
-            <p:ph type="body" sz="half" idx="2"/>
-          </p:nvPr>
-        </p:nvSpPr>
-        <p:spPr>
-          <a:xfrm>
-            <a:off x="495300" y="2133600"/>
-            <a:ext cx="2318004" cy="4242816"/>
-          </a:xfrm>
-        </p:spPr>
-        <p:txBody>
-          <a:bodyPr/>
-          <a:lstStyle>
-            <a:lvl1pPr marL="0" indent="0">
-              <a:buNone/>
-              <a:defRPr sz="1400"/>
-            </a:lvl1pPr>
-            <a:lvl2pPr marL="457200" indent="0">
-              <a:buNone/>
-              <a:defRPr sz="1200"/>
-            </a:lvl2pPr>
-            <a:lvl3pPr marL="914400" indent="0">
-              <a:buNone/>
-              <a:defRPr sz="1000"/>
-            </a:lvl3pPr>
-            <a:lvl4pPr marL="1371600" indent="0">
-              <a:buNone/>
-              <a:defRPr sz="900"/>
-            </a:lvl4pPr>
-            <a:lvl5pPr marL="1828800" indent="0">
-              <a:buNone/>
-              <a:defRPr sz="900"/>
-            </a:lvl5pPr>
-            <a:lvl6pPr marL="2286000" indent="0">
-              <a:buNone/>
-              <a:defRPr sz="900"/>
-            </a:lvl6pPr>
-            <a:lvl7pPr marL="2743200" indent="0">
-              <a:buNone/>
-              <a:defRPr sz="900"/>
-            </a:lvl7pPr>
-            <a:lvl8pPr marL="3200400" indent="0">
-              <a:buNone/>
-              <a:defRPr sz="900"/>
-            </a:lvl8pPr>
-            <a:lvl9pPr marL="3657600" indent="0">
-              <a:buNone/>
-              <a:defRPr sz="900"/>
-            </a:lvl9pPr>
-          </a:lstStyle>
-          <a:p>
-            <a:pPr lvl="0"/>
-            <a:r>
-              <a:rPr lang="en-US" smtClean="0"/>
-              <a:t>Click to edit Master text styles</a:t>
-            </a:r>
-          </a:p>
-        </p:txBody>
-      </p:sp>
-      <p:sp>
-        <p:nvSpPr>
-          <p:cNvPr id="5" name="Date Placeholder 4"/>
-          <p:cNvSpPr>
-            <a:spLocks noGrp="1"/>
-          </p:cNvSpPr>
-          <p:nvPr>
-            <p:ph type="dt" sz="half" idx="10"/>
-          </p:nvPr>
-        </p:nvSpPr>
-        <p:spPr/>
-        <p:txBody>
-          <a:bodyPr/>
-          <a:lstStyle/>
-          <a:p>
-            <a:pPr defTabSz="914400" latinLnBrk="0"/>
-            <a:fld id="{1D8BD707-D9CF-40AE-B4C6-C98DA3205C09}" type="datetimeFigureOut">
-              <a:rPr lang="en-US" smtClean="0"/>
-              <a:pPr defTabSz="914400" latinLnBrk="0"/>
-              <a:t>4/21/2022</a:t>
-            </a:fld>
-            <a:endParaRPr lang="en-US"/>
-          </a:p>
-        </p:txBody>
-      </p:sp>
-      <p:sp>
-        <p:nvSpPr>
-          <p:cNvPr id="6" name="Footer Placeholder 5"/>
-          <p:cNvSpPr>
-            <a:spLocks noGrp="1"/>
-          </p:cNvSpPr>
-          <p:nvPr>
-            <p:ph type="ftr" sz="quarter" idx="11"/>
-          </p:nvPr>
-        </p:nvSpPr>
-        <p:spPr/>
-        <p:txBody>
-          <a:bodyPr/>
-          <a:lstStyle/>
-          <a:p>
-            <a:pPr defTabSz="914400" latinLnBrk="0"/>
-            <a:endParaRPr lang="en-US"/>
-          </a:p>
-        </p:txBody>
-      </p:sp>
-      <p:sp>
-        <p:nvSpPr>
-          <p:cNvPr id="7" name="Slide Number Placeholder 6"/>
-          <p:cNvSpPr>
-            <a:spLocks noGrp="1"/>
-          </p:cNvSpPr>
-          <p:nvPr>
-            <p:ph type="sldNum" sz="quarter" idx="12"/>
-          </p:nvPr>
-        </p:nvSpPr>
-        <p:spPr/>
-        <p:txBody>
-          <a:bodyPr/>
-          <a:lstStyle/>
-          <a:p>
-            <a:pPr defTabSz="914400" latinLnBrk="0"/>
-            <a:fld id="{B6F15528-21DE-4FAA-801E-634DDDAF4B2B}" type="slidenum">
-              <a:rPr lang="en-US" smtClean="0"/>
-              <a:pPr defTabSz="914400" latinLnBrk="0"/>
-              <a:t>‹#›</a:t>
-            </a:fld>
-            <a:endParaRPr lang="en-US"/>
-          </a:p>
-        </p:txBody>
-      </p:sp>
-    </p:spTree>
-    <p:extLst>
-      <p:ext uri="{BB962C8B-B14F-4D97-AF65-F5344CB8AC3E}">
-        <p14:creationId xmlns:p14="http://schemas.microsoft.com/office/powerpoint/2010/main" val="3616161837"/>
-      </p:ext>
-    </p:extLst>
-  </p:cSld>
-  <p:clrMapOvr>
-    <a:masterClrMapping/>
-  </p:clrMapOvr>
-</p:sldLayout>
-</file>
-
-<file path=ppt/slideLayouts/slideLayout22.xml><?xml version="1.0" encoding="utf-8"?>
-<p:sldLayout xmlns:a="http://schemas.openxmlformats.org/drawingml/2006/main" xmlns:r="http://schemas.openxmlformats.org/officeDocument/2006/relationships" xmlns:p="http://schemas.openxmlformats.org/presentationml/2006/main" type="vertTx" preserve="1">
-  <p:cSld name="Title and Vertical Text">
-    <p:spTree>
-      <p:nvGrpSpPr>
-        <p:cNvPr id="1" name=""/>
-        <p:cNvGrpSpPr/>
-        <p:nvPr/>
-      </p:nvGrpSpPr>
-      <p:grpSpPr>
-        <a:xfrm>
-          <a:off x="0" y="0"/>
-          <a:ext cx="0" cy="0"/>
-          <a:chOff x="0" y="0"/>
-          <a:chExt cx="0" cy="0"/>
-        </a:xfrm>
-      </p:grpSpPr>
-      <p:sp>
-        <p:nvSpPr>
-          <p:cNvPr id="2" name="Title 1"/>
-          <p:cNvSpPr>
-            <a:spLocks noGrp="1"/>
-          </p:cNvSpPr>
-          <p:nvPr>
-            <p:ph type="title"/>
-          </p:nvPr>
-        </p:nvSpPr>
-        <p:spPr/>
-        <p:txBody>
-          <a:bodyPr/>
-          <a:lstStyle/>
-          <a:p>
-            <a:r>
-              <a:rPr lang="en-US" smtClean="0"/>
-              <a:t>Click to edit Master title style</a:t>
-            </a:r>
-            <a:endParaRPr lang="en-US"/>
-          </a:p>
-        </p:txBody>
-      </p:sp>
-      <p:sp>
-        <p:nvSpPr>
-          <p:cNvPr id="3" name="Vertical Text Placeholder 2"/>
-          <p:cNvSpPr>
-            <a:spLocks noGrp="1"/>
-          </p:cNvSpPr>
-          <p:nvPr>
-            <p:ph type="body" orient="vert" idx="1"/>
-          </p:nvPr>
-        </p:nvSpPr>
-        <p:spPr/>
-        <p:txBody>
-          <a:bodyPr vert="eaVert"/>
-          <a:lstStyle/>
-          <a:p>
-            <a:pPr lvl="0"/>
-            <a:r>
-              <a:rPr lang="en-US" smtClean="0"/>
-              <a:t>Click to edit Master text styles</a:t>
-            </a:r>
-          </a:p>
-          <a:p>
-            <a:pPr lvl="1"/>
-            <a:r>
-              <a:rPr lang="en-US" smtClean="0"/>
-              <a:t>Second level</a:t>
-            </a:r>
-          </a:p>
-          <a:p>
-            <a:pPr lvl="2"/>
-            <a:r>
-              <a:rPr lang="en-US" smtClean="0"/>
-              <a:t>Third level</a:t>
-            </a:r>
-          </a:p>
-          <a:p>
-            <a:pPr lvl="3"/>
-            <a:r>
-              <a:rPr lang="en-US" smtClean="0"/>
-              <a:t>Fourth level</a:t>
-            </a:r>
-          </a:p>
-          <a:p>
-            <a:pPr lvl="4"/>
-            <a:r>
-              <a:rPr lang="en-US" smtClean="0"/>
-              <a:t>Fifth level</a:t>
-            </a:r>
-            <a:endParaRPr lang="en-US"/>
-          </a:p>
-        </p:txBody>
-      </p:sp>
-      <p:sp>
-        <p:nvSpPr>
-          <p:cNvPr id="4" name="Date Placeholder 3"/>
-          <p:cNvSpPr>
-            <a:spLocks noGrp="1"/>
-          </p:cNvSpPr>
-          <p:nvPr>
-            <p:ph type="dt" sz="half" idx="10"/>
-          </p:nvPr>
-        </p:nvSpPr>
-        <p:spPr/>
-        <p:txBody>
-          <a:bodyPr/>
-          <a:lstStyle/>
-          <a:p>
-            <a:pPr defTabSz="914400" latinLnBrk="0"/>
-            <a:fld id="{1D8BD707-D9CF-40AE-B4C6-C98DA3205C09}" type="datetimeFigureOut">
-              <a:rPr lang="en-US" smtClean="0"/>
-              <a:pPr defTabSz="914400" latinLnBrk="0"/>
-              <a:t>4/21/2022</a:t>
-            </a:fld>
-            <a:endParaRPr lang="en-US"/>
-          </a:p>
-        </p:txBody>
-      </p:sp>
-      <p:sp>
-        <p:nvSpPr>
-          <p:cNvPr id="5" name="Footer Placeholder 4"/>
-          <p:cNvSpPr>
-            <a:spLocks noGrp="1"/>
-          </p:cNvSpPr>
-          <p:nvPr>
-            <p:ph type="ftr" sz="quarter" idx="11"/>
-          </p:nvPr>
-        </p:nvSpPr>
-        <p:spPr/>
-        <p:txBody>
-          <a:bodyPr/>
-          <a:lstStyle/>
-          <a:p>
-            <a:pPr defTabSz="914400" latinLnBrk="0"/>
-            <a:endParaRPr lang="en-US"/>
-          </a:p>
-        </p:txBody>
-      </p:sp>
-      <p:sp>
-        <p:nvSpPr>
-          <p:cNvPr id="6" name="Slide Number Placeholder 5"/>
-          <p:cNvSpPr>
-            <a:spLocks noGrp="1"/>
-          </p:cNvSpPr>
-          <p:nvPr>
-            <p:ph type="sldNum" sz="quarter" idx="12"/>
-          </p:nvPr>
-        </p:nvSpPr>
-        <p:spPr/>
-        <p:txBody>
-          <a:bodyPr/>
-          <a:lstStyle/>
-          <a:p>
-            <a:pPr defTabSz="914400" latinLnBrk="0"/>
-            <a:fld id="{B6F15528-21DE-4FAA-801E-634DDDAF4B2B}" type="slidenum">
-              <a:rPr lang="en-US" smtClean="0"/>
-              <a:pPr defTabSz="914400" latinLnBrk="0"/>
-              <a:t>‹#›</a:t>
-            </a:fld>
-            <a:endParaRPr lang="en-US"/>
-          </a:p>
-        </p:txBody>
-      </p:sp>
-    </p:spTree>
-    <p:extLst>
-      <p:ext uri="{BB962C8B-B14F-4D97-AF65-F5344CB8AC3E}">
-        <p14:creationId xmlns:p14="http://schemas.microsoft.com/office/powerpoint/2010/main" val="141342119"/>
-      </p:ext>
-    </p:extLst>
-  </p:cSld>
-  <p:clrMapOvr>
-    <a:masterClrMapping/>
-  </p:clrMapOvr>
-</p:sldLayout>
-</file>
-
-<file path=ppt/slideLayouts/slideLayout23.xml><?xml version="1.0" encoding="utf-8"?>
-<p:sldLayout xmlns:a="http://schemas.openxmlformats.org/drawingml/2006/main" xmlns:r="http://schemas.openxmlformats.org/officeDocument/2006/relationships" xmlns:p="http://schemas.openxmlformats.org/presentationml/2006/main" type="vertTitleAndTx" preserve="1">
-  <p:cSld name="Vertical Title and Text">
-    <p:spTree>
-      <p:nvGrpSpPr>
-        <p:cNvPr id="1" name=""/>
-        <p:cNvGrpSpPr/>
-        <p:nvPr/>
-      </p:nvGrpSpPr>
-      <p:grpSpPr>
-        <a:xfrm>
-          <a:off x="0" y="0"/>
-          <a:ext cx="0" cy="0"/>
-          <a:chOff x="0" y="0"/>
-          <a:chExt cx="0" cy="0"/>
-        </a:xfrm>
-      </p:grpSpPr>
-      <p:sp>
-        <p:nvSpPr>
-          <p:cNvPr id="2" name="Vertical Title 1"/>
-          <p:cNvSpPr>
-            <a:spLocks noGrp="1"/>
-          </p:cNvSpPr>
-          <p:nvPr>
-            <p:ph type="title" orient="vert"/>
-          </p:nvPr>
-        </p:nvSpPr>
-        <p:spPr>
-          <a:xfrm>
-            <a:off x="7181850" y="609600"/>
-            <a:ext cx="2228850" cy="5867400"/>
-          </a:xfrm>
-        </p:spPr>
-        <p:txBody>
-          <a:bodyPr vert="eaVert" anchor="b"/>
-          <a:lstStyle/>
-          <a:p>
-            <a:r>
-              <a:rPr lang="en-US" smtClean="0"/>
-              <a:t>Click to edit Master title style</a:t>
-            </a:r>
-            <a:endParaRPr lang="en-US" dirty="0"/>
-          </a:p>
-        </p:txBody>
-      </p:sp>
-      <p:sp>
-        <p:nvSpPr>
-          <p:cNvPr id="3" name="Vertical Text Placeholder 2"/>
-          <p:cNvSpPr>
-            <a:spLocks noGrp="1"/>
-          </p:cNvSpPr>
-          <p:nvPr>
-            <p:ph type="body" orient="vert" idx="1"/>
-          </p:nvPr>
-        </p:nvSpPr>
-        <p:spPr>
-          <a:xfrm>
-            <a:off x="495300" y="609600"/>
-            <a:ext cx="6521450" cy="5867400"/>
-          </a:xfrm>
-        </p:spPr>
-        <p:txBody>
-          <a:bodyPr vert="eaVert"/>
-          <a:lstStyle/>
-          <a:p>
-            <a:pPr lvl="0"/>
-            <a:r>
-              <a:rPr lang="en-US" smtClean="0"/>
-              <a:t>Click to edit Master text styles</a:t>
-            </a:r>
-          </a:p>
-          <a:p>
-            <a:pPr lvl="1"/>
-            <a:r>
-              <a:rPr lang="en-US" smtClean="0"/>
-              <a:t>Second level</a:t>
-            </a:r>
-          </a:p>
-          <a:p>
-            <a:pPr lvl="2"/>
-            <a:r>
-              <a:rPr lang="en-US" smtClean="0"/>
-              <a:t>Third level</a:t>
-            </a:r>
-          </a:p>
-          <a:p>
-            <a:pPr lvl="3"/>
-            <a:r>
-              <a:rPr lang="en-US" smtClean="0"/>
-              <a:t>Fourth level</a:t>
-            </a:r>
-          </a:p>
-          <a:p>
-            <a:pPr lvl="4"/>
-            <a:r>
-              <a:rPr lang="en-US" smtClean="0"/>
-              <a:t>Fifth level</a:t>
-            </a:r>
-            <a:endParaRPr lang="en-US" dirty="0"/>
-          </a:p>
-        </p:txBody>
-      </p:sp>
-      <p:sp>
-        <p:nvSpPr>
-          <p:cNvPr id="4" name="Date Placeholder 3"/>
-          <p:cNvSpPr>
-            <a:spLocks noGrp="1"/>
-          </p:cNvSpPr>
-          <p:nvPr>
-            <p:ph type="dt" sz="half" idx="10"/>
-          </p:nvPr>
-        </p:nvSpPr>
-        <p:spPr/>
-        <p:txBody>
-          <a:bodyPr/>
-          <a:lstStyle/>
-          <a:p>
-            <a:pPr defTabSz="914400" latinLnBrk="0"/>
-            <a:fld id="{1D8BD707-D9CF-40AE-B4C6-C98DA3205C09}" type="datetimeFigureOut">
-              <a:rPr lang="en-US" smtClean="0"/>
-              <a:pPr defTabSz="914400" latinLnBrk="0"/>
-              <a:t>4/21/2022</a:t>
-            </a:fld>
-            <a:endParaRPr lang="en-US"/>
-          </a:p>
-        </p:txBody>
-      </p:sp>
-      <p:sp>
-        <p:nvSpPr>
-          <p:cNvPr id="5" name="Footer Placeholder 4"/>
-          <p:cNvSpPr>
-            <a:spLocks noGrp="1"/>
-          </p:cNvSpPr>
-          <p:nvPr>
-            <p:ph type="ftr" sz="quarter" idx="11"/>
-          </p:nvPr>
-        </p:nvSpPr>
-        <p:spPr/>
-        <p:txBody>
-          <a:bodyPr/>
-          <a:lstStyle/>
-          <a:p>
-            <a:pPr defTabSz="914400" latinLnBrk="0"/>
-            <a:endParaRPr lang="en-US"/>
-          </a:p>
-        </p:txBody>
-      </p:sp>
-      <p:sp>
-        <p:nvSpPr>
-          <p:cNvPr id="6" name="Slide Number Placeholder 5"/>
-          <p:cNvSpPr>
-            <a:spLocks noGrp="1"/>
-          </p:cNvSpPr>
-          <p:nvPr>
-            <p:ph type="sldNum" sz="quarter" idx="12"/>
-          </p:nvPr>
-        </p:nvSpPr>
-        <p:spPr/>
-        <p:txBody>
-          <a:bodyPr/>
-          <a:lstStyle/>
-          <a:p>
-            <a:pPr defTabSz="914400" latinLnBrk="0"/>
-            <a:fld id="{B6F15528-21DE-4FAA-801E-634DDDAF4B2B}" type="slidenum">
-              <a:rPr lang="en-US" smtClean="0"/>
-              <a:pPr defTabSz="914400" latinLnBrk="0"/>
-              <a:t>‹#›</a:t>
-            </a:fld>
-            <a:endParaRPr lang="en-US"/>
-          </a:p>
-        </p:txBody>
-      </p:sp>
-    </p:spTree>
-    <p:extLst>
-      <p:ext uri="{BB962C8B-B14F-4D97-AF65-F5344CB8AC3E}">
-        <p14:creationId xmlns:p14="http://schemas.microsoft.com/office/powerpoint/2010/main" val="3096021607"/>
-      </p:ext>
-    </p:extLst>
-  </p:cSld>
-  <p:clrMapOvr>
-    <a:masterClrMapping/>
-  </p:clrMapOvr>
-</p:sldLayout>
-</file>
-
-<file path=ppt/slideLayouts/slideLayout24.xml><?xml version="1.0" encoding="utf-8"?>
-<p:sldLayout xmlns:a="http://schemas.openxmlformats.org/drawingml/2006/main" xmlns:r="http://schemas.openxmlformats.org/officeDocument/2006/relationships" xmlns:p="http://schemas.openxmlformats.org/presentationml/2006/main" type="title" preserve="1">
-  <p:cSld name="Title Slide">
-    <p:spTree>
-      <p:nvGrpSpPr>
-        <p:cNvPr id="1" name=""/>
-        <p:cNvGrpSpPr/>
-        <p:nvPr/>
-      </p:nvGrpSpPr>
-      <p:grpSpPr>
-        <a:xfrm>
-          <a:off x="0" y="0"/>
-          <a:ext cx="0" cy="0"/>
-          <a:chOff x="0" y="0"/>
-          <a:chExt cx="0" cy="0"/>
-        </a:xfrm>
-      </p:grpSpPr>
-      <p:sp>
-        <p:nvSpPr>
-          <p:cNvPr id="2" name="Title 1"/>
-          <p:cNvSpPr>
-            <a:spLocks noGrp="1"/>
-          </p:cNvSpPr>
-          <p:nvPr>
-            <p:ph type="ctrTitle"/>
-          </p:nvPr>
-        </p:nvSpPr>
-        <p:spPr>
-          <a:xfrm>
-            <a:off x="742950" y="1371601"/>
-            <a:ext cx="8502650" cy="1927225"/>
-          </a:xfrm>
-        </p:spPr>
-        <p:txBody>
-          <a:bodyPr anchor="b">
-            <a:noAutofit/>
-          </a:bodyPr>
-          <a:lstStyle>
-            <a:lvl1pPr>
-              <a:defRPr sz="5400" cap="all" baseline="0"/>
-            </a:lvl1pPr>
-          </a:lstStyle>
-          <a:p>
-            <a:r>
-              <a:rPr lang="en-US" smtClean="0"/>
-              <a:t>Click to edit Master title style</a:t>
-            </a:r>
-            <a:endParaRPr lang="en-US" dirty="0"/>
-          </a:p>
-        </p:txBody>
-      </p:sp>
-      <p:sp>
-        <p:nvSpPr>
-          <p:cNvPr id="3" name="Subtitle 2"/>
-          <p:cNvSpPr>
-            <a:spLocks noGrp="1"/>
-          </p:cNvSpPr>
-          <p:nvPr>
-            <p:ph type="subTitle" idx="1"/>
-          </p:nvPr>
-        </p:nvSpPr>
-        <p:spPr>
-          <a:xfrm>
-            <a:off x="742950" y="3505200"/>
-            <a:ext cx="6934200" cy="1752600"/>
-          </a:xfrm>
-        </p:spPr>
-        <p:txBody>
-          <a:bodyPr/>
-          <a:lstStyle>
-            <a:lvl1pPr marL="0" indent="0" algn="l">
-              <a:buNone/>
-              <a:defRPr>
-                <a:solidFill>
-                  <a:schemeClr val="tx1">
-                    <a:lumMod val="75000"/>
-                    <a:lumOff val="25000"/>
-                  </a:schemeClr>
-                </a:solidFill>
-              </a:defRPr>
-            </a:lvl1pPr>
-            <a:lvl2pPr marL="457200" indent="0" algn="ctr">
-              <a:buNone/>
-              <a:defRPr>
-                <a:solidFill>
-                  <a:schemeClr val="tx1">
-                    <a:tint val="75000"/>
-                  </a:schemeClr>
-                </a:solidFill>
-              </a:defRPr>
-            </a:lvl2pPr>
-            <a:lvl3pPr marL="914400" indent="0" algn="ctr">
-              <a:buNone/>
-              <a:defRPr>
-                <a:solidFill>
-                  <a:schemeClr val="tx1">
-                    <a:tint val="75000"/>
-                  </a:schemeClr>
-                </a:solidFill>
-              </a:defRPr>
-            </a:lvl3pPr>
-            <a:lvl4pPr marL="1371600" indent="0" algn="ctr">
-              <a:buNone/>
-              <a:defRPr>
-                <a:solidFill>
-                  <a:schemeClr val="tx1">
-                    <a:tint val="75000"/>
-                  </a:schemeClr>
-                </a:solidFill>
-              </a:defRPr>
-            </a:lvl4pPr>
-            <a:lvl5pPr marL="1828800" indent="0" algn="ctr">
-              <a:buNone/>
-              <a:defRPr>
-                <a:solidFill>
-                  <a:schemeClr val="tx1">
-                    <a:tint val="75000"/>
-                  </a:schemeClr>
-                </a:solidFill>
-              </a:defRPr>
-            </a:lvl5pPr>
-            <a:lvl6pPr marL="2286000" indent="0" algn="ctr">
-              <a:buNone/>
-              <a:defRPr>
-                <a:solidFill>
-                  <a:schemeClr val="tx1">
-                    <a:tint val="75000"/>
-                  </a:schemeClr>
-                </a:solidFill>
-              </a:defRPr>
-            </a:lvl6pPr>
-            <a:lvl7pPr marL="2743200" indent="0" algn="ctr">
-              <a:buNone/>
-              <a:defRPr>
-                <a:solidFill>
-                  <a:schemeClr val="tx1">
-                    <a:tint val="75000"/>
-                  </a:schemeClr>
-                </a:solidFill>
-              </a:defRPr>
-            </a:lvl7pPr>
-            <a:lvl8pPr marL="3200400" indent="0" algn="ctr">
-              <a:buNone/>
-              <a:defRPr>
-                <a:solidFill>
-                  <a:schemeClr val="tx1">
-                    <a:tint val="75000"/>
-                  </a:schemeClr>
-                </a:solidFill>
-              </a:defRPr>
-            </a:lvl8pPr>
-            <a:lvl9pPr marL="3657600" indent="0" algn="ctr">
-              <a:buNone/>
-              <a:defRPr>
-                <a:solidFill>
-                  <a:schemeClr val="tx1">
-                    <a:tint val="75000"/>
-                  </a:schemeClr>
-                </a:solidFill>
-              </a:defRPr>
-            </a:lvl9pPr>
-          </a:lstStyle>
-          <a:p>
-            <a:r>
-              <a:rPr lang="en-US" smtClean="0"/>
-              <a:t>Click to edit Master subtitle style</a:t>
-            </a:r>
-            <a:endParaRPr lang="en-US" dirty="0"/>
-          </a:p>
-        </p:txBody>
-      </p:sp>
-      <p:sp>
-        <p:nvSpPr>
-          <p:cNvPr id="4" name="Date Placeholder 3"/>
-          <p:cNvSpPr>
-            <a:spLocks noGrp="1"/>
-          </p:cNvSpPr>
-          <p:nvPr>
-            <p:ph type="dt" sz="half" idx="10"/>
-          </p:nvPr>
-        </p:nvSpPr>
-        <p:spPr/>
-        <p:txBody>
-          <a:bodyPr/>
-          <a:lstStyle/>
-          <a:p>
-            <a:pPr defTabSz="914400" latinLnBrk="0"/>
-            <a:fld id="{1D8BD707-D9CF-40AE-B4C6-C98DA3205C09}" type="datetimeFigureOut">
-              <a:rPr lang="en-US" smtClean="0"/>
-              <a:pPr defTabSz="914400" latinLnBrk="0"/>
-              <a:t>4/21/2022</a:t>
-            </a:fld>
-            <a:endParaRPr lang="en-US"/>
-          </a:p>
-        </p:txBody>
-      </p:sp>
-      <p:sp>
-        <p:nvSpPr>
-          <p:cNvPr id="5" name="Footer Placeholder 4"/>
-          <p:cNvSpPr>
-            <a:spLocks noGrp="1"/>
-          </p:cNvSpPr>
-          <p:nvPr>
-            <p:ph type="ftr" sz="quarter" idx="11"/>
-          </p:nvPr>
-        </p:nvSpPr>
-        <p:spPr/>
-        <p:txBody>
-          <a:bodyPr/>
-          <a:lstStyle/>
-          <a:p>
-            <a:pPr defTabSz="914400" latinLnBrk="0"/>
-            <a:endParaRPr lang="en-US"/>
-          </a:p>
-        </p:txBody>
-      </p:sp>
-      <p:sp>
-        <p:nvSpPr>
-          <p:cNvPr id="6" name="Slide Number Placeholder 5"/>
-          <p:cNvSpPr>
-            <a:spLocks noGrp="1"/>
-          </p:cNvSpPr>
-          <p:nvPr>
-            <p:ph type="sldNum" sz="quarter" idx="12"/>
-          </p:nvPr>
-        </p:nvSpPr>
-        <p:spPr/>
-        <p:txBody>
-          <a:bodyPr/>
-          <a:lstStyle/>
-          <a:p>
-            <a:pPr defTabSz="914400" latinLnBrk="0"/>
-            <a:fld id="{B6F15528-21DE-4FAA-801E-634DDDAF4B2B}" type="slidenum">
-              <a:rPr lang="en-US" smtClean="0"/>
-              <a:pPr defTabSz="914400" latinLnBrk="0"/>
-              <a:t>‹#›</a:t>
-            </a:fld>
-            <a:endParaRPr lang="en-US"/>
-          </a:p>
-        </p:txBody>
-      </p:sp>
-      <p:cxnSp>
-        <p:nvCxnSpPr>
-          <p:cNvPr id="8" name="Straight Connector 7"/>
-          <p:cNvCxnSpPr/>
-          <p:nvPr/>
-        </p:nvCxnSpPr>
-        <p:spPr>
-          <a:xfrm>
-            <a:off x="742950" y="3398520"/>
-            <a:ext cx="8502650" cy="1588"/>
-          </a:xfrm>
-          <a:prstGeom prst="line">
-            <a:avLst/>
-          </a:prstGeom>
-          <a:ln w="19050">
-            <a:solidFill>
-              <a:schemeClr val="tx2"/>
-            </a:solidFill>
-          </a:ln>
-        </p:spPr>
-        <p:style>
-          <a:lnRef idx="1">
-            <a:schemeClr val="accent1"/>
-          </a:lnRef>
-          <a:fillRef idx="0">
-            <a:schemeClr val="accent1"/>
-          </a:fillRef>
-          <a:effectRef idx="0">
-            <a:schemeClr val="accent1"/>
-          </a:effectRef>
-          <a:fontRef idx="minor">
-            <a:schemeClr val="tx1"/>
-          </a:fontRef>
-        </p:style>
-      </p:cxnSp>
-    </p:spTree>
-    <p:extLst>
-      <p:ext uri="{BB962C8B-B14F-4D97-AF65-F5344CB8AC3E}">
-        <p14:creationId xmlns:p14="http://schemas.microsoft.com/office/powerpoint/2010/main" val="1926897348"/>
-      </p:ext>
-    </p:extLst>
-  </p:cSld>
-  <p:clrMapOvr>
-    <a:masterClrMapping/>
-  </p:clrMapOvr>
-</p:sldLayout>
-</file>
-
-<file path=ppt/slideLayouts/slideLayout25.xml><?xml version="1.0" encoding="utf-8"?>
-<p:sldLayout xmlns:a="http://schemas.openxmlformats.org/drawingml/2006/main" xmlns:r="http://schemas.openxmlformats.org/officeDocument/2006/relationships" xmlns:p="http://schemas.openxmlformats.org/presentationml/2006/main" type="obj" preserve="1">
-  <p:cSld name="Title and Content">
-    <p:spTree>
-      <p:nvGrpSpPr>
-        <p:cNvPr id="1" name=""/>
-        <p:cNvGrpSpPr/>
-        <p:nvPr/>
-      </p:nvGrpSpPr>
-      <p:grpSpPr>
-        <a:xfrm>
-          <a:off x="0" y="0"/>
-          <a:ext cx="0" cy="0"/>
-          <a:chOff x="0" y="0"/>
-          <a:chExt cx="0" cy="0"/>
-        </a:xfrm>
-      </p:grpSpPr>
-      <p:sp>
-        <p:nvSpPr>
-          <p:cNvPr id="2" name="Title 1"/>
-          <p:cNvSpPr>
-            <a:spLocks noGrp="1"/>
-          </p:cNvSpPr>
-          <p:nvPr>
-            <p:ph type="title"/>
-          </p:nvPr>
-        </p:nvSpPr>
-        <p:spPr/>
-        <p:txBody>
-          <a:bodyPr/>
-          <a:lstStyle/>
-          <a:p>
-            <a:r>
-              <a:rPr lang="en-US" smtClean="0"/>
-              <a:t>Click to edit Master title style</a:t>
-            </a:r>
-            <a:endParaRPr lang="en-US"/>
-          </a:p>
-        </p:txBody>
-      </p:sp>
-      <p:sp>
-        <p:nvSpPr>
-          <p:cNvPr id="3" name="Content Placeholder 2"/>
-          <p:cNvSpPr>
-            <a:spLocks noGrp="1"/>
-          </p:cNvSpPr>
-          <p:nvPr>
-            <p:ph idx="1"/>
-          </p:nvPr>
-        </p:nvSpPr>
-        <p:spPr/>
-        <p:txBody>
-          <a:bodyPr/>
-          <a:lstStyle/>
-          <a:p>
-            <a:pPr lvl="0"/>
-            <a:r>
-              <a:rPr lang="en-US" smtClean="0"/>
-              <a:t>Click to edit Master text styles</a:t>
-            </a:r>
-          </a:p>
-          <a:p>
-            <a:pPr lvl="1"/>
-            <a:r>
-              <a:rPr lang="en-US" smtClean="0"/>
-              <a:t>Second level</a:t>
-            </a:r>
-          </a:p>
-          <a:p>
-            <a:pPr lvl="2"/>
-            <a:r>
-              <a:rPr lang="en-US" smtClean="0"/>
-              <a:t>Third level</a:t>
-            </a:r>
-          </a:p>
-          <a:p>
-            <a:pPr lvl="3"/>
-            <a:r>
-              <a:rPr lang="en-US" smtClean="0"/>
-              <a:t>Fourth level</a:t>
-            </a:r>
-          </a:p>
-          <a:p>
-            <a:pPr lvl="4"/>
-            <a:r>
-              <a:rPr lang="en-US" smtClean="0"/>
-              <a:t>Fifth level</a:t>
-            </a:r>
-            <a:endParaRPr lang="en-US"/>
-          </a:p>
-        </p:txBody>
-      </p:sp>
-      <p:sp>
-        <p:nvSpPr>
-          <p:cNvPr id="4" name="Date Placeholder 3"/>
-          <p:cNvSpPr>
-            <a:spLocks noGrp="1"/>
-          </p:cNvSpPr>
-          <p:nvPr>
-            <p:ph type="dt" sz="half" idx="10"/>
-          </p:nvPr>
-        </p:nvSpPr>
-        <p:spPr/>
-        <p:txBody>
-          <a:bodyPr/>
-          <a:lstStyle/>
-          <a:p>
-            <a:pPr defTabSz="914400" latinLnBrk="0"/>
-            <a:fld id="{1D8BD707-D9CF-40AE-B4C6-C98DA3205C09}" type="datetimeFigureOut">
-              <a:rPr lang="en-US" smtClean="0"/>
-              <a:pPr defTabSz="914400" latinLnBrk="0"/>
-              <a:t>4/21/2022</a:t>
-            </a:fld>
-            <a:endParaRPr lang="en-US"/>
-          </a:p>
-        </p:txBody>
-      </p:sp>
-      <p:sp>
-        <p:nvSpPr>
-          <p:cNvPr id="5" name="Footer Placeholder 4"/>
-          <p:cNvSpPr>
-            <a:spLocks noGrp="1"/>
-          </p:cNvSpPr>
-          <p:nvPr>
-            <p:ph type="ftr" sz="quarter" idx="11"/>
-          </p:nvPr>
-        </p:nvSpPr>
-        <p:spPr/>
-        <p:txBody>
-          <a:bodyPr/>
-          <a:lstStyle/>
-          <a:p>
-            <a:pPr defTabSz="914400" latinLnBrk="0"/>
-            <a:endParaRPr lang="en-US"/>
-          </a:p>
-        </p:txBody>
-      </p:sp>
-      <p:sp>
-        <p:nvSpPr>
-          <p:cNvPr id="6" name="Slide Number Placeholder 5"/>
-          <p:cNvSpPr>
-            <a:spLocks noGrp="1"/>
-          </p:cNvSpPr>
-          <p:nvPr>
-            <p:ph type="sldNum" sz="quarter" idx="12"/>
-          </p:nvPr>
-        </p:nvSpPr>
-        <p:spPr/>
-        <p:txBody>
-          <a:bodyPr/>
-          <a:lstStyle/>
-          <a:p>
-            <a:pPr defTabSz="914400" latinLnBrk="0"/>
-            <a:fld id="{B6F15528-21DE-4FAA-801E-634DDDAF4B2B}" type="slidenum">
-              <a:rPr lang="en-US" smtClean="0"/>
-              <a:pPr defTabSz="914400" latinLnBrk="0"/>
-              <a:t>‹#›</a:t>
-            </a:fld>
-            <a:endParaRPr lang="en-US"/>
-          </a:p>
-        </p:txBody>
-      </p:sp>
-    </p:spTree>
-    <p:extLst>
-      <p:ext uri="{BB962C8B-B14F-4D97-AF65-F5344CB8AC3E}">
-        <p14:creationId xmlns:p14="http://schemas.microsoft.com/office/powerpoint/2010/main" val="1081917027"/>
-      </p:ext>
-    </p:extLst>
-  </p:cSld>
-  <p:clrMapOvr>
-    <a:masterClrMapping/>
-  </p:clrMapOvr>
-</p:sldLayout>
-</file>
-
-<file path=ppt/slideLayouts/slideLayout26.xml><?xml version="1.0" encoding="utf-8"?>
 <p:sldLayout xmlns:a="http://schemas.openxmlformats.org/drawingml/2006/main" xmlns:r="http://schemas.openxmlformats.org/officeDocument/2006/relationships" xmlns:p="http://schemas.openxmlformats.org/presentationml/2006/main" type="secHead" preserve="1">
   <p:cSld name="Section Header">
     <p:bg>
@@ -4773,7 +1874,7 @@
 </p:sldLayout>
 </file>
 
-<file path=ppt/slideLayouts/slideLayout27.xml><?xml version="1.0" encoding="utf-8"?>
+<file path=ppt/slideLayouts/slideLayout16.xml><?xml version="1.0" encoding="utf-8"?>
 <p:sldLayout xmlns:a="http://schemas.openxmlformats.org/drawingml/2006/main" xmlns:r="http://schemas.openxmlformats.org/officeDocument/2006/relationships" xmlns:p="http://schemas.openxmlformats.org/presentationml/2006/main" type="twoObj" preserve="1">
   <p:cSld name="Two Content">
     <p:spTree>
@@ -5066,7 +2167,7 @@
 </p:sldLayout>
 </file>
 
-<file path=ppt/slideLayouts/slideLayout28.xml><?xml version="1.0" encoding="utf-8"?>
+<file path=ppt/slideLayouts/slideLayout17.xml><?xml version="1.0" encoding="utf-8"?>
 <p:sldLayout xmlns:a="http://schemas.openxmlformats.org/drawingml/2006/main" xmlns:r="http://schemas.openxmlformats.org/officeDocument/2006/relationships" xmlns:p="http://schemas.openxmlformats.org/presentationml/2006/main" type="twoTxTwoObj" preserve="1">
   <p:cSld name="Comparison">
     <p:spTree>
@@ -5577,7 +2678,7 @@
 </p:sldLayout>
 </file>
 
-<file path=ppt/slideLayouts/slideLayout29.xml><?xml version="1.0" encoding="utf-8"?>
+<file path=ppt/slideLayouts/slideLayout18.xml><?xml version="1.0" encoding="utf-8"?>
 <p:sldLayout xmlns:a="http://schemas.openxmlformats.org/drawingml/2006/main" xmlns:r="http://schemas.openxmlformats.org/officeDocument/2006/relationships" xmlns:p="http://schemas.openxmlformats.org/presentationml/2006/main" type="titleOnly" preserve="1">
   <p:cSld name="Title Only">
     <p:spTree>
@@ -5700,257 +2801,7 @@
 </p:sldLayout>
 </file>
 
-<file path=ppt/slideLayouts/slideLayout3.xml><?xml version="1.0" encoding="utf-8"?>
-<p:sldLayout xmlns:a="http://schemas.openxmlformats.org/drawingml/2006/main" xmlns:r="http://schemas.openxmlformats.org/officeDocument/2006/relationships" xmlns:p="http://schemas.openxmlformats.org/presentationml/2006/main" type="secHead" preserve="1">
-  <p:cSld name="구역 머리글">
-    <p:spTree>
-      <p:nvGrpSpPr>
-        <p:cNvPr id="1" name=""/>
-        <p:cNvGrpSpPr/>
-        <p:nvPr/>
-      </p:nvGrpSpPr>
-      <p:grpSpPr>
-        <a:xfrm>
-          <a:off x="0" y="0"/>
-          <a:ext cx="0" cy="0"/>
-          <a:chOff x="0" y="0"/>
-          <a:chExt cx="0" cy="0"/>
-        </a:xfrm>
-      </p:grpSpPr>
-      <p:sp>
-        <p:nvSpPr>
-          <p:cNvPr id="2" name="Title 1"/>
-          <p:cNvSpPr>
-            <a:spLocks noGrp="1"/>
-          </p:cNvSpPr>
-          <p:nvPr>
-            <p:ph type="title"/>
-          </p:nvPr>
-        </p:nvSpPr>
-        <p:spPr>
-          <a:xfrm>
-            <a:off x="675879" y="1709740"/>
-            <a:ext cx="8543925" cy="2852737"/>
-          </a:xfrm>
-          <a:prstGeom prst="rect">
-            <a:avLst/>
-          </a:prstGeom>
-        </p:spPr>
-        <p:txBody>
-          <a:bodyPr anchor="b"/>
-          <a:lstStyle>
-            <a:lvl1pPr>
-              <a:defRPr sz="6000"/>
-            </a:lvl1pPr>
-          </a:lstStyle>
-          <a:p>
-            <a:r>
-              <a:rPr lang="ko-KR" altLang="en-US"/>
-              <a:t>마스터 제목 스타일 편집</a:t>
-            </a:r>
-            <a:endParaRPr lang="en-US" dirty="0"/>
-          </a:p>
-        </p:txBody>
-      </p:sp>
-      <p:sp>
-        <p:nvSpPr>
-          <p:cNvPr id="3" name="Text Placeholder 2"/>
-          <p:cNvSpPr>
-            <a:spLocks noGrp="1"/>
-          </p:cNvSpPr>
-          <p:nvPr>
-            <p:ph type="body" idx="1"/>
-          </p:nvPr>
-        </p:nvSpPr>
-        <p:spPr>
-          <a:xfrm>
-            <a:off x="675879" y="4589465"/>
-            <a:ext cx="8543925" cy="1500187"/>
-          </a:xfrm>
-          <a:prstGeom prst="rect">
-            <a:avLst/>
-          </a:prstGeom>
-        </p:spPr>
-        <p:txBody>
-          <a:bodyPr/>
-          <a:lstStyle>
-            <a:lvl1pPr marL="0" indent="0">
-              <a:buNone/>
-              <a:defRPr sz="2400">
-                <a:solidFill>
-                  <a:schemeClr val="tx1"/>
-                </a:solidFill>
-              </a:defRPr>
-            </a:lvl1pPr>
-            <a:lvl2pPr marL="457200" indent="0">
-              <a:buNone/>
-              <a:defRPr sz="2000">
-                <a:solidFill>
-                  <a:schemeClr val="tx1">
-                    <a:tint val="75000"/>
-                  </a:schemeClr>
-                </a:solidFill>
-              </a:defRPr>
-            </a:lvl2pPr>
-            <a:lvl3pPr marL="914400" indent="0">
-              <a:buNone/>
-              <a:defRPr sz="1800">
-                <a:solidFill>
-                  <a:schemeClr val="tx1">
-                    <a:tint val="75000"/>
-                  </a:schemeClr>
-                </a:solidFill>
-              </a:defRPr>
-            </a:lvl3pPr>
-            <a:lvl4pPr marL="1371600" indent="0">
-              <a:buNone/>
-              <a:defRPr sz="1600">
-                <a:solidFill>
-                  <a:schemeClr val="tx1">
-                    <a:tint val="75000"/>
-                  </a:schemeClr>
-                </a:solidFill>
-              </a:defRPr>
-            </a:lvl4pPr>
-            <a:lvl5pPr marL="1828800" indent="0">
-              <a:buNone/>
-              <a:defRPr sz="1600">
-                <a:solidFill>
-                  <a:schemeClr val="tx1">
-                    <a:tint val="75000"/>
-                  </a:schemeClr>
-                </a:solidFill>
-              </a:defRPr>
-            </a:lvl5pPr>
-            <a:lvl6pPr marL="2286000" indent="0">
-              <a:buNone/>
-              <a:defRPr sz="1600">
-                <a:solidFill>
-                  <a:schemeClr val="tx1">
-                    <a:tint val="75000"/>
-                  </a:schemeClr>
-                </a:solidFill>
-              </a:defRPr>
-            </a:lvl6pPr>
-            <a:lvl7pPr marL="2743200" indent="0">
-              <a:buNone/>
-              <a:defRPr sz="1600">
-                <a:solidFill>
-                  <a:schemeClr val="tx1">
-                    <a:tint val="75000"/>
-                  </a:schemeClr>
-                </a:solidFill>
-              </a:defRPr>
-            </a:lvl7pPr>
-            <a:lvl8pPr marL="3200400" indent="0">
-              <a:buNone/>
-              <a:defRPr sz="1600">
-                <a:solidFill>
-                  <a:schemeClr val="tx1">
-                    <a:tint val="75000"/>
-                  </a:schemeClr>
-                </a:solidFill>
-              </a:defRPr>
-            </a:lvl8pPr>
-            <a:lvl9pPr marL="3657600" indent="0">
-              <a:buNone/>
-              <a:defRPr sz="1600">
-                <a:solidFill>
-                  <a:schemeClr val="tx1">
-                    <a:tint val="75000"/>
-                  </a:schemeClr>
-                </a:solidFill>
-              </a:defRPr>
-            </a:lvl9pPr>
-          </a:lstStyle>
-          <a:p>
-            <a:pPr lvl="0"/>
-            <a:r>
-              <a:rPr lang="ko-KR" altLang="en-US"/>
-              <a:t>마스터 텍스트 스타일을 편집합니다</a:t>
-            </a:r>
-          </a:p>
-        </p:txBody>
-      </p:sp>
-      <p:sp>
-        <p:nvSpPr>
-          <p:cNvPr id="4" name="Date Placeholder 3"/>
-          <p:cNvSpPr>
-            <a:spLocks noGrp="1"/>
-          </p:cNvSpPr>
-          <p:nvPr>
-            <p:ph type="dt" sz="half" idx="10"/>
-          </p:nvPr>
-        </p:nvSpPr>
-        <p:spPr/>
-        <p:txBody>
-          <a:bodyPr/>
-          <a:lstStyle/>
-          <a:p>
-            <a:fld id="{D5BB7A41-6D90-4371-844A-87EC379C3D06}" type="datetimeFigureOut">
-              <a:rPr lang="ko-KR" altLang="en-US" smtClean="0"/>
-              <a:t>2022-04-21</a:t>
-            </a:fld>
-            <a:endParaRPr lang="ko-KR" altLang="en-US"/>
-          </a:p>
-        </p:txBody>
-      </p:sp>
-      <p:sp>
-        <p:nvSpPr>
-          <p:cNvPr id="5" name="Footer Placeholder 4"/>
-          <p:cNvSpPr>
-            <a:spLocks noGrp="1"/>
-          </p:cNvSpPr>
-          <p:nvPr>
-            <p:ph type="ftr" sz="quarter" idx="11"/>
-          </p:nvPr>
-        </p:nvSpPr>
-        <p:spPr/>
-        <p:txBody>
-          <a:bodyPr/>
-          <a:lstStyle/>
-          <a:p>
-            <a:endParaRPr lang="ko-KR" altLang="en-US"/>
-          </a:p>
-        </p:txBody>
-      </p:sp>
-      <p:sp>
-        <p:nvSpPr>
-          <p:cNvPr id="6" name="Slide Number Placeholder 5"/>
-          <p:cNvSpPr>
-            <a:spLocks noGrp="1"/>
-          </p:cNvSpPr>
-          <p:nvPr>
-            <p:ph type="sldNum" sz="quarter" idx="12"/>
-          </p:nvPr>
-        </p:nvSpPr>
-        <p:spPr/>
-        <p:txBody>
-          <a:bodyPr/>
-          <a:lstStyle/>
-          <a:p>
-            <a:fld id="{5733F733-A97E-45C7-8208-292F002894F6}" type="slidenum">
-              <a:rPr lang="ko-KR" altLang="en-US" smtClean="0"/>
-              <a:t>‹#›</a:t>
-            </a:fld>
-            <a:endParaRPr lang="ko-KR" altLang="en-US"/>
-          </a:p>
-        </p:txBody>
-      </p:sp>
-    </p:spTree>
-    <p:extLst>
-      <p:ext uri="{BB962C8B-B14F-4D97-AF65-F5344CB8AC3E}">
-        <p14:creationId xmlns:p14="http://schemas.microsoft.com/office/powerpoint/2010/main" val="2826336727"/>
-      </p:ext>
-    </p:extLst>
-  </p:cSld>
-  <p:clrMapOvr>
-    <a:masterClrMapping/>
-  </p:clrMapOvr>
-</p:sldLayout>
-</file>
-
-<file path=ppt/slideLayouts/slideLayout30.xml><?xml version="1.0" encoding="utf-8"?>
+<file path=ppt/slideLayouts/slideLayout19.xml><?xml version="1.0" encoding="utf-8"?>
 <p:sldLayout xmlns:a="http://schemas.openxmlformats.org/drawingml/2006/main" xmlns:r="http://schemas.openxmlformats.org/officeDocument/2006/relationships" xmlns:p="http://schemas.openxmlformats.org/presentationml/2006/main" type="blank" preserve="1">
   <p:cSld name="Blank">
     <p:spTree>
@@ -6050,7 +2901,162 @@
 </p:sldLayout>
 </file>
 
-<file path=ppt/slideLayouts/slideLayout31.xml><?xml version="1.0" encoding="utf-8"?>
+<file path=ppt/slideLayouts/slideLayout2.xml><?xml version="1.0" encoding="utf-8"?>
+<p:sldLayout xmlns:a="http://schemas.openxmlformats.org/drawingml/2006/main" xmlns:r="http://schemas.openxmlformats.org/officeDocument/2006/relationships" xmlns:p="http://schemas.openxmlformats.org/presentationml/2006/main" preserve="1" userDrawn="1">
+  <p:cSld name="제목 및 내용">
+    <p:spTree>
+      <p:nvGrpSpPr>
+        <p:cNvPr id="1" name=""/>
+        <p:cNvGrpSpPr/>
+        <p:nvPr/>
+      </p:nvGrpSpPr>
+      <p:grpSpPr>
+        <a:xfrm>
+          <a:off x="0" y="0"/>
+          <a:ext cx="0" cy="0"/>
+          <a:chOff x="0" y="0"/>
+          <a:chExt cx="0" cy="0"/>
+        </a:xfrm>
+      </p:grpSpPr>
+      <p:sp>
+        <p:nvSpPr>
+          <p:cNvPr id="3" name="Content Placeholder 2"/>
+          <p:cNvSpPr>
+            <a:spLocks noGrp="1"/>
+          </p:cNvSpPr>
+          <p:nvPr>
+            <p:ph idx="1"/>
+          </p:nvPr>
+        </p:nvSpPr>
+        <p:spPr>
+          <a:xfrm>
+            <a:off x="681038" y="1825625"/>
+            <a:ext cx="8543925" cy="4351338"/>
+          </a:xfrm>
+          <a:prstGeom prst="rect">
+            <a:avLst/>
+          </a:prstGeom>
+        </p:spPr>
+        <p:txBody>
+          <a:bodyPr/>
+          <a:lstStyle/>
+          <a:p>
+            <a:pPr lvl="0"/>
+            <a:r>
+              <a:rPr lang="ko-KR" altLang="en-US"/>
+              <a:t>마스터 텍스트 스타일을 편집합니다</a:t>
+            </a:r>
+          </a:p>
+          <a:p>
+            <a:pPr lvl="1"/>
+            <a:r>
+              <a:rPr lang="ko-KR" altLang="en-US"/>
+              <a:t>둘째 수준</a:t>
+            </a:r>
+          </a:p>
+          <a:p>
+            <a:pPr lvl="2"/>
+            <a:r>
+              <a:rPr lang="ko-KR" altLang="en-US"/>
+              <a:t>셋째 수준</a:t>
+            </a:r>
+          </a:p>
+          <a:p>
+            <a:pPr lvl="3"/>
+            <a:r>
+              <a:rPr lang="ko-KR" altLang="en-US"/>
+              <a:t>넷째 수준</a:t>
+            </a:r>
+          </a:p>
+          <a:p>
+            <a:pPr lvl="4"/>
+            <a:r>
+              <a:rPr lang="ko-KR" altLang="en-US"/>
+              <a:t>다섯째 수준</a:t>
+            </a:r>
+            <a:endParaRPr lang="en-US" dirty="0"/>
+          </a:p>
+        </p:txBody>
+      </p:sp>
+      <p:sp>
+        <p:nvSpPr>
+          <p:cNvPr id="4" name="Date Placeholder 3"/>
+          <p:cNvSpPr>
+            <a:spLocks noGrp="1"/>
+          </p:cNvSpPr>
+          <p:nvPr>
+            <p:ph type="dt" sz="half" idx="10"/>
+          </p:nvPr>
+        </p:nvSpPr>
+        <p:spPr/>
+        <p:txBody>
+          <a:bodyPr/>
+          <a:lstStyle/>
+          <a:p>
+            <a:fld id="{D5BB7A41-6D90-4371-844A-87EC379C3D06}" type="datetimeFigureOut">
+              <a:rPr lang="ko-KR" altLang="en-US" smtClean="0"/>
+              <a:t>2022-04-21</a:t>
+            </a:fld>
+            <a:endParaRPr lang="ko-KR" altLang="en-US"/>
+          </a:p>
+        </p:txBody>
+      </p:sp>
+      <p:sp>
+        <p:nvSpPr>
+          <p:cNvPr id="5" name="Footer Placeholder 4"/>
+          <p:cNvSpPr>
+            <a:spLocks noGrp="1"/>
+          </p:cNvSpPr>
+          <p:nvPr>
+            <p:ph type="ftr" sz="quarter" idx="11"/>
+          </p:nvPr>
+        </p:nvSpPr>
+        <p:spPr/>
+        <p:txBody>
+          <a:bodyPr/>
+          <a:lstStyle/>
+          <a:p>
+            <a:endParaRPr lang="ko-KR" altLang="en-US"/>
+          </a:p>
+        </p:txBody>
+      </p:sp>
+      <p:sp>
+        <p:nvSpPr>
+          <p:cNvPr id="6" name="Slide Number Placeholder 5"/>
+          <p:cNvSpPr>
+            <a:spLocks noGrp="1"/>
+          </p:cNvSpPr>
+          <p:nvPr>
+            <p:ph type="sldNum" sz="quarter" idx="12"/>
+          </p:nvPr>
+        </p:nvSpPr>
+        <p:spPr/>
+        <p:txBody>
+          <a:bodyPr/>
+          <a:lstStyle/>
+          <a:p>
+            <a:fld id="{5733F733-A97E-45C7-8208-292F002894F6}" type="slidenum">
+              <a:rPr lang="ko-KR" altLang="en-US" smtClean="0"/>
+              <a:t>‹#›</a:t>
+            </a:fld>
+            <a:endParaRPr lang="ko-KR" altLang="en-US"/>
+          </a:p>
+        </p:txBody>
+      </p:sp>
+    </p:spTree>
+    <p:extLst>
+      <p:ext uri="{BB962C8B-B14F-4D97-AF65-F5344CB8AC3E}">
+        <p14:creationId xmlns:p14="http://schemas.microsoft.com/office/powerpoint/2010/main" val="2845426236"/>
+      </p:ext>
+    </p:extLst>
+  </p:cSld>
+  <p:clrMapOvr>
+    <a:masterClrMapping/>
+  </p:clrMapOvr>
+</p:sldLayout>
+</file>
+
+<file path=ppt/slideLayouts/slideLayout20.xml><?xml version="1.0" encoding="utf-8"?>
 <p:sldLayout xmlns:a="http://schemas.openxmlformats.org/drawingml/2006/main" xmlns:r="http://schemas.openxmlformats.org/officeDocument/2006/relationships" xmlns:p="http://schemas.openxmlformats.org/presentationml/2006/main" type="objTx" preserve="1">
   <p:cSld name="Content with Caption">
     <p:spTree>
@@ -6369,7 +3375,7 @@
 </p:sldLayout>
 </file>
 
-<file path=ppt/slideLayouts/slideLayout32.xml><?xml version="1.0" encoding="utf-8"?>
+<file path=ppt/slideLayouts/slideLayout21.xml><?xml version="1.0" encoding="utf-8"?>
 <p:sldLayout xmlns:a="http://schemas.openxmlformats.org/drawingml/2006/main" xmlns:r="http://schemas.openxmlformats.org/officeDocument/2006/relationships" xmlns:p="http://schemas.openxmlformats.org/presentationml/2006/main" type="picTx" preserve="1">
   <p:cSld name="Picture with Caption">
     <p:spTree>
@@ -6649,7 +3655,7 @@
 </p:sldLayout>
 </file>
 
-<file path=ppt/slideLayouts/slideLayout33.xml><?xml version="1.0" encoding="utf-8"?>
+<file path=ppt/slideLayouts/slideLayout22.xml><?xml version="1.0" encoding="utf-8"?>
 <p:sldLayout xmlns:a="http://schemas.openxmlformats.org/drawingml/2006/main" xmlns:r="http://schemas.openxmlformats.org/officeDocument/2006/relationships" xmlns:p="http://schemas.openxmlformats.org/presentationml/2006/main" type="vertTx" preserve="1">
   <p:cSld name="Title and Vertical Text">
     <p:spTree>
@@ -6824,7 +3830,7 @@
 </p:sldLayout>
 </file>
 
-<file path=ppt/slideLayouts/slideLayout34.xml><?xml version="1.0" encoding="utf-8"?>
+<file path=ppt/slideLayouts/slideLayout23.xml><?xml version="1.0" encoding="utf-8"?>
 <p:sldLayout xmlns:a="http://schemas.openxmlformats.org/drawingml/2006/main" xmlns:r="http://schemas.openxmlformats.org/officeDocument/2006/relationships" xmlns:p="http://schemas.openxmlformats.org/presentationml/2006/main" type="vertTitleAndTx" preserve="1">
   <p:cSld name="Vertical Title and Text">
     <p:spTree>
@@ -7009,7 +4015,7 @@
 </p:sldLayout>
 </file>
 
-<file path=ppt/slideLayouts/slideLayout35.xml><?xml version="1.0" encoding="utf-8"?>
+<file path=ppt/slideLayouts/slideLayout24.xml><?xml version="1.0" encoding="utf-8"?>
 <p:sldLayout xmlns:a="http://schemas.openxmlformats.org/drawingml/2006/main" xmlns:r="http://schemas.openxmlformats.org/officeDocument/2006/relationships" xmlns:p="http://schemas.openxmlformats.org/presentationml/2006/main" type="title" preserve="1">
   <p:cSld name="Title Slide">
     <p:spTree>
@@ -7298,7 +4304,7 @@
 </p:sldLayout>
 </file>
 
-<file path=ppt/slideLayouts/slideLayout36.xml><?xml version="1.0" encoding="utf-8"?>
+<file path=ppt/slideLayouts/slideLayout25.xml><?xml version="1.0" encoding="utf-8"?>
 <p:sldLayout xmlns:a="http://schemas.openxmlformats.org/drawingml/2006/main" xmlns:r="http://schemas.openxmlformats.org/officeDocument/2006/relationships" xmlns:p="http://schemas.openxmlformats.org/presentationml/2006/main" type="obj" preserve="1">
   <p:cSld name="Title and Content">
     <p:spTree>
@@ -7473,7 +4479,7 @@
 </p:sldLayout>
 </file>
 
-<file path=ppt/slideLayouts/slideLayout37.xml><?xml version="1.0" encoding="utf-8"?>
+<file path=ppt/slideLayouts/slideLayout26.xml><?xml version="1.0" encoding="utf-8"?>
 <p:sldLayout xmlns:a="http://schemas.openxmlformats.org/drawingml/2006/main" xmlns:r="http://schemas.openxmlformats.org/officeDocument/2006/relationships" xmlns:p="http://schemas.openxmlformats.org/presentationml/2006/main" type="secHead" preserve="1">
   <p:cSld name="Section Header">
     <p:bg>
@@ -7766,7 +4772,7 @@
 </p:sldLayout>
 </file>
 
-<file path=ppt/slideLayouts/slideLayout38.xml><?xml version="1.0" encoding="utf-8"?>
+<file path=ppt/slideLayouts/slideLayout27.xml><?xml version="1.0" encoding="utf-8"?>
 <p:sldLayout xmlns:a="http://schemas.openxmlformats.org/drawingml/2006/main" xmlns:r="http://schemas.openxmlformats.org/officeDocument/2006/relationships" xmlns:p="http://schemas.openxmlformats.org/presentationml/2006/main" type="twoObj" preserve="1">
   <p:cSld name="Two Content">
     <p:spTree>
@@ -8059,7 +5065,7 @@
 </p:sldLayout>
 </file>
 
-<file path=ppt/slideLayouts/slideLayout39.xml><?xml version="1.0" encoding="utf-8"?>
+<file path=ppt/slideLayouts/slideLayout28.xml><?xml version="1.0" encoding="utf-8"?>
 <p:sldLayout xmlns:a="http://schemas.openxmlformats.org/drawingml/2006/main" xmlns:r="http://schemas.openxmlformats.org/officeDocument/2006/relationships" xmlns:p="http://schemas.openxmlformats.org/presentationml/2006/main" type="twoTxTwoObj" preserve="1">
   <p:cSld name="Comparison">
     <p:spTree>
@@ -8570,253 +5576,7 @@
 </p:sldLayout>
 </file>
 
-<file path=ppt/slideLayouts/slideLayout4.xml><?xml version="1.0" encoding="utf-8"?>
-<p:sldLayout xmlns:a="http://schemas.openxmlformats.org/drawingml/2006/main" xmlns:r="http://schemas.openxmlformats.org/officeDocument/2006/relationships" xmlns:p="http://schemas.openxmlformats.org/presentationml/2006/main" type="twoObj" preserve="1">
-  <p:cSld name="콘텐츠 2개">
-    <p:spTree>
-      <p:nvGrpSpPr>
-        <p:cNvPr id="1" name=""/>
-        <p:cNvGrpSpPr/>
-        <p:nvPr/>
-      </p:nvGrpSpPr>
-      <p:grpSpPr>
-        <a:xfrm>
-          <a:off x="0" y="0"/>
-          <a:ext cx="0" cy="0"/>
-          <a:chOff x="0" y="0"/>
-          <a:chExt cx="0" cy="0"/>
-        </a:xfrm>
-      </p:grpSpPr>
-      <p:sp>
-        <p:nvSpPr>
-          <p:cNvPr id="2" name="Title 1"/>
-          <p:cNvSpPr>
-            <a:spLocks noGrp="1"/>
-          </p:cNvSpPr>
-          <p:nvPr>
-            <p:ph type="title"/>
-          </p:nvPr>
-        </p:nvSpPr>
-        <p:spPr>
-          <a:xfrm>
-            <a:off x="681038" y="365127"/>
-            <a:ext cx="8543925" cy="1325563"/>
-          </a:xfrm>
-          <a:prstGeom prst="rect">
-            <a:avLst/>
-          </a:prstGeom>
-        </p:spPr>
-        <p:txBody>
-          <a:bodyPr/>
-          <a:lstStyle/>
-          <a:p>
-            <a:r>
-              <a:rPr lang="ko-KR" altLang="en-US"/>
-              <a:t>마스터 제목 스타일 편집</a:t>
-            </a:r>
-            <a:endParaRPr lang="en-US" dirty="0"/>
-          </a:p>
-        </p:txBody>
-      </p:sp>
-      <p:sp>
-        <p:nvSpPr>
-          <p:cNvPr id="3" name="Content Placeholder 2"/>
-          <p:cNvSpPr>
-            <a:spLocks noGrp="1"/>
-          </p:cNvSpPr>
-          <p:nvPr>
-            <p:ph sz="half" idx="1"/>
-          </p:nvPr>
-        </p:nvSpPr>
-        <p:spPr>
-          <a:xfrm>
-            <a:off x="681038" y="1825625"/>
-            <a:ext cx="4210050" cy="4351338"/>
-          </a:xfrm>
-          <a:prstGeom prst="rect">
-            <a:avLst/>
-          </a:prstGeom>
-        </p:spPr>
-        <p:txBody>
-          <a:bodyPr/>
-          <a:lstStyle/>
-          <a:p>
-            <a:pPr lvl="0"/>
-            <a:r>
-              <a:rPr lang="ko-KR" altLang="en-US"/>
-              <a:t>마스터 텍스트 스타일을 편집합니다</a:t>
-            </a:r>
-          </a:p>
-          <a:p>
-            <a:pPr lvl="1"/>
-            <a:r>
-              <a:rPr lang="ko-KR" altLang="en-US"/>
-              <a:t>둘째 수준</a:t>
-            </a:r>
-          </a:p>
-          <a:p>
-            <a:pPr lvl="2"/>
-            <a:r>
-              <a:rPr lang="ko-KR" altLang="en-US"/>
-              <a:t>셋째 수준</a:t>
-            </a:r>
-          </a:p>
-          <a:p>
-            <a:pPr lvl="3"/>
-            <a:r>
-              <a:rPr lang="ko-KR" altLang="en-US"/>
-              <a:t>넷째 수준</a:t>
-            </a:r>
-          </a:p>
-          <a:p>
-            <a:pPr lvl="4"/>
-            <a:r>
-              <a:rPr lang="ko-KR" altLang="en-US"/>
-              <a:t>다섯째 수준</a:t>
-            </a:r>
-            <a:endParaRPr lang="en-US" dirty="0"/>
-          </a:p>
-        </p:txBody>
-      </p:sp>
-      <p:sp>
-        <p:nvSpPr>
-          <p:cNvPr id="4" name="Content Placeholder 3"/>
-          <p:cNvSpPr>
-            <a:spLocks noGrp="1"/>
-          </p:cNvSpPr>
-          <p:nvPr>
-            <p:ph sz="half" idx="2"/>
-          </p:nvPr>
-        </p:nvSpPr>
-        <p:spPr>
-          <a:xfrm>
-            <a:off x="5014913" y="1825625"/>
-            <a:ext cx="4210050" cy="4351338"/>
-          </a:xfrm>
-          <a:prstGeom prst="rect">
-            <a:avLst/>
-          </a:prstGeom>
-        </p:spPr>
-        <p:txBody>
-          <a:bodyPr/>
-          <a:lstStyle/>
-          <a:p>
-            <a:pPr lvl="0"/>
-            <a:r>
-              <a:rPr lang="ko-KR" altLang="en-US"/>
-              <a:t>마스터 텍스트 스타일을 편집합니다</a:t>
-            </a:r>
-          </a:p>
-          <a:p>
-            <a:pPr lvl="1"/>
-            <a:r>
-              <a:rPr lang="ko-KR" altLang="en-US"/>
-              <a:t>둘째 수준</a:t>
-            </a:r>
-          </a:p>
-          <a:p>
-            <a:pPr lvl="2"/>
-            <a:r>
-              <a:rPr lang="ko-KR" altLang="en-US"/>
-              <a:t>셋째 수준</a:t>
-            </a:r>
-          </a:p>
-          <a:p>
-            <a:pPr lvl="3"/>
-            <a:r>
-              <a:rPr lang="ko-KR" altLang="en-US"/>
-              <a:t>넷째 수준</a:t>
-            </a:r>
-          </a:p>
-          <a:p>
-            <a:pPr lvl="4"/>
-            <a:r>
-              <a:rPr lang="ko-KR" altLang="en-US"/>
-              <a:t>다섯째 수준</a:t>
-            </a:r>
-            <a:endParaRPr lang="en-US" dirty="0"/>
-          </a:p>
-        </p:txBody>
-      </p:sp>
-      <p:sp>
-        <p:nvSpPr>
-          <p:cNvPr id="5" name="Date Placeholder 4"/>
-          <p:cNvSpPr>
-            <a:spLocks noGrp="1"/>
-          </p:cNvSpPr>
-          <p:nvPr>
-            <p:ph type="dt" sz="half" idx="10"/>
-          </p:nvPr>
-        </p:nvSpPr>
-        <p:spPr/>
-        <p:txBody>
-          <a:bodyPr/>
-          <a:lstStyle/>
-          <a:p>
-            <a:fld id="{D5BB7A41-6D90-4371-844A-87EC379C3D06}" type="datetimeFigureOut">
-              <a:rPr lang="ko-KR" altLang="en-US" smtClean="0"/>
-              <a:t>2022-04-21</a:t>
-            </a:fld>
-            <a:endParaRPr lang="ko-KR" altLang="en-US"/>
-          </a:p>
-        </p:txBody>
-      </p:sp>
-      <p:sp>
-        <p:nvSpPr>
-          <p:cNvPr id="6" name="Footer Placeholder 5"/>
-          <p:cNvSpPr>
-            <a:spLocks noGrp="1"/>
-          </p:cNvSpPr>
-          <p:nvPr>
-            <p:ph type="ftr" sz="quarter" idx="11"/>
-          </p:nvPr>
-        </p:nvSpPr>
-        <p:spPr/>
-        <p:txBody>
-          <a:bodyPr/>
-          <a:lstStyle/>
-          <a:p>
-            <a:endParaRPr lang="ko-KR" altLang="en-US"/>
-          </a:p>
-        </p:txBody>
-      </p:sp>
-      <p:sp>
-        <p:nvSpPr>
-          <p:cNvPr id="7" name="Slide Number Placeholder 6"/>
-          <p:cNvSpPr>
-            <a:spLocks noGrp="1"/>
-          </p:cNvSpPr>
-          <p:nvPr>
-            <p:ph type="sldNum" sz="quarter" idx="12"/>
-          </p:nvPr>
-        </p:nvSpPr>
-        <p:spPr/>
-        <p:txBody>
-          <a:bodyPr/>
-          <a:lstStyle/>
-          <a:p>
-            <a:fld id="{5733F733-A97E-45C7-8208-292F002894F6}" type="slidenum">
-              <a:rPr lang="ko-KR" altLang="en-US" smtClean="0"/>
-              <a:t>‹#›</a:t>
-            </a:fld>
-            <a:endParaRPr lang="ko-KR" altLang="en-US"/>
-          </a:p>
-        </p:txBody>
-      </p:sp>
-    </p:spTree>
-    <p:extLst>
-      <p:ext uri="{BB962C8B-B14F-4D97-AF65-F5344CB8AC3E}">
-        <p14:creationId xmlns:p14="http://schemas.microsoft.com/office/powerpoint/2010/main" val="3472101555"/>
-      </p:ext>
-    </p:extLst>
-  </p:cSld>
-  <p:clrMapOvr>
-    <a:masterClrMapping/>
-  </p:clrMapOvr>
-</p:sldLayout>
-</file>
-
-<file path=ppt/slideLayouts/slideLayout40.xml><?xml version="1.0" encoding="utf-8"?>
+<file path=ppt/slideLayouts/slideLayout29.xml><?xml version="1.0" encoding="utf-8"?>
 <p:sldLayout xmlns:a="http://schemas.openxmlformats.org/drawingml/2006/main" xmlns:r="http://schemas.openxmlformats.org/officeDocument/2006/relationships" xmlns:p="http://schemas.openxmlformats.org/presentationml/2006/main" type="titleOnly" preserve="1">
   <p:cSld name="Title Only">
     <p:spTree>
@@ -8939,7 +5699,257 @@
 </p:sldLayout>
 </file>
 
-<file path=ppt/slideLayouts/slideLayout41.xml><?xml version="1.0" encoding="utf-8"?>
+<file path=ppt/slideLayouts/slideLayout3.xml><?xml version="1.0" encoding="utf-8"?>
+<p:sldLayout xmlns:a="http://schemas.openxmlformats.org/drawingml/2006/main" xmlns:r="http://schemas.openxmlformats.org/officeDocument/2006/relationships" xmlns:p="http://schemas.openxmlformats.org/presentationml/2006/main" type="secHead" preserve="1">
+  <p:cSld name="구역 머리글">
+    <p:spTree>
+      <p:nvGrpSpPr>
+        <p:cNvPr id="1" name=""/>
+        <p:cNvGrpSpPr/>
+        <p:nvPr/>
+      </p:nvGrpSpPr>
+      <p:grpSpPr>
+        <a:xfrm>
+          <a:off x="0" y="0"/>
+          <a:ext cx="0" cy="0"/>
+          <a:chOff x="0" y="0"/>
+          <a:chExt cx="0" cy="0"/>
+        </a:xfrm>
+      </p:grpSpPr>
+      <p:sp>
+        <p:nvSpPr>
+          <p:cNvPr id="2" name="Title 1"/>
+          <p:cNvSpPr>
+            <a:spLocks noGrp="1"/>
+          </p:cNvSpPr>
+          <p:nvPr>
+            <p:ph type="title"/>
+          </p:nvPr>
+        </p:nvSpPr>
+        <p:spPr>
+          <a:xfrm>
+            <a:off x="675879" y="1709740"/>
+            <a:ext cx="8543925" cy="2852737"/>
+          </a:xfrm>
+          <a:prstGeom prst="rect">
+            <a:avLst/>
+          </a:prstGeom>
+        </p:spPr>
+        <p:txBody>
+          <a:bodyPr anchor="b"/>
+          <a:lstStyle>
+            <a:lvl1pPr>
+              <a:defRPr sz="6000"/>
+            </a:lvl1pPr>
+          </a:lstStyle>
+          <a:p>
+            <a:r>
+              <a:rPr lang="ko-KR" altLang="en-US"/>
+              <a:t>마스터 제목 스타일 편집</a:t>
+            </a:r>
+            <a:endParaRPr lang="en-US" dirty="0"/>
+          </a:p>
+        </p:txBody>
+      </p:sp>
+      <p:sp>
+        <p:nvSpPr>
+          <p:cNvPr id="3" name="Text Placeholder 2"/>
+          <p:cNvSpPr>
+            <a:spLocks noGrp="1"/>
+          </p:cNvSpPr>
+          <p:nvPr>
+            <p:ph type="body" idx="1"/>
+          </p:nvPr>
+        </p:nvSpPr>
+        <p:spPr>
+          <a:xfrm>
+            <a:off x="675879" y="4589465"/>
+            <a:ext cx="8543925" cy="1500187"/>
+          </a:xfrm>
+          <a:prstGeom prst="rect">
+            <a:avLst/>
+          </a:prstGeom>
+        </p:spPr>
+        <p:txBody>
+          <a:bodyPr/>
+          <a:lstStyle>
+            <a:lvl1pPr marL="0" indent="0">
+              <a:buNone/>
+              <a:defRPr sz="2400">
+                <a:solidFill>
+                  <a:schemeClr val="tx1"/>
+                </a:solidFill>
+              </a:defRPr>
+            </a:lvl1pPr>
+            <a:lvl2pPr marL="457200" indent="0">
+              <a:buNone/>
+              <a:defRPr sz="2000">
+                <a:solidFill>
+                  <a:schemeClr val="tx1">
+                    <a:tint val="75000"/>
+                  </a:schemeClr>
+                </a:solidFill>
+              </a:defRPr>
+            </a:lvl2pPr>
+            <a:lvl3pPr marL="914400" indent="0">
+              <a:buNone/>
+              <a:defRPr sz="1800">
+                <a:solidFill>
+                  <a:schemeClr val="tx1">
+                    <a:tint val="75000"/>
+                  </a:schemeClr>
+                </a:solidFill>
+              </a:defRPr>
+            </a:lvl3pPr>
+            <a:lvl4pPr marL="1371600" indent="0">
+              <a:buNone/>
+              <a:defRPr sz="1600">
+                <a:solidFill>
+                  <a:schemeClr val="tx1">
+                    <a:tint val="75000"/>
+                  </a:schemeClr>
+                </a:solidFill>
+              </a:defRPr>
+            </a:lvl4pPr>
+            <a:lvl5pPr marL="1828800" indent="0">
+              <a:buNone/>
+              <a:defRPr sz="1600">
+                <a:solidFill>
+                  <a:schemeClr val="tx1">
+                    <a:tint val="75000"/>
+                  </a:schemeClr>
+                </a:solidFill>
+              </a:defRPr>
+            </a:lvl5pPr>
+            <a:lvl6pPr marL="2286000" indent="0">
+              <a:buNone/>
+              <a:defRPr sz="1600">
+                <a:solidFill>
+                  <a:schemeClr val="tx1">
+                    <a:tint val="75000"/>
+                  </a:schemeClr>
+                </a:solidFill>
+              </a:defRPr>
+            </a:lvl6pPr>
+            <a:lvl7pPr marL="2743200" indent="0">
+              <a:buNone/>
+              <a:defRPr sz="1600">
+                <a:solidFill>
+                  <a:schemeClr val="tx1">
+                    <a:tint val="75000"/>
+                  </a:schemeClr>
+                </a:solidFill>
+              </a:defRPr>
+            </a:lvl7pPr>
+            <a:lvl8pPr marL="3200400" indent="0">
+              <a:buNone/>
+              <a:defRPr sz="1600">
+                <a:solidFill>
+                  <a:schemeClr val="tx1">
+                    <a:tint val="75000"/>
+                  </a:schemeClr>
+                </a:solidFill>
+              </a:defRPr>
+            </a:lvl8pPr>
+            <a:lvl9pPr marL="3657600" indent="0">
+              <a:buNone/>
+              <a:defRPr sz="1600">
+                <a:solidFill>
+                  <a:schemeClr val="tx1">
+                    <a:tint val="75000"/>
+                  </a:schemeClr>
+                </a:solidFill>
+              </a:defRPr>
+            </a:lvl9pPr>
+          </a:lstStyle>
+          <a:p>
+            <a:pPr lvl="0"/>
+            <a:r>
+              <a:rPr lang="ko-KR" altLang="en-US"/>
+              <a:t>마스터 텍스트 스타일을 편집합니다</a:t>
+            </a:r>
+          </a:p>
+        </p:txBody>
+      </p:sp>
+      <p:sp>
+        <p:nvSpPr>
+          <p:cNvPr id="4" name="Date Placeholder 3"/>
+          <p:cNvSpPr>
+            <a:spLocks noGrp="1"/>
+          </p:cNvSpPr>
+          <p:nvPr>
+            <p:ph type="dt" sz="half" idx="10"/>
+          </p:nvPr>
+        </p:nvSpPr>
+        <p:spPr/>
+        <p:txBody>
+          <a:bodyPr/>
+          <a:lstStyle/>
+          <a:p>
+            <a:fld id="{D5BB7A41-6D90-4371-844A-87EC379C3D06}" type="datetimeFigureOut">
+              <a:rPr lang="ko-KR" altLang="en-US" smtClean="0"/>
+              <a:t>2022-04-21</a:t>
+            </a:fld>
+            <a:endParaRPr lang="ko-KR" altLang="en-US"/>
+          </a:p>
+        </p:txBody>
+      </p:sp>
+      <p:sp>
+        <p:nvSpPr>
+          <p:cNvPr id="5" name="Footer Placeholder 4"/>
+          <p:cNvSpPr>
+            <a:spLocks noGrp="1"/>
+          </p:cNvSpPr>
+          <p:nvPr>
+            <p:ph type="ftr" sz="quarter" idx="11"/>
+          </p:nvPr>
+        </p:nvSpPr>
+        <p:spPr/>
+        <p:txBody>
+          <a:bodyPr/>
+          <a:lstStyle/>
+          <a:p>
+            <a:endParaRPr lang="ko-KR" altLang="en-US"/>
+          </a:p>
+        </p:txBody>
+      </p:sp>
+      <p:sp>
+        <p:nvSpPr>
+          <p:cNvPr id="6" name="Slide Number Placeholder 5"/>
+          <p:cNvSpPr>
+            <a:spLocks noGrp="1"/>
+          </p:cNvSpPr>
+          <p:nvPr>
+            <p:ph type="sldNum" sz="quarter" idx="12"/>
+          </p:nvPr>
+        </p:nvSpPr>
+        <p:spPr/>
+        <p:txBody>
+          <a:bodyPr/>
+          <a:lstStyle/>
+          <a:p>
+            <a:fld id="{5733F733-A97E-45C7-8208-292F002894F6}" type="slidenum">
+              <a:rPr lang="ko-KR" altLang="en-US" smtClean="0"/>
+              <a:t>‹#›</a:t>
+            </a:fld>
+            <a:endParaRPr lang="ko-KR" altLang="en-US"/>
+          </a:p>
+        </p:txBody>
+      </p:sp>
+    </p:spTree>
+    <p:extLst>
+      <p:ext uri="{BB962C8B-B14F-4D97-AF65-F5344CB8AC3E}">
+        <p14:creationId xmlns:p14="http://schemas.microsoft.com/office/powerpoint/2010/main" val="2826336727"/>
+      </p:ext>
+    </p:extLst>
+  </p:cSld>
+  <p:clrMapOvr>
+    <a:masterClrMapping/>
+  </p:clrMapOvr>
+</p:sldLayout>
+</file>
+
+<file path=ppt/slideLayouts/slideLayout30.xml><?xml version="1.0" encoding="utf-8"?>
 <p:sldLayout xmlns:a="http://schemas.openxmlformats.org/drawingml/2006/main" xmlns:r="http://schemas.openxmlformats.org/officeDocument/2006/relationships" xmlns:p="http://schemas.openxmlformats.org/presentationml/2006/main" type="blank" preserve="1">
   <p:cSld name="Blank">
     <p:spTree>
@@ -9039,7 +6049,7 @@
 </p:sldLayout>
 </file>
 
-<file path=ppt/slideLayouts/slideLayout42.xml><?xml version="1.0" encoding="utf-8"?>
+<file path=ppt/slideLayouts/slideLayout31.xml><?xml version="1.0" encoding="utf-8"?>
 <p:sldLayout xmlns:a="http://schemas.openxmlformats.org/drawingml/2006/main" xmlns:r="http://schemas.openxmlformats.org/officeDocument/2006/relationships" xmlns:p="http://schemas.openxmlformats.org/presentationml/2006/main" type="objTx" preserve="1">
   <p:cSld name="Content with Caption">
     <p:spTree>
@@ -9358,7 +6368,7 @@
 </p:sldLayout>
 </file>
 
-<file path=ppt/slideLayouts/slideLayout43.xml><?xml version="1.0" encoding="utf-8"?>
+<file path=ppt/slideLayouts/slideLayout32.xml><?xml version="1.0" encoding="utf-8"?>
 <p:sldLayout xmlns:a="http://schemas.openxmlformats.org/drawingml/2006/main" xmlns:r="http://schemas.openxmlformats.org/officeDocument/2006/relationships" xmlns:p="http://schemas.openxmlformats.org/presentationml/2006/main" type="picTx" preserve="1">
   <p:cSld name="Picture with Caption">
     <p:spTree>
@@ -9638,7 +6648,7 @@
 </p:sldLayout>
 </file>
 
-<file path=ppt/slideLayouts/slideLayout44.xml><?xml version="1.0" encoding="utf-8"?>
+<file path=ppt/slideLayouts/slideLayout33.xml><?xml version="1.0" encoding="utf-8"?>
 <p:sldLayout xmlns:a="http://schemas.openxmlformats.org/drawingml/2006/main" xmlns:r="http://schemas.openxmlformats.org/officeDocument/2006/relationships" xmlns:p="http://schemas.openxmlformats.org/presentationml/2006/main" type="vertTx" preserve="1">
   <p:cSld name="Title and Vertical Text">
     <p:spTree>
@@ -9813,7 +6823,7 @@
 </p:sldLayout>
 </file>
 
-<file path=ppt/slideLayouts/slideLayout45.xml><?xml version="1.0" encoding="utf-8"?>
+<file path=ppt/slideLayouts/slideLayout34.xml><?xml version="1.0" encoding="utf-8"?>
 <p:sldLayout xmlns:a="http://schemas.openxmlformats.org/drawingml/2006/main" xmlns:r="http://schemas.openxmlformats.org/officeDocument/2006/relationships" xmlns:p="http://schemas.openxmlformats.org/presentationml/2006/main" type="vertTitleAndTx" preserve="1">
   <p:cSld name="Vertical Title and Text">
     <p:spTree>
@@ -9998,7 +7008,7 @@
 </p:sldLayout>
 </file>
 
-<file path=ppt/slideLayouts/slideLayout46.xml><?xml version="1.0" encoding="utf-8"?>
+<file path=ppt/slideLayouts/slideLayout35.xml><?xml version="1.0" encoding="utf-8"?>
 <p:sldLayout xmlns:a="http://schemas.openxmlformats.org/drawingml/2006/main" xmlns:r="http://schemas.openxmlformats.org/officeDocument/2006/relationships" xmlns:p="http://schemas.openxmlformats.org/presentationml/2006/main" type="title" preserve="1">
   <p:cSld name="Title Slide">
     <p:spTree>
@@ -10287,7 +7297,7 @@
 </p:sldLayout>
 </file>
 
-<file path=ppt/slideLayouts/slideLayout47.xml><?xml version="1.0" encoding="utf-8"?>
+<file path=ppt/slideLayouts/slideLayout36.xml><?xml version="1.0" encoding="utf-8"?>
 <p:sldLayout xmlns:a="http://schemas.openxmlformats.org/drawingml/2006/main" xmlns:r="http://schemas.openxmlformats.org/officeDocument/2006/relationships" xmlns:p="http://schemas.openxmlformats.org/presentationml/2006/main" type="obj" preserve="1">
   <p:cSld name="Title and Content">
     <p:spTree>
@@ -10462,7 +7472,7 @@
 </p:sldLayout>
 </file>
 
-<file path=ppt/slideLayouts/slideLayout48.xml><?xml version="1.0" encoding="utf-8"?>
+<file path=ppt/slideLayouts/slideLayout37.xml><?xml version="1.0" encoding="utf-8"?>
 <p:sldLayout xmlns:a="http://schemas.openxmlformats.org/drawingml/2006/main" xmlns:r="http://schemas.openxmlformats.org/officeDocument/2006/relationships" xmlns:p="http://schemas.openxmlformats.org/presentationml/2006/main" type="secHead" preserve="1">
   <p:cSld name="Section Header">
     <p:bg>
@@ -10755,7 +7765,7 @@
 </p:sldLayout>
 </file>
 
-<file path=ppt/slideLayouts/slideLayout49.xml><?xml version="1.0" encoding="utf-8"?>
+<file path=ppt/slideLayouts/slideLayout38.xml><?xml version="1.0" encoding="utf-8"?>
 <p:sldLayout xmlns:a="http://schemas.openxmlformats.org/drawingml/2006/main" xmlns:r="http://schemas.openxmlformats.org/officeDocument/2006/relationships" xmlns:p="http://schemas.openxmlformats.org/presentationml/2006/main" type="twoObj" preserve="1">
   <p:cSld name="Two Content">
     <p:spTree>
@@ -11048,389 +8058,7 @@
 </p:sldLayout>
 </file>
 
-<file path=ppt/slideLayouts/slideLayout5.xml><?xml version="1.0" encoding="utf-8"?>
-<p:sldLayout xmlns:a="http://schemas.openxmlformats.org/drawingml/2006/main" xmlns:r="http://schemas.openxmlformats.org/officeDocument/2006/relationships" xmlns:p="http://schemas.openxmlformats.org/presentationml/2006/main" type="twoTxTwoObj" preserve="1">
-  <p:cSld name="비교">
-    <p:spTree>
-      <p:nvGrpSpPr>
-        <p:cNvPr id="1" name=""/>
-        <p:cNvGrpSpPr/>
-        <p:nvPr/>
-      </p:nvGrpSpPr>
-      <p:grpSpPr>
-        <a:xfrm>
-          <a:off x="0" y="0"/>
-          <a:ext cx="0" cy="0"/>
-          <a:chOff x="0" y="0"/>
-          <a:chExt cx="0" cy="0"/>
-        </a:xfrm>
-      </p:grpSpPr>
-      <p:sp>
-        <p:nvSpPr>
-          <p:cNvPr id="2" name="Title 1"/>
-          <p:cNvSpPr>
-            <a:spLocks noGrp="1"/>
-          </p:cNvSpPr>
-          <p:nvPr>
-            <p:ph type="title"/>
-          </p:nvPr>
-        </p:nvSpPr>
-        <p:spPr>
-          <a:xfrm>
-            <a:off x="682328" y="365127"/>
-            <a:ext cx="8543925" cy="1325563"/>
-          </a:xfrm>
-          <a:prstGeom prst="rect">
-            <a:avLst/>
-          </a:prstGeom>
-        </p:spPr>
-        <p:txBody>
-          <a:bodyPr/>
-          <a:lstStyle/>
-          <a:p>
-            <a:r>
-              <a:rPr lang="ko-KR" altLang="en-US"/>
-              <a:t>마스터 제목 스타일 편집</a:t>
-            </a:r>
-            <a:endParaRPr lang="en-US" dirty="0"/>
-          </a:p>
-        </p:txBody>
-      </p:sp>
-      <p:sp>
-        <p:nvSpPr>
-          <p:cNvPr id="3" name="Text Placeholder 2"/>
-          <p:cNvSpPr>
-            <a:spLocks noGrp="1"/>
-          </p:cNvSpPr>
-          <p:nvPr>
-            <p:ph type="body" idx="1"/>
-          </p:nvPr>
-        </p:nvSpPr>
-        <p:spPr>
-          <a:xfrm>
-            <a:off x="682329" y="1681163"/>
-            <a:ext cx="4190702" cy="823912"/>
-          </a:xfrm>
-          <a:prstGeom prst="rect">
-            <a:avLst/>
-          </a:prstGeom>
-        </p:spPr>
-        <p:txBody>
-          <a:bodyPr anchor="b"/>
-          <a:lstStyle>
-            <a:lvl1pPr marL="0" indent="0">
-              <a:buNone/>
-              <a:defRPr sz="2400" b="1"/>
-            </a:lvl1pPr>
-            <a:lvl2pPr marL="457200" indent="0">
-              <a:buNone/>
-              <a:defRPr sz="2000" b="1"/>
-            </a:lvl2pPr>
-            <a:lvl3pPr marL="914400" indent="0">
-              <a:buNone/>
-              <a:defRPr sz="1800" b="1"/>
-            </a:lvl3pPr>
-            <a:lvl4pPr marL="1371600" indent="0">
-              <a:buNone/>
-              <a:defRPr sz="1600" b="1"/>
-            </a:lvl4pPr>
-            <a:lvl5pPr marL="1828800" indent="0">
-              <a:buNone/>
-              <a:defRPr sz="1600" b="1"/>
-            </a:lvl5pPr>
-            <a:lvl6pPr marL="2286000" indent="0">
-              <a:buNone/>
-              <a:defRPr sz="1600" b="1"/>
-            </a:lvl6pPr>
-            <a:lvl7pPr marL="2743200" indent="0">
-              <a:buNone/>
-              <a:defRPr sz="1600" b="1"/>
-            </a:lvl7pPr>
-            <a:lvl8pPr marL="3200400" indent="0">
-              <a:buNone/>
-              <a:defRPr sz="1600" b="1"/>
-            </a:lvl8pPr>
-            <a:lvl9pPr marL="3657600" indent="0">
-              <a:buNone/>
-              <a:defRPr sz="1600" b="1"/>
-            </a:lvl9pPr>
-          </a:lstStyle>
-          <a:p>
-            <a:pPr lvl="0"/>
-            <a:r>
-              <a:rPr lang="ko-KR" altLang="en-US"/>
-              <a:t>마스터 텍스트 스타일을 편집합니다</a:t>
-            </a:r>
-          </a:p>
-        </p:txBody>
-      </p:sp>
-      <p:sp>
-        <p:nvSpPr>
-          <p:cNvPr id="4" name="Content Placeholder 3"/>
-          <p:cNvSpPr>
-            <a:spLocks noGrp="1"/>
-          </p:cNvSpPr>
-          <p:nvPr>
-            <p:ph sz="half" idx="2"/>
-          </p:nvPr>
-        </p:nvSpPr>
-        <p:spPr>
-          <a:xfrm>
-            <a:off x="682329" y="2505075"/>
-            <a:ext cx="4190702" cy="3684588"/>
-          </a:xfrm>
-          <a:prstGeom prst="rect">
-            <a:avLst/>
-          </a:prstGeom>
-        </p:spPr>
-        <p:txBody>
-          <a:bodyPr/>
-          <a:lstStyle/>
-          <a:p>
-            <a:pPr lvl="0"/>
-            <a:r>
-              <a:rPr lang="ko-KR" altLang="en-US"/>
-              <a:t>마스터 텍스트 스타일을 편집합니다</a:t>
-            </a:r>
-          </a:p>
-          <a:p>
-            <a:pPr lvl="1"/>
-            <a:r>
-              <a:rPr lang="ko-KR" altLang="en-US"/>
-              <a:t>둘째 수준</a:t>
-            </a:r>
-          </a:p>
-          <a:p>
-            <a:pPr lvl="2"/>
-            <a:r>
-              <a:rPr lang="ko-KR" altLang="en-US"/>
-              <a:t>셋째 수준</a:t>
-            </a:r>
-          </a:p>
-          <a:p>
-            <a:pPr lvl="3"/>
-            <a:r>
-              <a:rPr lang="ko-KR" altLang="en-US"/>
-              <a:t>넷째 수준</a:t>
-            </a:r>
-          </a:p>
-          <a:p>
-            <a:pPr lvl="4"/>
-            <a:r>
-              <a:rPr lang="ko-KR" altLang="en-US"/>
-              <a:t>다섯째 수준</a:t>
-            </a:r>
-            <a:endParaRPr lang="en-US" dirty="0"/>
-          </a:p>
-        </p:txBody>
-      </p:sp>
-      <p:sp>
-        <p:nvSpPr>
-          <p:cNvPr id="5" name="Text Placeholder 4"/>
-          <p:cNvSpPr>
-            <a:spLocks noGrp="1"/>
-          </p:cNvSpPr>
-          <p:nvPr>
-            <p:ph type="body" sz="quarter" idx="3"/>
-          </p:nvPr>
-        </p:nvSpPr>
-        <p:spPr>
-          <a:xfrm>
-            <a:off x="5014913" y="1681163"/>
-            <a:ext cx="4211340" cy="823912"/>
-          </a:xfrm>
-          <a:prstGeom prst="rect">
-            <a:avLst/>
-          </a:prstGeom>
-        </p:spPr>
-        <p:txBody>
-          <a:bodyPr anchor="b"/>
-          <a:lstStyle>
-            <a:lvl1pPr marL="0" indent="0">
-              <a:buNone/>
-              <a:defRPr sz="2400" b="1"/>
-            </a:lvl1pPr>
-            <a:lvl2pPr marL="457200" indent="0">
-              <a:buNone/>
-              <a:defRPr sz="2000" b="1"/>
-            </a:lvl2pPr>
-            <a:lvl3pPr marL="914400" indent="0">
-              <a:buNone/>
-              <a:defRPr sz="1800" b="1"/>
-            </a:lvl3pPr>
-            <a:lvl4pPr marL="1371600" indent="0">
-              <a:buNone/>
-              <a:defRPr sz="1600" b="1"/>
-            </a:lvl4pPr>
-            <a:lvl5pPr marL="1828800" indent="0">
-              <a:buNone/>
-              <a:defRPr sz="1600" b="1"/>
-            </a:lvl5pPr>
-            <a:lvl6pPr marL="2286000" indent="0">
-              <a:buNone/>
-              <a:defRPr sz="1600" b="1"/>
-            </a:lvl6pPr>
-            <a:lvl7pPr marL="2743200" indent="0">
-              <a:buNone/>
-              <a:defRPr sz="1600" b="1"/>
-            </a:lvl7pPr>
-            <a:lvl8pPr marL="3200400" indent="0">
-              <a:buNone/>
-              <a:defRPr sz="1600" b="1"/>
-            </a:lvl8pPr>
-            <a:lvl9pPr marL="3657600" indent="0">
-              <a:buNone/>
-              <a:defRPr sz="1600" b="1"/>
-            </a:lvl9pPr>
-          </a:lstStyle>
-          <a:p>
-            <a:pPr lvl="0"/>
-            <a:r>
-              <a:rPr lang="ko-KR" altLang="en-US"/>
-              <a:t>마스터 텍스트 스타일을 편집합니다</a:t>
-            </a:r>
-          </a:p>
-        </p:txBody>
-      </p:sp>
-      <p:sp>
-        <p:nvSpPr>
-          <p:cNvPr id="6" name="Content Placeholder 5"/>
-          <p:cNvSpPr>
-            <a:spLocks noGrp="1"/>
-          </p:cNvSpPr>
-          <p:nvPr>
-            <p:ph sz="quarter" idx="4"/>
-          </p:nvPr>
-        </p:nvSpPr>
-        <p:spPr>
-          <a:xfrm>
-            <a:off x="5014913" y="2505075"/>
-            <a:ext cx="4211340" cy="3684588"/>
-          </a:xfrm>
-          <a:prstGeom prst="rect">
-            <a:avLst/>
-          </a:prstGeom>
-        </p:spPr>
-        <p:txBody>
-          <a:bodyPr/>
-          <a:lstStyle/>
-          <a:p>
-            <a:pPr lvl="0"/>
-            <a:r>
-              <a:rPr lang="ko-KR" altLang="en-US"/>
-              <a:t>마스터 텍스트 스타일을 편집합니다</a:t>
-            </a:r>
-          </a:p>
-          <a:p>
-            <a:pPr lvl="1"/>
-            <a:r>
-              <a:rPr lang="ko-KR" altLang="en-US"/>
-              <a:t>둘째 수준</a:t>
-            </a:r>
-          </a:p>
-          <a:p>
-            <a:pPr lvl="2"/>
-            <a:r>
-              <a:rPr lang="ko-KR" altLang="en-US"/>
-              <a:t>셋째 수준</a:t>
-            </a:r>
-          </a:p>
-          <a:p>
-            <a:pPr lvl="3"/>
-            <a:r>
-              <a:rPr lang="ko-KR" altLang="en-US"/>
-              <a:t>넷째 수준</a:t>
-            </a:r>
-          </a:p>
-          <a:p>
-            <a:pPr lvl="4"/>
-            <a:r>
-              <a:rPr lang="ko-KR" altLang="en-US"/>
-              <a:t>다섯째 수준</a:t>
-            </a:r>
-            <a:endParaRPr lang="en-US" dirty="0"/>
-          </a:p>
-        </p:txBody>
-      </p:sp>
-      <p:sp>
-        <p:nvSpPr>
-          <p:cNvPr id="7" name="Date Placeholder 6"/>
-          <p:cNvSpPr>
-            <a:spLocks noGrp="1"/>
-          </p:cNvSpPr>
-          <p:nvPr>
-            <p:ph type="dt" sz="half" idx="10"/>
-          </p:nvPr>
-        </p:nvSpPr>
-        <p:spPr/>
-        <p:txBody>
-          <a:bodyPr/>
-          <a:lstStyle/>
-          <a:p>
-            <a:fld id="{D5BB7A41-6D90-4371-844A-87EC379C3D06}" type="datetimeFigureOut">
-              <a:rPr lang="ko-KR" altLang="en-US" smtClean="0"/>
-              <a:t>2022-04-21</a:t>
-            </a:fld>
-            <a:endParaRPr lang="ko-KR" altLang="en-US"/>
-          </a:p>
-        </p:txBody>
-      </p:sp>
-      <p:sp>
-        <p:nvSpPr>
-          <p:cNvPr id="8" name="Footer Placeholder 7"/>
-          <p:cNvSpPr>
-            <a:spLocks noGrp="1"/>
-          </p:cNvSpPr>
-          <p:nvPr>
-            <p:ph type="ftr" sz="quarter" idx="11"/>
-          </p:nvPr>
-        </p:nvSpPr>
-        <p:spPr/>
-        <p:txBody>
-          <a:bodyPr/>
-          <a:lstStyle/>
-          <a:p>
-            <a:endParaRPr lang="ko-KR" altLang="en-US"/>
-          </a:p>
-        </p:txBody>
-      </p:sp>
-      <p:sp>
-        <p:nvSpPr>
-          <p:cNvPr id="9" name="Slide Number Placeholder 8"/>
-          <p:cNvSpPr>
-            <a:spLocks noGrp="1"/>
-          </p:cNvSpPr>
-          <p:nvPr>
-            <p:ph type="sldNum" sz="quarter" idx="12"/>
-          </p:nvPr>
-        </p:nvSpPr>
-        <p:spPr/>
-        <p:txBody>
-          <a:bodyPr/>
-          <a:lstStyle/>
-          <a:p>
-            <a:fld id="{5733F733-A97E-45C7-8208-292F002894F6}" type="slidenum">
-              <a:rPr lang="ko-KR" altLang="en-US" smtClean="0"/>
-              <a:t>‹#›</a:t>
-            </a:fld>
-            <a:endParaRPr lang="ko-KR" altLang="en-US"/>
-          </a:p>
-        </p:txBody>
-      </p:sp>
-    </p:spTree>
-    <p:extLst>
-      <p:ext uri="{BB962C8B-B14F-4D97-AF65-F5344CB8AC3E}">
-        <p14:creationId xmlns:p14="http://schemas.microsoft.com/office/powerpoint/2010/main" val="1913597813"/>
-      </p:ext>
-    </p:extLst>
-  </p:cSld>
-  <p:clrMapOvr>
-    <a:masterClrMapping/>
-  </p:clrMapOvr>
-</p:sldLayout>
-</file>
-
-<file path=ppt/slideLayouts/slideLayout50.xml><?xml version="1.0" encoding="utf-8"?>
+<file path=ppt/slideLayouts/slideLayout39.xml><?xml version="1.0" encoding="utf-8"?>
 <p:sldLayout xmlns:a="http://schemas.openxmlformats.org/drawingml/2006/main" xmlns:r="http://schemas.openxmlformats.org/officeDocument/2006/relationships" xmlns:p="http://schemas.openxmlformats.org/presentationml/2006/main" type="twoTxTwoObj" preserve="1">
   <p:cSld name="Comparison">
     <p:spTree>
@@ -11941,7 +8569,253 @@
 </p:sldLayout>
 </file>
 
-<file path=ppt/slideLayouts/slideLayout51.xml><?xml version="1.0" encoding="utf-8"?>
+<file path=ppt/slideLayouts/slideLayout4.xml><?xml version="1.0" encoding="utf-8"?>
+<p:sldLayout xmlns:a="http://schemas.openxmlformats.org/drawingml/2006/main" xmlns:r="http://schemas.openxmlformats.org/officeDocument/2006/relationships" xmlns:p="http://schemas.openxmlformats.org/presentationml/2006/main" type="twoObj" preserve="1">
+  <p:cSld name="콘텐츠 2개">
+    <p:spTree>
+      <p:nvGrpSpPr>
+        <p:cNvPr id="1" name=""/>
+        <p:cNvGrpSpPr/>
+        <p:nvPr/>
+      </p:nvGrpSpPr>
+      <p:grpSpPr>
+        <a:xfrm>
+          <a:off x="0" y="0"/>
+          <a:ext cx="0" cy="0"/>
+          <a:chOff x="0" y="0"/>
+          <a:chExt cx="0" cy="0"/>
+        </a:xfrm>
+      </p:grpSpPr>
+      <p:sp>
+        <p:nvSpPr>
+          <p:cNvPr id="2" name="Title 1"/>
+          <p:cNvSpPr>
+            <a:spLocks noGrp="1"/>
+          </p:cNvSpPr>
+          <p:nvPr>
+            <p:ph type="title"/>
+          </p:nvPr>
+        </p:nvSpPr>
+        <p:spPr>
+          <a:xfrm>
+            <a:off x="681038" y="365127"/>
+            <a:ext cx="8543925" cy="1325563"/>
+          </a:xfrm>
+          <a:prstGeom prst="rect">
+            <a:avLst/>
+          </a:prstGeom>
+        </p:spPr>
+        <p:txBody>
+          <a:bodyPr/>
+          <a:lstStyle/>
+          <a:p>
+            <a:r>
+              <a:rPr lang="ko-KR" altLang="en-US"/>
+              <a:t>마스터 제목 스타일 편집</a:t>
+            </a:r>
+            <a:endParaRPr lang="en-US" dirty="0"/>
+          </a:p>
+        </p:txBody>
+      </p:sp>
+      <p:sp>
+        <p:nvSpPr>
+          <p:cNvPr id="3" name="Content Placeholder 2"/>
+          <p:cNvSpPr>
+            <a:spLocks noGrp="1"/>
+          </p:cNvSpPr>
+          <p:nvPr>
+            <p:ph sz="half" idx="1"/>
+          </p:nvPr>
+        </p:nvSpPr>
+        <p:spPr>
+          <a:xfrm>
+            <a:off x="681038" y="1825625"/>
+            <a:ext cx="4210050" cy="4351338"/>
+          </a:xfrm>
+          <a:prstGeom prst="rect">
+            <a:avLst/>
+          </a:prstGeom>
+        </p:spPr>
+        <p:txBody>
+          <a:bodyPr/>
+          <a:lstStyle/>
+          <a:p>
+            <a:pPr lvl="0"/>
+            <a:r>
+              <a:rPr lang="ko-KR" altLang="en-US"/>
+              <a:t>마스터 텍스트 스타일을 편집합니다</a:t>
+            </a:r>
+          </a:p>
+          <a:p>
+            <a:pPr lvl="1"/>
+            <a:r>
+              <a:rPr lang="ko-KR" altLang="en-US"/>
+              <a:t>둘째 수준</a:t>
+            </a:r>
+          </a:p>
+          <a:p>
+            <a:pPr lvl="2"/>
+            <a:r>
+              <a:rPr lang="ko-KR" altLang="en-US"/>
+              <a:t>셋째 수준</a:t>
+            </a:r>
+          </a:p>
+          <a:p>
+            <a:pPr lvl="3"/>
+            <a:r>
+              <a:rPr lang="ko-KR" altLang="en-US"/>
+              <a:t>넷째 수준</a:t>
+            </a:r>
+          </a:p>
+          <a:p>
+            <a:pPr lvl="4"/>
+            <a:r>
+              <a:rPr lang="ko-KR" altLang="en-US"/>
+              <a:t>다섯째 수준</a:t>
+            </a:r>
+            <a:endParaRPr lang="en-US" dirty="0"/>
+          </a:p>
+        </p:txBody>
+      </p:sp>
+      <p:sp>
+        <p:nvSpPr>
+          <p:cNvPr id="4" name="Content Placeholder 3"/>
+          <p:cNvSpPr>
+            <a:spLocks noGrp="1"/>
+          </p:cNvSpPr>
+          <p:nvPr>
+            <p:ph sz="half" idx="2"/>
+          </p:nvPr>
+        </p:nvSpPr>
+        <p:spPr>
+          <a:xfrm>
+            <a:off x="5014913" y="1825625"/>
+            <a:ext cx="4210050" cy="4351338"/>
+          </a:xfrm>
+          <a:prstGeom prst="rect">
+            <a:avLst/>
+          </a:prstGeom>
+        </p:spPr>
+        <p:txBody>
+          <a:bodyPr/>
+          <a:lstStyle/>
+          <a:p>
+            <a:pPr lvl="0"/>
+            <a:r>
+              <a:rPr lang="ko-KR" altLang="en-US"/>
+              <a:t>마스터 텍스트 스타일을 편집합니다</a:t>
+            </a:r>
+          </a:p>
+          <a:p>
+            <a:pPr lvl="1"/>
+            <a:r>
+              <a:rPr lang="ko-KR" altLang="en-US"/>
+              <a:t>둘째 수준</a:t>
+            </a:r>
+          </a:p>
+          <a:p>
+            <a:pPr lvl="2"/>
+            <a:r>
+              <a:rPr lang="ko-KR" altLang="en-US"/>
+              <a:t>셋째 수준</a:t>
+            </a:r>
+          </a:p>
+          <a:p>
+            <a:pPr lvl="3"/>
+            <a:r>
+              <a:rPr lang="ko-KR" altLang="en-US"/>
+              <a:t>넷째 수준</a:t>
+            </a:r>
+          </a:p>
+          <a:p>
+            <a:pPr lvl="4"/>
+            <a:r>
+              <a:rPr lang="ko-KR" altLang="en-US"/>
+              <a:t>다섯째 수준</a:t>
+            </a:r>
+            <a:endParaRPr lang="en-US" dirty="0"/>
+          </a:p>
+        </p:txBody>
+      </p:sp>
+      <p:sp>
+        <p:nvSpPr>
+          <p:cNvPr id="5" name="Date Placeholder 4"/>
+          <p:cNvSpPr>
+            <a:spLocks noGrp="1"/>
+          </p:cNvSpPr>
+          <p:nvPr>
+            <p:ph type="dt" sz="half" idx="10"/>
+          </p:nvPr>
+        </p:nvSpPr>
+        <p:spPr/>
+        <p:txBody>
+          <a:bodyPr/>
+          <a:lstStyle/>
+          <a:p>
+            <a:fld id="{D5BB7A41-6D90-4371-844A-87EC379C3D06}" type="datetimeFigureOut">
+              <a:rPr lang="ko-KR" altLang="en-US" smtClean="0"/>
+              <a:t>2022-04-21</a:t>
+            </a:fld>
+            <a:endParaRPr lang="ko-KR" altLang="en-US"/>
+          </a:p>
+        </p:txBody>
+      </p:sp>
+      <p:sp>
+        <p:nvSpPr>
+          <p:cNvPr id="6" name="Footer Placeholder 5"/>
+          <p:cNvSpPr>
+            <a:spLocks noGrp="1"/>
+          </p:cNvSpPr>
+          <p:nvPr>
+            <p:ph type="ftr" sz="quarter" idx="11"/>
+          </p:nvPr>
+        </p:nvSpPr>
+        <p:spPr/>
+        <p:txBody>
+          <a:bodyPr/>
+          <a:lstStyle/>
+          <a:p>
+            <a:endParaRPr lang="ko-KR" altLang="en-US"/>
+          </a:p>
+        </p:txBody>
+      </p:sp>
+      <p:sp>
+        <p:nvSpPr>
+          <p:cNvPr id="7" name="Slide Number Placeholder 6"/>
+          <p:cNvSpPr>
+            <a:spLocks noGrp="1"/>
+          </p:cNvSpPr>
+          <p:nvPr>
+            <p:ph type="sldNum" sz="quarter" idx="12"/>
+          </p:nvPr>
+        </p:nvSpPr>
+        <p:spPr/>
+        <p:txBody>
+          <a:bodyPr/>
+          <a:lstStyle/>
+          <a:p>
+            <a:fld id="{5733F733-A97E-45C7-8208-292F002894F6}" type="slidenum">
+              <a:rPr lang="ko-KR" altLang="en-US" smtClean="0"/>
+              <a:t>‹#›</a:t>
+            </a:fld>
+            <a:endParaRPr lang="ko-KR" altLang="en-US"/>
+          </a:p>
+        </p:txBody>
+      </p:sp>
+    </p:spTree>
+    <p:extLst>
+      <p:ext uri="{BB962C8B-B14F-4D97-AF65-F5344CB8AC3E}">
+        <p14:creationId xmlns:p14="http://schemas.microsoft.com/office/powerpoint/2010/main" val="3472101555"/>
+      </p:ext>
+    </p:extLst>
+  </p:cSld>
+  <p:clrMapOvr>
+    <a:masterClrMapping/>
+  </p:clrMapOvr>
+</p:sldLayout>
+</file>
+
+<file path=ppt/slideLayouts/slideLayout40.xml><?xml version="1.0" encoding="utf-8"?>
 <p:sldLayout xmlns:a="http://schemas.openxmlformats.org/drawingml/2006/main" xmlns:r="http://schemas.openxmlformats.org/officeDocument/2006/relationships" xmlns:p="http://schemas.openxmlformats.org/presentationml/2006/main" type="titleOnly" preserve="1">
   <p:cSld name="Title Only">
     <p:spTree>
@@ -12064,7 +8938,7 @@
 </p:sldLayout>
 </file>
 
-<file path=ppt/slideLayouts/slideLayout52.xml><?xml version="1.0" encoding="utf-8"?>
+<file path=ppt/slideLayouts/slideLayout41.xml><?xml version="1.0" encoding="utf-8"?>
 <p:sldLayout xmlns:a="http://schemas.openxmlformats.org/drawingml/2006/main" xmlns:r="http://schemas.openxmlformats.org/officeDocument/2006/relationships" xmlns:p="http://schemas.openxmlformats.org/presentationml/2006/main" type="blank" preserve="1">
   <p:cSld name="Blank">
     <p:spTree>
@@ -12164,7 +9038,7 @@
 </p:sldLayout>
 </file>
 
-<file path=ppt/slideLayouts/slideLayout53.xml><?xml version="1.0" encoding="utf-8"?>
+<file path=ppt/slideLayouts/slideLayout42.xml><?xml version="1.0" encoding="utf-8"?>
 <p:sldLayout xmlns:a="http://schemas.openxmlformats.org/drawingml/2006/main" xmlns:r="http://schemas.openxmlformats.org/officeDocument/2006/relationships" xmlns:p="http://schemas.openxmlformats.org/presentationml/2006/main" type="objTx" preserve="1">
   <p:cSld name="Content with Caption">
     <p:spTree>
@@ -12483,7 +9357,7 @@
 </p:sldLayout>
 </file>
 
-<file path=ppt/slideLayouts/slideLayout54.xml><?xml version="1.0" encoding="utf-8"?>
+<file path=ppt/slideLayouts/slideLayout43.xml><?xml version="1.0" encoding="utf-8"?>
 <p:sldLayout xmlns:a="http://schemas.openxmlformats.org/drawingml/2006/main" xmlns:r="http://schemas.openxmlformats.org/officeDocument/2006/relationships" xmlns:p="http://schemas.openxmlformats.org/presentationml/2006/main" type="picTx" preserve="1">
   <p:cSld name="Picture with Caption">
     <p:spTree>
@@ -12763,7 +9637,7 @@
 </p:sldLayout>
 </file>
 
-<file path=ppt/slideLayouts/slideLayout55.xml><?xml version="1.0" encoding="utf-8"?>
+<file path=ppt/slideLayouts/slideLayout44.xml><?xml version="1.0" encoding="utf-8"?>
 <p:sldLayout xmlns:a="http://schemas.openxmlformats.org/drawingml/2006/main" xmlns:r="http://schemas.openxmlformats.org/officeDocument/2006/relationships" xmlns:p="http://schemas.openxmlformats.org/presentationml/2006/main" type="vertTx" preserve="1">
   <p:cSld name="Title and Vertical Text">
     <p:spTree>
@@ -12938,7 +9812,7 @@
 </p:sldLayout>
 </file>
 
-<file path=ppt/slideLayouts/slideLayout56.xml><?xml version="1.0" encoding="utf-8"?>
+<file path=ppt/slideLayouts/slideLayout45.xml><?xml version="1.0" encoding="utf-8"?>
 <p:sldLayout xmlns:a="http://schemas.openxmlformats.org/drawingml/2006/main" xmlns:r="http://schemas.openxmlformats.org/officeDocument/2006/relationships" xmlns:p="http://schemas.openxmlformats.org/presentationml/2006/main" type="vertTitleAndTx" preserve="1">
   <p:cSld name="Vertical Title and Text">
     <p:spTree>
@@ -13123,7 +9997,7 @@
 </p:sldLayout>
 </file>
 
-<file path=ppt/slideLayouts/slideLayout57.xml><?xml version="1.0" encoding="utf-8"?>
+<file path=ppt/slideLayouts/slideLayout46.xml><?xml version="1.0" encoding="utf-8"?>
 <p:sldLayout xmlns:a="http://schemas.openxmlformats.org/drawingml/2006/main" xmlns:r="http://schemas.openxmlformats.org/officeDocument/2006/relationships" xmlns:p="http://schemas.openxmlformats.org/presentationml/2006/main" type="title" preserve="1">
   <p:cSld name="Title Slide">
     <p:spTree>
@@ -13412,7 +10286,7 @@
 </p:sldLayout>
 </file>
 
-<file path=ppt/slideLayouts/slideLayout58.xml><?xml version="1.0" encoding="utf-8"?>
+<file path=ppt/slideLayouts/slideLayout47.xml><?xml version="1.0" encoding="utf-8"?>
 <p:sldLayout xmlns:a="http://schemas.openxmlformats.org/drawingml/2006/main" xmlns:r="http://schemas.openxmlformats.org/officeDocument/2006/relationships" xmlns:p="http://schemas.openxmlformats.org/presentationml/2006/main" type="obj" preserve="1">
   <p:cSld name="Title and Content">
     <p:spTree>
@@ -13587,7 +10461,7 @@
 </p:sldLayout>
 </file>
 
-<file path=ppt/slideLayouts/slideLayout59.xml><?xml version="1.0" encoding="utf-8"?>
+<file path=ppt/slideLayouts/slideLayout48.xml><?xml version="1.0" encoding="utf-8"?>
 <p:sldLayout xmlns:a="http://schemas.openxmlformats.org/drawingml/2006/main" xmlns:r="http://schemas.openxmlformats.org/officeDocument/2006/relationships" xmlns:p="http://schemas.openxmlformats.org/presentationml/2006/main" type="secHead" preserve="1">
   <p:cSld name="Section Header">
     <p:bg>
@@ -13880,133 +10754,7 @@
 </p:sldLayout>
 </file>
 
-<file path=ppt/slideLayouts/slideLayout6.xml><?xml version="1.0" encoding="utf-8"?>
-<p:sldLayout xmlns:a="http://schemas.openxmlformats.org/drawingml/2006/main" xmlns:r="http://schemas.openxmlformats.org/officeDocument/2006/relationships" xmlns:p="http://schemas.openxmlformats.org/presentationml/2006/main" type="titleOnly" preserve="1">
-  <p:cSld name="제목만">
-    <p:spTree>
-      <p:nvGrpSpPr>
-        <p:cNvPr id="1" name=""/>
-        <p:cNvGrpSpPr/>
-        <p:nvPr/>
-      </p:nvGrpSpPr>
-      <p:grpSpPr>
-        <a:xfrm>
-          <a:off x="0" y="0"/>
-          <a:ext cx="0" cy="0"/>
-          <a:chOff x="0" y="0"/>
-          <a:chExt cx="0" cy="0"/>
-        </a:xfrm>
-      </p:grpSpPr>
-      <p:sp>
-        <p:nvSpPr>
-          <p:cNvPr id="2" name="Title 1"/>
-          <p:cNvSpPr>
-            <a:spLocks noGrp="1"/>
-          </p:cNvSpPr>
-          <p:nvPr>
-            <p:ph type="title"/>
-          </p:nvPr>
-        </p:nvSpPr>
-        <p:spPr>
-          <a:xfrm>
-            <a:off x="681038" y="365127"/>
-            <a:ext cx="8543925" cy="1325563"/>
-          </a:xfrm>
-          <a:prstGeom prst="rect">
-            <a:avLst/>
-          </a:prstGeom>
-        </p:spPr>
-        <p:txBody>
-          <a:bodyPr/>
-          <a:lstStyle/>
-          <a:p>
-            <a:r>
-              <a:rPr lang="ko-KR" altLang="en-US"/>
-              <a:t>마스터 제목 스타일 편집</a:t>
-            </a:r>
-            <a:endParaRPr lang="en-US" dirty="0"/>
-          </a:p>
-        </p:txBody>
-      </p:sp>
-      <p:sp>
-        <p:nvSpPr>
-          <p:cNvPr id="3" name="Date Placeholder 2"/>
-          <p:cNvSpPr>
-            <a:spLocks noGrp="1"/>
-          </p:cNvSpPr>
-          <p:nvPr>
-            <p:ph type="dt" sz="half" idx="10"/>
-          </p:nvPr>
-        </p:nvSpPr>
-        <p:spPr/>
-        <p:txBody>
-          <a:bodyPr/>
-          <a:lstStyle/>
-          <a:p>
-            <a:fld id="{D5BB7A41-6D90-4371-844A-87EC379C3D06}" type="datetimeFigureOut">
-              <a:rPr lang="ko-KR" altLang="en-US" smtClean="0"/>
-              <a:t>2022-04-21</a:t>
-            </a:fld>
-            <a:endParaRPr lang="ko-KR" altLang="en-US"/>
-          </a:p>
-        </p:txBody>
-      </p:sp>
-      <p:sp>
-        <p:nvSpPr>
-          <p:cNvPr id="4" name="Footer Placeholder 3"/>
-          <p:cNvSpPr>
-            <a:spLocks noGrp="1"/>
-          </p:cNvSpPr>
-          <p:nvPr>
-            <p:ph type="ftr" sz="quarter" idx="11"/>
-          </p:nvPr>
-        </p:nvSpPr>
-        <p:spPr/>
-        <p:txBody>
-          <a:bodyPr/>
-          <a:lstStyle/>
-          <a:p>
-            <a:endParaRPr lang="ko-KR" altLang="en-US"/>
-          </a:p>
-        </p:txBody>
-      </p:sp>
-      <p:sp>
-        <p:nvSpPr>
-          <p:cNvPr id="5" name="Slide Number Placeholder 4"/>
-          <p:cNvSpPr>
-            <a:spLocks noGrp="1"/>
-          </p:cNvSpPr>
-          <p:nvPr>
-            <p:ph type="sldNum" sz="quarter" idx="12"/>
-          </p:nvPr>
-        </p:nvSpPr>
-        <p:spPr/>
-        <p:txBody>
-          <a:bodyPr/>
-          <a:lstStyle/>
-          <a:p>
-            <a:fld id="{5733F733-A97E-45C7-8208-292F002894F6}" type="slidenum">
-              <a:rPr lang="ko-KR" altLang="en-US" smtClean="0"/>
-              <a:t>‹#›</a:t>
-            </a:fld>
-            <a:endParaRPr lang="ko-KR" altLang="en-US"/>
-          </a:p>
-        </p:txBody>
-      </p:sp>
-    </p:spTree>
-    <p:extLst>
-      <p:ext uri="{BB962C8B-B14F-4D97-AF65-F5344CB8AC3E}">
-        <p14:creationId xmlns:p14="http://schemas.microsoft.com/office/powerpoint/2010/main" val="1407826729"/>
-      </p:ext>
-    </p:extLst>
-  </p:cSld>
-  <p:clrMapOvr>
-    <a:masterClrMapping/>
-  </p:clrMapOvr>
-</p:sldLayout>
-</file>
-
-<file path=ppt/slideLayouts/slideLayout60.xml><?xml version="1.0" encoding="utf-8"?>
+<file path=ppt/slideLayouts/slideLayout49.xml><?xml version="1.0" encoding="utf-8"?>
 <p:sldLayout xmlns:a="http://schemas.openxmlformats.org/drawingml/2006/main" xmlns:r="http://schemas.openxmlformats.org/officeDocument/2006/relationships" xmlns:p="http://schemas.openxmlformats.org/presentationml/2006/main" type="twoObj" preserve="1">
   <p:cSld name="Two Content">
     <p:spTree>
@@ -14299,7 +11047,389 @@
 </p:sldLayout>
 </file>
 
-<file path=ppt/slideLayouts/slideLayout61.xml><?xml version="1.0" encoding="utf-8"?>
+<file path=ppt/slideLayouts/slideLayout5.xml><?xml version="1.0" encoding="utf-8"?>
+<p:sldLayout xmlns:a="http://schemas.openxmlformats.org/drawingml/2006/main" xmlns:r="http://schemas.openxmlformats.org/officeDocument/2006/relationships" xmlns:p="http://schemas.openxmlformats.org/presentationml/2006/main" type="twoTxTwoObj" preserve="1">
+  <p:cSld name="비교">
+    <p:spTree>
+      <p:nvGrpSpPr>
+        <p:cNvPr id="1" name=""/>
+        <p:cNvGrpSpPr/>
+        <p:nvPr/>
+      </p:nvGrpSpPr>
+      <p:grpSpPr>
+        <a:xfrm>
+          <a:off x="0" y="0"/>
+          <a:ext cx="0" cy="0"/>
+          <a:chOff x="0" y="0"/>
+          <a:chExt cx="0" cy="0"/>
+        </a:xfrm>
+      </p:grpSpPr>
+      <p:sp>
+        <p:nvSpPr>
+          <p:cNvPr id="2" name="Title 1"/>
+          <p:cNvSpPr>
+            <a:spLocks noGrp="1"/>
+          </p:cNvSpPr>
+          <p:nvPr>
+            <p:ph type="title"/>
+          </p:nvPr>
+        </p:nvSpPr>
+        <p:spPr>
+          <a:xfrm>
+            <a:off x="682328" y="365127"/>
+            <a:ext cx="8543925" cy="1325563"/>
+          </a:xfrm>
+          <a:prstGeom prst="rect">
+            <a:avLst/>
+          </a:prstGeom>
+        </p:spPr>
+        <p:txBody>
+          <a:bodyPr/>
+          <a:lstStyle/>
+          <a:p>
+            <a:r>
+              <a:rPr lang="ko-KR" altLang="en-US"/>
+              <a:t>마스터 제목 스타일 편집</a:t>
+            </a:r>
+            <a:endParaRPr lang="en-US" dirty="0"/>
+          </a:p>
+        </p:txBody>
+      </p:sp>
+      <p:sp>
+        <p:nvSpPr>
+          <p:cNvPr id="3" name="Text Placeholder 2"/>
+          <p:cNvSpPr>
+            <a:spLocks noGrp="1"/>
+          </p:cNvSpPr>
+          <p:nvPr>
+            <p:ph type="body" idx="1"/>
+          </p:nvPr>
+        </p:nvSpPr>
+        <p:spPr>
+          <a:xfrm>
+            <a:off x="682329" y="1681163"/>
+            <a:ext cx="4190702" cy="823912"/>
+          </a:xfrm>
+          <a:prstGeom prst="rect">
+            <a:avLst/>
+          </a:prstGeom>
+        </p:spPr>
+        <p:txBody>
+          <a:bodyPr anchor="b"/>
+          <a:lstStyle>
+            <a:lvl1pPr marL="0" indent="0">
+              <a:buNone/>
+              <a:defRPr sz="2400" b="1"/>
+            </a:lvl1pPr>
+            <a:lvl2pPr marL="457200" indent="0">
+              <a:buNone/>
+              <a:defRPr sz="2000" b="1"/>
+            </a:lvl2pPr>
+            <a:lvl3pPr marL="914400" indent="0">
+              <a:buNone/>
+              <a:defRPr sz="1800" b="1"/>
+            </a:lvl3pPr>
+            <a:lvl4pPr marL="1371600" indent="0">
+              <a:buNone/>
+              <a:defRPr sz="1600" b="1"/>
+            </a:lvl4pPr>
+            <a:lvl5pPr marL="1828800" indent="0">
+              <a:buNone/>
+              <a:defRPr sz="1600" b="1"/>
+            </a:lvl5pPr>
+            <a:lvl6pPr marL="2286000" indent="0">
+              <a:buNone/>
+              <a:defRPr sz="1600" b="1"/>
+            </a:lvl6pPr>
+            <a:lvl7pPr marL="2743200" indent="0">
+              <a:buNone/>
+              <a:defRPr sz="1600" b="1"/>
+            </a:lvl7pPr>
+            <a:lvl8pPr marL="3200400" indent="0">
+              <a:buNone/>
+              <a:defRPr sz="1600" b="1"/>
+            </a:lvl8pPr>
+            <a:lvl9pPr marL="3657600" indent="0">
+              <a:buNone/>
+              <a:defRPr sz="1600" b="1"/>
+            </a:lvl9pPr>
+          </a:lstStyle>
+          <a:p>
+            <a:pPr lvl="0"/>
+            <a:r>
+              <a:rPr lang="ko-KR" altLang="en-US"/>
+              <a:t>마스터 텍스트 스타일을 편집합니다</a:t>
+            </a:r>
+          </a:p>
+        </p:txBody>
+      </p:sp>
+      <p:sp>
+        <p:nvSpPr>
+          <p:cNvPr id="4" name="Content Placeholder 3"/>
+          <p:cNvSpPr>
+            <a:spLocks noGrp="1"/>
+          </p:cNvSpPr>
+          <p:nvPr>
+            <p:ph sz="half" idx="2"/>
+          </p:nvPr>
+        </p:nvSpPr>
+        <p:spPr>
+          <a:xfrm>
+            <a:off x="682329" y="2505075"/>
+            <a:ext cx="4190702" cy="3684588"/>
+          </a:xfrm>
+          <a:prstGeom prst="rect">
+            <a:avLst/>
+          </a:prstGeom>
+        </p:spPr>
+        <p:txBody>
+          <a:bodyPr/>
+          <a:lstStyle/>
+          <a:p>
+            <a:pPr lvl="0"/>
+            <a:r>
+              <a:rPr lang="ko-KR" altLang="en-US"/>
+              <a:t>마스터 텍스트 스타일을 편집합니다</a:t>
+            </a:r>
+          </a:p>
+          <a:p>
+            <a:pPr lvl="1"/>
+            <a:r>
+              <a:rPr lang="ko-KR" altLang="en-US"/>
+              <a:t>둘째 수준</a:t>
+            </a:r>
+          </a:p>
+          <a:p>
+            <a:pPr lvl="2"/>
+            <a:r>
+              <a:rPr lang="ko-KR" altLang="en-US"/>
+              <a:t>셋째 수준</a:t>
+            </a:r>
+          </a:p>
+          <a:p>
+            <a:pPr lvl="3"/>
+            <a:r>
+              <a:rPr lang="ko-KR" altLang="en-US"/>
+              <a:t>넷째 수준</a:t>
+            </a:r>
+          </a:p>
+          <a:p>
+            <a:pPr lvl="4"/>
+            <a:r>
+              <a:rPr lang="ko-KR" altLang="en-US"/>
+              <a:t>다섯째 수준</a:t>
+            </a:r>
+            <a:endParaRPr lang="en-US" dirty="0"/>
+          </a:p>
+        </p:txBody>
+      </p:sp>
+      <p:sp>
+        <p:nvSpPr>
+          <p:cNvPr id="5" name="Text Placeholder 4"/>
+          <p:cNvSpPr>
+            <a:spLocks noGrp="1"/>
+          </p:cNvSpPr>
+          <p:nvPr>
+            <p:ph type="body" sz="quarter" idx="3"/>
+          </p:nvPr>
+        </p:nvSpPr>
+        <p:spPr>
+          <a:xfrm>
+            <a:off x="5014913" y="1681163"/>
+            <a:ext cx="4211340" cy="823912"/>
+          </a:xfrm>
+          <a:prstGeom prst="rect">
+            <a:avLst/>
+          </a:prstGeom>
+        </p:spPr>
+        <p:txBody>
+          <a:bodyPr anchor="b"/>
+          <a:lstStyle>
+            <a:lvl1pPr marL="0" indent="0">
+              <a:buNone/>
+              <a:defRPr sz="2400" b="1"/>
+            </a:lvl1pPr>
+            <a:lvl2pPr marL="457200" indent="0">
+              <a:buNone/>
+              <a:defRPr sz="2000" b="1"/>
+            </a:lvl2pPr>
+            <a:lvl3pPr marL="914400" indent="0">
+              <a:buNone/>
+              <a:defRPr sz="1800" b="1"/>
+            </a:lvl3pPr>
+            <a:lvl4pPr marL="1371600" indent="0">
+              <a:buNone/>
+              <a:defRPr sz="1600" b="1"/>
+            </a:lvl4pPr>
+            <a:lvl5pPr marL="1828800" indent="0">
+              <a:buNone/>
+              <a:defRPr sz="1600" b="1"/>
+            </a:lvl5pPr>
+            <a:lvl6pPr marL="2286000" indent="0">
+              <a:buNone/>
+              <a:defRPr sz="1600" b="1"/>
+            </a:lvl6pPr>
+            <a:lvl7pPr marL="2743200" indent="0">
+              <a:buNone/>
+              <a:defRPr sz="1600" b="1"/>
+            </a:lvl7pPr>
+            <a:lvl8pPr marL="3200400" indent="0">
+              <a:buNone/>
+              <a:defRPr sz="1600" b="1"/>
+            </a:lvl8pPr>
+            <a:lvl9pPr marL="3657600" indent="0">
+              <a:buNone/>
+              <a:defRPr sz="1600" b="1"/>
+            </a:lvl9pPr>
+          </a:lstStyle>
+          <a:p>
+            <a:pPr lvl="0"/>
+            <a:r>
+              <a:rPr lang="ko-KR" altLang="en-US"/>
+              <a:t>마스터 텍스트 스타일을 편집합니다</a:t>
+            </a:r>
+          </a:p>
+        </p:txBody>
+      </p:sp>
+      <p:sp>
+        <p:nvSpPr>
+          <p:cNvPr id="6" name="Content Placeholder 5"/>
+          <p:cNvSpPr>
+            <a:spLocks noGrp="1"/>
+          </p:cNvSpPr>
+          <p:nvPr>
+            <p:ph sz="quarter" idx="4"/>
+          </p:nvPr>
+        </p:nvSpPr>
+        <p:spPr>
+          <a:xfrm>
+            <a:off x="5014913" y="2505075"/>
+            <a:ext cx="4211340" cy="3684588"/>
+          </a:xfrm>
+          <a:prstGeom prst="rect">
+            <a:avLst/>
+          </a:prstGeom>
+        </p:spPr>
+        <p:txBody>
+          <a:bodyPr/>
+          <a:lstStyle/>
+          <a:p>
+            <a:pPr lvl="0"/>
+            <a:r>
+              <a:rPr lang="ko-KR" altLang="en-US"/>
+              <a:t>마스터 텍스트 스타일을 편집합니다</a:t>
+            </a:r>
+          </a:p>
+          <a:p>
+            <a:pPr lvl="1"/>
+            <a:r>
+              <a:rPr lang="ko-KR" altLang="en-US"/>
+              <a:t>둘째 수준</a:t>
+            </a:r>
+          </a:p>
+          <a:p>
+            <a:pPr lvl="2"/>
+            <a:r>
+              <a:rPr lang="ko-KR" altLang="en-US"/>
+              <a:t>셋째 수준</a:t>
+            </a:r>
+          </a:p>
+          <a:p>
+            <a:pPr lvl="3"/>
+            <a:r>
+              <a:rPr lang="ko-KR" altLang="en-US"/>
+              <a:t>넷째 수준</a:t>
+            </a:r>
+          </a:p>
+          <a:p>
+            <a:pPr lvl="4"/>
+            <a:r>
+              <a:rPr lang="ko-KR" altLang="en-US"/>
+              <a:t>다섯째 수준</a:t>
+            </a:r>
+            <a:endParaRPr lang="en-US" dirty="0"/>
+          </a:p>
+        </p:txBody>
+      </p:sp>
+      <p:sp>
+        <p:nvSpPr>
+          <p:cNvPr id="7" name="Date Placeholder 6"/>
+          <p:cNvSpPr>
+            <a:spLocks noGrp="1"/>
+          </p:cNvSpPr>
+          <p:nvPr>
+            <p:ph type="dt" sz="half" idx="10"/>
+          </p:nvPr>
+        </p:nvSpPr>
+        <p:spPr/>
+        <p:txBody>
+          <a:bodyPr/>
+          <a:lstStyle/>
+          <a:p>
+            <a:fld id="{D5BB7A41-6D90-4371-844A-87EC379C3D06}" type="datetimeFigureOut">
+              <a:rPr lang="ko-KR" altLang="en-US" smtClean="0"/>
+              <a:t>2022-04-21</a:t>
+            </a:fld>
+            <a:endParaRPr lang="ko-KR" altLang="en-US"/>
+          </a:p>
+        </p:txBody>
+      </p:sp>
+      <p:sp>
+        <p:nvSpPr>
+          <p:cNvPr id="8" name="Footer Placeholder 7"/>
+          <p:cNvSpPr>
+            <a:spLocks noGrp="1"/>
+          </p:cNvSpPr>
+          <p:nvPr>
+            <p:ph type="ftr" sz="quarter" idx="11"/>
+          </p:nvPr>
+        </p:nvSpPr>
+        <p:spPr/>
+        <p:txBody>
+          <a:bodyPr/>
+          <a:lstStyle/>
+          <a:p>
+            <a:endParaRPr lang="ko-KR" altLang="en-US"/>
+          </a:p>
+        </p:txBody>
+      </p:sp>
+      <p:sp>
+        <p:nvSpPr>
+          <p:cNvPr id="9" name="Slide Number Placeholder 8"/>
+          <p:cNvSpPr>
+            <a:spLocks noGrp="1"/>
+          </p:cNvSpPr>
+          <p:nvPr>
+            <p:ph type="sldNum" sz="quarter" idx="12"/>
+          </p:nvPr>
+        </p:nvSpPr>
+        <p:spPr/>
+        <p:txBody>
+          <a:bodyPr/>
+          <a:lstStyle/>
+          <a:p>
+            <a:fld id="{5733F733-A97E-45C7-8208-292F002894F6}" type="slidenum">
+              <a:rPr lang="ko-KR" altLang="en-US" smtClean="0"/>
+              <a:t>‹#›</a:t>
+            </a:fld>
+            <a:endParaRPr lang="ko-KR" altLang="en-US"/>
+          </a:p>
+        </p:txBody>
+      </p:sp>
+    </p:spTree>
+    <p:extLst>
+      <p:ext uri="{BB962C8B-B14F-4D97-AF65-F5344CB8AC3E}">
+        <p14:creationId xmlns:p14="http://schemas.microsoft.com/office/powerpoint/2010/main" val="1913597813"/>
+      </p:ext>
+    </p:extLst>
+  </p:cSld>
+  <p:clrMapOvr>
+    <a:masterClrMapping/>
+  </p:clrMapOvr>
+</p:sldLayout>
+</file>
+
+<file path=ppt/slideLayouts/slideLayout50.xml><?xml version="1.0" encoding="utf-8"?>
 <p:sldLayout xmlns:a="http://schemas.openxmlformats.org/drawingml/2006/main" xmlns:r="http://schemas.openxmlformats.org/officeDocument/2006/relationships" xmlns:p="http://schemas.openxmlformats.org/presentationml/2006/main" type="twoTxTwoObj" preserve="1">
   <p:cSld name="Comparison">
     <p:spTree>
@@ -14810,7 +11940,7 @@
 </p:sldLayout>
 </file>
 
-<file path=ppt/slideLayouts/slideLayout62.xml><?xml version="1.0" encoding="utf-8"?>
+<file path=ppt/slideLayouts/slideLayout51.xml><?xml version="1.0" encoding="utf-8"?>
 <p:sldLayout xmlns:a="http://schemas.openxmlformats.org/drawingml/2006/main" xmlns:r="http://schemas.openxmlformats.org/officeDocument/2006/relationships" xmlns:p="http://schemas.openxmlformats.org/presentationml/2006/main" type="titleOnly" preserve="1">
   <p:cSld name="Title Only">
     <p:spTree>
@@ -14933,7 +12063,7 @@
 </p:sldLayout>
 </file>
 
-<file path=ppt/slideLayouts/slideLayout63.xml><?xml version="1.0" encoding="utf-8"?>
+<file path=ppt/slideLayouts/slideLayout52.xml><?xml version="1.0" encoding="utf-8"?>
 <p:sldLayout xmlns:a="http://schemas.openxmlformats.org/drawingml/2006/main" xmlns:r="http://schemas.openxmlformats.org/officeDocument/2006/relationships" xmlns:p="http://schemas.openxmlformats.org/presentationml/2006/main" type="blank" preserve="1">
   <p:cSld name="Blank">
     <p:spTree>
@@ -15033,7 +12163,7 @@
 </p:sldLayout>
 </file>
 
-<file path=ppt/slideLayouts/slideLayout64.xml><?xml version="1.0" encoding="utf-8"?>
+<file path=ppt/slideLayouts/slideLayout53.xml><?xml version="1.0" encoding="utf-8"?>
 <p:sldLayout xmlns:a="http://schemas.openxmlformats.org/drawingml/2006/main" xmlns:r="http://schemas.openxmlformats.org/officeDocument/2006/relationships" xmlns:p="http://schemas.openxmlformats.org/presentationml/2006/main" type="objTx" preserve="1">
   <p:cSld name="Content with Caption">
     <p:spTree>
@@ -15352,7 +12482,7 @@
 </p:sldLayout>
 </file>
 
-<file path=ppt/slideLayouts/slideLayout65.xml><?xml version="1.0" encoding="utf-8"?>
+<file path=ppt/slideLayouts/slideLayout54.xml><?xml version="1.0" encoding="utf-8"?>
 <p:sldLayout xmlns:a="http://schemas.openxmlformats.org/drawingml/2006/main" xmlns:r="http://schemas.openxmlformats.org/officeDocument/2006/relationships" xmlns:p="http://schemas.openxmlformats.org/presentationml/2006/main" type="picTx" preserve="1">
   <p:cSld name="Picture with Caption">
     <p:spTree>
@@ -15632,7 +12762,7 @@
 </p:sldLayout>
 </file>
 
-<file path=ppt/slideLayouts/slideLayout66.xml><?xml version="1.0" encoding="utf-8"?>
+<file path=ppt/slideLayouts/slideLayout55.xml><?xml version="1.0" encoding="utf-8"?>
 <p:sldLayout xmlns:a="http://schemas.openxmlformats.org/drawingml/2006/main" xmlns:r="http://schemas.openxmlformats.org/officeDocument/2006/relationships" xmlns:p="http://schemas.openxmlformats.org/presentationml/2006/main" type="vertTx" preserve="1">
   <p:cSld name="Title and Vertical Text">
     <p:spTree>
@@ -15807,7 +12937,7 @@
 </p:sldLayout>
 </file>
 
-<file path=ppt/slideLayouts/slideLayout67.xml><?xml version="1.0" encoding="utf-8"?>
+<file path=ppt/slideLayouts/slideLayout56.xml><?xml version="1.0" encoding="utf-8"?>
 <p:sldLayout xmlns:a="http://schemas.openxmlformats.org/drawingml/2006/main" xmlns:r="http://schemas.openxmlformats.org/officeDocument/2006/relationships" xmlns:p="http://schemas.openxmlformats.org/presentationml/2006/main" type="vertTitleAndTx" preserve="1">
   <p:cSld name="Vertical Title and Text">
     <p:spTree>
@@ -15983,6 +13113,132 @@
     <p:extLst>
       <p:ext uri="{BB962C8B-B14F-4D97-AF65-F5344CB8AC3E}">
         <p14:creationId xmlns:p14="http://schemas.microsoft.com/office/powerpoint/2010/main" val="2522954515"/>
+      </p:ext>
+    </p:extLst>
+  </p:cSld>
+  <p:clrMapOvr>
+    <a:masterClrMapping/>
+  </p:clrMapOvr>
+</p:sldLayout>
+</file>
+
+<file path=ppt/slideLayouts/slideLayout6.xml><?xml version="1.0" encoding="utf-8"?>
+<p:sldLayout xmlns:a="http://schemas.openxmlformats.org/drawingml/2006/main" xmlns:r="http://schemas.openxmlformats.org/officeDocument/2006/relationships" xmlns:p="http://schemas.openxmlformats.org/presentationml/2006/main" type="titleOnly" preserve="1">
+  <p:cSld name="제목만">
+    <p:spTree>
+      <p:nvGrpSpPr>
+        <p:cNvPr id="1" name=""/>
+        <p:cNvGrpSpPr/>
+        <p:nvPr/>
+      </p:nvGrpSpPr>
+      <p:grpSpPr>
+        <a:xfrm>
+          <a:off x="0" y="0"/>
+          <a:ext cx="0" cy="0"/>
+          <a:chOff x="0" y="0"/>
+          <a:chExt cx="0" cy="0"/>
+        </a:xfrm>
+      </p:grpSpPr>
+      <p:sp>
+        <p:nvSpPr>
+          <p:cNvPr id="2" name="Title 1"/>
+          <p:cNvSpPr>
+            <a:spLocks noGrp="1"/>
+          </p:cNvSpPr>
+          <p:nvPr>
+            <p:ph type="title"/>
+          </p:nvPr>
+        </p:nvSpPr>
+        <p:spPr>
+          <a:xfrm>
+            <a:off x="681038" y="365127"/>
+            <a:ext cx="8543925" cy="1325563"/>
+          </a:xfrm>
+          <a:prstGeom prst="rect">
+            <a:avLst/>
+          </a:prstGeom>
+        </p:spPr>
+        <p:txBody>
+          <a:bodyPr/>
+          <a:lstStyle/>
+          <a:p>
+            <a:r>
+              <a:rPr lang="ko-KR" altLang="en-US"/>
+              <a:t>마스터 제목 스타일 편집</a:t>
+            </a:r>
+            <a:endParaRPr lang="en-US" dirty="0"/>
+          </a:p>
+        </p:txBody>
+      </p:sp>
+      <p:sp>
+        <p:nvSpPr>
+          <p:cNvPr id="3" name="Date Placeholder 2"/>
+          <p:cNvSpPr>
+            <a:spLocks noGrp="1"/>
+          </p:cNvSpPr>
+          <p:nvPr>
+            <p:ph type="dt" sz="half" idx="10"/>
+          </p:nvPr>
+        </p:nvSpPr>
+        <p:spPr/>
+        <p:txBody>
+          <a:bodyPr/>
+          <a:lstStyle/>
+          <a:p>
+            <a:fld id="{D5BB7A41-6D90-4371-844A-87EC379C3D06}" type="datetimeFigureOut">
+              <a:rPr lang="ko-KR" altLang="en-US" smtClean="0"/>
+              <a:t>2022-04-21</a:t>
+            </a:fld>
+            <a:endParaRPr lang="ko-KR" altLang="en-US"/>
+          </a:p>
+        </p:txBody>
+      </p:sp>
+      <p:sp>
+        <p:nvSpPr>
+          <p:cNvPr id="4" name="Footer Placeholder 3"/>
+          <p:cNvSpPr>
+            <a:spLocks noGrp="1"/>
+          </p:cNvSpPr>
+          <p:nvPr>
+            <p:ph type="ftr" sz="quarter" idx="11"/>
+          </p:nvPr>
+        </p:nvSpPr>
+        <p:spPr/>
+        <p:txBody>
+          <a:bodyPr/>
+          <a:lstStyle/>
+          <a:p>
+            <a:endParaRPr lang="ko-KR" altLang="en-US"/>
+          </a:p>
+        </p:txBody>
+      </p:sp>
+      <p:sp>
+        <p:nvSpPr>
+          <p:cNvPr id="5" name="Slide Number Placeholder 4"/>
+          <p:cNvSpPr>
+            <a:spLocks noGrp="1"/>
+          </p:cNvSpPr>
+          <p:nvPr>
+            <p:ph type="sldNum" sz="quarter" idx="12"/>
+          </p:nvPr>
+        </p:nvSpPr>
+        <p:spPr/>
+        <p:txBody>
+          <a:bodyPr/>
+          <a:lstStyle/>
+          <a:p>
+            <a:fld id="{5733F733-A97E-45C7-8208-292F002894F6}" type="slidenum">
+              <a:rPr lang="ko-KR" altLang="en-US" smtClean="0"/>
+              <a:t>‹#›</a:t>
+            </a:fld>
+            <a:endParaRPr lang="ko-KR" altLang="en-US"/>
+          </a:p>
+        </p:txBody>
+      </p:sp>
+    </p:spTree>
+    <p:extLst>
+      <p:ext uri="{BB962C8B-B14F-4D97-AF65-F5344CB8AC3E}">
+        <p14:creationId xmlns:p14="http://schemas.microsoft.com/office/powerpoint/2010/main" val="1407826729"/>
       </p:ext>
     </p:extLst>
   </p:cSld>
@@ -17381,23 +14637,23 @@
     </p:spTree>
     <p:extLst>
       <p:ext uri="{BB962C8B-B14F-4D97-AF65-F5344CB8AC3E}">
-        <p14:creationId xmlns:p14="http://schemas.microsoft.com/office/powerpoint/2010/main" val="2180442386"/>
+        <p14:creationId xmlns:p14="http://schemas.microsoft.com/office/powerpoint/2010/main" val="2361354841"/>
       </p:ext>
     </p:extLst>
   </p:cSld>
   <p:clrMap bg1="lt1" tx1="dk1" bg2="lt2" tx2="dk2" accent1="accent1" accent2="accent2" accent3="accent3" accent4="accent4" accent5="accent5" accent6="accent6" hlink="hlink" folHlink="folHlink"/>
   <p:sldLayoutIdLst>
-    <p:sldLayoutId id="2147483713" r:id="rId1"/>
-    <p:sldLayoutId id="2147483714" r:id="rId2"/>
-    <p:sldLayoutId id="2147483715" r:id="rId3"/>
-    <p:sldLayoutId id="2147483716" r:id="rId4"/>
-    <p:sldLayoutId id="2147483717" r:id="rId5"/>
-    <p:sldLayoutId id="2147483718" r:id="rId6"/>
-    <p:sldLayoutId id="2147483719" r:id="rId7"/>
-    <p:sldLayoutId id="2147483720" r:id="rId8"/>
-    <p:sldLayoutId id="2147483721" r:id="rId9"/>
-    <p:sldLayoutId id="2147483722" r:id="rId10"/>
-    <p:sldLayoutId id="2147483723" r:id="rId11"/>
+    <p:sldLayoutId id="2147483725" r:id="rId1"/>
+    <p:sldLayoutId id="2147483726" r:id="rId2"/>
+    <p:sldLayoutId id="2147483727" r:id="rId3"/>
+    <p:sldLayoutId id="2147483728" r:id="rId4"/>
+    <p:sldLayoutId id="2147483729" r:id="rId5"/>
+    <p:sldLayoutId id="2147483730" r:id="rId6"/>
+    <p:sldLayoutId id="2147483731" r:id="rId7"/>
+    <p:sldLayoutId id="2147483732" r:id="rId8"/>
+    <p:sldLayoutId id="2147483733" r:id="rId9"/>
+    <p:sldLayoutId id="2147483734" r:id="rId10"/>
+    <p:sldLayoutId id="2147483735" r:id="rId11"/>
   </p:sldLayoutIdLst>
   <p:txStyles>
     <p:titleStyle>
@@ -18071,23 +15327,23 @@
     </p:spTree>
     <p:extLst>
       <p:ext uri="{BB962C8B-B14F-4D97-AF65-F5344CB8AC3E}">
-        <p14:creationId xmlns:p14="http://schemas.microsoft.com/office/powerpoint/2010/main" val="2361354841"/>
+        <p14:creationId xmlns:p14="http://schemas.microsoft.com/office/powerpoint/2010/main" val="1709423150"/>
       </p:ext>
     </p:extLst>
   </p:cSld>
   <p:clrMap bg1="lt1" tx1="dk1" bg2="lt2" tx2="dk2" accent1="accent1" accent2="accent2" accent3="accent3" accent4="accent4" accent5="accent5" accent6="accent6" hlink="hlink" folHlink="folHlink"/>
   <p:sldLayoutIdLst>
-    <p:sldLayoutId id="2147483725" r:id="rId1"/>
-    <p:sldLayoutId id="2147483726" r:id="rId2"/>
-    <p:sldLayoutId id="2147483727" r:id="rId3"/>
-    <p:sldLayoutId id="2147483728" r:id="rId4"/>
-    <p:sldLayoutId id="2147483729" r:id="rId5"/>
-    <p:sldLayoutId id="2147483730" r:id="rId6"/>
-    <p:sldLayoutId id="2147483731" r:id="rId7"/>
-    <p:sldLayoutId id="2147483732" r:id="rId8"/>
-    <p:sldLayoutId id="2147483733" r:id="rId9"/>
-    <p:sldLayoutId id="2147483734" r:id="rId10"/>
-    <p:sldLayoutId id="2147483735" r:id="rId11"/>
+    <p:sldLayoutId id="2147483749" r:id="rId1"/>
+    <p:sldLayoutId id="2147483750" r:id="rId2"/>
+    <p:sldLayoutId id="2147483751" r:id="rId3"/>
+    <p:sldLayoutId id="2147483752" r:id="rId4"/>
+    <p:sldLayoutId id="2147483753" r:id="rId5"/>
+    <p:sldLayoutId id="2147483754" r:id="rId6"/>
+    <p:sldLayoutId id="2147483755" r:id="rId7"/>
+    <p:sldLayoutId id="2147483756" r:id="rId8"/>
+    <p:sldLayoutId id="2147483757" r:id="rId9"/>
+    <p:sldLayoutId id="2147483758" r:id="rId10"/>
+    <p:sldLayoutId id="2147483759" r:id="rId11"/>
   </p:sldLayoutIdLst>
   <p:txStyles>
     <p:titleStyle>
@@ -18761,696 +16017,6 @@
     </p:spTree>
     <p:extLst>
       <p:ext uri="{BB962C8B-B14F-4D97-AF65-F5344CB8AC3E}">
-        <p14:creationId xmlns:p14="http://schemas.microsoft.com/office/powerpoint/2010/main" val="1709423150"/>
-      </p:ext>
-    </p:extLst>
-  </p:cSld>
-  <p:clrMap bg1="lt1" tx1="dk1" bg2="lt2" tx2="dk2" accent1="accent1" accent2="accent2" accent3="accent3" accent4="accent4" accent5="accent5" accent6="accent6" hlink="hlink" folHlink="folHlink"/>
-  <p:sldLayoutIdLst>
-    <p:sldLayoutId id="2147483749" r:id="rId1"/>
-    <p:sldLayoutId id="2147483750" r:id="rId2"/>
-    <p:sldLayoutId id="2147483751" r:id="rId3"/>
-    <p:sldLayoutId id="2147483752" r:id="rId4"/>
-    <p:sldLayoutId id="2147483753" r:id="rId5"/>
-    <p:sldLayoutId id="2147483754" r:id="rId6"/>
-    <p:sldLayoutId id="2147483755" r:id="rId7"/>
-    <p:sldLayoutId id="2147483756" r:id="rId8"/>
-    <p:sldLayoutId id="2147483757" r:id="rId9"/>
-    <p:sldLayoutId id="2147483758" r:id="rId10"/>
-    <p:sldLayoutId id="2147483759" r:id="rId11"/>
-  </p:sldLayoutIdLst>
-  <p:txStyles>
-    <p:titleStyle>
-      <a:lvl1pPr algn="l" defTabSz="914400" rtl="0" eaLnBrk="1" latinLnBrk="0" hangingPunct="1">
-        <a:spcBef>
-          <a:spcPct val="0"/>
-        </a:spcBef>
-        <a:buNone/>
-        <a:defRPr sz="4000" kern="1200" spc="-100" baseline="0">
-          <a:solidFill>
-            <a:schemeClr val="tx2"/>
-          </a:solidFill>
-          <a:latin typeface="+mj-lt"/>
-          <a:ea typeface="+mj-ea"/>
-          <a:cs typeface="+mj-cs"/>
-        </a:defRPr>
-      </a:lvl1pPr>
-    </p:titleStyle>
-    <p:bodyStyle>
-      <a:lvl1pPr marL="182880" indent="-182880" algn="l" defTabSz="914400" rtl="0" eaLnBrk="1" latinLnBrk="0" hangingPunct="1">
-        <a:spcBef>
-          <a:spcPct val="20000"/>
-        </a:spcBef>
-        <a:buClr>
-          <a:schemeClr val="accent1"/>
-        </a:buClr>
-        <a:buSzPct val="85000"/>
-        <a:buFont typeface="Arial" pitchFamily="34" charset="0"/>
-        <a:buChar char="•"/>
-        <a:defRPr sz="2400" kern="1200">
-          <a:solidFill>
-            <a:schemeClr val="tx1"/>
-          </a:solidFill>
-          <a:latin typeface="+mn-lt"/>
-          <a:ea typeface="+mn-ea"/>
-          <a:cs typeface="+mn-cs"/>
-        </a:defRPr>
-      </a:lvl1pPr>
-      <a:lvl2pPr marL="457200" indent="-182880" algn="l" defTabSz="914400" rtl="0" eaLnBrk="1" latinLnBrk="0" hangingPunct="1">
-        <a:spcBef>
-          <a:spcPct val="20000"/>
-        </a:spcBef>
-        <a:buClr>
-          <a:schemeClr val="accent1"/>
-        </a:buClr>
-        <a:buSzPct val="85000"/>
-        <a:buFont typeface="Arial" pitchFamily="34" charset="0"/>
-        <a:buChar char="•"/>
-        <a:defRPr sz="2000" kern="1200">
-          <a:solidFill>
-            <a:schemeClr val="tx1"/>
-          </a:solidFill>
-          <a:latin typeface="+mn-lt"/>
-          <a:ea typeface="+mn-ea"/>
-          <a:cs typeface="+mn-cs"/>
-        </a:defRPr>
-      </a:lvl2pPr>
-      <a:lvl3pPr marL="731520" indent="-182880" algn="l" defTabSz="914400" rtl="0" eaLnBrk="1" latinLnBrk="0" hangingPunct="1">
-        <a:spcBef>
-          <a:spcPct val="20000"/>
-        </a:spcBef>
-        <a:buClr>
-          <a:schemeClr val="accent1"/>
-        </a:buClr>
-        <a:buSzPct val="90000"/>
-        <a:buFont typeface="Arial" pitchFamily="34" charset="0"/>
-        <a:buChar char="•"/>
-        <a:defRPr sz="1800" kern="1200">
-          <a:solidFill>
-            <a:schemeClr val="tx1"/>
-          </a:solidFill>
-          <a:latin typeface="+mn-lt"/>
-          <a:ea typeface="+mn-ea"/>
-          <a:cs typeface="+mn-cs"/>
-        </a:defRPr>
-      </a:lvl3pPr>
-      <a:lvl4pPr marL="1005840" indent="-182880" algn="l" defTabSz="914400" rtl="0" eaLnBrk="1" latinLnBrk="0" hangingPunct="1">
-        <a:spcBef>
-          <a:spcPct val="20000"/>
-        </a:spcBef>
-        <a:buClr>
-          <a:schemeClr val="accent1"/>
-        </a:buClr>
-        <a:buFont typeface="Arial" pitchFamily="34" charset="0"/>
-        <a:buChar char="•"/>
-        <a:defRPr sz="1600" kern="1200">
-          <a:solidFill>
-            <a:schemeClr val="tx1"/>
-          </a:solidFill>
-          <a:latin typeface="+mn-lt"/>
-          <a:ea typeface="+mn-ea"/>
-          <a:cs typeface="+mn-cs"/>
-        </a:defRPr>
-      </a:lvl4pPr>
-      <a:lvl5pPr marL="1188720" indent="-137160" algn="l" defTabSz="914400" rtl="0" eaLnBrk="1" latinLnBrk="0" hangingPunct="1">
-        <a:spcBef>
-          <a:spcPct val="20000"/>
-        </a:spcBef>
-        <a:buClr>
-          <a:schemeClr val="accent1"/>
-        </a:buClr>
-        <a:buSzPct val="100000"/>
-        <a:buFont typeface="Arial" pitchFamily="34" charset="0"/>
-        <a:buChar char="•"/>
-        <a:defRPr sz="1400" kern="1200" baseline="0">
-          <a:solidFill>
-            <a:schemeClr val="tx1"/>
-          </a:solidFill>
-          <a:latin typeface="+mn-lt"/>
-          <a:ea typeface="+mn-ea"/>
-          <a:cs typeface="+mn-cs"/>
-        </a:defRPr>
-      </a:lvl5pPr>
-      <a:lvl6pPr marL="1371600" indent="-182880" algn="l" defTabSz="914400" rtl="0" eaLnBrk="1" latinLnBrk="0" hangingPunct="1">
-        <a:spcBef>
-          <a:spcPct val="20000"/>
-        </a:spcBef>
-        <a:buClr>
-          <a:schemeClr val="accent1"/>
-        </a:buClr>
-        <a:buFont typeface="Arial" pitchFamily="34" charset="0"/>
-        <a:buChar char="•"/>
-        <a:defRPr sz="1300" kern="1200">
-          <a:solidFill>
-            <a:schemeClr val="tx1"/>
-          </a:solidFill>
-          <a:latin typeface="+mn-lt"/>
-          <a:ea typeface="+mn-ea"/>
-          <a:cs typeface="+mn-cs"/>
-        </a:defRPr>
-      </a:lvl6pPr>
-      <a:lvl7pPr marL="1554480" indent="-182880" algn="l" defTabSz="914400" rtl="0" eaLnBrk="1" latinLnBrk="0" hangingPunct="1">
-        <a:spcBef>
-          <a:spcPct val="20000"/>
-        </a:spcBef>
-        <a:buClr>
-          <a:schemeClr val="accent1"/>
-        </a:buClr>
-        <a:buFont typeface="Arial" pitchFamily="34" charset="0"/>
-        <a:buChar char="•"/>
-        <a:defRPr sz="1300" kern="1200">
-          <a:solidFill>
-            <a:schemeClr val="tx1"/>
-          </a:solidFill>
-          <a:latin typeface="+mn-lt"/>
-          <a:ea typeface="+mn-ea"/>
-          <a:cs typeface="+mn-cs"/>
-        </a:defRPr>
-      </a:lvl7pPr>
-      <a:lvl8pPr marL="1737360" indent="-182880" algn="l" defTabSz="914400" rtl="0" eaLnBrk="1" latinLnBrk="0" hangingPunct="1">
-        <a:spcBef>
-          <a:spcPct val="20000"/>
-        </a:spcBef>
-        <a:buClr>
-          <a:schemeClr val="accent1"/>
-        </a:buClr>
-        <a:buFont typeface="Arial" pitchFamily="34" charset="0"/>
-        <a:buChar char="•"/>
-        <a:defRPr sz="1300" kern="1200">
-          <a:solidFill>
-            <a:schemeClr val="tx1"/>
-          </a:solidFill>
-          <a:latin typeface="+mn-lt"/>
-          <a:ea typeface="+mn-ea"/>
-          <a:cs typeface="+mn-cs"/>
-        </a:defRPr>
-      </a:lvl8pPr>
-      <a:lvl9pPr marL="1920240" indent="-182880" algn="l" defTabSz="914400" rtl="0" eaLnBrk="1" latinLnBrk="0" hangingPunct="1">
-        <a:spcBef>
-          <a:spcPct val="20000"/>
-        </a:spcBef>
-        <a:buClr>
-          <a:schemeClr val="accent1"/>
-        </a:buClr>
-        <a:buFont typeface="Arial" pitchFamily="34" charset="0"/>
-        <a:buChar char="•"/>
-        <a:defRPr sz="1300" kern="1200">
-          <a:solidFill>
-            <a:schemeClr val="tx1"/>
-          </a:solidFill>
-          <a:latin typeface="+mn-lt"/>
-          <a:ea typeface="+mn-ea"/>
-          <a:cs typeface="+mn-cs"/>
-        </a:defRPr>
-      </a:lvl9pPr>
-    </p:bodyStyle>
-    <p:otherStyle>
-      <a:defPPr>
-        <a:defRPr lang="en-US"/>
-      </a:defPPr>
-      <a:lvl1pPr marL="0" algn="l" defTabSz="914400" rtl="0" eaLnBrk="1" latinLnBrk="0" hangingPunct="1">
-        <a:defRPr sz="1800" kern="1200">
-          <a:solidFill>
-            <a:schemeClr val="tx1"/>
-          </a:solidFill>
-          <a:latin typeface="+mn-lt"/>
-          <a:ea typeface="+mn-ea"/>
-          <a:cs typeface="+mn-cs"/>
-        </a:defRPr>
-      </a:lvl1pPr>
-      <a:lvl2pPr marL="457200" algn="l" defTabSz="914400" rtl="0" eaLnBrk="1" latinLnBrk="0" hangingPunct="1">
-        <a:defRPr sz="1800" kern="1200">
-          <a:solidFill>
-            <a:schemeClr val="tx1"/>
-          </a:solidFill>
-          <a:latin typeface="+mn-lt"/>
-          <a:ea typeface="+mn-ea"/>
-          <a:cs typeface="+mn-cs"/>
-        </a:defRPr>
-      </a:lvl2pPr>
-      <a:lvl3pPr marL="914400" algn="l" defTabSz="914400" rtl="0" eaLnBrk="1" latinLnBrk="0" hangingPunct="1">
-        <a:defRPr sz="1800" kern="1200">
-          <a:solidFill>
-            <a:schemeClr val="tx1"/>
-          </a:solidFill>
-          <a:latin typeface="+mn-lt"/>
-          <a:ea typeface="+mn-ea"/>
-          <a:cs typeface="+mn-cs"/>
-        </a:defRPr>
-      </a:lvl3pPr>
-      <a:lvl4pPr marL="1371600" algn="l" defTabSz="914400" rtl="0" eaLnBrk="1" latinLnBrk="0" hangingPunct="1">
-        <a:defRPr sz="1800" kern="1200">
-          <a:solidFill>
-            <a:schemeClr val="tx1"/>
-          </a:solidFill>
-          <a:latin typeface="+mn-lt"/>
-          <a:ea typeface="+mn-ea"/>
-          <a:cs typeface="+mn-cs"/>
-        </a:defRPr>
-      </a:lvl4pPr>
-      <a:lvl5pPr marL="1828800" algn="l" defTabSz="914400" rtl="0" eaLnBrk="1" latinLnBrk="0" hangingPunct="1">
-        <a:defRPr sz="1800" kern="1200">
-          <a:solidFill>
-            <a:schemeClr val="tx1"/>
-          </a:solidFill>
-          <a:latin typeface="+mn-lt"/>
-          <a:ea typeface="+mn-ea"/>
-          <a:cs typeface="+mn-cs"/>
-        </a:defRPr>
-      </a:lvl5pPr>
-      <a:lvl6pPr marL="2286000" algn="l" defTabSz="914400" rtl="0" eaLnBrk="1" latinLnBrk="0" hangingPunct="1">
-        <a:defRPr sz="1800" kern="1200">
-          <a:solidFill>
-            <a:schemeClr val="tx1"/>
-          </a:solidFill>
-          <a:latin typeface="+mn-lt"/>
-          <a:ea typeface="+mn-ea"/>
-          <a:cs typeface="+mn-cs"/>
-        </a:defRPr>
-      </a:lvl6pPr>
-      <a:lvl7pPr marL="2743200" algn="l" defTabSz="914400" rtl="0" eaLnBrk="1" latinLnBrk="0" hangingPunct="1">
-        <a:defRPr sz="1800" kern="1200">
-          <a:solidFill>
-            <a:schemeClr val="tx1"/>
-          </a:solidFill>
-          <a:latin typeface="+mn-lt"/>
-          <a:ea typeface="+mn-ea"/>
-          <a:cs typeface="+mn-cs"/>
-        </a:defRPr>
-      </a:lvl7pPr>
-      <a:lvl8pPr marL="3200400" algn="l" defTabSz="914400" rtl="0" eaLnBrk="1" latinLnBrk="0" hangingPunct="1">
-        <a:defRPr sz="1800" kern="1200">
-          <a:solidFill>
-            <a:schemeClr val="tx1"/>
-          </a:solidFill>
-          <a:latin typeface="+mn-lt"/>
-          <a:ea typeface="+mn-ea"/>
-          <a:cs typeface="+mn-cs"/>
-        </a:defRPr>
-      </a:lvl8pPr>
-      <a:lvl9pPr marL="3657600" algn="l" defTabSz="914400" rtl="0" eaLnBrk="1" latinLnBrk="0" hangingPunct="1">
-        <a:defRPr sz="1800" kern="1200">
-          <a:solidFill>
-            <a:schemeClr val="tx1"/>
-          </a:solidFill>
-          <a:latin typeface="+mn-lt"/>
-          <a:ea typeface="+mn-ea"/>
-          <a:cs typeface="+mn-cs"/>
-        </a:defRPr>
-      </a:lvl9pPr>
-    </p:otherStyle>
-  </p:txStyles>
-</p:sldMaster>
-</file>
-
-<file path=ppt/slideMasters/slideMaster5.xml><?xml version="1.0" encoding="utf-8"?>
-<p:sldMaster xmlns:a="http://schemas.openxmlformats.org/drawingml/2006/main" xmlns:r="http://schemas.openxmlformats.org/officeDocument/2006/relationships" xmlns:p="http://schemas.openxmlformats.org/presentationml/2006/main">
-  <p:cSld>
-    <p:bg>
-      <p:bgRef idx="1001">
-        <a:schemeClr val="bg1"/>
-      </p:bgRef>
-    </p:bg>
-    <p:spTree>
-      <p:nvGrpSpPr>
-        <p:cNvPr id="1" name=""/>
-        <p:cNvGrpSpPr/>
-        <p:nvPr/>
-      </p:nvGrpSpPr>
-      <p:grpSpPr>
-        <a:xfrm>
-          <a:off x="0" y="0"/>
-          <a:ext cx="0" cy="0"/>
-          <a:chOff x="0" y="0"/>
-          <a:chExt cx="0" cy="0"/>
-        </a:xfrm>
-      </p:grpSpPr>
-      <p:sp>
-        <p:nvSpPr>
-          <p:cNvPr id="10" name="Rectangle 9"/>
-          <p:cNvSpPr/>
-          <p:nvPr/>
-        </p:nvSpPr>
-        <p:spPr>
-          <a:xfrm>
-            <a:off x="0" y="220786"/>
-            <a:ext cx="9906000" cy="228600"/>
-          </a:xfrm>
-          <a:prstGeom prst="rect">
-            <a:avLst/>
-          </a:prstGeom>
-          <a:solidFill>
-            <a:srgbClr val="FFFFFF"/>
-          </a:solidFill>
-          <a:ln>
-            <a:noFill/>
-          </a:ln>
-        </p:spPr>
-        <p:style>
-          <a:lnRef idx="2">
-            <a:schemeClr val="accent1">
-              <a:shade val="50000"/>
-            </a:schemeClr>
-          </a:lnRef>
-          <a:fillRef idx="1">
-            <a:schemeClr val="accent1"/>
-          </a:fillRef>
-          <a:effectRef idx="0">
-            <a:schemeClr val="accent1"/>
-          </a:effectRef>
-          <a:fontRef idx="minor">
-            <a:schemeClr val="lt1"/>
-          </a:fontRef>
-        </p:style>
-        <p:txBody>
-          <a:bodyPr rtlCol="0" anchor="ctr"/>
-          <a:lstStyle/>
-          <a:p>
-            <a:pPr marL="0" marR="0" lvl="0" indent="0" algn="ctr" defTabSz="914400" rtl="0" eaLnBrk="1" fontAlgn="auto" latinLnBrk="0" hangingPunct="1">
-              <a:lnSpc>
-                <a:spcPct val="100000"/>
-              </a:lnSpc>
-              <a:spcBef>
-                <a:spcPts val="0"/>
-              </a:spcBef>
-              <a:spcAft>
-                <a:spcPts val="0"/>
-              </a:spcAft>
-              <a:buClrTx/>
-              <a:buSzTx/>
-              <a:buFontTx/>
-              <a:buNone/>
-              <a:tabLst/>
-              <a:defRPr/>
-            </a:pPr>
-            <a:endParaRPr kumimoji="0" lang="en-US" sz="1800" b="0" i="0" u="none" strike="noStrike" kern="1200" cap="none" spc="0" normalizeH="0" baseline="0" noProof="0">
-              <a:ln>
-                <a:noFill/>
-              </a:ln>
-              <a:solidFill>
-                <a:srgbClr val="FFFFFF"/>
-              </a:solidFill>
-              <a:effectLst/>
-              <a:uLnTx/>
-              <a:uFillTx/>
-              <a:latin typeface="Arial"/>
-              <a:ea typeface="+mn-ea"/>
-              <a:cs typeface="+mn-cs"/>
-            </a:endParaRPr>
-          </a:p>
-        </p:txBody>
-      </p:sp>
-      <p:sp>
-        <p:nvSpPr>
-          <p:cNvPr id="2" name="Title Placeholder 1"/>
-          <p:cNvSpPr>
-            <a:spLocks noGrp="1"/>
-          </p:cNvSpPr>
-          <p:nvPr>
-            <p:ph type="title"/>
-          </p:nvPr>
-        </p:nvSpPr>
-        <p:spPr>
-          <a:xfrm>
-            <a:off x="495300" y="533400"/>
-            <a:ext cx="8915400" cy="990600"/>
-          </a:xfrm>
-          <a:prstGeom prst="rect">
-            <a:avLst/>
-          </a:prstGeom>
-        </p:spPr>
-        <p:txBody>
-          <a:bodyPr vert="horz" lIns="91440" tIns="45720" rIns="91440" bIns="45720" rtlCol="0" anchor="ctr">
-            <a:normAutofit/>
-          </a:bodyPr>
-          <a:lstStyle/>
-          <a:p>
-            <a:r>
-              <a:rPr lang="en-US" smtClean="0"/>
-              <a:t>Click to edit Master title style</a:t>
-            </a:r>
-            <a:endParaRPr lang="en-US" dirty="0"/>
-          </a:p>
-        </p:txBody>
-      </p:sp>
-      <p:sp>
-        <p:nvSpPr>
-          <p:cNvPr id="3" name="Text Placeholder 2"/>
-          <p:cNvSpPr>
-            <a:spLocks noGrp="1"/>
-          </p:cNvSpPr>
-          <p:nvPr>
-            <p:ph type="body" idx="1"/>
-          </p:nvPr>
-        </p:nvSpPr>
-        <p:spPr>
-          <a:xfrm>
-            <a:off x="495300" y="1600200"/>
-            <a:ext cx="8915400" cy="4876800"/>
-          </a:xfrm>
-          <a:prstGeom prst="rect">
-            <a:avLst/>
-          </a:prstGeom>
-        </p:spPr>
-        <p:txBody>
-          <a:bodyPr vert="horz" lIns="91440" tIns="45720" rIns="91440" bIns="45720" rtlCol="0">
-            <a:normAutofit/>
-          </a:bodyPr>
-          <a:lstStyle/>
-          <a:p>
-            <a:pPr lvl="0"/>
-            <a:r>
-              <a:rPr lang="en-US" smtClean="0"/>
-              <a:t>Click to edit Master text styles</a:t>
-            </a:r>
-          </a:p>
-          <a:p>
-            <a:pPr lvl="1"/>
-            <a:r>
-              <a:rPr lang="en-US" smtClean="0"/>
-              <a:t>Second level</a:t>
-            </a:r>
-          </a:p>
-          <a:p>
-            <a:pPr lvl="2"/>
-            <a:r>
-              <a:rPr lang="en-US" smtClean="0"/>
-              <a:t>Third level</a:t>
-            </a:r>
-          </a:p>
-          <a:p>
-            <a:pPr lvl="3"/>
-            <a:r>
-              <a:rPr lang="en-US" smtClean="0"/>
-              <a:t>Fourth level</a:t>
-            </a:r>
-          </a:p>
-          <a:p>
-            <a:pPr lvl="4"/>
-            <a:r>
-              <a:rPr lang="en-US" smtClean="0"/>
-              <a:t>Fifth level</a:t>
-            </a:r>
-            <a:endParaRPr lang="en-US" dirty="0"/>
-          </a:p>
-        </p:txBody>
-      </p:sp>
-      <p:sp>
-        <p:nvSpPr>
-          <p:cNvPr id="7" name="Rectangle 6"/>
-          <p:cNvSpPr/>
-          <p:nvPr/>
-        </p:nvSpPr>
-        <p:spPr>
-          <a:xfrm>
-            <a:off x="0" y="0"/>
-            <a:ext cx="9906000" cy="365760"/>
-          </a:xfrm>
-          <a:prstGeom prst="rect">
-            <a:avLst/>
-          </a:prstGeom>
-          <a:solidFill>
-            <a:schemeClr val="accent1"/>
-          </a:solidFill>
-          <a:ln>
-            <a:noFill/>
-          </a:ln>
-        </p:spPr>
-        <p:style>
-          <a:lnRef idx="2">
-            <a:schemeClr val="accent1">
-              <a:shade val="50000"/>
-            </a:schemeClr>
-          </a:lnRef>
-          <a:fillRef idx="1">
-            <a:schemeClr val="accent1"/>
-          </a:fillRef>
-          <a:effectRef idx="0">
-            <a:schemeClr val="accent1"/>
-          </a:effectRef>
-          <a:fontRef idx="minor">
-            <a:schemeClr val="lt1"/>
-          </a:fontRef>
-        </p:style>
-        <p:txBody>
-          <a:bodyPr rtlCol="0" anchor="ctr"/>
-          <a:lstStyle/>
-          <a:p>
-            <a:pPr marL="0" marR="0" lvl="0" indent="0" algn="ctr" defTabSz="914400" rtl="0" eaLnBrk="1" fontAlgn="auto" latinLnBrk="0" hangingPunct="1">
-              <a:lnSpc>
-                <a:spcPct val="100000"/>
-              </a:lnSpc>
-              <a:spcBef>
-                <a:spcPts val="0"/>
-              </a:spcBef>
-              <a:spcAft>
-                <a:spcPts val="0"/>
-              </a:spcAft>
-              <a:buClrTx/>
-              <a:buSzTx/>
-              <a:buFontTx/>
-              <a:buNone/>
-              <a:tabLst/>
-              <a:defRPr/>
-            </a:pPr>
-            <a:endParaRPr kumimoji="0" lang="en-US" sz="1800" b="0" i="0" u="none" strike="noStrike" kern="1200" cap="none" spc="0" normalizeH="0" baseline="0" noProof="0">
-              <a:ln>
-                <a:noFill/>
-              </a:ln>
-              <a:solidFill>
-                <a:srgbClr val="FFFFFF"/>
-              </a:solidFill>
-              <a:effectLst/>
-              <a:uLnTx/>
-              <a:uFillTx/>
-              <a:latin typeface="Arial"/>
-              <a:ea typeface="+mn-ea"/>
-              <a:cs typeface="+mn-cs"/>
-            </a:endParaRPr>
-          </a:p>
-        </p:txBody>
-      </p:sp>
-      <p:sp>
-        <p:nvSpPr>
-          <p:cNvPr id="4" name="Date Placeholder 3"/>
-          <p:cNvSpPr>
-            <a:spLocks noGrp="1"/>
-          </p:cNvSpPr>
-          <p:nvPr>
-            <p:ph type="dt" sz="half" idx="2"/>
-          </p:nvPr>
-        </p:nvSpPr>
-        <p:spPr>
-          <a:xfrm>
-            <a:off x="495300" y="18288"/>
-            <a:ext cx="3136900" cy="329184"/>
-          </a:xfrm>
-          <a:prstGeom prst="rect">
-            <a:avLst/>
-          </a:prstGeom>
-        </p:spPr>
-        <p:txBody>
-          <a:bodyPr vert="horz" lIns="91440" tIns="45720" rIns="91440" bIns="45720" rtlCol="0" anchor="ctr"/>
-          <a:lstStyle>
-            <a:lvl1pPr algn="l">
-              <a:defRPr sz="1200">
-                <a:solidFill>
-                  <a:srgbClr val="FFFFFF"/>
-                </a:solidFill>
-              </a:defRPr>
-            </a:lvl1pPr>
-          </a:lstStyle>
-          <a:p>
-            <a:pPr defTabSz="914400" latinLnBrk="0"/>
-            <a:fld id="{1D8BD707-D9CF-40AE-B4C6-C98DA3205C09}" type="datetimeFigureOut">
-              <a:rPr lang="en-US" smtClean="0"/>
-              <a:pPr defTabSz="914400" latinLnBrk="0"/>
-              <a:t>4/21/2022</a:t>
-            </a:fld>
-            <a:endParaRPr lang="en-US"/>
-          </a:p>
-        </p:txBody>
-      </p:sp>
-      <p:sp>
-        <p:nvSpPr>
-          <p:cNvPr id="5" name="Footer Placeholder 4"/>
-          <p:cNvSpPr>
-            <a:spLocks noGrp="1"/>
-          </p:cNvSpPr>
-          <p:nvPr>
-            <p:ph type="ftr" sz="quarter" idx="3"/>
-          </p:nvPr>
-        </p:nvSpPr>
-        <p:spPr>
-          <a:xfrm>
-            <a:off x="3714750" y="18288"/>
-            <a:ext cx="4457700" cy="329184"/>
-          </a:xfrm>
-          <a:prstGeom prst="rect">
-            <a:avLst/>
-          </a:prstGeom>
-        </p:spPr>
-        <p:txBody>
-          <a:bodyPr vert="horz" lIns="91440" tIns="45720" rIns="91440" bIns="45720" rtlCol="0" anchor="ctr"/>
-          <a:lstStyle>
-            <a:lvl1pPr algn="ctr">
-              <a:defRPr sz="1200">
-                <a:solidFill>
-                  <a:srgbClr val="FFFFFF"/>
-                </a:solidFill>
-              </a:defRPr>
-            </a:lvl1pPr>
-          </a:lstStyle>
-          <a:p>
-            <a:pPr defTabSz="914400" latinLnBrk="0"/>
-            <a:endParaRPr lang="en-US"/>
-          </a:p>
-        </p:txBody>
-      </p:sp>
-      <p:sp>
-        <p:nvSpPr>
-          <p:cNvPr id="6" name="Slide Number Placeholder 5"/>
-          <p:cNvSpPr>
-            <a:spLocks noGrp="1"/>
-          </p:cNvSpPr>
-          <p:nvPr>
-            <p:ph type="sldNum" sz="quarter" idx="4"/>
-          </p:nvPr>
-        </p:nvSpPr>
-        <p:spPr>
-          <a:xfrm>
-            <a:off x="8255000" y="18288"/>
-            <a:ext cx="1155700" cy="329184"/>
-          </a:xfrm>
-          <a:prstGeom prst="rect">
-            <a:avLst/>
-          </a:prstGeom>
-        </p:spPr>
-        <p:txBody>
-          <a:bodyPr vert="horz" lIns="91440" tIns="45720" rIns="91440" bIns="45720" rtlCol="0" anchor="ctr"/>
-          <a:lstStyle>
-            <a:lvl1pPr algn="l">
-              <a:defRPr sz="1400" b="1">
-                <a:solidFill>
-                  <a:srgbClr val="FFFFFF"/>
-                </a:solidFill>
-              </a:defRPr>
-            </a:lvl1pPr>
-          </a:lstStyle>
-          <a:p>
-            <a:pPr defTabSz="914400" latinLnBrk="0"/>
-            <a:fld id="{B6F15528-21DE-4FAA-801E-634DDDAF4B2B}" type="slidenum">
-              <a:rPr lang="en-US" smtClean="0"/>
-              <a:pPr defTabSz="914400" latinLnBrk="0"/>
-              <a:t>‹#›</a:t>
-            </a:fld>
-            <a:endParaRPr lang="en-US"/>
-          </a:p>
-        </p:txBody>
-      </p:sp>
-    </p:spTree>
-    <p:extLst>
-      <p:ext uri="{BB962C8B-B14F-4D97-AF65-F5344CB8AC3E}">
         <p14:creationId xmlns:p14="http://schemas.microsoft.com/office/powerpoint/2010/main" val="2753108"/>
       </p:ext>
     </p:extLst>
@@ -19753,7 +16319,7 @@
 </p:sldMaster>
 </file>
 
-<file path=ppt/slideMasters/slideMaster6.xml><?xml version="1.0" encoding="utf-8"?>
+<file path=ppt/slideMasters/slideMaster5.xml><?xml version="1.0" encoding="utf-8"?>
 <p:sldMaster xmlns:a="http://schemas.openxmlformats.org/drawingml/2006/main" xmlns:r="http://schemas.openxmlformats.org/officeDocument/2006/relationships" xmlns:p="http://schemas.openxmlformats.org/presentationml/2006/main">
   <p:cSld>
     <p:bg>
@@ -20838,406 +17404,6 @@
           <a:p>
             <a:r>
               <a:rPr lang="en-US" altLang="ko-KR" dirty="0" smtClean="0"/>
-              <a:t>Lattice chiral Hamiltonian (N3LO)</a:t>
-            </a:r>
-            <a:endParaRPr lang="ko-KR" altLang="en-US" dirty="0"/>
-          </a:p>
-        </p:txBody>
-      </p:sp>
-      <p:sp>
-        <p:nvSpPr>
-          <p:cNvPr id="3" name="TextBox 2"/>
-          <p:cNvSpPr txBox="1"/>
-          <p:nvPr/>
-        </p:nvSpPr>
-        <p:spPr>
-          <a:xfrm>
-            <a:off x="668338" y="1681018"/>
-            <a:ext cx="8532812" cy="3477875"/>
-          </a:xfrm>
-          <a:prstGeom prst="rect">
-            <a:avLst/>
-          </a:prstGeom>
-          <a:noFill/>
-        </p:spPr>
-        <p:txBody>
-          <a:bodyPr wrap="square" rtlCol="0">
-            <a:spAutoFit/>
-          </a:bodyPr>
-          <a:lstStyle/>
-          <a:p>
-            <a:r>
-              <a:rPr lang="en-US" altLang="ko-KR" sz="2000" dirty="0" smtClean="0"/>
-              <a:t>Full N3LO Hamiltonian includes</a:t>
-            </a:r>
-          </a:p>
-          <a:p>
-            <a:pPr marL="342900" indent="-342900">
-              <a:buFont typeface="Arial" panose="020B0604020202020204" pitchFamily="34" charset="0"/>
-              <a:buChar char="•"/>
-            </a:pPr>
-            <a:r>
-              <a:rPr lang="en-US" altLang="ko-KR" sz="2000" dirty="0" smtClean="0"/>
-              <a:t>Free Hamiltonian(Kinetic term)</a:t>
-            </a:r>
-          </a:p>
-          <a:p>
-            <a:pPr marL="342900" indent="-342900">
-              <a:buFont typeface="Arial" panose="020B0604020202020204" pitchFamily="34" charset="0"/>
-              <a:buChar char="•"/>
-            </a:pPr>
-            <a:r>
-              <a:rPr lang="en-US" altLang="ko-KR" sz="2000" dirty="0" smtClean="0"/>
-              <a:t>Short range (nonlocal smeared) contact interactions up to Q^4 order</a:t>
-            </a:r>
-          </a:p>
-          <a:p>
-            <a:pPr marL="342900" indent="-342900">
-              <a:buFont typeface="Arial" panose="020B0604020202020204" pitchFamily="34" charset="0"/>
-              <a:buChar char="•"/>
-            </a:pPr>
-            <a:r>
-              <a:rPr lang="en-US" altLang="ko-KR" sz="2000" dirty="0" smtClean="0"/>
-              <a:t>Isospin-breaking short range interactions</a:t>
-            </a:r>
-          </a:p>
-          <a:p>
-            <a:pPr marL="342900" indent="-342900">
-              <a:buFont typeface="Arial" panose="020B0604020202020204" pitchFamily="34" charset="0"/>
-              <a:buChar char="•"/>
-            </a:pPr>
-            <a:r>
-              <a:rPr lang="en-US" altLang="ko-KR" sz="2000" dirty="0" smtClean="0"/>
-              <a:t>One pion exchange potential </a:t>
-            </a:r>
-          </a:p>
-          <a:p>
-            <a:pPr marL="342900" indent="-342900">
-              <a:buFont typeface="Arial" panose="020B0604020202020204" pitchFamily="34" charset="0"/>
-              <a:buChar char="•"/>
-            </a:pPr>
-            <a:r>
-              <a:rPr lang="en-US" altLang="ko-KR" sz="2000" dirty="0" smtClean="0"/>
-              <a:t>Two pion exchange potential up to Q^4 order</a:t>
-            </a:r>
-          </a:p>
-          <a:p>
-            <a:pPr marL="342900" indent="-342900">
-              <a:buFont typeface="Arial" panose="020B0604020202020204" pitchFamily="34" charset="0"/>
-              <a:buChar char="•"/>
-            </a:pPr>
-            <a:r>
-              <a:rPr lang="en-US" altLang="ko-KR" sz="2000" dirty="0" smtClean="0"/>
-              <a:t>Coulomb interaction</a:t>
-            </a:r>
-          </a:p>
-          <a:p>
-            <a:pPr marL="342900" indent="-342900">
-              <a:buFont typeface="Arial" panose="020B0604020202020204" pitchFamily="34" charset="0"/>
-              <a:buChar char="•"/>
-            </a:pPr>
-            <a:r>
-              <a:rPr lang="en-US" altLang="ko-KR" sz="2000" dirty="0" smtClean="0"/>
-              <a:t>Long range isospin breaking interaction( isospin dependence in OPE)</a:t>
-            </a:r>
-          </a:p>
-          <a:p>
-            <a:pPr marL="342900" indent="-342900">
-              <a:buFont typeface="Arial" panose="020B0604020202020204" pitchFamily="34" charset="0"/>
-              <a:buChar char="•"/>
-            </a:pPr>
-            <a:r>
-              <a:rPr lang="en-US" altLang="ko-KR" sz="2000" dirty="0" smtClean="0"/>
-              <a:t>Galilean Invariance Restoration (GIR) term </a:t>
-            </a:r>
-          </a:p>
-          <a:p>
-            <a:pPr marL="342900" indent="-342900">
-              <a:buFont typeface="Arial" panose="020B0604020202020204" pitchFamily="34" charset="0"/>
-              <a:buChar char="•"/>
-            </a:pPr>
-            <a:r>
-              <a:rPr lang="en-US" altLang="ko-KR" sz="2000" dirty="0" smtClean="0"/>
-              <a:t>Three nucleon interaction</a:t>
-            </a:r>
-          </a:p>
-          <a:p>
-            <a:pPr marL="342900" indent="-342900">
-              <a:buFont typeface="Arial" panose="020B0604020202020204" pitchFamily="34" charset="0"/>
-              <a:buChar char="•"/>
-            </a:pPr>
-            <a:endParaRPr lang="en-US" altLang="ko-KR" sz="2000" dirty="0"/>
-          </a:p>
-        </p:txBody>
-      </p:sp>
-      <p:pic>
-        <p:nvPicPr>
-          <p:cNvPr id="4" name="그림 3"/>
-          <p:cNvPicPr>
-            <a:picLocks noChangeAspect="1"/>
-          </p:cNvPicPr>
-          <p:nvPr/>
-        </p:nvPicPr>
-        <p:blipFill>
-          <a:blip r:embed="rId2"/>
-          <a:stretch>
-            <a:fillRect/>
-          </a:stretch>
-        </p:blipFill>
-        <p:spPr>
-          <a:xfrm>
-            <a:off x="5904932" y="4547360"/>
-            <a:ext cx="3505768" cy="2085215"/>
-          </a:xfrm>
-          <a:prstGeom prst="rect">
-            <a:avLst/>
-          </a:prstGeom>
-        </p:spPr>
-      </p:pic>
-    </p:spTree>
-    <p:extLst>
-      <p:ext uri="{BB962C8B-B14F-4D97-AF65-F5344CB8AC3E}">
-        <p14:creationId xmlns:p14="http://schemas.microsoft.com/office/powerpoint/2010/main" val="3324199361"/>
-      </p:ext>
-    </p:extLst>
-  </p:cSld>
-  <p:clrMapOvr>
-    <a:masterClrMapping/>
-  </p:clrMapOvr>
-</p:sld>
-</file>
-
-<file path=ppt/slides/slide11.xml><?xml version="1.0" encoding="utf-8"?>
-<p:sld xmlns:a="http://schemas.openxmlformats.org/drawingml/2006/main" xmlns:r="http://schemas.openxmlformats.org/officeDocument/2006/relationships" xmlns:p="http://schemas.openxmlformats.org/presentationml/2006/main">
-  <p:cSld>
-    <p:spTree>
-      <p:nvGrpSpPr>
-        <p:cNvPr id="1" name=""/>
-        <p:cNvGrpSpPr/>
-        <p:nvPr/>
-      </p:nvGrpSpPr>
-      <p:grpSpPr>
-        <a:xfrm>
-          <a:off x="0" y="0"/>
-          <a:ext cx="0" cy="0"/>
-          <a:chOff x="0" y="0"/>
-          <a:chExt cx="0" cy="0"/>
-        </a:xfrm>
-      </p:grpSpPr>
-      <p:sp>
-        <p:nvSpPr>
-          <p:cNvPr id="2" name="제목 1"/>
-          <p:cNvSpPr>
-            <a:spLocks noGrp="1"/>
-          </p:cNvSpPr>
-          <p:nvPr>
-            <p:ph type="title"/>
-          </p:nvPr>
-        </p:nvSpPr>
-        <p:spPr/>
-        <p:txBody>
-          <a:bodyPr/>
-          <a:lstStyle/>
-          <a:p>
-            <a:r>
-              <a:rPr lang="en-US" altLang="ko-KR" dirty="0" smtClean="0"/>
-              <a:t>Difficulty with full chiral interaction</a:t>
-            </a:r>
-            <a:endParaRPr lang="ko-KR" altLang="en-US" dirty="0"/>
-          </a:p>
-        </p:txBody>
-      </p:sp>
-      <p:sp>
-        <p:nvSpPr>
-          <p:cNvPr id="3" name="TextBox 2"/>
-          <p:cNvSpPr txBox="1"/>
-          <p:nvPr/>
-        </p:nvSpPr>
-        <p:spPr>
-          <a:xfrm>
-            <a:off x="874207" y="1868993"/>
-            <a:ext cx="8139164" cy="2993127"/>
-          </a:xfrm>
-          <a:prstGeom prst="rect">
-            <a:avLst/>
-          </a:prstGeom>
-          <a:noFill/>
-        </p:spPr>
-        <p:txBody>
-          <a:bodyPr wrap="square" rtlCol="0">
-            <a:spAutoFit/>
-          </a:bodyPr>
-          <a:lstStyle/>
-          <a:p>
-            <a:pPr marL="342900" indent="-342900">
-              <a:buFont typeface="Arial" panose="020B0604020202020204" pitchFamily="34" charset="0"/>
-              <a:buChar char="•"/>
-            </a:pPr>
-            <a:r>
-              <a:rPr lang="en-US" altLang="ko-KR" dirty="0" smtClean="0"/>
-              <a:t>Sign problem</a:t>
-            </a:r>
-          </a:p>
-          <a:p>
-            <a:pPr marL="821819" lvl="1" indent="-342900">
-              <a:buFont typeface="Arial" panose="020B0604020202020204" pitchFamily="34" charset="0"/>
-              <a:buChar char="•"/>
-            </a:pPr>
-            <a:r>
-              <a:rPr lang="en-US" altLang="ko-KR" dirty="0" smtClean="0"/>
-              <a:t>NLEFT suffers sign problems at large Euclidean time limit</a:t>
-            </a:r>
-          </a:p>
-          <a:p>
-            <a:pPr marL="821819" lvl="1" indent="-342900">
-              <a:buFont typeface="Arial" panose="020B0604020202020204" pitchFamily="34" charset="0"/>
-              <a:buChar char="•"/>
-            </a:pPr>
-            <a:r>
-              <a:rPr lang="en-US" altLang="ko-KR" dirty="0" smtClean="0"/>
-              <a:t>SU(4) symmetric interaction does not have sign problem</a:t>
-            </a:r>
-          </a:p>
-          <a:p>
-            <a:pPr marL="821819" lvl="1" indent="-342900">
-              <a:buFont typeface="Arial" panose="020B0604020202020204" pitchFamily="34" charset="0"/>
-              <a:buChar char="•"/>
-            </a:pPr>
-            <a:r>
-              <a:rPr lang="en-US" altLang="ko-KR" dirty="0" smtClean="0"/>
-              <a:t>One pion exchange and higher order chiral interaction</a:t>
-            </a:r>
-          </a:p>
-          <a:p>
-            <a:pPr marL="821819" lvl="1" indent="-342900">
-              <a:buFont typeface="Arial" panose="020B0604020202020204" pitchFamily="34" charset="0"/>
-              <a:buChar char="•"/>
-            </a:pPr>
-            <a:r>
-              <a:rPr lang="en-US" altLang="ko-KR" dirty="0" smtClean="0"/>
-              <a:t>Difficulty with Asymmetric nuclei</a:t>
-            </a:r>
-          </a:p>
-          <a:p>
-            <a:pPr marL="821819" lvl="1" indent="-342900">
-              <a:buFont typeface="Arial" panose="020B0604020202020204" pitchFamily="34" charset="0"/>
-              <a:buChar char="•"/>
-            </a:pPr>
-            <a:r>
-              <a:rPr lang="en-US" altLang="ko-KR" dirty="0" smtClean="0"/>
-              <a:t>Needs a remedy to extend to neutron rich isotopes.</a:t>
-            </a:r>
-          </a:p>
-          <a:p>
-            <a:pPr marL="821819" lvl="1" indent="-342900">
-              <a:buFont typeface="Arial" panose="020B0604020202020204" pitchFamily="34" charset="0"/>
-              <a:buChar char="•"/>
-            </a:pPr>
-            <a:endParaRPr lang="en-US" altLang="ko-KR" dirty="0"/>
-          </a:p>
-          <a:p>
-            <a:pPr marL="342900" indent="-342900">
-              <a:buFont typeface="Arial" panose="020B0604020202020204" pitchFamily="34" charset="0"/>
-              <a:buChar char="•"/>
-            </a:pPr>
-            <a:r>
-              <a:rPr lang="en-US" altLang="ko-KR" dirty="0" smtClean="0"/>
-              <a:t>A new approach to reduce the sign problem.</a:t>
-            </a:r>
-          </a:p>
-          <a:p>
-            <a:pPr marL="342900" indent="-342900">
-              <a:buFont typeface="Arial" panose="020B0604020202020204" pitchFamily="34" charset="0"/>
-              <a:buChar char="•"/>
-            </a:pPr>
-            <a:r>
-              <a:rPr lang="en-US" altLang="ko-KR" dirty="0" smtClean="0">
-                <a:sym typeface="Wingdings" panose="05000000000000000000" pitchFamily="2" charset="2"/>
-              </a:rPr>
-              <a:t> Wave function matching Hamiltonian.</a:t>
-            </a:r>
-            <a:endParaRPr lang="en-US" altLang="ko-KR" dirty="0"/>
-          </a:p>
-          <a:p>
-            <a:pPr marL="342900" indent="-342900">
-              <a:buFont typeface="Arial" panose="020B0604020202020204" pitchFamily="34" charset="0"/>
-              <a:buChar char="•"/>
-            </a:pPr>
-            <a:endParaRPr lang="ko-KR" altLang="en-US" dirty="0"/>
-          </a:p>
-        </p:txBody>
-      </p:sp>
-      <p:pic>
-        <p:nvPicPr>
-          <p:cNvPr id="4" name="그림 3"/>
-          <p:cNvPicPr>
-            <a:picLocks noChangeAspect="1"/>
-          </p:cNvPicPr>
-          <p:nvPr/>
-        </p:nvPicPr>
-        <p:blipFill>
-          <a:blip r:embed="rId2"/>
-          <a:stretch>
-            <a:fillRect/>
-          </a:stretch>
-        </p:blipFill>
-        <p:spPr>
-          <a:xfrm>
-            <a:off x="5904932" y="4547360"/>
-            <a:ext cx="3505768" cy="2085215"/>
-          </a:xfrm>
-          <a:prstGeom prst="rect">
-            <a:avLst/>
-          </a:prstGeom>
-        </p:spPr>
-      </p:pic>
-    </p:spTree>
-    <p:extLst>
-      <p:ext uri="{BB962C8B-B14F-4D97-AF65-F5344CB8AC3E}">
-        <p14:creationId xmlns:p14="http://schemas.microsoft.com/office/powerpoint/2010/main" val="2151944090"/>
-      </p:ext>
-    </p:extLst>
-  </p:cSld>
-  <p:clrMapOvr>
-    <a:masterClrMapping/>
-  </p:clrMapOvr>
-</p:sld>
-</file>
-
-<file path=ppt/slides/slide12.xml><?xml version="1.0" encoding="utf-8"?>
-<p:sld xmlns:a="http://schemas.openxmlformats.org/drawingml/2006/main" xmlns:r="http://schemas.openxmlformats.org/officeDocument/2006/relationships" xmlns:p="http://schemas.openxmlformats.org/presentationml/2006/main">
-  <p:cSld>
-    <p:spTree>
-      <p:nvGrpSpPr>
-        <p:cNvPr id="1" name=""/>
-        <p:cNvGrpSpPr/>
-        <p:nvPr/>
-      </p:nvGrpSpPr>
-      <p:grpSpPr>
-        <a:xfrm>
-          <a:off x="0" y="0"/>
-          <a:ext cx="0" cy="0"/>
-          <a:chOff x="0" y="0"/>
-          <a:chExt cx="0" cy="0"/>
-        </a:xfrm>
-      </p:grpSpPr>
-      <p:sp>
-        <p:nvSpPr>
-          <p:cNvPr id="2" name="제목 1"/>
-          <p:cNvSpPr>
-            <a:spLocks noGrp="1"/>
-          </p:cNvSpPr>
-          <p:nvPr>
-            <p:ph type="title"/>
-          </p:nvPr>
-        </p:nvSpPr>
-        <p:spPr/>
-        <p:txBody>
-          <a:bodyPr/>
-          <a:lstStyle/>
-          <a:p>
-            <a:r>
-              <a:rPr lang="en-US" altLang="ko-KR" dirty="0" smtClean="0"/>
               <a:t>Wave Function Matching Hamiltonian</a:t>
             </a:r>
             <a:endParaRPr lang="ko-KR" altLang="en-US" dirty="0"/>
@@ -21373,159 +17539,6 @@
           </a:prstGeom>
         </p:spPr>
       </p:pic>
-      <p:sp>
-        <p:nvSpPr>
-          <p:cNvPr id="6" name="TextBox 5"/>
-          <p:cNvSpPr txBox="1"/>
-          <p:nvPr/>
-        </p:nvSpPr>
-        <p:spPr>
-          <a:xfrm>
-            <a:off x="801448" y="4636093"/>
-            <a:ext cx="8229266" cy="2122889"/>
-          </a:xfrm>
-          <a:prstGeom prst="rect">
-            <a:avLst/>
-          </a:prstGeom>
-          <a:noFill/>
-        </p:spPr>
-        <p:txBody>
-          <a:bodyPr wrap="square" rtlCol="0">
-            <a:spAutoFit/>
-          </a:bodyPr>
-          <a:lstStyle/>
-          <a:p>
-            <a:pPr marL="342900" indent="-342900">
-              <a:buFont typeface="Arial" panose="020B0604020202020204" pitchFamily="34" charset="0"/>
-              <a:buChar char="•"/>
-            </a:pPr>
-            <a:r>
-              <a:rPr lang="en-US" altLang="ko-KR" dirty="0" smtClean="0"/>
-              <a:t>“Soft” Hamiltonian is not the same as original Hamiltonian</a:t>
-            </a:r>
-          </a:p>
-          <a:p>
-            <a:pPr marL="821819" lvl="1" indent="-342900">
-              <a:buFont typeface="Arial" panose="020B0604020202020204" pitchFamily="34" charset="0"/>
-              <a:buChar char="•"/>
-            </a:pPr>
-            <a:r>
-              <a:rPr lang="en-US" altLang="ko-KR" dirty="0" smtClean="0">
-                <a:sym typeface="Wingdings" panose="05000000000000000000" pitchFamily="2" charset="2"/>
-              </a:rPr>
-              <a:t>Naturally need correction terms </a:t>
-            </a:r>
-          </a:p>
-          <a:p>
-            <a:pPr marL="821819" lvl="1" indent="-342900">
-              <a:buFont typeface="Arial" panose="020B0604020202020204" pitchFamily="34" charset="0"/>
-              <a:buChar char="•"/>
-            </a:pPr>
-            <a:r>
-              <a:rPr lang="en-US" altLang="ko-KR" dirty="0" err="1" smtClean="0">
-                <a:sym typeface="Wingdings" panose="05000000000000000000" pitchFamily="2" charset="2"/>
-              </a:rPr>
-              <a:t>H_wf</a:t>
-            </a:r>
-            <a:r>
-              <a:rPr lang="en-US" altLang="ko-KR" dirty="0" smtClean="0">
-                <a:sym typeface="Wingdings" panose="05000000000000000000" pitchFamily="2" charset="2"/>
-              </a:rPr>
-              <a:t> = </a:t>
-            </a:r>
-            <a:r>
-              <a:rPr lang="en-US" altLang="ko-KR" dirty="0" err="1" smtClean="0">
-                <a:sym typeface="Wingdings" panose="05000000000000000000" pitchFamily="2" charset="2"/>
-              </a:rPr>
-              <a:t>H_soft</a:t>
-            </a:r>
-            <a:r>
-              <a:rPr lang="en-US" altLang="ko-KR" dirty="0" smtClean="0">
-                <a:sym typeface="Wingdings" panose="05000000000000000000" pitchFamily="2" charset="2"/>
-              </a:rPr>
-              <a:t> + (</a:t>
-            </a:r>
-            <a:r>
-              <a:rPr lang="en-US" altLang="ko-KR" dirty="0" err="1" smtClean="0">
-                <a:sym typeface="Wingdings" panose="05000000000000000000" pitchFamily="2" charset="2"/>
-              </a:rPr>
-              <a:t>U^dagger</a:t>
-            </a:r>
-            <a:r>
-              <a:rPr lang="en-US" altLang="ko-KR" dirty="0" smtClean="0">
-                <a:sym typeface="Wingdings" panose="05000000000000000000" pitchFamily="2" charset="2"/>
-              </a:rPr>
-              <a:t> H U - </a:t>
-            </a:r>
-            <a:r>
-              <a:rPr lang="en-US" altLang="ko-KR" dirty="0" err="1" smtClean="0">
-                <a:sym typeface="Wingdings" panose="05000000000000000000" pitchFamily="2" charset="2"/>
-              </a:rPr>
-              <a:t>H_soft</a:t>
-            </a:r>
-            <a:r>
-              <a:rPr lang="en-US" altLang="ko-KR" dirty="0" smtClean="0">
-                <a:sym typeface="Wingdings" panose="05000000000000000000" pitchFamily="2" charset="2"/>
-              </a:rPr>
-              <a:t>)</a:t>
-            </a:r>
-          </a:p>
-          <a:p>
-            <a:pPr marL="821819" lvl="1" indent="-342900">
-              <a:buFont typeface="Arial" panose="020B0604020202020204" pitchFamily="34" charset="0"/>
-              <a:buChar char="•"/>
-            </a:pPr>
-            <a:r>
-              <a:rPr lang="en-US" altLang="ko-KR" dirty="0" err="1" smtClean="0">
-                <a:sym typeface="Wingdings" panose="05000000000000000000" pitchFamily="2" charset="2"/>
-              </a:rPr>
-              <a:t>H_soft</a:t>
-            </a:r>
-            <a:r>
-              <a:rPr lang="en-US" altLang="ko-KR" dirty="0" smtClean="0">
-                <a:sym typeface="Wingdings" panose="05000000000000000000" pitchFamily="2" charset="2"/>
-              </a:rPr>
-              <a:t> has better property for non-perturbative calculation</a:t>
-            </a:r>
-          </a:p>
-          <a:p>
-            <a:pPr marL="821819" lvl="1" indent="-342900">
-              <a:buFont typeface="Arial" panose="020B0604020202020204" pitchFamily="34" charset="0"/>
-              <a:buChar char="•"/>
-            </a:pPr>
-            <a:r>
-              <a:rPr lang="en-US" altLang="ko-KR" dirty="0" smtClean="0">
-                <a:sym typeface="Wingdings" panose="05000000000000000000" pitchFamily="2" charset="2"/>
-              </a:rPr>
-              <a:t>Perturbative expansion for the corrections</a:t>
-            </a:r>
-          </a:p>
-          <a:p>
-            <a:pPr marL="821819" lvl="1" indent="-342900">
-              <a:buFont typeface="Arial" panose="020B0604020202020204" pitchFamily="34" charset="0"/>
-              <a:buChar char="•"/>
-            </a:pPr>
-            <a:r>
-              <a:rPr lang="en-US" altLang="ko-KR" dirty="0" smtClean="0">
-                <a:sym typeface="Wingdings" panose="05000000000000000000" pitchFamily="2" charset="2"/>
-              </a:rPr>
-              <a:t>No new LECs in 2-body interaction</a:t>
-            </a:r>
-          </a:p>
-          <a:p>
-            <a:pPr marL="821819" lvl="1" indent="-342900">
-              <a:buFont typeface="Arial" panose="020B0604020202020204" pitchFamily="34" charset="0"/>
-              <a:buChar char="•"/>
-            </a:pPr>
-            <a:r>
-              <a:rPr lang="en-US" altLang="ko-KR" dirty="0" smtClean="0">
-                <a:sym typeface="Wingdings" panose="05000000000000000000" pitchFamily="2" charset="2"/>
-              </a:rPr>
-              <a:t>Induces many body interactions</a:t>
-            </a:r>
-          </a:p>
-        </p:txBody>
-      </p:sp>
       <p:pic>
         <p:nvPicPr>
           <p:cNvPr id="8" name="그림 7"/>
@@ -21563,7 +17576,7 @@
 </p:sld>
 </file>
 
-<file path=ppt/slides/slide13.xml><?xml version="1.0" encoding="utf-8"?>
+<file path=ppt/slides/slide11.xml><?xml version="1.0" encoding="utf-8"?>
 <p:sld xmlns:a="http://schemas.openxmlformats.org/drawingml/2006/main" xmlns:r="http://schemas.openxmlformats.org/officeDocument/2006/relationships" xmlns:p="http://schemas.openxmlformats.org/presentationml/2006/main">
   <p:cSld>
     <p:spTree>
@@ -21597,7 +17610,11 @@
           <a:p>
             <a:r>
               <a:rPr lang="en-US" altLang="ko-KR" dirty="0" smtClean="0"/>
-              <a:t>Lattice Hamiltonian</a:t>
+              <a:t>Wave function matching </a:t>
+            </a:r>
+            <a:r>
+              <a:rPr lang="en-US" altLang="ko-KR" dirty="0" smtClean="0"/>
+              <a:t>Hamiltonian</a:t>
             </a:r>
             <a:endParaRPr lang="ko-KR" altLang="en-US" dirty="0"/>
           </a:p>
@@ -21619,32 +17636,8 @@
         </p:blipFill>
         <p:spPr>
           <a:xfrm>
-            <a:off x="680889" y="1524000"/>
+            <a:off x="708730" y="4285754"/>
             <a:ext cx="4696779" cy="1213076"/>
-          </a:xfrm>
-          <a:prstGeom prst="rect">
-            <a:avLst/>
-          </a:prstGeom>
-        </p:spPr>
-      </p:pic>
-      <p:pic>
-        <p:nvPicPr>
-          <p:cNvPr id="4" name="그림 3"/>
-          <p:cNvPicPr>
-            <a:picLocks noChangeAspect="1"/>
-          </p:cNvPicPr>
-          <p:nvPr/>
-        </p:nvPicPr>
-        <p:blipFill>
-          <a:blip r:embed="rId3"/>
-          <a:stretch>
-            <a:fillRect/>
-          </a:stretch>
-        </p:blipFill>
-        <p:spPr>
-          <a:xfrm>
-            <a:off x="550469" y="2873829"/>
-            <a:ext cx="6017159" cy="817145"/>
           </a:xfrm>
           <a:prstGeom prst="rect">
             <a:avLst/>
@@ -21660,14 +17653,14 @@
           <p:nvPr/>
         </p:nvPicPr>
         <p:blipFill>
-          <a:blip r:embed="rId4"/>
+          <a:blip r:embed="rId3"/>
           <a:stretch>
             <a:fillRect/>
           </a:stretch>
         </p:blipFill>
         <p:spPr>
           <a:xfrm>
-            <a:off x="495300" y="3827727"/>
+            <a:off x="647184" y="5498830"/>
             <a:ext cx="8279078" cy="787801"/>
           </a:xfrm>
           <a:prstGeom prst="rect">
@@ -21675,6 +17668,159 @@
           </a:prstGeom>
         </p:spPr>
       </p:pic>
+      <p:sp>
+        <p:nvSpPr>
+          <p:cNvPr id="6" name="TextBox 5"/>
+          <p:cNvSpPr txBox="1"/>
+          <p:nvPr/>
+        </p:nvSpPr>
+        <p:spPr>
+          <a:xfrm>
+            <a:off x="418585" y="1565067"/>
+            <a:ext cx="8229266" cy="2122889"/>
+          </a:xfrm>
+          <a:prstGeom prst="rect">
+            <a:avLst/>
+          </a:prstGeom>
+          <a:noFill/>
+        </p:spPr>
+        <p:txBody>
+          <a:bodyPr wrap="square" rtlCol="0">
+            <a:spAutoFit/>
+          </a:bodyPr>
+          <a:lstStyle/>
+          <a:p>
+            <a:pPr marL="342900" indent="-342900">
+              <a:buFont typeface="Arial" panose="020B0604020202020204" pitchFamily="34" charset="0"/>
+              <a:buChar char="•"/>
+            </a:pPr>
+            <a:r>
+              <a:rPr lang="en-US" altLang="ko-KR" dirty="0" smtClean="0"/>
+              <a:t>“Soft” Hamiltonian is not the same as original Hamiltonian</a:t>
+            </a:r>
+          </a:p>
+          <a:p>
+            <a:pPr marL="821819" lvl="1" indent="-342900">
+              <a:buFont typeface="Arial" panose="020B0604020202020204" pitchFamily="34" charset="0"/>
+              <a:buChar char="•"/>
+            </a:pPr>
+            <a:r>
+              <a:rPr lang="en-US" altLang="ko-KR" dirty="0" smtClean="0">
+                <a:sym typeface="Wingdings" panose="05000000000000000000" pitchFamily="2" charset="2"/>
+              </a:rPr>
+              <a:t>Naturally need correction terms </a:t>
+            </a:r>
+          </a:p>
+          <a:p>
+            <a:pPr marL="821819" lvl="1" indent="-342900">
+              <a:buFont typeface="Arial" panose="020B0604020202020204" pitchFamily="34" charset="0"/>
+              <a:buChar char="•"/>
+            </a:pPr>
+            <a:r>
+              <a:rPr lang="en-US" altLang="ko-KR" dirty="0" err="1" smtClean="0">
+                <a:sym typeface="Wingdings" panose="05000000000000000000" pitchFamily="2" charset="2"/>
+              </a:rPr>
+              <a:t>H_wf</a:t>
+            </a:r>
+            <a:r>
+              <a:rPr lang="en-US" altLang="ko-KR" dirty="0" smtClean="0">
+                <a:sym typeface="Wingdings" panose="05000000000000000000" pitchFamily="2" charset="2"/>
+              </a:rPr>
+              <a:t> = </a:t>
+            </a:r>
+            <a:r>
+              <a:rPr lang="en-US" altLang="ko-KR" dirty="0" err="1" smtClean="0">
+                <a:sym typeface="Wingdings" panose="05000000000000000000" pitchFamily="2" charset="2"/>
+              </a:rPr>
+              <a:t>H_soft</a:t>
+            </a:r>
+            <a:r>
+              <a:rPr lang="en-US" altLang="ko-KR" dirty="0" smtClean="0">
+                <a:sym typeface="Wingdings" panose="05000000000000000000" pitchFamily="2" charset="2"/>
+              </a:rPr>
+              <a:t> + (</a:t>
+            </a:r>
+            <a:r>
+              <a:rPr lang="en-US" altLang="ko-KR" dirty="0" err="1" smtClean="0">
+                <a:sym typeface="Wingdings" panose="05000000000000000000" pitchFamily="2" charset="2"/>
+              </a:rPr>
+              <a:t>U^dagger</a:t>
+            </a:r>
+            <a:r>
+              <a:rPr lang="en-US" altLang="ko-KR" dirty="0" smtClean="0">
+                <a:sym typeface="Wingdings" panose="05000000000000000000" pitchFamily="2" charset="2"/>
+              </a:rPr>
+              <a:t> H U - </a:t>
+            </a:r>
+            <a:r>
+              <a:rPr lang="en-US" altLang="ko-KR" dirty="0" err="1" smtClean="0">
+                <a:sym typeface="Wingdings" panose="05000000000000000000" pitchFamily="2" charset="2"/>
+              </a:rPr>
+              <a:t>H_soft</a:t>
+            </a:r>
+            <a:r>
+              <a:rPr lang="en-US" altLang="ko-KR" dirty="0" smtClean="0">
+                <a:sym typeface="Wingdings" panose="05000000000000000000" pitchFamily="2" charset="2"/>
+              </a:rPr>
+              <a:t>)</a:t>
+            </a:r>
+          </a:p>
+          <a:p>
+            <a:pPr marL="821819" lvl="1" indent="-342900">
+              <a:buFont typeface="Arial" panose="020B0604020202020204" pitchFamily="34" charset="0"/>
+              <a:buChar char="•"/>
+            </a:pPr>
+            <a:r>
+              <a:rPr lang="en-US" altLang="ko-KR" dirty="0" err="1" smtClean="0">
+                <a:sym typeface="Wingdings" panose="05000000000000000000" pitchFamily="2" charset="2"/>
+              </a:rPr>
+              <a:t>H_soft</a:t>
+            </a:r>
+            <a:r>
+              <a:rPr lang="en-US" altLang="ko-KR" dirty="0" smtClean="0">
+                <a:sym typeface="Wingdings" panose="05000000000000000000" pitchFamily="2" charset="2"/>
+              </a:rPr>
+              <a:t> has better property for non-perturbative calculation</a:t>
+            </a:r>
+          </a:p>
+          <a:p>
+            <a:pPr marL="821819" lvl="1" indent="-342900">
+              <a:buFont typeface="Arial" panose="020B0604020202020204" pitchFamily="34" charset="0"/>
+              <a:buChar char="•"/>
+            </a:pPr>
+            <a:r>
+              <a:rPr lang="en-US" altLang="ko-KR" dirty="0" smtClean="0">
+                <a:sym typeface="Wingdings" panose="05000000000000000000" pitchFamily="2" charset="2"/>
+              </a:rPr>
+              <a:t>Perturbative expansion for the corrections</a:t>
+            </a:r>
+          </a:p>
+          <a:p>
+            <a:pPr marL="821819" lvl="1" indent="-342900">
+              <a:buFont typeface="Arial" panose="020B0604020202020204" pitchFamily="34" charset="0"/>
+              <a:buChar char="•"/>
+            </a:pPr>
+            <a:r>
+              <a:rPr lang="en-US" altLang="ko-KR" dirty="0" smtClean="0">
+                <a:sym typeface="Wingdings" panose="05000000000000000000" pitchFamily="2" charset="2"/>
+              </a:rPr>
+              <a:t>No new LECs in 2-body interaction</a:t>
+            </a:r>
+          </a:p>
+          <a:p>
+            <a:pPr marL="821819" lvl="1" indent="-342900">
+              <a:buFont typeface="Arial" panose="020B0604020202020204" pitchFamily="34" charset="0"/>
+              <a:buChar char="•"/>
+            </a:pPr>
+            <a:r>
+              <a:rPr lang="en-US" altLang="ko-KR" dirty="0" smtClean="0">
+                <a:sym typeface="Wingdings" panose="05000000000000000000" pitchFamily="2" charset="2"/>
+              </a:rPr>
+              <a:t>Induces many body interactions</a:t>
+            </a:r>
+          </a:p>
+        </p:txBody>
+      </p:sp>
     </p:spTree>
     <p:extLst>
       <p:ext uri="{BB962C8B-B14F-4D97-AF65-F5344CB8AC3E}">
@@ -21688,7 +17834,7 @@
 </p:sld>
 </file>
 
-<file path=ppt/slides/slide14.xml><?xml version="1.0" encoding="utf-8"?>
+<file path=ppt/slides/slide12.xml><?xml version="1.0" encoding="utf-8"?>
 <p:sld xmlns:a="http://schemas.openxmlformats.org/drawingml/2006/main" xmlns:r="http://schemas.openxmlformats.org/officeDocument/2006/relationships" xmlns:p="http://schemas.openxmlformats.org/presentationml/2006/main">
   <p:cSld>
     <p:spTree>
@@ -21765,7 +17911,7 @@
 </p:sld>
 </file>
 
-<file path=ppt/slides/slide15.xml><?xml version="1.0" encoding="utf-8"?>
+<file path=ppt/slides/slide13.xml><?xml version="1.0" encoding="utf-8"?>
 <p:sld xmlns:a="http://schemas.openxmlformats.org/drawingml/2006/main" xmlns:r="http://schemas.openxmlformats.org/officeDocument/2006/relationships" xmlns:p="http://schemas.openxmlformats.org/presentationml/2006/main">
   <p:cSld>
     <p:spTree>
@@ -21897,7 +18043,7 @@
 </p:sld>
 </file>
 
-<file path=ppt/slides/slide16.xml><?xml version="1.0" encoding="utf-8"?>
+<file path=ppt/slides/slide14.xml><?xml version="1.0" encoding="utf-8"?>
 <p:sld xmlns:a="http://schemas.openxmlformats.org/drawingml/2006/main" xmlns:r="http://schemas.openxmlformats.org/officeDocument/2006/relationships" xmlns:p="http://schemas.openxmlformats.org/presentationml/2006/main">
   <p:cSld>
     <p:spTree>
@@ -22053,7 +18199,7 @@
 </p:sld>
 </file>
 
-<file path=ppt/slides/slide17.xml><?xml version="1.0" encoding="utf-8"?>
+<file path=ppt/slides/slide15.xml><?xml version="1.0" encoding="utf-8"?>
 <p:sld xmlns:a="http://schemas.openxmlformats.org/drawingml/2006/main" xmlns:r="http://schemas.openxmlformats.org/officeDocument/2006/relationships" xmlns:p="http://schemas.openxmlformats.org/presentationml/2006/main">
   <p:cSld>
     <p:spTree>
@@ -22209,7 +18355,7 @@
 </p:sld>
 </file>
 
-<file path=ppt/slides/slide18.xml><?xml version="1.0" encoding="utf-8"?>
+<file path=ppt/slides/slide16.xml><?xml version="1.0" encoding="utf-8"?>
 <p:sld xmlns:a="http://schemas.openxmlformats.org/drawingml/2006/main" xmlns:r="http://schemas.openxmlformats.org/officeDocument/2006/relationships" xmlns:p="http://schemas.openxmlformats.org/presentationml/2006/main">
   <p:cSld>
     <p:spTree>
@@ -22316,7 +18462,7 @@
 </p:sld>
 </file>
 
-<file path=ppt/slides/slide19.xml><?xml version="1.0" encoding="utf-8"?>
+<file path=ppt/slides/slide17.xml><?xml version="1.0" encoding="utf-8"?>
 <p:sld xmlns:a="http://schemas.openxmlformats.org/drawingml/2006/main" xmlns:r="http://schemas.openxmlformats.org/officeDocument/2006/relationships" xmlns:p="http://schemas.openxmlformats.org/presentationml/2006/main">
   <p:cSld>
     <p:spTree>
@@ -22454,249 +18600,7 @@
 </p:sld>
 </file>
 
-<file path=ppt/slides/slide2.xml><?xml version="1.0" encoding="utf-8"?>
-<p:sld xmlns:a="http://schemas.openxmlformats.org/drawingml/2006/main" xmlns:r="http://schemas.openxmlformats.org/officeDocument/2006/relationships" xmlns:p="http://schemas.openxmlformats.org/presentationml/2006/main">
-  <p:cSld>
-    <p:spTree>
-      <p:nvGrpSpPr>
-        <p:cNvPr id="1" name=""/>
-        <p:cNvGrpSpPr/>
-        <p:nvPr/>
-      </p:nvGrpSpPr>
-      <p:grpSpPr>
-        <a:xfrm>
-          <a:off x="0" y="0"/>
-          <a:ext cx="0" cy="0"/>
-          <a:chOff x="0" y="0"/>
-          <a:chExt cx="0" cy="0"/>
-        </a:xfrm>
-      </p:grpSpPr>
-      <p:sp>
-        <p:nvSpPr>
-          <p:cNvPr id="2" name="제목 1"/>
-          <p:cNvSpPr>
-            <a:spLocks noGrp="1"/>
-          </p:cNvSpPr>
-          <p:nvPr>
-            <p:ph type="title"/>
-          </p:nvPr>
-        </p:nvSpPr>
-        <p:spPr/>
-        <p:txBody>
-          <a:bodyPr/>
-          <a:lstStyle/>
-          <a:p>
-            <a:r>
-              <a:rPr lang="en-US" altLang="ko-KR" dirty="0" smtClean="0"/>
-              <a:t>Ab initio approach</a:t>
-            </a:r>
-            <a:endParaRPr lang="ko-KR" altLang="en-US" dirty="0"/>
-          </a:p>
-        </p:txBody>
-      </p:sp>
-      <p:pic>
-        <p:nvPicPr>
-          <p:cNvPr id="4" name="내용 개체 틀 3"/>
-          <p:cNvPicPr>
-            <a:picLocks noGrp="1" noChangeAspect="1"/>
-          </p:cNvPicPr>
-          <p:nvPr>
-            <p:ph idx="1"/>
-          </p:nvPr>
-        </p:nvPicPr>
-        <p:blipFill>
-          <a:blip r:embed="rId2"/>
-          <a:stretch>
-            <a:fillRect/>
-          </a:stretch>
-        </p:blipFill>
-        <p:spPr>
-          <a:xfrm>
-            <a:off x="61336" y="1441576"/>
-            <a:ext cx="7058890" cy="5190999"/>
-          </a:xfrm>
-          <a:prstGeom prst="rect">
-            <a:avLst/>
-          </a:prstGeom>
-        </p:spPr>
-      </p:pic>
-      <p:sp>
-        <p:nvSpPr>
-          <p:cNvPr id="7" name="오른쪽 중괄호 6"/>
-          <p:cNvSpPr/>
-          <p:nvPr/>
-        </p:nvSpPr>
-        <p:spPr>
-          <a:xfrm>
-            <a:off x="6891626" y="3230563"/>
-            <a:ext cx="457200" cy="3276600"/>
-          </a:xfrm>
-          <a:prstGeom prst="rightBrace">
-            <a:avLst/>
-          </a:prstGeom>
-          <a:ln>
-            <a:solidFill>
-              <a:srgbClr val="0070C0"/>
-            </a:solidFill>
-          </a:ln>
-        </p:spPr>
-        <p:style>
-          <a:lnRef idx="1">
-            <a:schemeClr val="accent1"/>
-          </a:lnRef>
-          <a:fillRef idx="0">
-            <a:schemeClr val="accent1"/>
-          </a:fillRef>
-          <a:effectRef idx="0">
-            <a:schemeClr val="accent1"/>
-          </a:effectRef>
-          <a:fontRef idx="minor">
-            <a:schemeClr val="tx1"/>
-          </a:fontRef>
-        </p:style>
-        <p:txBody>
-          <a:bodyPr rtlCol="0" anchor="ctr"/>
-          <a:lstStyle/>
-          <a:p>
-            <a:pPr algn="ctr" defTabSz="914400" latinLnBrk="0"/>
-            <a:endParaRPr lang="ko-KR" altLang="en-US" sz="1800">
-              <a:solidFill>
-                <a:srgbClr val="292934"/>
-              </a:solidFill>
-              <a:latin typeface="Arial"/>
-              <a:ea typeface="돋움" panose="020B0600000101010101" pitchFamily="50" charset="-127"/>
-            </a:endParaRPr>
-          </a:p>
-        </p:txBody>
-      </p:sp>
-      <p:sp>
-        <p:nvSpPr>
-          <p:cNvPr id="8" name="TextBox 7"/>
-          <p:cNvSpPr txBox="1"/>
-          <p:nvPr/>
-        </p:nvSpPr>
-        <p:spPr>
-          <a:xfrm>
-            <a:off x="7535775" y="4629146"/>
-            <a:ext cx="729687" cy="646331"/>
-          </a:xfrm>
-          <a:prstGeom prst="rect">
-            <a:avLst/>
-          </a:prstGeom>
-          <a:solidFill>
-            <a:srgbClr val="FFFF00"/>
-          </a:solidFill>
-        </p:spPr>
-        <p:txBody>
-          <a:bodyPr wrap="none" rtlCol="0">
-            <a:spAutoFit/>
-          </a:bodyPr>
-          <a:lstStyle/>
-          <a:p>
-            <a:pPr defTabSz="914400" latinLnBrk="0"/>
-            <a:r>
-              <a:rPr lang="en-US" altLang="ko-KR" sz="1200" dirty="0">
-                <a:solidFill>
-                  <a:srgbClr val="292934"/>
-                </a:solidFill>
-                <a:latin typeface="Arial"/>
-                <a:ea typeface="돋움" panose="020B0600000101010101" pitchFamily="50" charset="-127"/>
-              </a:rPr>
-              <a:t>Ab initio</a:t>
-            </a:r>
-          </a:p>
-          <a:p>
-            <a:pPr defTabSz="914400" latinLnBrk="0"/>
-            <a:r>
-              <a:rPr lang="en-US" altLang="ko-KR" sz="1200" dirty="0">
-                <a:solidFill>
-                  <a:srgbClr val="292934"/>
-                </a:solidFill>
-                <a:latin typeface="Arial"/>
-                <a:ea typeface="돋움" panose="020B0600000101010101" pitchFamily="50" charset="-127"/>
-              </a:rPr>
-              <a:t>Nuclear</a:t>
-            </a:r>
-          </a:p>
-          <a:p>
-            <a:pPr defTabSz="914400" latinLnBrk="0"/>
-            <a:r>
-              <a:rPr lang="en-US" altLang="ko-KR" sz="1200" dirty="0">
-                <a:solidFill>
-                  <a:srgbClr val="292934"/>
-                </a:solidFill>
-                <a:latin typeface="Arial"/>
-                <a:ea typeface="돋움" panose="020B0600000101010101" pitchFamily="50" charset="-127"/>
-              </a:rPr>
-              <a:t>Theory</a:t>
-            </a:r>
-            <a:endParaRPr lang="ko-KR" altLang="en-US" sz="1200" dirty="0">
-              <a:solidFill>
-                <a:srgbClr val="292934"/>
-              </a:solidFill>
-              <a:latin typeface="Arial"/>
-              <a:ea typeface="돋움" panose="020B0600000101010101" pitchFamily="50" charset="-127"/>
-            </a:endParaRPr>
-          </a:p>
-        </p:txBody>
-      </p:sp>
-      <p:sp>
-        <p:nvSpPr>
-          <p:cNvPr id="3" name="TextBox 2"/>
-          <p:cNvSpPr txBox="1"/>
-          <p:nvPr/>
-        </p:nvSpPr>
-        <p:spPr>
-          <a:xfrm>
-            <a:off x="7452651" y="5450968"/>
-            <a:ext cx="2227061" cy="738664"/>
-          </a:xfrm>
-          <a:prstGeom prst="rect">
-            <a:avLst/>
-          </a:prstGeom>
-          <a:noFill/>
-        </p:spPr>
-        <p:txBody>
-          <a:bodyPr wrap="square" rtlCol="0">
-            <a:spAutoFit/>
-          </a:bodyPr>
-          <a:lstStyle/>
-          <a:p>
-            <a:r>
-              <a:rPr lang="en-US" altLang="ko-KR" sz="1400" dirty="0" smtClean="0"/>
-              <a:t>Direct understanding of nuclear force and </a:t>
-            </a:r>
-          </a:p>
-          <a:p>
-            <a:r>
-              <a:rPr lang="en-US" altLang="ko-KR" sz="1400" dirty="0" smtClean="0"/>
-              <a:t>nuclear structure/reaction</a:t>
-            </a:r>
-            <a:endParaRPr lang="ko-KR" altLang="en-US" sz="1400" dirty="0"/>
-          </a:p>
-        </p:txBody>
-      </p:sp>
-    </p:spTree>
-    <p:extLst>
-      <p:ext uri="{BB962C8B-B14F-4D97-AF65-F5344CB8AC3E}">
-        <p14:creationId xmlns:p14="http://schemas.microsoft.com/office/powerpoint/2010/main" val="1585180935"/>
-      </p:ext>
-    </p:extLst>
-  </p:cSld>
-  <p:clrMapOvr>
-    <a:masterClrMapping/>
-  </p:clrMapOvr>
-  <p:timing>
-    <p:tnLst>
-      <p:par>
-        <p:cTn id="1" dur="indefinite" restart="never" nodeType="tmRoot"/>
-      </p:par>
-    </p:tnLst>
-  </p:timing>
-</p:sld>
-</file>
-
-<file path=ppt/slides/slide20.xml><?xml version="1.0" encoding="utf-8"?>
+<file path=ppt/slides/slide18.xml><?xml version="1.0" encoding="utf-8"?>
 <p:sld xmlns:a="http://schemas.openxmlformats.org/drawingml/2006/main" xmlns:r="http://schemas.openxmlformats.org/officeDocument/2006/relationships" xmlns:p="http://schemas.openxmlformats.org/presentationml/2006/main">
   <p:cSld>
     <p:spTree>
@@ -22920,6 +18824,520 @@
 </p:sld>
 </file>
 
+<file path=ppt/slides/slide19.xml><?xml version="1.0" encoding="utf-8"?>
+<p:sld xmlns:a="http://schemas.openxmlformats.org/drawingml/2006/main" xmlns:r="http://schemas.openxmlformats.org/officeDocument/2006/relationships" xmlns:p="http://schemas.openxmlformats.org/presentationml/2006/main">
+  <p:cSld>
+    <p:spTree>
+      <p:nvGrpSpPr>
+        <p:cNvPr id="1" name=""/>
+        <p:cNvGrpSpPr/>
+        <p:nvPr/>
+      </p:nvGrpSpPr>
+      <p:grpSpPr>
+        <a:xfrm>
+          <a:off x="0" y="0"/>
+          <a:ext cx="0" cy="0"/>
+          <a:chOff x="0" y="0"/>
+          <a:chExt cx="0" cy="0"/>
+        </a:xfrm>
+      </p:grpSpPr>
+      <p:sp>
+        <p:nvSpPr>
+          <p:cNvPr id="2" name="제목 1"/>
+          <p:cNvSpPr>
+            <a:spLocks noGrp="1"/>
+          </p:cNvSpPr>
+          <p:nvPr>
+            <p:ph type="title"/>
+          </p:nvPr>
+        </p:nvSpPr>
+        <p:spPr/>
+        <p:txBody>
+          <a:bodyPr/>
+          <a:lstStyle/>
+          <a:p>
+            <a:r>
+              <a:rPr lang="en-US" altLang="ko-KR" dirty="0" smtClean="0"/>
+              <a:t>Summary</a:t>
+            </a:r>
+            <a:endParaRPr lang="ko-KR" altLang="en-US" dirty="0"/>
+          </a:p>
+        </p:txBody>
+      </p:sp>
+      <p:sp>
+        <p:nvSpPr>
+          <p:cNvPr id="3" name="TextBox 2"/>
+          <p:cNvSpPr txBox="1"/>
+          <p:nvPr/>
+        </p:nvSpPr>
+        <p:spPr>
+          <a:xfrm>
+            <a:off x="668338" y="1699491"/>
+            <a:ext cx="8532812" cy="3863365"/>
+          </a:xfrm>
+          <a:prstGeom prst="rect">
+            <a:avLst/>
+          </a:prstGeom>
+          <a:noFill/>
+        </p:spPr>
+        <p:txBody>
+          <a:bodyPr wrap="square" rtlCol="0">
+            <a:spAutoFit/>
+          </a:bodyPr>
+          <a:lstStyle/>
+          <a:p>
+            <a:pPr marL="342900" indent="-342900">
+              <a:buFont typeface="Arial" panose="020B0604020202020204" pitchFamily="34" charset="0"/>
+              <a:buChar char="•"/>
+            </a:pPr>
+            <a:r>
+              <a:rPr lang="en-US" altLang="ko-KR" dirty="0" smtClean="0"/>
+              <a:t>Wave function matching method seems to be promising</a:t>
+            </a:r>
+          </a:p>
+          <a:p>
+            <a:pPr marL="821819" lvl="1" indent="-342900">
+              <a:buFont typeface="Arial" panose="020B0604020202020204" pitchFamily="34" charset="0"/>
+              <a:buChar char="•"/>
+            </a:pPr>
+            <a:r>
+              <a:rPr lang="en-US" altLang="ko-KR" dirty="0" smtClean="0"/>
+              <a:t>New method to improve the N3LO calculation of NLEFT</a:t>
+            </a:r>
+          </a:p>
+          <a:p>
+            <a:pPr marL="821819" lvl="1" indent="-342900">
+              <a:buFont typeface="Arial" panose="020B0604020202020204" pitchFamily="34" charset="0"/>
+              <a:buChar char="•"/>
+            </a:pPr>
+            <a:r>
+              <a:rPr lang="en-US" altLang="ko-KR" dirty="0" smtClean="0"/>
+              <a:t>Preliminary study shows promising results for wide range of observables</a:t>
+            </a:r>
+          </a:p>
+          <a:p>
+            <a:pPr marL="821819" lvl="1" indent="-342900">
+              <a:buFont typeface="Arial" panose="020B0604020202020204" pitchFamily="34" charset="0"/>
+              <a:buChar char="•"/>
+            </a:pPr>
+            <a:r>
+              <a:rPr lang="en-US" altLang="ko-KR" dirty="0" smtClean="0"/>
+              <a:t>NN scattering</a:t>
+            </a:r>
+          </a:p>
+          <a:p>
+            <a:pPr marL="821819" lvl="1" indent="-342900">
+              <a:buFont typeface="Arial" panose="020B0604020202020204" pitchFamily="34" charset="0"/>
+              <a:buChar char="•"/>
+            </a:pPr>
+            <a:r>
+              <a:rPr lang="en-US" altLang="ko-KR" dirty="0" smtClean="0"/>
+              <a:t>Binding energy (from 3H to 40Ca)</a:t>
+            </a:r>
+          </a:p>
+          <a:p>
+            <a:pPr marL="821819" lvl="1" indent="-342900">
+              <a:buFont typeface="Arial" panose="020B0604020202020204" pitchFamily="34" charset="0"/>
+              <a:buChar char="•"/>
+            </a:pPr>
+            <a:r>
+              <a:rPr lang="en-US" altLang="ko-KR" dirty="0" smtClean="0"/>
+              <a:t>Symmetric Nuclear matter</a:t>
+            </a:r>
+          </a:p>
+          <a:p>
+            <a:pPr marL="821819" lvl="1" indent="-342900">
+              <a:buFont typeface="Arial" panose="020B0604020202020204" pitchFamily="34" charset="0"/>
+              <a:buChar char="•"/>
+            </a:pPr>
+            <a:r>
+              <a:rPr lang="en-US" altLang="ko-KR" dirty="0" smtClean="0"/>
+              <a:t>Neutron matter</a:t>
+            </a:r>
+          </a:p>
+          <a:p>
+            <a:pPr marL="821819" lvl="1" indent="-342900">
+              <a:buFont typeface="Arial" panose="020B0604020202020204" pitchFamily="34" charset="0"/>
+              <a:buChar char="•"/>
+            </a:pPr>
+            <a:r>
+              <a:rPr lang="en-US" altLang="ko-KR" dirty="0" smtClean="0"/>
+              <a:t>Dripline of Oxygen isotope.</a:t>
+            </a:r>
+          </a:p>
+          <a:p>
+            <a:pPr marL="821819" lvl="1" indent="-342900">
+              <a:buFont typeface="Arial" panose="020B0604020202020204" pitchFamily="34" charset="0"/>
+              <a:buChar char="•"/>
+            </a:pPr>
+            <a:r>
+              <a:rPr lang="en-US" altLang="ko-KR" dirty="0" smtClean="0"/>
+              <a:t>Carbon excited states</a:t>
+            </a:r>
+          </a:p>
+          <a:p>
+            <a:pPr marL="342900" indent="-342900">
+              <a:buFont typeface="Arial" panose="020B0604020202020204" pitchFamily="34" charset="0"/>
+              <a:buChar char="•"/>
+            </a:pPr>
+            <a:r>
+              <a:rPr lang="en-US" altLang="ko-KR" dirty="0" smtClean="0"/>
+              <a:t>Further investigation on the finite volume effects is on-going. </a:t>
+            </a:r>
+          </a:p>
+          <a:p>
+            <a:pPr marL="342900" indent="-342900">
+              <a:buFont typeface="Arial" panose="020B0604020202020204" pitchFamily="34" charset="0"/>
+              <a:buChar char="•"/>
+            </a:pPr>
+            <a:r>
+              <a:rPr lang="en-US" altLang="ko-KR" dirty="0" smtClean="0"/>
+              <a:t>Also, Carbon isotopes, odd Oxygen isotopes, Cluster structure, excited states. </a:t>
+            </a:r>
+            <a:endParaRPr lang="ko-KR" altLang="en-US" dirty="0"/>
+          </a:p>
+        </p:txBody>
+      </p:sp>
+    </p:spTree>
+    <p:extLst>
+      <p:ext uri="{BB962C8B-B14F-4D97-AF65-F5344CB8AC3E}">
+        <p14:creationId xmlns:p14="http://schemas.microsoft.com/office/powerpoint/2010/main" val="855818657"/>
+      </p:ext>
+    </p:extLst>
+  </p:cSld>
+  <p:clrMapOvr>
+    <a:masterClrMapping/>
+  </p:clrMapOvr>
+</p:sld>
+</file>
+
+<file path=ppt/slides/slide2.xml><?xml version="1.0" encoding="utf-8"?>
+<p:sld xmlns:a="http://schemas.openxmlformats.org/drawingml/2006/main" xmlns:r="http://schemas.openxmlformats.org/officeDocument/2006/relationships" xmlns:p="http://schemas.openxmlformats.org/presentationml/2006/main">
+  <p:cSld>
+    <p:spTree>
+      <p:nvGrpSpPr>
+        <p:cNvPr id="1" name=""/>
+        <p:cNvGrpSpPr/>
+        <p:nvPr/>
+      </p:nvGrpSpPr>
+      <p:grpSpPr>
+        <a:xfrm>
+          <a:off x="0" y="0"/>
+          <a:ext cx="0" cy="0"/>
+          <a:chOff x="0" y="0"/>
+          <a:chExt cx="0" cy="0"/>
+        </a:xfrm>
+      </p:grpSpPr>
+      <p:sp>
+        <p:nvSpPr>
+          <p:cNvPr id="2" name="제목 1"/>
+          <p:cNvSpPr>
+            <a:spLocks noGrp="1"/>
+          </p:cNvSpPr>
+          <p:nvPr>
+            <p:ph type="title"/>
+          </p:nvPr>
+        </p:nvSpPr>
+        <p:spPr/>
+        <p:txBody>
+          <a:bodyPr/>
+          <a:lstStyle/>
+          <a:p>
+            <a:r>
+              <a:rPr lang="en-US" altLang="ko-KR" dirty="0" smtClean="0"/>
+              <a:t>Ab initio approach</a:t>
+            </a:r>
+            <a:endParaRPr lang="ko-KR" altLang="en-US" dirty="0"/>
+          </a:p>
+        </p:txBody>
+      </p:sp>
+      <p:pic>
+        <p:nvPicPr>
+          <p:cNvPr id="4" name="내용 개체 틀 3"/>
+          <p:cNvPicPr>
+            <a:picLocks noGrp="1" noChangeAspect="1"/>
+          </p:cNvPicPr>
+          <p:nvPr>
+            <p:ph idx="1"/>
+          </p:nvPr>
+        </p:nvPicPr>
+        <p:blipFill>
+          <a:blip r:embed="rId2"/>
+          <a:stretch>
+            <a:fillRect/>
+          </a:stretch>
+        </p:blipFill>
+        <p:spPr>
+          <a:xfrm>
+            <a:off x="61336" y="1441576"/>
+            <a:ext cx="7058890" cy="5190999"/>
+          </a:xfrm>
+          <a:prstGeom prst="rect">
+            <a:avLst/>
+          </a:prstGeom>
+        </p:spPr>
+      </p:pic>
+      <p:sp>
+        <p:nvSpPr>
+          <p:cNvPr id="7" name="오른쪽 중괄호 6"/>
+          <p:cNvSpPr/>
+          <p:nvPr/>
+        </p:nvSpPr>
+        <p:spPr>
+          <a:xfrm>
+            <a:off x="6891626" y="2913032"/>
+            <a:ext cx="457200" cy="3276600"/>
+          </a:xfrm>
+          <a:prstGeom prst="rightBrace">
+            <a:avLst/>
+          </a:prstGeom>
+          <a:ln>
+            <a:solidFill>
+              <a:srgbClr val="0070C0"/>
+            </a:solidFill>
+          </a:ln>
+        </p:spPr>
+        <p:style>
+          <a:lnRef idx="1">
+            <a:schemeClr val="accent1"/>
+          </a:lnRef>
+          <a:fillRef idx="0">
+            <a:schemeClr val="accent1"/>
+          </a:fillRef>
+          <a:effectRef idx="0">
+            <a:schemeClr val="accent1"/>
+          </a:effectRef>
+          <a:fontRef idx="minor">
+            <a:schemeClr val="tx1"/>
+          </a:fontRef>
+        </p:style>
+        <p:txBody>
+          <a:bodyPr rtlCol="0" anchor="ctr"/>
+          <a:lstStyle/>
+          <a:p>
+            <a:pPr algn="ctr" defTabSz="914400" latinLnBrk="0"/>
+            <a:endParaRPr lang="ko-KR" altLang="en-US" sz="1800">
+              <a:solidFill>
+                <a:srgbClr val="292934"/>
+              </a:solidFill>
+              <a:latin typeface="Arial"/>
+              <a:ea typeface="돋움" panose="020B0600000101010101" pitchFamily="50" charset="-127"/>
+            </a:endParaRPr>
+          </a:p>
+        </p:txBody>
+      </p:sp>
+      <p:sp>
+        <p:nvSpPr>
+          <p:cNvPr id="8" name="TextBox 7"/>
+          <p:cNvSpPr txBox="1"/>
+          <p:nvPr/>
+        </p:nvSpPr>
+        <p:spPr>
+          <a:xfrm>
+            <a:off x="7452651" y="4339000"/>
+            <a:ext cx="729687" cy="646331"/>
+          </a:xfrm>
+          <a:prstGeom prst="rect">
+            <a:avLst/>
+          </a:prstGeom>
+          <a:solidFill>
+            <a:srgbClr val="FFFF00"/>
+          </a:solidFill>
+        </p:spPr>
+        <p:txBody>
+          <a:bodyPr wrap="none" rtlCol="0">
+            <a:spAutoFit/>
+          </a:bodyPr>
+          <a:lstStyle/>
+          <a:p>
+            <a:pPr defTabSz="914400" latinLnBrk="0"/>
+            <a:r>
+              <a:rPr lang="en-US" altLang="ko-KR" sz="1200" dirty="0">
+                <a:solidFill>
+                  <a:srgbClr val="292934"/>
+                </a:solidFill>
+                <a:latin typeface="Arial"/>
+                <a:ea typeface="돋움" panose="020B0600000101010101" pitchFamily="50" charset="-127"/>
+              </a:rPr>
+              <a:t>Ab initio</a:t>
+            </a:r>
+          </a:p>
+          <a:p>
+            <a:pPr defTabSz="914400" latinLnBrk="0"/>
+            <a:r>
+              <a:rPr lang="en-US" altLang="ko-KR" sz="1200" dirty="0">
+                <a:solidFill>
+                  <a:srgbClr val="292934"/>
+                </a:solidFill>
+                <a:latin typeface="Arial"/>
+                <a:ea typeface="돋움" panose="020B0600000101010101" pitchFamily="50" charset="-127"/>
+              </a:rPr>
+              <a:t>Nuclear</a:t>
+            </a:r>
+          </a:p>
+          <a:p>
+            <a:pPr defTabSz="914400" latinLnBrk="0"/>
+            <a:r>
+              <a:rPr lang="en-US" altLang="ko-KR" sz="1200" dirty="0">
+                <a:solidFill>
+                  <a:srgbClr val="292934"/>
+                </a:solidFill>
+                <a:latin typeface="Arial"/>
+                <a:ea typeface="돋움" panose="020B0600000101010101" pitchFamily="50" charset="-127"/>
+              </a:rPr>
+              <a:t>Theory</a:t>
+            </a:r>
+            <a:endParaRPr lang="ko-KR" altLang="en-US" sz="1200" dirty="0">
+              <a:solidFill>
+                <a:srgbClr val="292934"/>
+              </a:solidFill>
+              <a:latin typeface="Arial"/>
+              <a:ea typeface="돋움" panose="020B0600000101010101" pitchFamily="50" charset="-127"/>
+            </a:endParaRPr>
+          </a:p>
+        </p:txBody>
+      </p:sp>
+      <p:sp>
+        <p:nvSpPr>
+          <p:cNvPr id="3" name="TextBox 2"/>
+          <p:cNvSpPr txBox="1"/>
+          <p:nvPr/>
+        </p:nvSpPr>
+        <p:spPr>
+          <a:xfrm>
+            <a:off x="7452651" y="5450968"/>
+            <a:ext cx="2227061" cy="738664"/>
+          </a:xfrm>
+          <a:prstGeom prst="rect">
+            <a:avLst/>
+          </a:prstGeom>
+          <a:noFill/>
+        </p:spPr>
+        <p:txBody>
+          <a:bodyPr wrap="square" rtlCol="0">
+            <a:spAutoFit/>
+          </a:bodyPr>
+          <a:lstStyle/>
+          <a:p>
+            <a:r>
+              <a:rPr lang="en-US" altLang="ko-KR" sz="1400" dirty="0" smtClean="0"/>
+              <a:t>Direct understanding of nuclear force and </a:t>
+            </a:r>
+          </a:p>
+          <a:p>
+            <a:r>
+              <a:rPr lang="en-US" altLang="ko-KR" sz="1400" dirty="0" smtClean="0"/>
+              <a:t>nuclear structure/reaction</a:t>
+            </a:r>
+            <a:endParaRPr lang="ko-KR" altLang="en-US" sz="1400" dirty="0"/>
+          </a:p>
+        </p:txBody>
+      </p:sp>
+    </p:spTree>
+    <p:extLst>
+      <p:ext uri="{BB962C8B-B14F-4D97-AF65-F5344CB8AC3E}">
+        <p14:creationId xmlns:p14="http://schemas.microsoft.com/office/powerpoint/2010/main" val="1585180935"/>
+      </p:ext>
+    </p:extLst>
+  </p:cSld>
+  <p:clrMapOvr>
+    <a:masterClrMapping/>
+  </p:clrMapOvr>
+  <p:timing>
+    <p:tnLst>
+      <p:par>
+        <p:cTn id="1" dur="indefinite" restart="never" nodeType="tmRoot"/>
+      </p:par>
+    </p:tnLst>
+  </p:timing>
+</p:sld>
+</file>
+
+<file path=ppt/slides/slide20.xml><?xml version="1.0" encoding="utf-8"?>
+<p:sld xmlns:a="http://schemas.openxmlformats.org/drawingml/2006/main" xmlns:r="http://schemas.openxmlformats.org/officeDocument/2006/relationships" xmlns:p="http://schemas.openxmlformats.org/presentationml/2006/main">
+  <p:cSld>
+    <p:spTree>
+      <p:nvGrpSpPr>
+        <p:cNvPr id="1" name=""/>
+        <p:cNvGrpSpPr/>
+        <p:nvPr/>
+      </p:nvGrpSpPr>
+      <p:grpSpPr>
+        <a:xfrm>
+          <a:off x="0" y="0"/>
+          <a:ext cx="0" cy="0"/>
+          <a:chOff x="0" y="0"/>
+          <a:chExt cx="0" cy="0"/>
+        </a:xfrm>
+      </p:grpSpPr>
+      <p:sp>
+        <p:nvSpPr>
+          <p:cNvPr id="5" name="직사각형 4"/>
+          <p:cNvSpPr/>
+          <p:nvPr/>
+        </p:nvSpPr>
+        <p:spPr>
+          <a:xfrm>
+            <a:off x="1686724" y="2967335"/>
+            <a:ext cx="6532559" cy="923330"/>
+          </a:xfrm>
+          <a:prstGeom prst="rect">
+            <a:avLst/>
+          </a:prstGeom>
+          <a:noFill/>
+        </p:spPr>
+        <p:txBody>
+          <a:bodyPr wrap="none" lIns="91440" tIns="45720" rIns="91440" bIns="45720">
+            <a:spAutoFit/>
+          </a:bodyPr>
+          <a:lstStyle/>
+          <a:p>
+            <a:pPr algn="ctr"/>
+            <a:r>
+              <a:rPr lang="en-US" altLang="ko-KR" sz="5400" b="0" cap="none" spc="0" dirty="0" smtClean="0">
+                <a:ln w="0"/>
+                <a:solidFill>
+                  <a:schemeClr val="tx1"/>
+                </a:solidFill>
+                <a:effectLst>
+                  <a:outerShdw blurRad="38100" dist="19050" dir="2700000" algn="tl" rotWithShape="0">
+                    <a:schemeClr val="dk1">
+                      <a:alpha val="40000"/>
+                    </a:schemeClr>
+                  </a:outerShdw>
+                </a:effectLst>
+              </a:rPr>
+              <a:t>Supplement material</a:t>
+            </a:r>
+            <a:endParaRPr lang="en-US" altLang="ko-KR" sz="5400" b="0" cap="none" spc="0" dirty="0">
+              <a:ln w="0"/>
+              <a:solidFill>
+                <a:schemeClr val="tx1"/>
+              </a:solidFill>
+              <a:effectLst>
+                <a:outerShdw blurRad="38100" dist="19050" dir="2700000" algn="tl" rotWithShape="0">
+                  <a:schemeClr val="dk1">
+                    <a:alpha val="40000"/>
+                  </a:schemeClr>
+                </a:outerShdw>
+              </a:effectLst>
+            </a:endParaRPr>
+          </a:p>
+        </p:txBody>
+      </p:sp>
+    </p:spTree>
+    <p:extLst>
+      <p:ext uri="{BB962C8B-B14F-4D97-AF65-F5344CB8AC3E}">
+        <p14:creationId xmlns:p14="http://schemas.microsoft.com/office/powerpoint/2010/main" val="1816207922"/>
+      </p:ext>
+    </p:extLst>
+  </p:cSld>
+  <p:clrMapOvr>
+    <a:masterClrMapping/>
+  </p:clrMapOvr>
+</p:sld>
+</file>
+
 <file path=ppt/slides/slide21.xml><?xml version="1.0" encoding="utf-8"?>
 <p:sld xmlns:a="http://schemas.openxmlformats.org/drawingml/2006/main" xmlns:r="http://schemas.openxmlformats.org/officeDocument/2006/relationships" xmlns:p="http://schemas.openxmlformats.org/presentationml/2006/main">
   <p:cSld>
@@ -22954,150 +19372,160 @@
           <a:p>
             <a:r>
               <a:rPr lang="en-US" altLang="ko-KR" dirty="0" smtClean="0"/>
-              <a:t>Summary</a:t>
+              <a:t>Lattice chiral Hamiltonian Leading order</a:t>
             </a:r>
             <a:endParaRPr lang="ko-KR" altLang="en-US" dirty="0"/>
           </a:p>
         </p:txBody>
       </p:sp>
-      <p:sp>
-        <p:nvSpPr>
-          <p:cNvPr id="3" name="TextBox 2"/>
-          <p:cNvSpPr txBox="1"/>
+      <p:pic>
+        <p:nvPicPr>
+          <p:cNvPr id="8" name="그림 7"/>
+          <p:cNvPicPr>
+            <a:picLocks noChangeAspect="1"/>
+          </p:cNvPicPr>
           <p:nvPr/>
-        </p:nvSpPr>
+        </p:nvPicPr>
+        <p:blipFill>
+          <a:blip r:embed="rId2"/>
+          <a:stretch>
+            <a:fillRect/>
+          </a:stretch>
+        </p:blipFill>
         <p:spPr>
           <a:xfrm>
-            <a:off x="668338" y="1699491"/>
-            <a:ext cx="8532812" cy="3863365"/>
+            <a:off x="488493" y="1592263"/>
+            <a:ext cx="3277057" cy="552527"/>
           </a:xfrm>
           <a:prstGeom prst="rect">
             <a:avLst/>
           </a:prstGeom>
-          <a:noFill/>
         </p:spPr>
-        <p:txBody>
-          <a:bodyPr wrap="square" rtlCol="0">
-            <a:spAutoFit/>
-          </a:bodyPr>
-          <a:lstStyle/>
-          <a:p>
-            <a:pPr marL="342900" indent="-342900">
-              <a:buFont typeface="Arial" panose="020B0604020202020204" pitchFamily="34" charset="0"/>
-              <a:buChar char="•"/>
-            </a:pPr>
-            <a:r>
-              <a:rPr lang="en-US" altLang="ko-KR" dirty="0" smtClean="0"/>
-              <a:t>Wave function matching method seems to be promising</a:t>
-            </a:r>
-          </a:p>
-          <a:p>
-            <a:pPr marL="821819" lvl="1" indent="-342900">
-              <a:buFont typeface="Arial" panose="020B0604020202020204" pitchFamily="34" charset="0"/>
-              <a:buChar char="•"/>
-            </a:pPr>
-            <a:r>
-              <a:rPr lang="en-US" altLang="ko-KR" dirty="0" smtClean="0"/>
-              <a:t>New method to improve the N3LO calculation of NLEFT</a:t>
-            </a:r>
-          </a:p>
-          <a:p>
-            <a:pPr marL="821819" lvl="1" indent="-342900">
-              <a:buFont typeface="Arial" panose="020B0604020202020204" pitchFamily="34" charset="0"/>
-              <a:buChar char="•"/>
-            </a:pPr>
-            <a:r>
-              <a:rPr lang="en-US" altLang="ko-KR" dirty="0" smtClean="0"/>
-              <a:t>Preliminary study shows promising results for wide range of observables</a:t>
-            </a:r>
-          </a:p>
-          <a:p>
-            <a:pPr marL="821819" lvl="1" indent="-342900">
-              <a:buFont typeface="Arial" panose="020B0604020202020204" pitchFamily="34" charset="0"/>
-              <a:buChar char="•"/>
-            </a:pPr>
-            <a:r>
-              <a:rPr lang="en-US" altLang="ko-KR" dirty="0" smtClean="0"/>
-              <a:t>NN scattering</a:t>
-            </a:r>
-          </a:p>
-          <a:p>
-            <a:pPr marL="821819" lvl="1" indent="-342900">
-              <a:buFont typeface="Arial" panose="020B0604020202020204" pitchFamily="34" charset="0"/>
-              <a:buChar char="•"/>
-            </a:pPr>
-            <a:r>
-              <a:rPr lang="en-US" altLang="ko-KR" dirty="0" smtClean="0"/>
-              <a:t>Binding energy (from 3H to 40Ca)</a:t>
-            </a:r>
-          </a:p>
-          <a:p>
-            <a:pPr marL="821819" lvl="1" indent="-342900">
-              <a:buFont typeface="Arial" panose="020B0604020202020204" pitchFamily="34" charset="0"/>
-              <a:buChar char="•"/>
-            </a:pPr>
-            <a:r>
-              <a:rPr lang="en-US" altLang="ko-KR" dirty="0" smtClean="0"/>
-              <a:t>Symmetric Nuclear matter</a:t>
-            </a:r>
-          </a:p>
-          <a:p>
-            <a:pPr marL="821819" lvl="1" indent="-342900">
-              <a:buFont typeface="Arial" panose="020B0604020202020204" pitchFamily="34" charset="0"/>
-              <a:buChar char="•"/>
-            </a:pPr>
-            <a:r>
-              <a:rPr lang="en-US" altLang="ko-KR" dirty="0" smtClean="0"/>
-              <a:t>Neutron matter</a:t>
-            </a:r>
-          </a:p>
-          <a:p>
-            <a:pPr marL="821819" lvl="1" indent="-342900">
-              <a:buFont typeface="Arial" panose="020B0604020202020204" pitchFamily="34" charset="0"/>
-              <a:buChar char="•"/>
-            </a:pPr>
-            <a:r>
-              <a:rPr lang="en-US" altLang="ko-KR" dirty="0" smtClean="0"/>
-              <a:t>Dripline of Oxygen isotope.</a:t>
-            </a:r>
-          </a:p>
-          <a:p>
-            <a:pPr marL="821819" lvl="1" indent="-342900">
-              <a:buFont typeface="Arial" panose="020B0604020202020204" pitchFamily="34" charset="0"/>
-              <a:buChar char="•"/>
-            </a:pPr>
-            <a:r>
-              <a:rPr lang="en-US" altLang="ko-KR" dirty="0" smtClean="0"/>
-              <a:t>Carbon excited states</a:t>
-            </a:r>
-          </a:p>
-          <a:p>
-            <a:pPr marL="342900" indent="-342900">
-              <a:buFont typeface="Arial" panose="020B0604020202020204" pitchFamily="34" charset="0"/>
-              <a:buChar char="•"/>
-            </a:pPr>
-            <a:r>
-              <a:rPr lang="en-US" altLang="ko-KR" dirty="0" smtClean="0"/>
-              <a:t>Further investigation on the finite volume effects is on-going. </a:t>
-            </a:r>
-          </a:p>
-          <a:p>
-            <a:pPr marL="342900" indent="-342900">
-              <a:buFont typeface="Arial" panose="020B0604020202020204" pitchFamily="34" charset="0"/>
-              <a:buChar char="•"/>
-            </a:pPr>
-            <a:r>
-              <a:rPr lang="en-US" altLang="ko-KR" dirty="0" smtClean="0"/>
-              <a:t>Also, Carbon isotopes, odd Oxygen isotopes, Cluster structure, excited states. </a:t>
-            </a:r>
-            <a:endParaRPr lang="ko-KR" altLang="en-US" dirty="0"/>
-          </a:p>
-        </p:txBody>
-      </p:sp>
+      </p:pic>
+      <p:pic>
+        <p:nvPicPr>
+          <p:cNvPr id="9" name="그림 8"/>
+          <p:cNvPicPr>
+            <a:picLocks noChangeAspect="1"/>
+          </p:cNvPicPr>
+          <p:nvPr/>
+        </p:nvPicPr>
+        <p:blipFill>
+          <a:blip r:embed="rId3"/>
+          <a:stretch>
+            <a:fillRect/>
+          </a:stretch>
+        </p:blipFill>
+        <p:spPr>
+          <a:xfrm>
+            <a:off x="668338" y="2286945"/>
+            <a:ext cx="4860925" cy="1077603"/>
+          </a:xfrm>
+          <a:prstGeom prst="rect">
+            <a:avLst/>
+          </a:prstGeom>
+        </p:spPr>
+      </p:pic>
+      <p:pic>
+        <p:nvPicPr>
+          <p:cNvPr id="10" name="그림 9"/>
+          <p:cNvPicPr>
+            <a:picLocks noChangeAspect="1"/>
+          </p:cNvPicPr>
+          <p:nvPr/>
+        </p:nvPicPr>
+        <p:blipFill>
+          <a:blip r:embed="rId4"/>
+          <a:stretch>
+            <a:fillRect/>
+          </a:stretch>
+        </p:blipFill>
+        <p:spPr>
+          <a:xfrm>
+            <a:off x="668338" y="3392488"/>
+            <a:ext cx="6462135" cy="612525"/>
+          </a:xfrm>
+          <a:prstGeom prst="rect">
+            <a:avLst/>
+          </a:prstGeom>
+        </p:spPr>
+      </p:pic>
+      <p:pic>
+        <p:nvPicPr>
+          <p:cNvPr id="11" name="그림 10"/>
+          <p:cNvPicPr>
+            <a:picLocks noChangeAspect="1"/>
+          </p:cNvPicPr>
+          <p:nvPr/>
+        </p:nvPicPr>
+        <p:blipFill>
+          <a:blip r:embed="rId5"/>
+          <a:stretch>
+            <a:fillRect/>
+          </a:stretch>
+        </p:blipFill>
+        <p:spPr>
+          <a:xfrm>
+            <a:off x="674688" y="4127493"/>
+            <a:ext cx="3364262" cy="1390561"/>
+          </a:xfrm>
+          <a:prstGeom prst="rect">
+            <a:avLst/>
+          </a:prstGeom>
+        </p:spPr>
+      </p:pic>
+      <p:pic>
+        <p:nvPicPr>
+          <p:cNvPr id="12" name="그림 11"/>
+          <p:cNvPicPr>
+            <a:picLocks noChangeAspect="1"/>
+          </p:cNvPicPr>
+          <p:nvPr/>
+        </p:nvPicPr>
+        <p:blipFill>
+          <a:blip r:embed="rId6"/>
+          <a:stretch>
+            <a:fillRect/>
+          </a:stretch>
+        </p:blipFill>
+        <p:spPr>
+          <a:xfrm>
+            <a:off x="7227708" y="3522513"/>
+            <a:ext cx="2258037" cy="310585"/>
+          </a:xfrm>
+          <a:prstGeom prst="rect">
+            <a:avLst/>
+          </a:prstGeom>
+        </p:spPr>
+      </p:pic>
+      <p:pic>
+        <p:nvPicPr>
+          <p:cNvPr id="13" name="그림 12"/>
+          <p:cNvPicPr>
+            <a:picLocks noChangeAspect="1"/>
+          </p:cNvPicPr>
+          <p:nvPr/>
+        </p:nvPicPr>
+        <p:blipFill>
+          <a:blip r:embed="rId7"/>
+          <a:stretch>
+            <a:fillRect/>
+          </a:stretch>
+        </p:blipFill>
+        <p:spPr>
+          <a:xfrm>
+            <a:off x="674688" y="5640534"/>
+            <a:ext cx="4525385" cy="661606"/>
+          </a:xfrm>
+          <a:prstGeom prst="rect">
+            <a:avLst/>
+          </a:prstGeom>
+        </p:spPr>
+      </p:pic>
     </p:spTree>
     <p:extLst>
       <p:ext uri="{BB962C8B-B14F-4D97-AF65-F5344CB8AC3E}">
-        <p14:creationId xmlns:p14="http://schemas.microsoft.com/office/powerpoint/2010/main" val="855818657"/>
+        <p14:creationId xmlns:p14="http://schemas.microsoft.com/office/powerpoint/2010/main" val="1104406120"/>
       </p:ext>
     </p:extLst>
   </p:cSld>
@@ -23621,138 +20049,6 @@
           <a:p>
             <a:r>
               <a:rPr lang="en-US" altLang="ko-KR" dirty="0" smtClean="0"/>
-              <a:t>Characters of NLEFT</a:t>
-            </a:r>
-            <a:endParaRPr lang="ko-KR" altLang="en-US" dirty="0"/>
-          </a:p>
-        </p:txBody>
-      </p:sp>
-      <p:sp>
-        <p:nvSpPr>
-          <p:cNvPr id="3" name="내용 개체 틀 2"/>
-          <p:cNvSpPr>
-            <a:spLocks noGrp="1"/>
-          </p:cNvSpPr>
-          <p:nvPr>
-            <p:ph idx="1"/>
-          </p:nvPr>
-        </p:nvSpPr>
-        <p:spPr/>
-        <p:txBody>
-          <a:bodyPr>
-            <a:normAutofit/>
-          </a:bodyPr>
-          <a:lstStyle/>
-          <a:p>
-            <a:r>
-              <a:rPr lang="en-US" altLang="ko-KR" sz="3200" dirty="0"/>
-              <a:t>NLEFT is </a:t>
-            </a:r>
-            <a:r>
-              <a:rPr lang="en-US" altLang="ko-KR" sz="3200" dirty="0" smtClean="0">
-                <a:sym typeface="Wingdings" panose="05000000000000000000" pitchFamily="2" charset="2"/>
-              </a:rPr>
-              <a:t>fully </a:t>
-            </a:r>
-            <a:r>
-              <a:rPr lang="en-US" altLang="ko-KR" sz="3200" dirty="0">
-                <a:sym typeface="Wingdings" panose="05000000000000000000" pitchFamily="2" charset="2"/>
-              </a:rPr>
-              <a:t>quantum mechanical.</a:t>
-            </a:r>
-            <a:endParaRPr lang="en-US" altLang="ko-KR" sz="3200" dirty="0"/>
-          </a:p>
-          <a:p>
-            <a:r>
-              <a:rPr lang="en-US" altLang="ko-KR" sz="3200" dirty="0"/>
-              <a:t>NLEFT </a:t>
-            </a:r>
-            <a:r>
-              <a:rPr lang="en-US" altLang="ko-KR" sz="3200" dirty="0">
-                <a:solidFill>
-                  <a:srgbClr val="FF0000"/>
-                </a:solidFill>
-              </a:rPr>
-              <a:t>does not require truncated basis expansions</a:t>
-            </a:r>
-            <a:r>
-              <a:rPr lang="en-US" altLang="ko-KR" sz="3200" dirty="0"/>
-              <a:t>, many-body perturbation theory, or any constraints on the nuclear wave function. Regularization/Truncation is in the lattice spacing.</a:t>
-            </a:r>
-          </a:p>
-          <a:p>
-            <a:r>
-              <a:rPr lang="en-US" altLang="ko-KR" sz="3200" dirty="0">
-                <a:solidFill>
-                  <a:srgbClr val="FF0000"/>
-                </a:solidFill>
-              </a:rPr>
-              <a:t>Alpha clustering emerges naturally.</a:t>
-            </a:r>
-            <a:r>
-              <a:rPr lang="en-US" altLang="ko-KR" sz="3200" dirty="0"/>
-              <a:t> </a:t>
-            </a:r>
-          </a:p>
-          <a:p>
-            <a:endParaRPr lang="en-US" altLang="ko-KR" sz="3200" dirty="0"/>
-          </a:p>
-        </p:txBody>
-      </p:sp>
-    </p:spTree>
-    <p:extLst>
-      <p:ext uri="{BB962C8B-B14F-4D97-AF65-F5344CB8AC3E}">
-        <p14:creationId xmlns:p14="http://schemas.microsoft.com/office/powerpoint/2010/main" val="2231349034"/>
-      </p:ext>
-    </p:extLst>
-  </p:cSld>
-  <p:clrMapOvr>
-    <a:masterClrMapping/>
-  </p:clrMapOvr>
-  <p:timing>
-    <p:tnLst>
-      <p:par>
-        <p:cTn id="1" dur="indefinite" restart="never" nodeType="tmRoot"/>
-      </p:par>
-    </p:tnLst>
-  </p:timing>
-</p:sld>
-</file>
-
-<file path=ppt/slides/slide7.xml><?xml version="1.0" encoding="utf-8"?>
-<p:sld xmlns:a="http://schemas.openxmlformats.org/drawingml/2006/main" xmlns:r="http://schemas.openxmlformats.org/officeDocument/2006/relationships" xmlns:p="http://schemas.openxmlformats.org/presentationml/2006/main">
-  <p:cSld>
-    <p:spTree>
-      <p:nvGrpSpPr>
-        <p:cNvPr id="1" name=""/>
-        <p:cNvGrpSpPr/>
-        <p:nvPr/>
-      </p:nvGrpSpPr>
-      <p:grpSpPr>
-        <a:xfrm>
-          <a:off x="0" y="0"/>
-          <a:ext cx="0" cy="0"/>
-          <a:chOff x="0" y="0"/>
-          <a:chExt cx="0" cy="0"/>
-        </a:xfrm>
-      </p:grpSpPr>
-      <p:sp>
-        <p:nvSpPr>
-          <p:cNvPr id="2" name="제목 1"/>
-          <p:cNvSpPr>
-            <a:spLocks noGrp="1"/>
-          </p:cNvSpPr>
-          <p:nvPr>
-            <p:ph type="title"/>
-          </p:nvPr>
-        </p:nvSpPr>
-        <p:spPr/>
-        <p:txBody>
-          <a:bodyPr/>
-          <a:lstStyle/>
-          <a:p>
-            <a:r>
-              <a:rPr lang="en-US" altLang="ko-KR" dirty="0" smtClean="0"/>
               <a:t>Chiral Effective Field Theory</a:t>
             </a:r>
             <a:endParaRPr lang="ko-KR" altLang="en-US" dirty="0"/>
@@ -23852,7 +20148,7 @@
 </p:sld>
 </file>
 
-<file path=ppt/slides/slide8.xml><?xml version="1.0" encoding="utf-8"?>
+<file path=ppt/slides/slide7.xml><?xml version="1.0" encoding="utf-8"?>
 <p:sld xmlns:a="http://schemas.openxmlformats.org/drawingml/2006/main" xmlns:r="http://schemas.openxmlformats.org/officeDocument/2006/relationships" xmlns:p="http://schemas.openxmlformats.org/presentationml/2006/main">
   <p:cSld>
     <p:spTree>
@@ -24087,6 +20383,233 @@
 </p:sld>
 </file>
 
+<file path=ppt/slides/slide8.xml><?xml version="1.0" encoding="utf-8"?>
+<p:sld xmlns:a="http://schemas.openxmlformats.org/drawingml/2006/main" xmlns:r="http://schemas.openxmlformats.org/officeDocument/2006/relationships" xmlns:p="http://schemas.openxmlformats.org/presentationml/2006/main">
+  <p:cSld>
+    <p:spTree>
+      <p:nvGrpSpPr>
+        <p:cNvPr id="1" name=""/>
+        <p:cNvGrpSpPr/>
+        <p:nvPr/>
+      </p:nvGrpSpPr>
+      <p:grpSpPr>
+        <a:xfrm>
+          <a:off x="0" y="0"/>
+          <a:ext cx="0" cy="0"/>
+          <a:chOff x="0" y="0"/>
+          <a:chExt cx="0" cy="0"/>
+        </a:xfrm>
+      </p:grpSpPr>
+      <p:sp>
+        <p:nvSpPr>
+          <p:cNvPr id="2" name="제목 1"/>
+          <p:cNvSpPr>
+            <a:spLocks noGrp="1"/>
+          </p:cNvSpPr>
+          <p:nvPr>
+            <p:ph type="title"/>
+          </p:nvPr>
+        </p:nvSpPr>
+        <p:spPr/>
+        <p:txBody>
+          <a:bodyPr/>
+          <a:lstStyle/>
+          <a:p>
+            <a:r>
+              <a:rPr lang="en-US" altLang="ko-KR" dirty="0" smtClean="0"/>
+              <a:t>Lattice chiral Hamiltonian (N3LO)</a:t>
+            </a:r>
+            <a:endParaRPr lang="ko-KR" altLang="en-US" dirty="0"/>
+          </a:p>
+        </p:txBody>
+      </p:sp>
+      <p:sp>
+        <p:nvSpPr>
+          <p:cNvPr id="3" name="TextBox 2"/>
+          <p:cNvSpPr txBox="1"/>
+          <p:nvPr/>
+        </p:nvSpPr>
+        <p:spPr>
+          <a:xfrm>
+            <a:off x="581086" y="1613760"/>
+            <a:ext cx="8532812" cy="3477875"/>
+          </a:xfrm>
+          <a:prstGeom prst="rect">
+            <a:avLst/>
+          </a:prstGeom>
+          <a:noFill/>
+        </p:spPr>
+        <p:txBody>
+          <a:bodyPr wrap="square" rtlCol="0">
+            <a:spAutoFit/>
+          </a:bodyPr>
+          <a:lstStyle/>
+          <a:p>
+            <a:r>
+              <a:rPr lang="en-US" altLang="ko-KR" sz="2000" dirty="0" smtClean="0"/>
+              <a:t>Full N3LO Hamiltonian includes</a:t>
+            </a:r>
+          </a:p>
+          <a:p>
+            <a:pPr marL="342900" indent="-342900">
+              <a:buFont typeface="Arial" panose="020B0604020202020204" pitchFamily="34" charset="0"/>
+              <a:buChar char="•"/>
+            </a:pPr>
+            <a:r>
+              <a:rPr lang="en-US" altLang="ko-KR" sz="2000" dirty="0" smtClean="0"/>
+              <a:t>Free Hamiltonian(Kinetic term)</a:t>
+            </a:r>
+          </a:p>
+          <a:p>
+            <a:pPr marL="342900" indent="-342900">
+              <a:buFont typeface="Arial" panose="020B0604020202020204" pitchFamily="34" charset="0"/>
+              <a:buChar char="•"/>
+            </a:pPr>
+            <a:r>
+              <a:rPr lang="en-US" altLang="ko-KR" sz="2000" dirty="0" smtClean="0"/>
+              <a:t>Short range (nonlocal smeared) contact interactions up to Q^4 order</a:t>
+            </a:r>
+          </a:p>
+          <a:p>
+            <a:pPr marL="342900" indent="-342900">
+              <a:buFont typeface="Arial" panose="020B0604020202020204" pitchFamily="34" charset="0"/>
+              <a:buChar char="•"/>
+            </a:pPr>
+            <a:r>
+              <a:rPr lang="en-US" altLang="ko-KR" sz="2000" dirty="0" smtClean="0"/>
+              <a:t>Isospin-breaking short range interactions</a:t>
+            </a:r>
+          </a:p>
+          <a:p>
+            <a:pPr marL="342900" indent="-342900">
+              <a:buFont typeface="Arial" panose="020B0604020202020204" pitchFamily="34" charset="0"/>
+              <a:buChar char="•"/>
+            </a:pPr>
+            <a:r>
+              <a:rPr lang="en-US" altLang="ko-KR" sz="2000" dirty="0" smtClean="0"/>
+              <a:t>One pion exchange potential </a:t>
+            </a:r>
+          </a:p>
+          <a:p>
+            <a:pPr marL="342900" indent="-342900">
+              <a:buFont typeface="Arial" panose="020B0604020202020204" pitchFamily="34" charset="0"/>
+              <a:buChar char="•"/>
+            </a:pPr>
+            <a:r>
+              <a:rPr lang="en-US" altLang="ko-KR" sz="2000" dirty="0" smtClean="0"/>
+              <a:t>Two pion exchange potential up to Q^4 order</a:t>
+            </a:r>
+          </a:p>
+          <a:p>
+            <a:pPr marL="342900" indent="-342900">
+              <a:buFont typeface="Arial" panose="020B0604020202020204" pitchFamily="34" charset="0"/>
+              <a:buChar char="•"/>
+            </a:pPr>
+            <a:r>
+              <a:rPr lang="en-US" altLang="ko-KR" sz="2000" dirty="0" smtClean="0"/>
+              <a:t>Coulomb interaction</a:t>
+            </a:r>
+          </a:p>
+          <a:p>
+            <a:pPr marL="342900" indent="-342900">
+              <a:buFont typeface="Arial" panose="020B0604020202020204" pitchFamily="34" charset="0"/>
+              <a:buChar char="•"/>
+            </a:pPr>
+            <a:r>
+              <a:rPr lang="en-US" altLang="ko-KR" sz="2000" dirty="0" smtClean="0"/>
+              <a:t>Long range isospin breaking interaction( isospin dependence in OPE)</a:t>
+            </a:r>
+          </a:p>
+          <a:p>
+            <a:pPr marL="342900" indent="-342900">
+              <a:buFont typeface="Arial" panose="020B0604020202020204" pitchFamily="34" charset="0"/>
+              <a:buChar char="•"/>
+            </a:pPr>
+            <a:r>
+              <a:rPr lang="en-US" altLang="ko-KR" sz="2000" dirty="0" smtClean="0"/>
+              <a:t>Galilean Invariance Restoration (GIR) term </a:t>
+            </a:r>
+          </a:p>
+          <a:p>
+            <a:pPr marL="342900" indent="-342900">
+              <a:buFont typeface="Arial" panose="020B0604020202020204" pitchFamily="34" charset="0"/>
+              <a:buChar char="•"/>
+            </a:pPr>
+            <a:r>
+              <a:rPr lang="en-US" altLang="ko-KR" sz="2000" dirty="0" smtClean="0"/>
+              <a:t>Three nucleon interaction</a:t>
+            </a:r>
+          </a:p>
+          <a:p>
+            <a:pPr marL="342900" indent="-342900">
+              <a:buFont typeface="Arial" panose="020B0604020202020204" pitchFamily="34" charset="0"/>
+              <a:buChar char="•"/>
+            </a:pPr>
+            <a:endParaRPr lang="en-US" altLang="ko-KR" sz="2000" dirty="0"/>
+          </a:p>
+        </p:txBody>
+      </p:sp>
+      <p:pic>
+        <p:nvPicPr>
+          <p:cNvPr id="4" name="그림 3"/>
+          <p:cNvPicPr>
+            <a:picLocks noChangeAspect="1"/>
+          </p:cNvPicPr>
+          <p:nvPr/>
+        </p:nvPicPr>
+        <p:blipFill>
+          <a:blip r:embed="rId2"/>
+          <a:stretch>
+            <a:fillRect/>
+          </a:stretch>
+        </p:blipFill>
+        <p:spPr>
+          <a:xfrm>
+            <a:off x="5904932" y="4547360"/>
+            <a:ext cx="3505768" cy="2085215"/>
+          </a:xfrm>
+          <a:prstGeom prst="rect">
+            <a:avLst/>
+          </a:prstGeom>
+        </p:spPr>
+      </p:pic>
+      <p:pic>
+        <p:nvPicPr>
+          <p:cNvPr id="5" name="그림 4"/>
+          <p:cNvPicPr>
+            <a:picLocks noChangeAspect="1"/>
+          </p:cNvPicPr>
+          <p:nvPr/>
+        </p:nvPicPr>
+        <p:blipFill>
+          <a:blip r:embed="rId3"/>
+          <a:stretch>
+            <a:fillRect/>
+          </a:stretch>
+        </p:blipFill>
+        <p:spPr>
+          <a:xfrm>
+            <a:off x="181192" y="5207771"/>
+            <a:ext cx="5357961" cy="727624"/>
+          </a:xfrm>
+          <a:prstGeom prst="rect">
+            <a:avLst/>
+          </a:prstGeom>
+        </p:spPr>
+      </p:pic>
+    </p:spTree>
+    <p:extLst>
+      <p:ext uri="{BB962C8B-B14F-4D97-AF65-F5344CB8AC3E}">
+        <p14:creationId xmlns:p14="http://schemas.microsoft.com/office/powerpoint/2010/main" val="3324199361"/>
+      </p:ext>
+    </p:extLst>
+  </p:cSld>
+  <p:clrMapOvr>
+    <a:masterClrMapping/>
+  </p:clrMapOvr>
+</p:sld>
+</file>
+
 <file path=ppt/slides/slide9.xml><?xml version="1.0" encoding="utf-8"?>
 <p:sld xmlns:a="http://schemas.openxmlformats.org/drawingml/2006/main" xmlns:r="http://schemas.openxmlformats.org/officeDocument/2006/relationships" xmlns:p="http://schemas.openxmlformats.org/presentationml/2006/main">
   <p:cSld>
@@ -24121,15 +20644,154 @@
           <a:p>
             <a:r>
               <a:rPr lang="en-US" altLang="ko-KR" dirty="0" smtClean="0"/>
-              <a:t>Lattice chiral Hamiltonian Leading order</a:t>
+              <a:t>Difficulty with full chiral interaction</a:t>
             </a:r>
             <a:endParaRPr lang="ko-KR" altLang="en-US" dirty="0"/>
+          </a:p>
+        </p:txBody>
+      </p:sp>
+      <p:sp>
+        <p:nvSpPr>
+          <p:cNvPr id="3" name="TextBox 2"/>
+          <p:cNvSpPr txBox="1"/>
+          <p:nvPr/>
+        </p:nvSpPr>
+        <p:spPr>
+          <a:xfrm>
+            <a:off x="821454" y="1772278"/>
+            <a:ext cx="8139164" cy="3477875"/>
+          </a:xfrm>
+          <a:prstGeom prst="rect">
+            <a:avLst/>
+          </a:prstGeom>
+          <a:noFill/>
+        </p:spPr>
+        <p:txBody>
+          <a:bodyPr wrap="square" rtlCol="0">
+            <a:spAutoFit/>
+          </a:bodyPr>
+          <a:lstStyle/>
+          <a:p>
+            <a:pPr marL="342900" indent="-342900">
+              <a:buFont typeface="Arial" panose="020B0604020202020204" pitchFamily="34" charset="0"/>
+              <a:buChar char="•"/>
+            </a:pPr>
+            <a:r>
+              <a:rPr lang="en-US" altLang="ko-KR" sz="2000" dirty="0" smtClean="0"/>
+              <a:t>Sign problem</a:t>
+            </a:r>
+          </a:p>
+          <a:p>
+            <a:pPr marL="821819" lvl="1" indent="-342900">
+              <a:buFont typeface="Arial" panose="020B0604020202020204" pitchFamily="34" charset="0"/>
+              <a:buChar char="•"/>
+            </a:pPr>
+            <a:r>
+              <a:rPr lang="en-US" altLang="ko-KR" sz="2000" dirty="0" smtClean="0"/>
+              <a:t>NLEFT suffers sign problems at large Euclidean time limit</a:t>
+            </a:r>
+          </a:p>
+          <a:p>
+            <a:pPr marL="821819" lvl="1" indent="-342900">
+              <a:buFont typeface="Arial" panose="020B0604020202020204" pitchFamily="34" charset="0"/>
+              <a:buChar char="•"/>
+            </a:pPr>
+            <a:r>
+              <a:rPr lang="en-US" altLang="ko-KR" sz="2000" dirty="0" smtClean="0"/>
+              <a:t>SU(4) symmetric interaction does not have sign problem</a:t>
+            </a:r>
+          </a:p>
+          <a:p>
+            <a:pPr marL="821819" lvl="1" indent="-342900">
+              <a:buFont typeface="Arial" panose="020B0604020202020204" pitchFamily="34" charset="0"/>
+              <a:buChar char="•"/>
+            </a:pPr>
+            <a:r>
+              <a:rPr lang="en-US" altLang="ko-KR" sz="2000" dirty="0" smtClean="0"/>
+              <a:t>One pion exchange and higher order chiral interaction</a:t>
+            </a:r>
+          </a:p>
+          <a:p>
+            <a:pPr marL="821819" lvl="1" indent="-342900">
+              <a:buFont typeface="Arial" panose="020B0604020202020204" pitchFamily="34" charset="0"/>
+              <a:buChar char="•"/>
+            </a:pPr>
+            <a:r>
+              <a:rPr lang="en-US" altLang="ko-KR" sz="2000" dirty="0" smtClean="0"/>
+              <a:t>Difficulty with Asymmetric nuclei</a:t>
+            </a:r>
+          </a:p>
+          <a:p>
+            <a:pPr marL="821819" lvl="1" indent="-342900">
+              <a:buFont typeface="Arial" panose="020B0604020202020204" pitchFamily="34" charset="0"/>
+              <a:buChar char="•"/>
+            </a:pPr>
+            <a:r>
+              <a:rPr lang="en-US" altLang="ko-KR" sz="2000" dirty="0" smtClean="0"/>
+              <a:t>Needs a remedy to extend to neutron rich isotopes.</a:t>
+            </a:r>
+          </a:p>
+          <a:p>
+            <a:pPr marL="342900" indent="-342900">
+              <a:buFont typeface="Arial" panose="020B0604020202020204" pitchFamily="34" charset="0"/>
+              <a:buChar char="•"/>
+            </a:pPr>
+            <a:r>
+              <a:rPr lang="en-US" altLang="ko-KR" sz="2000" dirty="0" smtClean="0"/>
+              <a:t>Improve convergence of perturbation calculation.</a:t>
+            </a:r>
+          </a:p>
+          <a:p>
+            <a:pPr marL="821819" lvl="1" indent="-342900">
+              <a:buFont typeface="Arial" panose="020B0604020202020204" pitchFamily="34" charset="0"/>
+              <a:buChar char="•"/>
+            </a:pPr>
+            <a:r>
+              <a:rPr lang="en-US" altLang="ko-KR" sz="2000" dirty="0" smtClean="0"/>
+              <a:t>Non-perturbative LO+ perturbative higher order </a:t>
+            </a:r>
+            <a:endParaRPr lang="en-US" altLang="ko-KR" sz="2000" dirty="0"/>
+          </a:p>
+          <a:p>
+            <a:pPr marL="342900" indent="-342900">
+              <a:buFont typeface="Arial" panose="020B0604020202020204" pitchFamily="34" charset="0"/>
+              <a:buChar char="•"/>
+            </a:pPr>
+            <a:r>
+              <a:rPr lang="en-US" altLang="ko-KR" sz="2000" dirty="0" smtClean="0"/>
+              <a:t>A new approach to reduce the sign </a:t>
+            </a:r>
+            <a:r>
+              <a:rPr lang="en-US" altLang="ko-KR" sz="2000" dirty="0" smtClean="0"/>
+              <a:t>problem, improve convergence.</a:t>
+            </a:r>
+            <a:endParaRPr lang="en-US" altLang="ko-KR" sz="2000" dirty="0" smtClean="0"/>
+          </a:p>
+          <a:p>
+            <a:pPr marL="342900" indent="-342900">
+              <a:buFont typeface="Arial" panose="020B0604020202020204" pitchFamily="34" charset="0"/>
+              <a:buChar char="•"/>
+            </a:pPr>
+            <a:r>
+              <a:rPr lang="en-US" altLang="ko-KR" sz="2000" dirty="0" smtClean="0">
+                <a:sym typeface="Wingdings" panose="05000000000000000000" pitchFamily="2" charset="2"/>
+              </a:rPr>
+              <a:t> Wave function matching Hamiltonian.</a:t>
+            </a:r>
+            <a:endParaRPr lang="en-US" altLang="ko-KR" sz="2000" dirty="0"/>
+          </a:p>
+          <a:p>
+            <a:pPr marL="342900" indent="-342900">
+              <a:buFont typeface="Arial" panose="020B0604020202020204" pitchFamily="34" charset="0"/>
+              <a:buChar char="•"/>
+            </a:pPr>
+            <a:endParaRPr lang="ko-KR" altLang="en-US" sz="2000" dirty="0"/>
           </a:p>
         </p:txBody>
       </p:sp>
       <p:pic>
         <p:nvPicPr>
-          <p:cNvPr id="8" name="그림 7"/>
+          <p:cNvPr id="4" name="그림 3"/>
           <p:cNvPicPr>
             <a:picLocks noChangeAspect="1"/>
           </p:cNvPicPr>
@@ -24143,128 +20805,8 @@
         </p:blipFill>
         <p:spPr>
           <a:xfrm>
-            <a:off x="488493" y="1592263"/>
-            <a:ext cx="3277057" cy="552527"/>
-          </a:xfrm>
-          <a:prstGeom prst="rect">
-            <a:avLst/>
-          </a:prstGeom>
-        </p:spPr>
-      </p:pic>
-      <p:pic>
-        <p:nvPicPr>
-          <p:cNvPr id="9" name="그림 8"/>
-          <p:cNvPicPr>
-            <a:picLocks noChangeAspect="1"/>
-          </p:cNvPicPr>
-          <p:nvPr/>
-        </p:nvPicPr>
-        <p:blipFill>
-          <a:blip r:embed="rId3"/>
-          <a:stretch>
-            <a:fillRect/>
-          </a:stretch>
-        </p:blipFill>
-        <p:spPr>
-          <a:xfrm>
-            <a:off x="668338" y="2286945"/>
-            <a:ext cx="4860925" cy="1077603"/>
-          </a:xfrm>
-          <a:prstGeom prst="rect">
-            <a:avLst/>
-          </a:prstGeom>
-        </p:spPr>
-      </p:pic>
-      <p:pic>
-        <p:nvPicPr>
-          <p:cNvPr id="10" name="그림 9"/>
-          <p:cNvPicPr>
-            <a:picLocks noChangeAspect="1"/>
-          </p:cNvPicPr>
-          <p:nvPr/>
-        </p:nvPicPr>
-        <p:blipFill>
-          <a:blip r:embed="rId4"/>
-          <a:stretch>
-            <a:fillRect/>
-          </a:stretch>
-        </p:blipFill>
-        <p:spPr>
-          <a:xfrm>
-            <a:off x="668338" y="3392488"/>
-            <a:ext cx="6462135" cy="612525"/>
-          </a:xfrm>
-          <a:prstGeom prst="rect">
-            <a:avLst/>
-          </a:prstGeom>
-        </p:spPr>
-      </p:pic>
-      <p:pic>
-        <p:nvPicPr>
-          <p:cNvPr id="11" name="그림 10"/>
-          <p:cNvPicPr>
-            <a:picLocks noChangeAspect="1"/>
-          </p:cNvPicPr>
-          <p:nvPr/>
-        </p:nvPicPr>
-        <p:blipFill>
-          <a:blip r:embed="rId5"/>
-          <a:stretch>
-            <a:fillRect/>
-          </a:stretch>
-        </p:blipFill>
-        <p:spPr>
-          <a:xfrm>
-            <a:off x="674688" y="4127493"/>
-            <a:ext cx="3364262" cy="1390561"/>
-          </a:xfrm>
-          <a:prstGeom prst="rect">
-            <a:avLst/>
-          </a:prstGeom>
-        </p:spPr>
-      </p:pic>
-      <p:pic>
-        <p:nvPicPr>
-          <p:cNvPr id="12" name="그림 11"/>
-          <p:cNvPicPr>
-            <a:picLocks noChangeAspect="1"/>
-          </p:cNvPicPr>
-          <p:nvPr/>
-        </p:nvPicPr>
-        <p:blipFill>
-          <a:blip r:embed="rId6"/>
-          <a:stretch>
-            <a:fillRect/>
-          </a:stretch>
-        </p:blipFill>
-        <p:spPr>
-          <a:xfrm>
-            <a:off x="7227708" y="3522513"/>
-            <a:ext cx="2258037" cy="310585"/>
-          </a:xfrm>
-          <a:prstGeom prst="rect">
-            <a:avLst/>
-          </a:prstGeom>
-        </p:spPr>
-      </p:pic>
-      <p:pic>
-        <p:nvPicPr>
-          <p:cNvPr id="13" name="그림 12"/>
-          <p:cNvPicPr>
-            <a:picLocks noChangeAspect="1"/>
-          </p:cNvPicPr>
-          <p:nvPr/>
-        </p:nvPicPr>
-        <p:blipFill>
-          <a:blip r:embed="rId7"/>
-          <a:stretch>
-            <a:fillRect/>
-          </a:stretch>
-        </p:blipFill>
-        <p:spPr>
-          <a:xfrm>
-            <a:off x="674688" y="5640534"/>
-            <a:ext cx="4525385" cy="661606"/>
+            <a:off x="5904932" y="4547360"/>
+            <a:ext cx="3505768" cy="2085215"/>
           </a:xfrm>
           <a:prstGeom prst="rect">
             <a:avLst/>
@@ -24274,7 +20816,7 @@
     </p:spTree>
     <p:extLst>
       <p:ext uri="{BB962C8B-B14F-4D97-AF65-F5344CB8AC3E}">
-        <p14:creationId xmlns:p14="http://schemas.microsoft.com/office/powerpoint/2010/main" val="265915704"/>
+        <p14:creationId xmlns:p14="http://schemas.microsoft.com/office/powerpoint/2010/main" val="2151944090"/>
       </p:ext>
     </p:extLst>
   </p:cSld>
@@ -24546,7 +21088,7 @@
 </file>
 
 <file path=ppt/theme/theme2.xml><?xml version="1.0" encoding="utf-8"?>
-<a:theme xmlns:a="http://schemas.openxmlformats.org/drawingml/2006/main" name="Clarity">
+<a:theme xmlns:a="http://schemas.openxmlformats.org/drawingml/2006/main" name="1_Clarity">
   <a:themeElements>
     <a:clrScheme name="Clarity">
       <a:dk1>
@@ -24834,7 +21376,7 @@
 </file>
 
 <file path=ppt/theme/theme3.xml><?xml version="1.0" encoding="utf-8"?>
-<a:theme xmlns:a="http://schemas.openxmlformats.org/drawingml/2006/main" name="1_Clarity">
+<a:theme xmlns:a="http://schemas.openxmlformats.org/drawingml/2006/main" name="3_Clarity">
   <a:themeElements>
     <a:clrScheme name="Clarity">
       <a:dk1>
@@ -25122,7 +21664,7 @@
 </file>
 
 <file path=ppt/theme/theme4.xml><?xml version="1.0" encoding="utf-8"?>
-<a:theme xmlns:a="http://schemas.openxmlformats.org/drawingml/2006/main" name="3_Clarity">
+<a:theme xmlns:a="http://schemas.openxmlformats.org/drawingml/2006/main" name="4_Clarity">
   <a:themeElements>
     <a:clrScheme name="Clarity">
       <a:dk1>
@@ -25410,7 +21952,7 @@
 </file>
 
 <file path=ppt/theme/theme5.xml><?xml version="1.0" encoding="utf-8"?>
-<a:theme xmlns:a="http://schemas.openxmlformats.org/drawingml/2006/main" name="4_Clarity">
+<a:theme xmlns:a="http://schemas.openxmlformats.org/drawingml/2006/main" name="5_Clarity">
   <a:themeElements>
     <a:clrScheme name="Clarity">
       <a:dk1>
@@ -25698,62 +22240,62 @@
 </file>
 
 <file path=ppt/theme/theme6.xml><?xml version="1.0" encoding="utf-8"?>
-<a:theme xmlns:a="http://schemas.openxmlformats.org/drawingml/2006/main" name="5_Clarity">
+<a:theme xmlns:a="http://schemas.openxmlformats.org/drawingml/2006/main" name="Office 테마">
   <a:themeElements>
-    <a:clrScheme name="Clarity">
+    <a:clrScheme name="Office">
       <a:dk1>
-        <a:srgbClr val="292934"/>
+        <a:sysClr val="windowText" lastClr="000000"/>
       </a:dk1>
       <a:lt1>
-        <a:srgbClr val="FFFFFF"/>
+        <a:sysClr val="window" lastClr="FFFFFF"/>
       </a:lt1>
       <a:dk2>
-        <a:srgbClr val="D2533C"/>
+        <a:srgbClr val="44546A"/>
       </a:dk2>
       <a:lt2>
-        <a:srgbClr val="F3F2DC"/>
+        <a:srgbClr val="E7E6E6"/>
       </a:lt2>
       <a:accent1>
-        <a:srgbClr val="93A299"/>
+        <a:srgbClr val="5B9BD5"/>
       </a:accent1>
       <a:accent2>
-        <a:srgbClr val="AD8F67"/>
+        <a:srgbClr val="ED7D31"/>
       </a:accent2>
       <a:accent3>
-        <a:srgbClr val="726056"/>
+        <a:srgbClr val="A5A5A5"/>
       </a:accent3>
       <a:accent4>
-        <a:srgbClr val="4C5A6A"/>
+        <a:srgbClr val="FFC000"/>
       </a:accent4>
       <a:accent5>
-        <a:srgbClr val="808DA0"/>
+        <a:srgbClr val="4472C4"/>
       </a:accent5>
       <a:accent6>
-        <a:srgbClr val="79463D"/>
+        <a:srgbClr val="70AD47"/>
       </a:accent6>
       <a:hlink>
-        <a:srgbClr val="0000FF"/>
+        <a:srgbClr val="0563C1"/>
       </a:hlink>
       <a:folHlink>
-        <a:srgbClr val="800080"/>
+        <a:srgbClr val="954F72"/>
       </a:folHlink>
     </a:clrScheme>
-    <a:fontScheme name="Office Classic 2">
+    <a:fontScheme name="Office">
       <a:majorFont>
-        <a:latin typeface="Arial"/>
+        <a:latin typeface="맑은 고딕" panose="020F0302020204030204"/>
         <a:ea typeface=""/>
         <a:cs typeface=""/>
         <a:font script="Jpan" typeface="ＭＳ Ｐゴシック"/>
-        <a:font script="Hang" typeface="돋움"/>
-        <a:font script="Hans" typeface="方正舒体"/>
-        <a:font script="Hant" typeface="微軟正黑體"/>
-        <a:font script="Arab" typeface="Arial"/>
-        <a:font script="Hebr" typeface="Arial"/>
-        <a:font script="Thai" typeface="Cordia New"/>
+        <a:font script="Hang" typeface="맑은 고딕"/>
+        <a:font script="Hans" typeface="宋体"/>
+        <a:font script="Hant" typeface="新細明體"/>
+        <a:font script="Arab" typeface="Times New Roman"/>
+        <a:font script="Hebr" typeface="Times New Roman"/>
+        <a:font script="Thai" typeface="Angsana New"/>
         <a:font script="Ethi" typeface="Nyala"/>
         <a:font script="Beng" typeface="Vrinda"/>
         <a:font script="Gujr" typeface="Shruti"/>
-        <a:font script="Khmr" typeface="DaunPenh"/>
+        <a:font script="Khmr" typeface="MoolBoran"/>
         <a:font script="Knda" typeface="Tunga"/>
         <a:font script="Guru" typeface="Raavi"/>
         <a:font script="Cans" typeface="Euphemia"/>
@@ -25770,18 +22312,18 @@
         <a:font script="Laoo" typeface="DokChampa"/>
         <a:font script="Sinh" typeface="Iskoola Pota"/>
         <a:font script="Mong" typeface="Mongolian Baiti"/>
-        <a:font script="Viet" typeface="Arial"/>
+        <a:font script="Viet" typeface="Times New Roman"/>
         <a:font script="Uigh" typeface="Microsoft Uighur"/>
         <a:font script="Geor" typeface="Sylfaen"/>
       </a:majorFont>
       <a:minorFont>
-        <a:latin typeface="Arial"/>
+        <a:latin typeface="맑은 고딕" panose="020F0502020204030204"/>
         <a:ea typeface=""/>
         <a:cs typeface=""/>
         <a:font script="Jpan" typeface="ＭＳ Ｐゴシック"/>
-        <a:font script="Hang" typeface="돋움"/>
-        <a:font script="Hans" typeface="方正舒体"/>
-        <a:font script="Hant" typeface="微軟正黑體"/>
+        <a:font script="Hang" typeface="맑은 고딕"/>
+        <a:font script="Hans" typeface="宋体"/>
+        <a:font script="Hant" typeface="新細明體"/>
         <a:font script="Arab" typeface="Arial"/>
         <a:font script="Hebr" typeface="Arial"/>
         <a:font script="Thai" typeface="Cordia New"/>
@@ -25810,7 +22352,7 @@
         <a:font script="Geor" typeface="Sylfaen"/>
       </a:minorFont>
     </a:fontScheme>
-    <a:fmtScheme name="Clarity">
+    <a:fmtScheme name="Office">
       <a:fillStyleLst>
         <a:solidFill>
           <a:schemeClr val="phClr"/>
@@ -25819,80 +22361,76 @@
           <a:gsLst>
             <a:gs pos="0">
               <a:schemeClr val="phClr">
-                <a:tint val="50000"/>
-                <a:shade val="86000"/>
-                <a:satMod val="140000"/>
+                <a:lumMod val="110000"/>
+                <a:satMod val="105000"/>
+                <a:tint val="67000"/>
               </a:schemeClr>
             </a:gs>
-            <a:gs pos="45000">
+            <a:gs pos="50000">
               <a:schemeClr val="phClr">
-                <a:tint val="48000"/>
-                <a:satMod val="150000"/>
+                <a:lumMod val="105000"/>
+                <a:satMod val="103000"/>
+                <a:tint val="73000"/>
               </a:schemeClr>
             </a:gs>
             <a:gs pos="100000">
               <a:schemeClr val="phClr">
-                <a:tint val="28000"/>
-                <a:satMod val="160000"/>
+                <a:lumMod val="105000"/>
+                <a:satMod val="109000"/>
+                <a:tint val="81000"/>
               </a:schemeClr>
             </a:gs>
           </a:gsLst>
-          <a:path path="circle">
-            <a:fillToRect l="100000" t="100000" r="100000" b="100000"/>
-          </a:path>
+          <a:lin ang="5400000" scaled="0"/>
         </a:gradFill>
         <a:gradFill rotWithShape="1">
           <a:gsLst>
             <a:gs pos="0">
               <a:schemeClr val="phClr">
-                <a:shade val="70000"/>
-                <a:satMod val="150000"/>
+                <a:satMod val="103000"/>
+                <a:lumMod val="102000"/>
+                <a:tint val="94000"/>
               </a:schemeClr>
             </a:gs>
-            <a:gs pos="34000">
+            <a:gs pos="50000">
               <a:schemeClr val="phClr">
-                <a:shade val="70000"/>
-                <a:satMod val="140000"/>
-              </a:schemeClr>
-            </a:gs>
-            <a:gs pos="70000">
-              <a:schemeClr val="phClr">
-                <a:tint val="100000"/>
-                <a:shade val="90000"/>
-                <a:satMod val="140000"/>
+                <a:satMod val="110000"/>
+                <a:lumMod val="100000"/>
+                <a:shade val="100000"/>
               </a:schemeClr>
             </a:gs>
             <a:gs pos="100000">
               <a:schemeClr val="phClr">
-                <a:tint val="100000"/>
-                <a:shade val="100000"/>
-                <a:satMod val="100000"/>
+                <a:lumMod val="99000"/>
+                <a:satMod val="120000"/>
+                <a:shade val="78000"/>
               </a:schemeClr>
             </a:gs>
           </a:gsLst>
-          <a:path path="circle">
-            <a:fillToRect l="100000" t="100000" r="100000" b="100000"/>
-          </a:path>
+          <a:lin ang="5400000" scaled="0"/>
         </a:gradFill>
       </a:fillStyleLst>
       <a:lnStyleLst>
-        <a:ln w="9525" cap="flat" cmpd="sng" algn="ctr">
+        <a:ln w="6350" cap="flat" cmpd="sng" algn="ctr">
           <a:solidFill>
             <a:schemeClr val="phClr"/>
           </a:solidFill>
           <a:prstDash val="solid"/>
+          <a:miter lim="800000"/>
         </a:ln>
-        <a:ln w="26425" cap="flat" cmpd="sng" algn="ctr">
+        <a:ln w="12700" cap="flat" cmpd="sng" algn="ctr">
           <a:solidFill>
             <a:schemeClr val="phClr"/>
           </a:solidFill>
           <a:prstDash val="solid"/>
+          <a:miter lim="800000"/>
         </a:ln>
-        <a:ln w="44450" cap="flat" cmpd="sng" algn="ctr">
+        <a:ln w="19050" cap="flat" cmpd="sng" algn="ctr">
           <a:solidFill>
             <a:schemeClr val="phClr"/>
           </a:solidFill>
           <a:prstDash val="solid"/>
+          <a:miter lim="800000"/>
         </a:ln>
       </a:lnStyleLst>
       <a:effectStyleLst>
@@ -25900,88 +22438,65 @@
           <a:effectLst/>
         </a:effectStyle>
         <a:effectStyle>
+          <a:effectLst/>
+        </a:effectStyle>
+        <a:effectStyle>
           <a:effectLst>
-            <a:outerShdw blurRad="38100" dist="25400" dir="2700000" algn="br" rotWithShape="0">
+            <a:outerShdw blurRad="57150" dist="19050" dir="5400000" algn="ctr" rotWithShape="0">
               <a:srgbClr val="000000">
-                <a:alpha val="60000"/>
+                <a:alpha val="63000"/>
               </a:srgbClr>
             </a:outerShdw>
           </a:effectLst>
-        </a:effectStyle>
-        <a:effectStyle>
-          <a:effectLst>
-            <a:outerShdw blurRad="38100" dist="25400" dir="2700000" algn="br" rotWithShape="0">
-              <a:srgbClr val="000000">
-                <a:alpha val="60000"/>
-              </a:srgbClr>
-            </a:outerShdw>
-          </a:effectLst>
-          <a:scene3d>
-            <a:camera prst="orthographicFront">
-              <a:rot lat="0" lon="0" rev="0"/>
-            </a:camera>
-            <a:lightRig rig="balanced" dir="t">
-              <a:rot lat="0" lon="0" rev="5100000"/>
-            </a:lightRig>
-          </a:scene3d>
-          <a:sp3d contourW="6350">
-            <a:bevelT w="29210" h="12700"/>
-            <a:contourClr>
-              <a:schemeClr val="phClr">
-                <a:shade val="30000"/>
-                <a:satMod val="130000"/>
-              </a:schemeClr>
-            </a:contourClr>
-          </a:sp3d>
         </a:effectStyle>
       </a:effectStyleLst>
       <a:bgFillStyleLst>
         <a:solidFill>
           <a:schemeClr val="phClr"/>
         </a:solidFill>
+        <a:solidFill>
+          <a:schemeClr val="phClr">
+            <a:tint val="95000"/>
+            <a:satMod val="170000"/>
+          </a:schemeClr>
+        </a:solidFill>
         <a:gradFill rotWithShape="1">
           <a:gsLst>
             <a:gs pos="0">
               <a:schemeClr val="phClr">
-                <a:tint val="85000"/>
-                <a:satMod val="180000"/>
+                <a:tint val="93000"/>
+                <a:satMod val="150000"/>
+                <a:shade val="98000"/>
+                <a:lumMod val="102000"/>
               </a:schemeClr>
             </a:gs>
-            <a:gs pos="40000">
+            <a:gs pos="50000">
               <a:schemeClr val="phClr">
-                <a:tint val="95000"/>
-                <a:shade val="85000"/>
-                <a:satMod val="150000"/>
+                <a:tint val="98000"/>
+                <a:satMod val="130000"/>
+                <a:shade val="90000"/>
+                <a:lumMod val="103000"/>
               </a:schemeClr>
             </a:gs>
             <a:gs pos="100000">
               <a:schemeClr val="phClr">
-                <a:shade val="45000"/>
-                <a:satMod val="200000"/>
+                <a:shade val="63000"/>
+                <a:satMod val="120000"/>
               </a:schemeClr>
             </a:gs>
           </a:gsLst>
           <a:lin ang="5400000" scaled="0"/>
         </a:gradFill>
-        <a:blipFill rotWithShape="1">
-          <a:blip xmlns:r="http://schemas.openxmlformats.org/officeDocument/2006/relationships" r:embed="rId1">
-            <a:duotone>
-              <a:schemeClr val="phClr">
-                <a:shade val="55000"/>
-              </a:schemeClr>
-              <a:schemeClr val="phClr">
-                <a:tint val="97000"/>
-                <a:satMod val="95000"/>
-              </a:schemeClr>
-            </a:duotone>
-          </a:blip>
-          <a:tile tx="0" ty="0" sx="70000" sy="70000" flip="none" algn="tl"/>
-        </a:blipFill>
       </a:bgFillStyleLst>
     </a:fmtScheme>
   </a:themeElements>
   <a:objectDefaults/>
   <a:extraClrSchemeLst/>
+  <a:extLst>
+    <a:ext uri="{05A4C25C-085E-4340-85A3-A5531E510DB2}">
+      <thm15:themeFamily xmlns:thm15="http://schemas.microsoft.com/office/thememl/2012/main" name="Office Theme" id="{62F939B6-93AF-4DB8-9C6B-D6C7DFDC589F}" vid="{4A3C46E8-61CC-4603-A589-7422A47A8E4A}"/>
+    </a:ext>
+  </a:extLst>
 </a:theme>
 </file>
 
@@ -26244,265 +22759,4 @@
     </a:ext>
   </a:extLst>
 </a:theme>
-</file>
-
-<file path=ppt/theme/theme8.xml><?xml version="1.0" encoding="utf-8"?>
-<a:theme xmlns:a="http://schemas.openxmlformats.org/drawingml/2006/main" name="Office 테마">
-  <a:themeElements>
-    <a:clrScheme name="Office">
-      <a:dk1>
-        <a:sysClr val="windowText" lastClr="000000"/>
-      </a:dk1>
-      <a:lt1>
-        <a:sysClr val="window" lastClr="FFFFFF"/>
-      </a:lt1>
-      <a:dk2>
-        <a:srgbClr val="44546A"/>
-      </a:dk2>
-      <a:lt2>
-        <a:srgbClr val="E7E6E6"/>
-      </a:lt2>
-      <a:accent1>
-        <a:srgbClr val="5B9BD5"/>
-      </a:accent1>
-      <a:accent2>
-        <a:srgbClr val="ED7D31"/>
-      </a:accent2>
-      <a:accent3>
-        <a:srgbClr val="A5A5A5"/>
-      </a:accent3>
-      <a:accent4>
-        <a:srgbClr val="FFC000"/>
-      </a:accent4>
-      <a:accent5>
-        <a:srgbClr val="4472C4"/>
-      </a:accent5>
-      <a:accent6>
-        <a:srgbClr val="70AD47"/>
-      </a:accent6>
-      <a:hlink>
-        <a:srgbClr val="0563C1"/>
-      </a:hlink>
-      <a:folHlink>
-        <a:srgbClr val="954F72"/>
-      </a:folHlink>
-    </a:clrScheme>
-    <a:fontScheme name="Office">
-      <a:majorFont>
-        <a:latin typeface="맑은 고딕" panose="020F0302020204030204"/>
-        <a:ea typeface=""/>
-        <a:cs typeface=""/>
-        <a:font script="Jpan" typeface="ＭＳ Ｐゴシック"/>
-        <a:font script="Hang" typeface="맑은 고딕"/>
-        <a:font script="Hans" typeface="宋体"/>
-        <a:font script="Hant" typeface="新細明體"/>
-        <a:font script="Arab" typeface="Times New Roman"/>
-        <a:font script="Hebr" typeface="Times New Roman"/>
-        <a:font script="Thai" typeface="Angsana New"/>
-        <a:font script="Ethi" typeface="Nyala"/>
-        <a:font script="Beng" typeface="Vrinda"/>
-        <a:font script="Gujr" typeface="Shruti"/>
-        <a:font script="Khmr" typeface="MoolBoran"/>
-        <a:font script="Knda" typeface="Tunga"/>
-        <a:font script="Guru" typeface="Raavi"/>
-        <a:font script="Cans" typeface="Euphemia"/>
-        <a:font script="Cher" typeface="Plantagenet Cherokee"/>
-        <a:font script="Yiii" typeface="Microsoft Yi Baiti"/>
-        <a:font script="Tibt" typeface="Microsoft Himalaya"/>
-        <a:font script="Thaa" typeface="MV Boli"/>
-        <a:font script="Deva" typeface="Mangal"/>
-        <a:font script="Telu" typeface="Gautami"/>
-        <a:font script="Taml" typeface="Latha"/>
-        <a:font script="Syrc" typeface="Estrangelo Edessa"/>
-        <a:font script="Orya" typeface="Kalinga"/>
-        <a:font script="Mlym" typeface="Kartika"/>
-        <a:font script="Laoo" typeface="DokChampa"/>
-        <a:font script="Sinh" typeface="Iskoola Pota"/>
-        <a:font script="Mong" typeface="Mongolian Baiti"/>
-        <a:font script="Viet" typeface="Times New Roman"/>
-        <a:font script="Uigh" typeface="Microsoft Uighur"/>
-        <a:font script="Geor" typeface="Sylfaen"/>
-      </a:majorFont>
-      <a:minorFont>
-        <a:latin typeface="맑은 고딕" panose="020F0502020204030204"/>
-        <a:ea typeface=""/>
-        <a:cs typeface=""/>
-        <a:font script="Jpan" typeface="ＭＳ Ｐゴシック"/>
-        <a:font script="Hang" typeface="맑은 고딕"/>
-        <a:font script="Hans" typeface="宋体"/>
-        <a:font script="Hant" typeface="新細明體"/>
-        <a:font script="Arab" typeface="Arial"/>
-        <a:font script="Hebr" typeface="Arial"/>
-        <a:font script="Thai" typeface="Cordia New"/>
-        <a:font script="Ethi" typeface="Nyala"/>
-        <a:font script="Beng" typeface="Vrinda"/>
-        <a:font script="Gujr" typeface="Shruti"/>
-        <a:font script="Khmr" typeface="DaunPenh"/>
-        <a:font script="Knda" typeface="Tunga"/>
-        <a:font script="Guru" typeface="Raavi"/>
-        <a:font script="Cans" typeface="Euphemia"/>
-        <a:font script="Cher" typeface="Plantagenet Cherokee"/>
-        <a:font script="Yiii" typeface="Microsoft Yi Baiti"/>
-        <a:font script="Tibt" typeface="Microsoft Himalaya"/>
-        <a:font script="Thaa" typeface="MV Boli"/>
-        <a:font script="Deva" typeface="Mangal"/>
-        <a:font script="Telu" typeface="Gautami"/>
-        <a:font script="Taml" typeface="Latha"/>
-        <a:font script="Syrc" typeface="Estrangelo Edessa"/>
-        <a:font script="Orya" typeface="Kalinga"/>
-        <a:font script="Mlym" typeface="Kartika"/>
-        <a:font script="Laoo" typeface="DokChampa"/>
-        <a:font script="Sinh" typeface="Iskoola Pota"/>
-        <a:font script="Mong" typeface="Mongolian Baiti"/>
-        <a:font script="Viet" typeface="Arial"/>
-        <a:font script="Uigh" typeface="Microsoft Uighur"/>
-        <a:font script="Geor" typeface="Sylfaen"/>
-      </a:minorFont>
-    </a:fontScheme>
-    <a:fmtScheme name="Office">
-      <a:fillStyleLst>
-        <a:solidFill>
-          <a:schemeClr val="phClr"/>
-        </a:solidFill>
-        <a:gradFill rotWithShape="1">
-          <a:gsLst>
-            <a:gs pos="0">
-              <a:schemeClr val="phClr">
-                <a:lumMod val="110000"/>
-                <a:satMod val="105000"/>
-                <a:tint val="67000"/>
-              </a:schemeClr>
-            </a:gs>
-            <a:gs pos="50000">
-              <a:schemeClr val="phClr">
-                <a:lumMod val="105000"/>
-                <a:satMod val="103000"/>
-                <a:tint val="73000"/>
-              </a:schemeClr>
-            </a:gs>
-            <a:gs pos="100000">
-              <a:schemeClr val="phClr">
-                <a:lumMod val="105000"/>
-                <a:satMod val="109000"/>
-                <a:tint val="81000"/>
-              </a:schemeClr>
-            </a:gs>
-          </a:gsLst>
-          <a:lin ang="5400000" scaled="0"/>
-        </a:gradFill>
-        <a:gradFill rotWithShape="1">
-          <a:gsLst>
-            <a:gs pos="0">
-              <a:schemeClr val="phClr">
-                <a:satMod val="103000"/>
-                <a:lumMod val="102000"/>
-                <a:tint val="94000"/>
-              </a:schemeClr>
-            </a:gs>
-            <a:gs pos="50000">
-              <a:schemeClr val="phClr">
-                <a:satMod val="110000"/>
-                <a:lumMod val="100000"/>
-                <a:shade val="100000"/>
-              </a:schemeClr>
-            </a:gs>
-            <a:gs pos="100000">
-              <a:schemeClr val="phClr">
-                <a:lumMod val="99000"/>
-                <a:satMod val="120000"/>
-                <a:shade val="78000"/>
-              </a:schemeClr>
-            </a:gs>
-          </a:gsLst>
-          <a:lin ang="5400000" scaled="0"/>
-        </a:gradFill>
-      </a:fillStyleLst>
-      <a:lnStyleLst>
-        <a:ln w="6350" cap="flat" cmpd="sng" algn="ctr">
-          <a:solidFill>
-            <a:schemeClr val="phClr"/>
-          </a:solidFill>
-          <a:prstDash val="solid"/>
-          <a:miter lim="800000"/>
-        </a:ln>
-        <a:ln w="12700" cap="flat" cmpd="sng" algn="ctr">
-          <a:solidFill>
-            <a:schemeClr val="phClr"/>
-          </a:solidFill>
-          <a:prstDash val="solid"/>
-          <a:miter lim="800000"/>
-        </a:ln>
-        <a:ln w="19050" cap="flat" cmpd="sng" algn="ctr">
-          <a:solidFill>
-            <a:schemeClr val="phClr"/>
-          </a:solidFill>
-          <a:prstDash val="solid"/>
-          <a:miter lim="800000"/>
-        </a:ln>
-      </a:lnStyleLst>
-      <a:effectStyleLst>
-        <a:effectStyle>
-          <a:effectLst/>
-        </a:effectStyle>
-        <a:effectStyle>
-          <a:effectLst/>
-        </a:effectStyle>
-        <a:effectStyle>
-          <a:effectLst>
-            <a:outerShdw blurRad="57150" dist="19050" dir="5400000" algn="ctr" rotWithShape="0">
-              <a:srgbClr val="000000">
-                <a:alpha val="63000"/>
-              </a:srgbClr>
-            </a:outerShdw>
-          </a:effectLst>
-        </a:effectStyle>
-      </a:effectStyleLst>
-      <a:bgFillStyleLst>
-        <a:solidFill>
-          <a:schemeClr val="phClr"/>
-        </a:solidFill>
-        <a:solidFill>
-          <a:schemeClr val="phClr">
-            <a:tint val="95000"/>
-            <a:satMod val="170000"/>
-          </a:schemeClr>
-        </a:solidFill>
-        <a:gradFill rotWithShape="1">
-          <a:gsLst>
-            <a:gs pos="0">
-              <a:schemeClr val="phClr">
-                <a:tint val="93000"/>
-                <a:satMod val="150000"/>
-                <a:shade val="98000"/>
-                <a:lumMod val="102000"/>
-              </a:schemeClr>
-            </a:gs>
-            <a:gs pos="50000">
-              <a:schemeClr val="phClr">
-                <a:tint val="98000"/>
-                <a:satMod val="130000"/>
-                <a:shade val="90000"/>
-                <a:lumMod val="103000"/>
-              </a:schemeClr>
-            </a:gs>
-            <a:gs pos="100000">
-              <a:schemeClr val="phClr">
-                <a:shade val="63000"/>
-                <a:satMod val="120000"/>
-              </a:schemeClr>
-            </a:gs>
-          </a:gsLst>
-          <a:lin ang="5400000" scaled="0"/>
-        </a:gradFill>
-      </a:bgFillStyleLst>
-    </a:fmtScheme>
-  </a:themeElements>
-  <a:objectDefaults/>
-  <a:extraClrSchemeLst/>
-  <a:extLst>
-    <a:ext uri="{05A4C25C-085E-4340-85A3-A5531E510DB2}">
-      <thm15:themeFamily xmlns:thm15="http://schemas.microsoft.com/office/thememl/2012/main" name="Office Theme" id="{62F939B6-93AF-4DB8-9C6B-D6C7DFDC589F}" vid="{4A3C46E8-61CC-4603-A589-7422A47A8E4A}"/>
-    </a:ext>
-  </a:extLst>
-</a:theme>
 </file>